--- a/Chatbot.pptx
+++ b/Chatbot.pptx
@@ -12,6 +12,9 @@
     <p:sldId id="261" r:id="rId6"/>
     <p:sldId id="263" r:id="rId7"/>
     <p:sldId id="264" r:id="rId8"/>
+    <p:sldId id="268" r:id="rId9"/>
+    <p:sldId id="269" r:id="rId10"/>
+    <p:sldId id="270" r:id="rId11"/>
   </p:sldIdLst>
   <p:sldSz cx="12192000" cy="6858000"/>
   <p:notesSz cx="6858000" cy="9144000"/>
@@ -3577,7 +3580,7 @@
           <a:p>
             <a:fld id="{CDAA09F4-0734-7A45-B051-6480ABCF1C37}" type="datetimeFigureOut">
               <a:rPr lang="de-DE" smtClean="0"/>
-              <a:t>18.03.23</a:t>
+              <a:t>20.03.23</a:t>
             </a:fld>
             <a:endParaRPr lang="de-DE"/>
           </a:p>
@@ -3775,7 +3778,7 @@
           <a:p>
             <a:fld id="{CDAA09F4-0734-7A45-B051-6480ABCF1C37}" type="datetimeFigureOut">
               <a:rPr lang="de-DE" smtClean="0"/>
-              <a:t>18.03.23</a:t>
+              <a:t>20.03.23</a:t>
             </a:fld>
             <a:endParaRPr lang="de-DE"/>
           </a:p>
@@ -3983,7 +3986,7 @@
           <a:p>
             <a:fld id="{CDAA09F4-0734-7A45-B051-6480ABCF1C37}" type="datetimeFigureOut">
               <a:rPr lang="de-DE" smtClean="0"/>
-              <a:t>18.03.23</a:t>
+              <a:t>20.03.23</a:t>
             </a:fld>
             <a:endParaRPr lang="de-DE"/>
           </a:p>
@@ -4181,7 +4184,7 @@
           <a:p>
             <a:fld id="{CDAA09F4-0734-7A45-B051-6480ABCF1C37}" type="datetimeFigureOut">
               <a:rPr lang="de-DE" smtClean="0"/>
-              <a:t>18.03.23</a:t>
+              <a:t>20.03.23</a:t>
             </a:fld>
             <a:endParaRPr lang="de-DE"/>
           </a:p>
@@ -4456,7 +4459,7 @@
           <a:p>
             <a:fld id="{CDAA09F4-0734-7A45-B051-6480ABCF1C37}" type="datetimeFigureOut">
               <a:rPr lang="de-DE" smtClean="0"/>
-              <a:t>18.03.23</a:t>
+              <a:t>20.03.23</a:t>
             </a:fld>
             <a:endParaRPr lang="de-DE"/>
           </a:p>
@@ -4721,7 +4724,7 @@
           <a:p>
             <a:fld id="{CDAA09F4-0734-7A45-B051-6480ABCF1C37}" type="datetimeFigureOut">
               <a:rPr lang="de-DE" smtClean="0"/>
-              <a:t>18.03.23</a:t>
+              <a:t>20.03.23</a:t>
             </a:fld>
             <a:endParaRPr lang="de-DE"/>
           </a:p>
@@ -5133,7 +5136,7 @@
           <a:p>
             <a:fld id="{CDAA09F4-0734-7A45-B051-6480ABCF1C37}" type="datetimeFigureOut">
               <a:rPr lang="de-DE" smtClean="0"/>
-              <a:t>18.03.23</a:t>
+              <a:t>20.03.23</a:t>
             </a:fld>
             <a:endParaRPr lang="de-DE"/>
           </a:p>
@@ -5274,7 +5277,7 @@
           <a:p>
             <a:fld id="{CDAA09F4-0734-7A45-B051-6480ABCF1C37}" type="datetimeFigureOut">
               <a:rPr lang="de-DE" smtClean="0"/>
-              <a:t>18.03.23</a:t>
+              <a:t>20.03.23</a:t>
             </a:fld>
             <a:endParaRPr lang="de-DE"/>
           </a:p>
@@ -5387,7 +5390,7 @@
           <a:p>
             <a:fld id="{CDAA09F4-0734-7A45-B051-6480ABCF1C37}" type="datetimeFigureOut">
               <a:rPr lang="de-DE" smtClean="0"/>
-              <a:t>18.03.23</a:t>
+              <a:t>20.03.23</a:t>
             </a:fld>
             <a:endParaRPr lang="de-DE"/>
           </a:p>
@@ -5698,7 +5701,7 @@
           <a:p>
             <a:fld id="{CDAA09F4-0734-7A45-B051-6480ABCF1C37}" type="datetimeFigureOut">
               <a:rPr lang="de-DE" smtClean="0"/>
-              <a:t>18.03.23</a:t>
+              <a:t>20.03.23</a:t>
             </a:fld>
             <a:endParaRPr lang="de-DE"/>
           </a:p>
@@ -5986,7 +5989,7 @@
           <a:p>
             <a:fld id="{CDAA09F4-0734-7A45-B051-6480ABCF1C37}" type="datetimeFigureOut">
               <a:rPr lang="de-DE" smtClean="0"/>
-              <a:t>18.03.23</a:t>
+              <a:t>20.03.23</a:t>
             </a:fld>
             <a:endParaRPr lang="de-DE"/>
           </a:p>
@@ -6227,7 +6230,7 @@
           <a:p>
             <a:fld id="{CDAA09F4-0734-7A45-B051-6480ABCF1C37}" type="datetimeFigureOut">
               <a:rPr lang="de-DE" smtClean="0"/>
-              <a:t>18.03.23</a:t>
+              <a:t>20.03.23</a:t>
             </a:fld>
             <a:endParaRPr lang="de-DE"/>
           </a:p>
@@ -7084,6 +7087,752 @@
 </p:sld>
 </file>
 
+<file path=ppt/slides/slide10.xml><?xml version="1.0" encoding="utf-8"?>
+<p:sld xmlns:a="http://schemas.openxmlformats.org/drawingml/2006/main" xmlns:r="http://schemas.openxmlformats.org/officeDocument/2006/relationships" xmlns:p="http://schemas.openxmlformats.org/presentationml/2006/main">
+  <p:cSld>
+    <p:bg>
+      <p:bgPr>
+        <a:solidFill>
+          <a:schemeClr val="bg1"/>
+        </a:solidFill>
+        <a:effectLst/>
+      </p:bgPr>
+    </p:bg>
+    <p:spTree>
+      <p:nvGrpSpPr>
+        <p:cNvPr id="1" name=""/>
+        <p:cNvGrpSpPr/>
+        <p:nvPr/>
+      </p:nvGrpSpPr>
+      <p:grpSpPr>
+        <a:xfrm>
+          <a:off x="0" y="0"/>
+          <a:ext cx="0" cy="0"/>
+          <a:chOff x="0" y="0"/>
+          <a:chExt cx="0" cy="0"/>
+        </a:xfrm>
+      </p:grpSpPr>
+      <p:sp useBgFill="1">
+        <p:nvSpPr>
+          <p:cNvPr id="8" name="Rectangle 7">
+            <a:extLst>
+              <a:ext uri="{FF2B5EF4-FFF2-40B4-BE49-F238E27FC236}">
+                <a16:creationId xmlns:a16="http://schemas.microsoft.com/office/drawing/2014/main" id="{09588DA8-065E-4F6F-8EFD-43104AB2E0CF}"/>
+              </a:ext>
+              <a:ext uri="{C183D7F6-B498-43B3-948B-1728B52AA6E4}">
+                <adec:decorative xmlns:adec="http://schemas.microsoft.com/office/drawing/2017/decorative" val="1"/>
+              </a:ext>
+            </a:extLst>
+          </p:cNvPr>
+          <p:cNvSpPr>
+            <a:spLocks noGrp="1" noRot="1" noChangeAspect="1" noMove="1" noResize="1" noEditPoints="1" noAdjustHandles="1" noChangeArrowheads="1" noChangeShapeType="1" noTextEdit="1"/>
+          </p:cNvSpPr>
+          <p:nvPr>
+            <p:extLst>
+              <p:ext uri="{386F3935-93C4-4BCD-93E2-E3B085C9AB24}">
+                <p16:designElem xmlns:p16="http://schemas.microsoft.com/office/powerpoint/2015/main" val="1"/>
+              </p:ext>
+            </p:extLst>
+          </p:nvPr>
+        </p:nvSpPr>
+        <p:spPr>
+          <a:xfrm>
+            <a:off x="0" y="0"/>
+            <a:ext cx="12192000" cy="6858000"/>
+          </a:xfrm>
+          <a:prstGeom prst="rect">
+            <a:avLst/>
+          </a:prstGeom>
+          <a:ln w="12700" cap="flat" cmpd="sng" algn="ctr">
+            <a:noFill/>
+            <a:prstDash val="solid"/>
+            <a:miter lim="800000"/>
+          </a:ln>
+          <a:effectLst/>
+          <a:extLst>
+            <a:ext uri="{91240B29-F687-4F45-9708-019B960494DF}">
+              <a14:hiddenLine xmlns:a14="http://schemas.microsoft.com/office/drawing/2010/main" w="12700" cap="flat" cmpd="sng" algn="ctr">
+                <a:solidFill>
+                  <a:schemeClr val="accent1">
+                    <a:shade val="50000"/>
+                  </a:schemeClr>
+                </a:solidFill>
+                <a:prstDash val="solid"/>
+                <a:miter lim="800000"/>
+              </a14:hiddenLine>
+            </a:ext>
+          </a:extLst>
+        </p:spPr>
+        <p:style>
+          <a:lnRef idx="2">
+            <a:schemeClr val="accent1">
+              <a:shade val="50000"/>
+            </a:schemeClr>
+          </a:lnRef>
+          <a:fillRef idx="1">
+            <a:schemeClr val="accent1"/>
+          </a:fillRef>
+          <a:effectRef idx="0">
+            <a:schemeClr val="accent1"/>
+          </a:effectRef>
+          <a:fontRef idx="minor">
+            <a:schemeClr val="lt1"/>
+          </a:fontRef>
+        </p:style>
+        <p:txBody>
+          <a:bodyPr rtlCol="0" anchor="ctr"/>
+          <a:lstStyle/>
+          <a:p>
+            <a:pPr algn="ctr"/>
+            <a:endParaRPr lang="en-US"/>
+          </a:p>
+        </p:txBody>
+      </p:sp>
+      <p:sp useBgFill="1">
+        <p:nvSpPr>
+          <p:cNvPr id="10" name="Rectangle 9">
+            <a:extLst>
+              <a:ext uri="{FF2B5EF4-FFF2-40B4-BE49-F238E27FC236}">
+                <a16:creationId xmlns:a16="http://schemas.microsoft.com/office/drawing/2014/main" id="{C4285719-470E-454C-AF62-8323075F1F5B}"/>
+              </a:ext>
+              <a:ext uri="{C183D7F6-B498-43B3-948B-1728B52AA6E4}">
+                <adec:decorative xmlns:adec="http://schemas.microsoft.com/office/drawing/2017/decorative" val="1"/>
+              </a:ext>
+            </a:extLst>
+          </p:cNvPr>
+          <p:cNvSpPr>
+            <a:spLocks noGrp="1" noRot="1" noChangeAspect="1" noMove="1" noResize="1" noEditPoints="1" noAdjustHandles="1" noChangeArrowheads="1" noChangeShapeType="1" noTextEdit="1"/>
+          </p:cNvSpPr>
+          <p:nvPr>
+            <p:extLst>
+              <p:ext uri="{386F3935-93C4-4BCD-93E2-E3B085C9AB24}">
+                <p16:designElem xmlns:p16="http://schemas.microsoft.com/office/powerpoint/2015/main" val="1"/>
+              </p:ext>
+            </p:extLst>
+          </p:nvPr>
+        </p:nvSpPr>
+        <p:spPr>
+          <a:xfrm>
+            <a:off x="0" y="0"/>
+            <a:ext cx="12188952" cy="6858000"/>
+          </a:xfrm>
+          <a:prstGeom prst="rect">
+            <a:avLst/>
+          </a:prstGeom>
+          <a:ln w="12700" cap="flat" cmpd="sng" algn="ctr">
+            <a:noFill/>
+            <a:prstDash val="solid"/>
+            <a:miter lim="800000"/>
+          </a:ln>
+          <a:effectLst/>
+          <a:extLst>
+            <a:ext uri="{91240B29-F687-4F45-9708-019B960494DF}">
+              <a14:hiddenLine xmlns:a14="http://schemas.microsoft.com/office/drawing/2010/main" w="12700" cap="flat" cmpd="sng" algn="ctr">
+                <a:solidFill>
+                  <a:schemeClr val="accent1">
+                    <a:shade val="50000"/>
+                  </a:schemeClr>
+                </a:solidFill>
+                <a:prstDash val="solid"/>
+                <a:miter lim="800000"/>
+              </a14:hiddenLine>
+            </a:ext>
+          </a:extLst>
+        </p:spPr>
+        <p:style>
+          <a:lnRef idx="2">
+            <a:schemeClr val="accent1">
+              <a:shade val="50000"/>
+            </a:schemeClr>
+          </a:lnRef>
+          <a:fillRef idx="1">
+            <a:schemeClr val="accent1"/>
+          </a:fillRef>
+          <a:effectRef idx="0">
+            <a:schemeClr val="accent1"/>
+          </a:effectRef>
+          <a:fontRef idx="minor">
+            <a:schemeClr val="lt1"/>
+          </a:fontRef>
+        </p:style>
+        <p:txBody>
+          <a:bodyPr rtlCol="0" anchor="ctr"/>
+          <a:lstStyle/>
+          <a:p>
+            <a:pPr algn="ctr"/>
+            <a:endParaRPr lang="en-US"/>
+          </a:p>
+        </p:txBody>
+      </p:sp>
+      <p:sp>
+        <p:nvSpPr>
+          <p:cNvPr id="12" name="Rectangle 11">
+            <a:extLst>
+              <a:ext uri="{FF2B5EF4-FFF2-40B4-BE49-F238E27FC236}">
+                <a16:creationId xmlns:a16="http://schemas.microsoft.com/office/drawing/2014/main" id="{CD9FE4EF-C4D8-49A0-B2FF-81D8DB7D8A24}"/>
+              </a:ext>
+              <a:ext uri="{C183D7F6-B498-43B3-948B-1728B52AA6E4}">
+                <adec:decorative xmlns:adec="http://schemas.microsoft.com/office/drawing/2017/decorative" val="1"/>
+              </a:ext>
+            </a:extLst>
+          </p:cNvPr>
+          <p:cNvSpPr>
+            <a:spLocks noGrp="1" noRot="1" noChangeAspect="1" noMove="1" noResize="1" noEditPoints="1" noAdjustHandles="1" noChangeArrowheads="1" noChangeShapeType="1" noTextEdit="1"/>
+          </p:cNvSpPr>
+          <p:nvPr>
+            <p:extLst>
+              <p:ext uri="{386F3935-93C4-4BCD-93E2-E3B085C9AB24}">
+                <p16:designElem xmlns:p16="http://schemas.microsoft.com/office/powerpoint/2015/main" val="1"/>
+              </p:ext>
+            </p:extLst>
+          </p:nvPr>
+        </p:nvSpPr>
+        <p:spPr>
+          <a:xfrm rot="5400000" flipH="1">
+            <a:off x="-1410084" y="1410082"/>
+            <a:ext cx="6858000" cy="4037836"/>
+          </a:xfrm>
+          <a:prstGeom prst="rect">
+            <a:avLst/>
+          </a:prstGeom>
+          <a:gradFill>
+            <a:gsLst>
+              <a:gs pos="8000">
+                <a:srgbClr val="000000"/>
+              </a:gs>
+              <a:gs pos="100000">
+                <a:schemeClr val="accent1">
+                  <a:lumMod val="75000"/>
+                </a:schemeClr>
+              </a:gs>
+            </a:gsLst>
+            <a:lin ang="3000000" scaled="0"/>
+          </a:gradFill>
+          <a:ln>
+            <a:noFill/>
+          </a:ln>
+        </p:spPr>
+        <p:style>
+          <a:lnRef idx="2">
+            <a:schemeClr val="accent1">
+              <a:shade val="50000"/>
+            </a:schemeClr>
+          </a:lnRef>
+          <a:fillRef idx="1">
+            <a:schemeClr val="accent1"/>
+          </a:fillRef>
+          <a:effectRef idx="0">
+            <a:schemeClr val="accent1"/>
+          </a:effectRef>
+          <a:fontRef idx="minor">
+            <a:schemeClr val="lt1"/>
+          </a:fontRef>
+        </p:style>
+        <p:txBody>
+          <a:bodyPr rtlCol="0" anchor="ctr"/>
+          <a:lstStyle/>
+          <a:p>
+            <a:pPr algn="ctr"/>
+            <a:endParaRPr lang="en-US"/>
+          </a:p>
+        </p:txBody>
+      </p:sp>
+      <p:sp>
+        <p:nvSpPr>
+          <p:cNvPr id="14" name="Rectangle 13">
+            <a:extLst>
+              <a:ext uri="{FF2B5EF4-FFF2-40B4-BE49-F238E27FC236}">
+                <a16:creationId xmlns:a16="http://schemas.microsoft.com/office/drawing/2014/main" id="{4300840D-0A0B-4512-BACA-B439D5B9C57C}"/>
+              </a:ext>
+              <a:ext uri="{C183D7F6-B498-43B3-948B-1728B52AA6E4}">
+                <adec:decorative xmlns:adec="http://schemas.microsoft.com/office/drawing/2017/decorative" val="1"/>
+              </a:ext>
+            </a:extLst>
+          </p:cNvPr>
+          <p:cNvSpPr>
+            <a:spLocks noGrp="1" noRot="1" noChangeAspect="1" noMove="1" noResize="1" noEditPoints="1" noAdjustHandles="1" noChangeArrowheads="1" noChangeShapeType="1" noTextEdit="1"/>
+          </p:cNvSpPr>
+          <p:nvPr>
+            <p:extLst>
+              <p:ext uri="{386F3935-93C4-4BCD-93E2-E3B085C9AB24}">
+                <p16:designElem xmlns:p16="http://schemas.microsoft.com/office/powerpoint/2015/main" val="1"/>
+              </p:ext>
+            </p:extLst>
+          </p:nvPr>
+        </p:nvSpPr>
+        <p:spPr>
+          <a:xfrm rot="5400000" flipH="1">
+            <a:off x="-1410085" y="1420219"/>
+            <a:ext cx="6857999" cy="4037839"/>
+          </a:xfrm>
+          <a:prstGeom prst="rect">
+            <a:avLst/>
+          </a:prstGeom>
+          <a:gradFill>
+            <a:gsLst>
+              <a:gs pos="0">
+                <a:srgbClr val="000000">
+                  <a:alpha val="0"/>
+                </a:srgbClr>
+              </a:gs>
+              <a:gs pos="99000">
+                <a:schemeClr val="accent1">
+                  <a:alpha val="46000"/>
+                </a:schemeClr>
+              </a:gs>
+            </a:gsLst>
+            <a:lin ang="1800000" scaled="0"/>
+          </a:gradFill>
+          <a:ln>
+            <a:noFill/>
+          </a:ln>
+        </p:spPr>
+        <p:style>
+          <a:lnRef idx="2">
+            <a:schemeClr val="accent1">
+              <a:shade val="50000"/>
+            </a:schemeClr>
+          </a:lnRef>
+          <a:fillRef idx="1">
+            <a:schemeClr val="accent1"/>
+          </a:fillRef>
+          <a:effectRef idx="0">
+            <a:schemeClr val="accent1"/>
+          </a:effectRef>
+          <a:fontRef idx="minor">
+            <a:schemeClr val="lt1"/>
+          </a:fontRef>
+        </p:style>
+        <p:txBody>
+          <a:bodyPr rtlCol="0" anchor="ctr"/>
+          <a:lstStyle/>
+          <a:p>
+            <a:pPr algn="ctr"/>
+            <a:endParaRPr lang="en-US"/>
+          </a:p>
+        </p:txBody>
+      </p:sp>
+      <p:sp>
+        <p:nvSpPr>
+          <p:cNvPr id="16" name="Rectangle 15">
+            <a:extLst>
+              <a:ext uri="{FF2B5EF4-FFF2-40B4-BE49-F238E27FC236}">
+                <a16:creationId xmlns:a16="http://schemas.microsoft.com/office/drawing/2014/main" id="{D2B78728-A580-49A7-84F9-6EF6F583ADE0}"/>
+              </a:ext>
+              <a:ext uri="{C183D7F6-B498-43B3-948B-1728B52AA6E4}">
+                <adec:decorative xmlns:adec="http://schemas.microsoft.com/office/drawing/2017/decorative" val="1"/>
+              </a:ext>
+            </a:extLst>
+          </p:cNvPr>
+          <p:cNvSpPr>
+            <a:spLocks noGrp="1" noRot="1" noChangeAspect="1" noMove="1" noResize="1" noEditPoints="1" noAdjustHandles="1" noChangeArrowheads="1" noChangeShapeType="1" noTextEdit="1"/>
+          </p:cNvSpPr>
+          <p:nvPr>
+            <p:extLst>
+              <p:ext uri="{386F3935-93C4-4BCD-93E2-E3B085C9AB24}">
+                <p16:designElem xmlns:p16="http://schemas.microsoft.com/office/powerpoint/2015/main" val="1"/>
+              </p:ext>
+            </p:extLst>
+          </p:nvPr>
+        </p:nvSpPr>
+        <p:spPr>
+          <a:xfrm rot="5400000" flipH="1">
+            <a:off x="767923" y="3588085"/>
+            <a:ext cx="2501979" cy="4037841"/>
+          </a:xfrm>
+          <a:prstGeom prst="rect">
+            <a:avLst/>
+          </a:prstGeom>
+          <a:gradFill>
+            <a:gsLst>
+              <a:gs pos="2000">
+                <a:schemeClr val="accent1">
+                  <a:alpha val="29000"/>
+                </a:schemeClr>
+              </a:gs>
+              <a:gs pos="100000">
+                <a:srgbClr val="000000">
+                  <a:alpha val="30000"/>
+                </a:srgbClr>
+              </a:gs>
+            </a:gsLst>
+            <a:lin ang="7800000" scaled="0"/>
+          </a:gradFill>
+          <a:ln>
+            <a:noFill/>
+          </a:ln>
+        </p:spPr>
+        <p:style>
+          <a:lnRef idx="2">
+            <a:schemeClr val="accent1">
+              <a:shade val="50000"/>
+            </a:schemeClr>
+          </a:lnRef>
+          <a:fillRef idx="1">
+            <a:schemeClr val="accent1"/>
+          </a:fillRef>
+          <a:effectRef idx="0">
+            <a:schemeClr val="accent1"/>
+          </a:effectRef>
+          <a:fontRef idx="minor">
+            <a:schemeClr val="lt1"/>
+          </a:fontRef>
+        </p:style>
+        <p:txBody>
+          <a:bodyPr rtlCol="0" anchor="ctr"/>
+          <a:lstStyle/>
+          <a:p>
+            <a:pPr algn="ctr"/>
+            <a:endParaRPr lang="en-US" dirty="0"/>
+          </a:p>
+        </p:txBody>
+      </p:sp>
+      <p:sp>
+        <p:nvSpPr>
+          <p:cNvPr id="18" name="Freeform: Shape 17">
+            <a:extLst>
+              <a:ext uri="{FF2B5EF4-FFF2-40B4-BE49-F238E27FC236}">
+                <a16:creationId xmlns:a16="http://schemas.microsoft.com/office/drawing/2014/main" id="{38FAA1A1-D861-433F-88FA-1E9D6FD31D11}"/>
+              </a:ext>
+              <a:ext uri="{C183D7F6-B498-43B3-948B-1728B52AA6E4}">
+                <adec:decorative xmlns:adec="http://schemas.microsoft.com/office/drawing/2017/decorative" val="1"/>
+              </a:ext>
+            </a:extLst>
+          </p:cNvPr>
+          <p:cNvSpPr>
+            <a:spLocks noGrp="1" noRot="1" noChangeAspect="1" noMove="1" noResize="1" noEditPoints="1" noAdjustHandles="1" noChangeArrowheads="1" noChangeShapeType="1" noTextEdit="1"/>
+          </p:cNvSpPr>
+          <p:nvPr>
+            <p:extLst>
+              <p:ext uri="{386F3935-93C4-4BCD-93E2-E3B085C9AB24}">
+                <p16:designElem xmlns:p16="http://schemas.microsoft.com/office/powerpoint/2015/main" val="1"/>
+              </p:ext>
+            </p:extLst>
+          </p:nvPr>
+        </p:nvSpPr>
+        <p:spPr>
+          <a:xfrm rot="20635413">
+            <a:off x="-501737" y="969718"/>
+            <a:ext cx="3900357" cy="4178958"/>
+          </a:xfrm>
+          <a:custGeom>
+            <a:avLst/>
+            <a:gdLst>
+              <a:gd name="connsiteX0" fmla="*/ 2432225 w 3900357"/>
+              <a:gd name="connsiteY0" fmla="*/ 93939 h 4178958"/>
+              <a:gd name="connsiteX1" fmla="*/ 3900357 w 3900357"/>
+              <a:gd name="connsiteY1" fmla="*/ 2089479 h 4178958"/>
+              <a:gd name="connsiteX2" fmla="*/ 1810878 w 3900357"/>
+              <a:gd name="connsiteY2" fmla="*/ 4178958 h 4178958"/>
+              <a:gd name="connsiteX3" fmla="*/ 78249 w 3900357"/>
+              <a:gd name="connsiteY3" fmla="*/ 3257727 h 4178958"/>
+              <a:gd name="connsiteX4" fmla="*/ 0 w 3900357"/>
+              <a:gd name="connsiteY4" fmla="*/ 3128923 h 4178958"/>
+              <a:gd name="connsiteX5" fmla="*/ 831324 w 3900357"/>
+              <a:gd name="connsiteY5" fmla="*/ 244281 h 4178958"/>
+              <a:gd name="connsiteX6" fmla="*/ 997559 w 3900357"/>
+              <a:gd name="connsiteY6" fmla="*/ 164202 h 4178958"/>
+              <a:gd name="connsiteX7" fmla="*/ 1810878 w 3900357"/>
+              <a:gd name="connsiteY7" fmla="*/ 0 h 4178958"/>
+              <a:gd name="connsiteX8" fmla="*/ 2432225 w 3900357"/>
+              <a:gd name="connsiteY8" fmla="*/ 93939 h 4178958"/>
+            </a:gdLst>
+            <a:ahLst/>
+            <a:cxnLst>
+              <a:cxn ang="0">
+                <a:pos x="connsiteX0" y="connsiteY0"/>
+              </a:cxn>
+              <a:cxn ang="0">
+                <a:pos x="connsiteX1" y="connsiteY1"/>
+              </a:cxn>
+              <a:cxn ang="0">
+                <a:pos x="connsiteX2" y="connsiteY2"/>
+              </a:cxn>
+              <a:cxn ang="0">
+                <a:pos x="connsiteX3" y="connsiteY3"/>
+              </a:cxn>
+              <a:cxn ang="0">
+                <a:pos x="connsiteX4" y="connsiteY4"/>
+              </a:cxn>
+              <a:cxn ang="0">
+                <a:pos x="connsiteX5" y="connsiteY5"/>
+              </a:cxn>
+              <a:cxn ang="0">
+                <a:pos x="connsiteX6" y="connsiteY6"/>
+              </a:cxn>
+              <a:cxn ang="0">
+                <a:pos x="connsiteX7" y="connsiteY7"/>
+              </a:cxn>
+              <a:cxn ang="0">
+                <a:pos x="connsiteX8" y="connsiteY8"/>
+              </a:cxn>
+            </a:cxnLst>
+            <a:rect l="l" t="t" r="r" b="b"/>
+            <a:pathLst>
+              <a:path w="3900357" h="4178958">
+                <a:moveTo>
+                  <a:pt x="2432225" y="93939"/>
+                </a:moveTo>
+                <a:cubicBezTo>
+                  <a:pt x="3282786" y="358491"/>
+                  <a:pt x="3900357" y="1151865"/>
+                  <a:pt x="3900357" y="2089479"/>
+                </a:cubicBezTo>
+                <a:cubicBezTo>
+                  <a:pt x="3900357" y="3243466"/>
+                  <a:pt x="2964865" y="4178958"/>
+                  <a:pt x="1810878" y="4178958"/>
+                </a:cubicBezTo>
+                <a:cubicBezTo>
+                  <a:pt x="1089636" y="4178958"/>
+                  <a:pt x="453744" y="3813531"/>
+                  <a:pt x="78249" y="3257727"/>
+                </a:cubicBezTo>
+                <a:lnTo>
+                  <a:pt x="0" y="3128923"/>
+                </a:lnTo>
+                <a:lnTo>
+                  <a:pt x="831324" y="244281"/>
+                </a:lnTo>
+                <a:lnTo>
+                  <a:pt x="997559" y="164202"/>
+                </a:lnTo>
+                <a:cubicBezTo>
+                  <a:pt x="1247540" y="58468"/>
+                  <a:pt x="1522381" y="0"/>
+                  <a:pt x="1810878" y="0"/>
+                </a:cubicBezTo>
+                <a:cubicBezTo>
+                  <a:pt x="2027251" y="0"/>
+                  <a:pt x="2235942" y="32888"/>
+                  <a:pt x="2432225" y="93939"/>
+                </a:cubicBezTo>
+                <a:close/>
+              </a:path>
+            </a:pathLst>
+          </a:custGeom>
+          <a:gradFill>
+            <a:gsLst>
+              <a:gs pos="29000">
+                <a:srgbClr val="000000">
+                  <a:alpha val="0"/>
+                </a:srgbClr>
+              </a:gs>
+              <a:gs pos="100000">
+                <a:schemeClr val="accent1">
+                  <a:alpha val="43000"/>
+                </a:schemeClr>
+              </a:gs>
+            </a:gsLst>
+            <a:lin ang="1800000" scaled="0"/>
+          </a:gradFill>
+          <a:ln>
+            <a:noFill/>
+          </a:ln>
+        </p:spPr>
+        <p:style>
+          <a:lnRef idx="2">
+            <a:schemeClr val="accent1">
+              <a:shade val="50000"/>
+            </a:schemeClr>
+          </a:lnRef>
+          <a:fillRef idx="1">
+            <a:schemeClr val="accent1"/>
+          </a:fillRef>
+          <a:effectRef idx="0">
+            <a:schemeClr val="accent1"/>
+          </a:effectRef>
+          <a:fontRef idx="minor">
+            <a:schemeClr val="lt1"/>
+          </a:fontRef>
+        </p:style>
+        <p:txBody>
+          <a:bodyPr wrap="square" rtlCol="0" anchor="ctr">
+            <a:noAutofit/>
+          </a:bodyPr>
+          <a:lstStyle/>
+          <a:p>
+            <a:pPr algn="ctr"/>
+            <a:endParaRPr lang="en-US" dirty="0"/>
+          </a:p>
+        </p:txBody>
+      </p:sp>
+      <p:sp>
+        <p:nvSpPr>
+          <p:cNvPr id="20" name="Rectangle 19">
+            <a:extLst>
+              <a:ext uri="{FF2B5EF4-FFF2-40B4-BE49-F238E27FC236}">
+                <a16:creationId xmlns:a16="http://schemas.microsoft.com/office/drawing/2014/main" id="{8D71EDA1-87BF-4D5D-AB79-F346FD19278A}"/>
+              </a:ext>
+              <a:ext uri="{C183D7F6-B498-43B3-948B-1728B52AA6E4}">
+                <adec:decorative xmlns:adec="http://schemas.microsoft.com/office/drawing/2017/decorative" val="1"/>
+              </a:ext>
+            </a:extLst>
+          </p:cNvPr>
+          <p:cNvSpPr>
+            <a:spLocks noGrp="1" noRot="1" noChangeAspect="1" noMove="1" noResize="1" noEditPoints="1" noAdjustHandles="1" noChangeArrowheads="1" noChangeShapeType="1" noTextEdit="1"/>
+          </p:cNvSpPr>
+          <p:nvPr>
+            <p:extLst>
+              <p:ext uri="{386F3935-93C4-4BCD-93E2-E3B085C9AB24}">
+                <p16:designElem xmlns:p16="http://schemas.microsoft.com/office/powerpoint/2015/main" val="1"/>
+              </p:ext>
+            </p:extLst>
+          </p:nvPr>
+        </p:nvSpPr>
+        <p:spPr>
+          <a:xfrm rot="5400000" flipH="1">
+            <a:off x="-1410093" y="1399943"/>
+            <a:ext cx="6858003" cy="4037835"/>
+          </a:xfrm>
+          <a:prstGeom prst="rect">
+            <a:avLst/>
+          </a:prstGeom>
+          <a:gradFill>
+            <a:gsLst>
+              <a:gs pos="0">
+                <a:srgbClr val="000000">
+                  <a:alpha val="0"/>
+                </a:srgbClr>
+              </a:gs>
+              <a:gs pos="99000">
+                <a:schemeClr val="accent1">
+                  <a:lumMod val="60000"/>
+                  <a:lumOff val="40000"/>
+                  <a:alpha val="11000"/>
+                </a:schemeClr>
+              </a:gs>
+            </a:gsLst>
+            <a:lin ang="7200000" scaled="0"/>
+          </a:gradFill>
+          <a:ln>
+            <a:noFill/>
+          </a:ln>
+        </p:spPr>
+        <p:style>
+          <a:lnRef idx="2">
+            <a:schemeClr val="accent1">
+              <a:shade val="50000"/>
+            </a:schemeClr>
+          </a:lnRef>
+          <a:fillRef idx="1">
+            <a:schemeClr val="accent1"/>
+          </a:fillRef>
+          <a:effectRef idx="0">
+            <a:schemeClr val="accent1"/>
+          </a:effectRef>
+          <a:fontRef idx="minor">
+            <a:schemeClr val="lt1"/>
+          </a:fontRef>
+        </p:style>
+        <p:txBody>
+          <a:bodyPr rtlCol="0" anchor="ctr"/>
+          <a:lstStyle/>
+          <a:p>
+            <a:pPr algn="ctr"/>
+            <a:endParaRPr lang="en-US"/>
+          </a:p>
+        </p:txBody>
+      </p:sp>
+      <p:sp>
+        <p:nvSpPr>
+          <p:cNvPr id="23" name="Titel 1">
+            <a:extLst>
+              <a:ext uri="{FF2B5EF4-FFF2-40B4-BE49-F238E27FC236}">
+                <a16:creationId xmlns:a16="http://schemas.microsoft.com/office/drawing/2014/main" id="{863F3A40-CA48-AE6D-EF44-DC2804EF6823}"/>
+              </a:ext>
+            </a:extLst>
+          </p:cNvPr>
+          <p:cNvSpPr>
+            <a:spLocks noGrp="1"/>
+          </p:cNvSpPr>
+          <p:nvPr>
+            <p:ph type="title"/>
+          </p:nvPr>
+        </p:nvSpPr>
+        <p:spPr>
+          <a:xfrm>
+            <a:off x="466722" y="586855"/>
+            <a:ext cx="3201366" cy="3387497"/>
+          </a:xfrm>
+        </p:spPr>
+        <p:txBody>
+          <a:bodyPr anchor="b">
+            <a:normAutofit/>
+          </a:bodyPr>
+          <a:lstStyle/>
+          <a:p>
+            <a:pPr algn="r"/>
+            <a:r>
+              <a:rPr lang="en-US" sz="3200" kern="1200" dirty="0">
+                <a:solidFill>
+                  <a:srgbClr val="FFFFFF"/>
+                </a:solidFill>
+                <a:latin typeface="+mj-lt"/>
+                <a:ea typeface="+mj-ea"/>
+                <a:cs typeface="+mj-cs"/>
+              </a:rPr>
+              <a:t>Attentio</a:t>
+            </a:r>
+            <a:r>
+              <a:rPr lang="en-US" sz="3200" dirty="0">
+                <a:solidFill>
+                  <a:srgbClr val="FFFFFF"/>
+                </a:solidFill>
+              </a:rPr>
+              <a:t>n Layer</a:t>
+            </a:r>
+            <a:endParaRPr lang="de-DE" sz="3100" dirty="0">
+              <a:solidFill>
+                <a:srgbClr val="FFFFFF"/>
+              </a:solidFill>
+            </a:endParaRPr>
+          </a:p>
+        </p:txBody>
+      </p:sp>
+      <p:pic>
+        <p:nvPicPr>
+          <p:cNvPr id="2" name="Grafik 1">
+            <a:extLst>
+              <a:ext uri="{FF2B5EF4-FFF2-40B4-BE49-F238E27FC236}">
+                <a16:creationId xmlns:a16="http://schemas.microsoft.com/office/drawing/2014/main" id="{C75C1960-9C8C-28D6-B125-0E9FA6BA984D}"/>
+              </a:ext>
+            </a:extLst>
+          </p:cNvPr>
+          <p:cNvPicPr>
+            <a:picLocks noChangeAspect="1"/>
+          </p:cNvPicPr>
+          <p:nvPr/>
+        </p:nvPicPr>
+        <p:blipFill>
+          <a:blip r:embed="rId2"/>
+          <a:stretch>
+            <a:fillRect/>
+          </a:stretch>
+        </p:blipFill>
+        <p:spPr>
+          <a:xfrm>
+            <a:off x="4683883" y="515216"/>
+            <a:ext cx="7116434" cy="5827568"/>
+          </a:xfrm>
+          <a:prstGeom prst="rect">
+            <a:avLst/>
+          </a:prstGeom>
+        </p:spPr>
+      </p:pic>
+    </p:spTree>
+    <p:extLst>
+      <p:ext uri="{BB962C8B-B14F-4D97-AF65-F5344CB8AC3E}">
+        <p14:creationId xmlns:p14="http://schemas.microsoft.com/office/powerpoint/2010/main" val="770821901"/>
+      </p:ext>
+    </p:extLst>
+  </p:cSld>
+  <p:clrMapOvr>
+    <a:masterClrMapping/>
+  </p:clrMapOvr>
+</p:sld>
+</file>
+
 <file path=ppt/slides/slide2.xml><?xml version="1.0" encoding="utf-8"?>
 <p:sld xmlns:a="http://schemas.openxmlformats.org/drawingml/2006/main" xmlns:r="http://schemas.openxmlformats.org/officeDocument/2006/relationships" xmlns:p="http://schemas.openxmlformats.org/presentationml/2006/main">
   <p:cSld>
@@ -12320,6 +13069,1512 @@
 </p:sld>
 </file>
 
+<file path=ppt/slides/slide8.xml><?xml version="1.0" encoding="utf-8"?>
+<p:sld xmlns:a="http://schemas.openxmlformats.org/drawingml/2006/main" xmlns:r="http://schemas.openxmlformats.org/officeDocument/2006/relationships" xmlns:p="http://schemas.openxmlformats.org/presentationml/2006/main">
+  <p:cSld>
+    <p:bg>
+      <p:bgPr>
+        <a:solidFill>
+          <a:schemeClr val="bg1"/>
+        </a:solidFill>
+        <a:effectLst/>
+      </p:bgPr>
+    </p:bg>
+    <p:spTree>
+      <p:nvGrpSpPr>
+        <p:cNvPr id="1" name=""/>
+        <p:cNvGrpSpPr/>
+        <p:nvPr/>
+      </p:nvGrpSpPr>
+      <p:grpSpPr>
+        <a:xfrm>
+          <a:off x="0" y="0"/>
+          <a:ext cx="0" cy="0"/>
+          <a:chOff x="0" y="0"/>
+          <a:chExt cx="0" cy="0"/>
+        </a:xfrm>
+      </p:grpSpPr>
+      <p:sp useBgFill="1">
+        <p:nvSpPr>
+          <p:cNvPr id="8" name="Rectangle 7">
+            <a:extLst>
+              <a:ext uri="{FF2B5EF4-FFF2-40B4-BE49-F238E27FC236}">
+                <a16:creationId xmlns:a16="http://schemas.microsoft.com/office/drawing/2014/main" id="{09588DA8-065E-4F6F-8EFD-43104AB2E0CF}"/>
+              </a:ext>
+              <a:ext uri="{C183D7F6-B498-43B3-948B-1728B52AA6E4}">
+                <adec:decorative xmlns:adec="http://schemas.microsoft.com/office/drawing/2017/decorative" val="1"/>
+              </a:ext>
+            </a:extLst>
+          </p:cNvPr>
+          <p:cNvSpPr>
+            <a:spLocks noGrp="1" noRot="1" noChangeAspect="1" noMove="1" noResize="1" noEditPoints="1" noAdjustHandles="1" noChangeArrowheads="1" noChangeShapeType="1" noTextEdit="1"/>
+          </p:cNvSpPr>
+          <p:nvPr>
+            <p:extLst>
+              <p:ext uri="{386F3935-93C4-4BCD-93E2-E3B085C9AB24}">
+                <p16:designElem xmlns:p16="http://schemas.microsoft.com/office/powerpoint/2015/main" val="1"/>
+              </p:ext>
+            </p:extLst>
+          </p:nvPr>
+        </p:nvSpPr>
+        <p:spPr>
+          <a:xfrm>
+            <a:off x="0" y="0"/>
+            <a:ext cx="12192000" cy="6858000"/>
+          </a:xfrm>
+          <a:prstGeom prst="rect">
+            <a:avLst/>
+          </a:prstGeom>
+          <a:ln w="12700" cap="flat" cmpd="sng" algn="ctr">
+            <a:noFill/>
+            <a:prstDash val="solid"/>
+            <a:miter lim="800000"/>
+          </a:ln>
+          <a:effectLst/>
+          <a:extLst>
+            <a:ext uri="{91240B29-F687-4F45-9708-019B960494DF}">
+              <a14:hiddenLine xmlns:a14="http://schemas.microsoft.com/office/drawing/2010/main" w="12700" cap="flat" cmpd="sng" algn="ctr">
+                <a:solidFill>
+                  <a:schemeClr val="accent1">
+                    <a:shade val="50000"/>
+                  </a:schemeClr>
+                </a:solidFill>
+                <a:prstDash val="solid"/>
+                <a:miter lim="800000"/>
+              </a14:hiddenLine>
+            </a:ext>
+          </a:extLst>
+        </p:spPr>
+        <p:style>
+          <a:lnRef idx="2">
+            <a:schemeClr val="accent1">
+              <a:shade val="50000"/>
+            </a:schemeClr>
+          </a:lnRef>
+          <a:fillRef idx="1">
+            <a:schemeClr val="accent1"/>
+          </a:fillRef>
+          <a:effectRef idx="0">
+            <a:schemeClr val="accent1"/>
+          </a:effectRef>
+          <a:fontRef idx="minor">
+            <a:schemeClr val="lt1"/>
+          </a:fontRef>
+        </p:style>
+        <p:txBody>
+          <a:bodyPr rtlCol="0" anchor="ctr"/>
+          <a:lstStyle/>
+          <a:p>
+            <a:pPr algn="ctr"/>
+            <a:endParaRPr lang="en-US"/>
+          </a:p>
+        </p:txBody>
+      </p:sp>
+      <p:sp useBgFill="1">
+        <p:nvSpPr>
+          <p:cNvPr id="10" name="Rectangle 9">
+            <a:extLst>
+              <a:ext uri="{FF2B5EF4-FFF2-40B4-BE49-F238E27FC236}">
+                <a16:creationId xmlns:a16="http://schemas.microsoft.com/office/drawing/2014/main" id="{C4285719-470E-454C-AF62-8323075F1F5B}"/>
+              </a:ext>
+              <a:ext uri="{C183D7F6-B498-43B3-948B-1728B52AA6E4}">
+                <adec:decorative xmlns:adec="http://schemas.microsoft.com/office/drawing/2017/decorative" val="1"/>
+              </a:ext>
+            </a:extLst>
+          </p:cNvPr>
+          <p:cNvSpPr>
+            <a:spLocks noGrp="1" noRot="1" noChangeAspect="1" noMove="1" noResize="1" noEditPoints="1" noAdjustHandles="1" noChangeArrowheads="1" noChangeShapeType="1" noTextEdit="1"/>
+          </p:cNvSpPr>
+          <p:nvPr>
+            <p:extLst>
+              <p:ext uri="{386F3935-93C4-4BCD-93E2-E3B085C9AB24}">
+                <p16:designElem xmlns:p16="http://schemas.microsoft.com/office/powerpoint/2015/main" val="1"/>
+              </p:ext>
+            </p:extLst>
+          </p:nvPr>
+        </p:nvSpPr>
+        <p:spPr>
+          <a:xfrm>
+            <a:off x="0" y="0"/>
+            <a:ext cx="12188952" cy="6858000"/>
+          </a:xfrm>
+          <a:prstGeom prst="rect">
+            <a:avLst/>
+          </a:prstGeom>
+          <a:ln w="12700" cap="flat" cmpd="sng" algn="ctr">
+            <a:noFill/>
+            <a:prstDash val="solid"/>
+            <a:miter lim="800000"/>
+          </a:ln>
+          <a:effectLst/>
+          <a:extLst>
+            <a:ext uri="{91240B29-F687-4F45-9708-019B960494DF}">
+              <a14:hiddenLine xmlns:a14="http://schemas.microsoft.com/office/drawing/2010/main" w="12700" cap="flat" cmpd="sng" algn="ctr">
+                <a:solidFill>
+                  <a:schemeClr val="accent1">
+                    <a:shade val="50000"/>
+                  </a:schemeClr>
+                </a:solidFill>
+                <a:prstDash val="solid"/>
+                <a:miter lim="800000"/>
+              </a14:hiddenLine>
+            </a:ext>
+          </a:extLst>
+        </p:spPr>
+        <p:style>
+          <a:lnRef idx="2">
+            <a:schemeClr val="accent1">
+              <a:shade val="50000"/>
+            </a:schemeClr>
+          </a:lnRef>
+          <a:fillRef idx="1">
+            <a:schemeClr val="accent1"/>
+          </a:fillRef>
+          <a:effectRef idx="0">
+            <a:schemeClr val="accent1"/>
+          </a:effectRef>
+          <a:fontRef idx="minor">
+            <a:schemeClr val="lt1"/>
+          </a:fontRef>
+        </p:style>
+        <p:txBody>
+          <a:bodyPr rtlCol="0" anchor="ctr"/>
+          <a:lstStyle/>
+          <a:p>
+            <a:pPr algn="ctr"/>
+            <a:endParaRPr lang="en-US"/>
+          </a:p>
+        </p:txBody>
+      </p:sp>
+      <p:sp>
+        <p:nvSpPr>
+          <p:cNvPr id="12" name="Rectangle 11">
+            <a:extLst>
+              <a:ext uri="{FF2B5EF4-FFF2-40B4-BE49-F238E27FC236}">
+                <a16:creationId xmlns:a16="http://schemas.microsoft.com/office/drawing/2014/main" id="{CD9FE4EF-C4D8-49A0-B2FF-81D8DB7D8A24}"/>
+              </a:ext>
+              <a:ext uri="{C183D7F6-B498-43B3-948B-1728B52AA6E4}">
+                <adec:decorative xmlns:adec="http://schemas.microsoft.com/office/drawing/2017/decorative" val="1"/>
+              </a:ext>
+            </a:extLst>
+          </p:cNvPr>
+          <p:cNvSpPr>
+            <a:spLocks noGrp="1" noRot="1" noChangeAspect="1" noMove="1" noResize="1" noEditPoints="1" noAdjustHandles="1" noChangeArrowheads="1" noChangeShapeType="1" noTextEdit="1"/>
+          </p:cNvSpPr>
+          <p:nvPr>
+            <p:extLst>
+              <p:ext uri="{386F3935-93C4-4BCD-93E2-E3B085C9AB24}">
+                <p16:designElem xmlns:p16="http://schemas.microsoft.com/office/powerpoint/2015/main" val="1"/>
+              </p:ext>
+            </p:extLst>
+          </p:nvPr>
+        </p:nvSpPr>
+        <p:spPr>
+          <a:xfrm rot="5400000" flipH="1">
+            <a:off x="-1410084" y="1410082"/>
+            <a:ext cx="6858000" cy="4037836"/>
+          </a:xfrm>
+          <a:prstGeom prst="rect">
+            <a:avLst/>
+          </a:prstGeom>
+          <a:gradFill>
+            <a:gsLst>
+              <a:gs pos="8000">
+                <a:srgbClr val="000000"/>
+              </a:gs>
+              <a:gs pos="100000">
+                <a:schemeClr val="accent1">
+                  <a:lumMod val="75000"/>
+                </a:schemeClr>
+              </a:gs>
+            </a:gsLst>
+            <a:lin ang="3000000" scaled="0"/>
+          </a:gradFill>
+          <a:ln>
+            <a:noFill/>
+          </a:ln>
+        </p:spPr>
+        <p:style>
+          <a:lnRef idx="2">
+            <a:schemeClr val="accent1">
+              <a:shade val="50000"/>
+            </a:schemeClr>
+          </a:lnRef>
+          <a:fillRef idx="1">
+            <a:schemeClr val="accent1"/>
+          </a:fillRef>
+          <a:effectRef idx="0">
+            <a:schemeClr val="accent1"/>
+          </a:effectRef>
+          <a:fontRef idx="minor">
+            <a:schemeClr val="lt1"/>
+          </a:fontRef>
+        </p:style>
+        <p:txBody>
+          <a:bodyPr rtlCol="0" anchor="ctr"/>
+          <a:lstStyle/>
+          <a:p>
+            <a:pPr algn="ctr"/>
+            <a:endParaRPr lang="en-US"/>
+          </a:p>
+        </p:txBody>
+      </p:sp>
+      <p:sp>
+        <p:nvSpPr>
+          <p:cNvPr id="14" name="Rectangle 13">
+            <a:extLst>
+              <a:ext uri="{FF2B5EF4-FFF2-40B4-BE49-F238E27FC236}">
+                <a16:creationId xmlns:a16="http://schemas.microsoft.com/office/drawing/2014/main" id="{4300840D-0A0B-4512-BACA-B439D5B9C57C}"/>
+              </a:ext>
+              <a:ext uri="{C183D7F6-B498-43B3-948B-1728B52AA6E4}">
+                <adec:decorative xmlns:adec="http://schemas.microsoft.com/office/drawing/2017/decorative" val="1"/>
+              </a:ext>
+            </a:extLst>
+          </p:cNvPr>
+          <p:cNvSpPr>
+            <a:spLocks noGrp="1" noRot="1" noChangeAspect="1" noMove="1" noResize="1" noEditPoints="1" noAdjustHandles="1" noChangeArrowheads="1" noChangeShapeType="1" noTextEdit="1"/>
+          </p:cNvSpPr>
+          <p:nvPr>
+            <p:extLst>
+              <p:ext uri="{386F3935-93C4-4BCD-93E2-E3B085C9AB24}">
+                <p16:designElem xmlns:p16="http://schemas.microsoft.com/office/powerpoint/2015/main" val="1"/>
+              </p:ext>
+            </p:extLst>
+          </p:nvPr>
+        </p:nvSpPr>
+        <p:spPr>
+          <a:xfrm rot="5400000" flipH="1">
+            <a:off x="-1410085" y="1420219"/>
+            <a:ext cx="6857999" cy="4037839"/>
+          </a:xfrm>
+          <a:prstGeom prst="rect">
+            <a:avLst/>
+          </a:prstGeom>
+          <a:gradFill>
+            <a:gsLst>
+              <a:gs pos="0">
+                <a:srgbClr val="000000">
+                  <a:alpha val="0"/>
+                </a:srgbClr>
+              </a:gs>
+              <a:gs pos="99000">
+                <a:schemeClr val="accent1">
+                  <a:alpha val="46000"/>
+                </a:schemeClr>
+              </a:gs>
+            </a:gsLst>
+            <a:lin ang="1800000" scaled="0"/>
+          </a:gradFill>
+          <a:ln>
+            <a:noFill/>
+          </a:ln>
+        </p:spPr>
+        <p:style>
+          <a:lnRef idx="2">
+            <a:schemeClr val="accent1">
+              <a:shade val="50000"/>
+            </a:schemeClr>
+          </a:lnRef>
+          <a:fillRef idx="1">
+            <a:schemeClr val="accent1"/>
+          </a:fillRef>
+          <a:effectRef idx="0">
+            <a:schemeClr val="accent1"/>
+          </a:effectRef>
+          <a:fontRef idx="minor">
+            <a:schemeClr val="lt1"/>
+          </a:fontRef>
+        </p:style>
+        <p:txBody>
+          <a:bodyPr rtlCol="0" anchor="ctr"/>
+          <a:lstStyle/>
+          <a:p>
+            <a:pPr algn="ctr"/>
+            <a:endParaRPr lang="en-US"/>
+          </a:p>
+        </p:txBody>
+      </p:sp>
+      <p:sp>
+        <p:nvSpPr>
+          <p:cNvPr id="16" name="Rectangle 15">
+            <a:extLst>
+              <a:ext uri="{FF2B5EF4-FFF2-40B4-BE49-F238E27FC236}">
+                <a16:creationId xmlns:a16="http://schemas.microsoft.com/office/drawing/2014/main" id="{D2B78728-A580-49A7-84F9-6EF6F583ADE0}"/>
+              </a:ext>
+              <a:ext uri="{C183D7F6-B498-43B3-948B-1728B52AA6E4}">
+                <adec:decorative xmlns:adec="http://schemas.microsoft.com/office/drawing/2017/decorative" val="1"/>
+              </a:ext>
+            </a:extLst>
+          </p:cNvPr>
+          <p:cNvSpPr>
+            <a:spLocks noGrp="1" noRot="1" noChangeAspect="1" noMove="1" noResize="1" noEditPoints="1" noAdjustHandles="1" noChangeArrowheads="1" noChangeShapeType="1" noTextEdit="1"/>
+          </p:cNvSpPr>
+          <p:nvPr>
+            <p:extLst>
+              <p:ext uri="{386F3935-93C4-4BCD-93E2-E3B085C9AB24}">
+                <p16:designElem xmlns:p16="http://schemas.microsoft.com/office/powerpoint/2015/main" val="1"/>
+              </p:ext>
+            </p:extLst>
+          </p:nvPr>
+        </p:nvSpPr>
+        <p:spPr>
+          <a:xfrm rot="5400000" flipH="1">
+            <a:off x="767923" y="3588085"/>
+            <a:ext cx="2501979" cy="4037841"/>
+          </a:xfrm>
+          <a:prstGeom prst="rect">
+            <a:avLst/>
+          </a:prstGeom>
+          <a:gradFill>
+            <a:gsLst>
+              <a:gs pos="2000">
+                <a:schemeClr val="accent1">
+                  <a:alpha val="29000"/>
+                </a:schemeClr>
+              </a:gs>
+              <a:gs pos="100000">
+                <a:srgbClr val="000000">
+                  <a:alpha val="30000"/>
+                </a:srgbClr>
+              </a:gs>
+            </a:gsLst>
+            <a:lin ang="7800000" scaled="0"/>
+          </a:gradFill>
+          <a:ln>
+            <a:noFill/>
+          </a:ln>
+        </p:spPr>
+        <p:style>
+          <a:lnRef idx="2">
+            <a:schemeClr val="accent1">
+              <a:shade val="50000"/>
+            </a:schemeClr>
+          </a:lnRef>
+          <a:fillRef idx="1">
+            <a:schemeClr val="accent1"/>
+          </a:fillRef>
+          <a:effectRef idx="0">
+            <a:schemeClr val="accent1"/>
+          </a:effectRef>
+          <a:fontRef idx="minor">
+            <a:schemeClr val="lt1"/>
+          </a:fontRef>
+        </p:style>
+        <p:txBody>
+          <a:bodyPr rtlCol="0" anchor="ctr"/>
+          <a:lstStyle/>
+          <a:p>
+            <a:pPr algn="ctr"/>
+            <a:endParaRPr lang="en-US" dirty="0"/>
+          </a:p>
+        </p:txBody>
+      </p:sp>
+      <p:sp>
+        <p:nvSpPr>
+          <p:cNvPr id="18" name="Freeform: Shape 17">
+            <a:extLst>
+              <a:ext uri="{FF2B5EF4-FFF2-40B4-BE49-F238E27FC236}">
+                <a16:creationId xmlns:a16="http://schemas.microsoft.com/office/drawing/2014/main" id="{38FAA1A1-D861-433F-88FA-1E9D6FD31D11}"/>
+              </a:ext>
+              <a:ext uri="{C183D7F6-B498-43B3-948B-1728B52AA6E4}">
+                <adec:decorative xmlns:adec="http://schemas.microsoft.com/office/drawing/2017/decorative" val="1"/>
+              </a:ext>
+            </a:extLst>
+          </p:cNvPr>
+          <p:cNvSpPr>
+            <a:spLocks noGrp="1" noRot="1" noChangeAspect="1" noMove="1" noResize="1" noEditPoints="1" noAdjustHandles="1" noChangeArrowheads="1" noChangeShapeType="1" noTextEdit="1"/>
+          </p:cNvSpPr>
+          <p:nvPr>
+            <p:extLst>
+              <p:ext uri="{386F3935-93C4-4BCD-93E2-E3B085C9AB24}">
+                <p16:designElem xmlns:p16="http://schemas.microsoft.com/office/powerpoint/2015/main" val="1"/>
+              </p:ext>
+            </p:extLst>
+          </p:nvPr>
+        </p:nvSpPr>
+        <p:spPr>
+          <a:xfrm rot="20635413">
+            <a:off x="-501737" y="969718"/>
+            <a:ext cx="3900357" cy="4178958"/>
+          </a:xfrm>
+          <a:custGeom>
+            <a:avLst/>
+            <a:gdLst>
+              <a:gd name="connsiteX0" fmla="*/ 2432225 w 3900357"/>
+              <a:gd name="connsiteY0" fmla="*/ 93939 h 4178958"/>
+              <a:gd name="connsiteX1" fmla="*/ 3900357 w 3900357"/>
+              <a:gd name="connsiteY1" fmla="*/ 2089479 h 4178958"/>
+              <a:gd name="connsiteX2" fmla="*/ 1810878 w 3900357"/>
+              <a:gd name="connsiteY2" fmla="*/ 4178958 h 4178958"/>
+              <a:gd name="connsiteX3" fmla="*/ 78249 w 3900357"/>
+              <a:gd name="connsiteY3" fmla="*/ 3257727 h 4178958"/>
+              <a:gd name="connsiteX4" fmla="*/ 0 w 3900357"/>
+              <a:gd name="connsiteY4" fmla="*/ 3128923 h 4178958"/>
+              <a:gd name="connsiteX5" fmla="*/ 831324 w 3900357"/>
+              <a:gd name="connsiteY5" fmla="*/ 244281 h 4178958"/>
+              <a:gd name="connsiteX6" fmla="*/ 997559 w 3900357"/>
+              <a:gd name="connsiteY6" fmla="*/ 164202 h 4178958"/>
+              <a:gd name="connsiteX7" fmla="*/ 1810878 w 3900357"/>
+              <a:gd name="connsiteY7" fmla="*/ 0 h 4178958"/>
+              <a:gd name="connsiteX8" fmla="*/ 2432225 w 3900357"/>
+              <a:gd name="connsiteY8" fmla="*/ 93939 h 4178958"/>
+            </a:gdLst>
+            <a:ahLst/>
+            <a:cxnLst>
+              <a:cxn ang="0">
+                <a:pos x="connsiteX0" y="connsiteY0"/>
+              </a:cxn>
+              <a:cxn ang="0">
+                <a:pos x="connsiteX1" y="connsiteY1"/>
+              </a:cxn>
+              <a:cxn ang="0">
+                <a:pos x="connsiteX2" y="connsiteY2"/>
+              </a:cxn>
+              <a:cxn ang="0">
+                <a:pos x="connsiteX3" y="connsiteY3"/>
+              </a:cxn>
+              <a:cxn ang="0">
+                <a:pos x="connsiteX4" y="connsiteY4"/>
+              </a:cxn>
+              <a:cxn ang="0">
+                <a:pos x="connsiteX5" y="connsiteY5"/>
+              </a:cxn>
+              <a:cxn ang="0">
+                <a:pos x="connsiteX6" y="connsiteY6"/>
+              </a:cxn>
+              <a:cxn ang="0">
+                <a:pos x="connsiteX7" y="connsiteY7"/>
+              </a:cxn>
+              <a:cxn ang="0">
+                <a:pos x="connsiteX8" y="connsiteY8"/>
+              </a:cxn>
+            </a:cxnLst>
+            <a:rect l="l" t="t" r="r" b="b"/>
+            <a:pathLst>
+              <a:path w="3900357" h="4178958">
+                <a:moveTo>
+                  <a:pt x="2432225" y="93939"/>
+                </a:moveTo>
+                <a:cubicBezTo>
+                  <a:pt x="3282786" y="358491"/>
+                  <a:pt x="3900357" y="1151865"/>
+                  <a:pt x="3900357" y="2089479"/>
+                </a:cubicBezTo>
+                <a:cubicBezTo>
+                  <a:pt x="3900357" y="3243466"/>
+                  <a:pt x="2964865" y="4178958"/>
+                  <a:pt x="1810878" y="4178958"/>
+                </a:cubicBezTo>
+                <a:cubicBezTo>
+                  <a:pt x="1089636" y="4178958"/>
+                  <a:pt x="453744" y="3813531"/>
+                  <a:pt x="78249" y="3257727"/>
+                </a:cubicBezTo>
+                <a:lnTo>
+                  <a:pt x="0" y="3128923"/>
+                </a:lnTo>
+                <a:lnTo>
+                  <a:pt x="831324" y="244281"/>
+                </a:lnTo>
+                <a:lnTo>
+                  <a:pt x="997559" y="164202"/>
+                </a:lnTo>
+                <a:cubicBezTo>
+                  <a:pt x="1247540" y="58468"/>
+                  <a:pt x="1522381" y="0"/>
+                  <a:pt x="1810878" y="0"/>
+                </a:cubicBezTo>
+                <a:cubicBezTo>
+                  <a:pt x="2027251" y="0"/>
+                  <a:pt x="2235942" y="32888"/>
+                  <a:pt x="2432225" y="93939"/>
+                </a:cubicBezTo>
+                <a:close/>
+              </a:path>
+            </a:pathLst>
+          </a:custGeom>
+          <a:gradFill>
+            <a:gsLst>
+              <a:gs pos="29000">
+                <a:srgbClr val="000000">
+                  <a:alpha val="0"/>
+                </a:srgbClr>
+              </a:gs>
+              <a:gs pos="100000">
+                <a:schemeClr val="accent1">
+                  <a:alpha val="43000"/>
+                </a:schemeClr>
+              </a:gs>
+            </a:gsLst>
+            <a:lin ang="1800000" scaled="0"/>
+          </a:gradFill>
+          <a:ln>
+            <a:noFill/>
+          </a:ln>
+        </p:spPr>
+        <p:style>
+          <a:lnRef idx="2">
+            <a:schemeClr val="accent1">
+              <a:shade val="50000"/>
+            </a:schemeClr>
+          </a:lnRef>
+          <a:fillRef idx="1">
+            <a:schemeClr val="accent1"/>
+          </a:fillRef>
+          <a:effectRef idx="0">
+            <a:schemeClr val="accent1"/>
+          </a:effectRef>
+          <a:fontRef idx="minor">
+            <a:schemeClr val="lt1"/>
+          </a:fontRef>
+        </p:style>
+        <p:txBody>
+          <a:bodyPr wrap="square" rtlCol="0" anchor="ctr">
+            <a:noAutofit/>
+          </a:bodyPr>
+          <a:lstStyle/>
+          <a:p>
+            <a:pPr algn="ctr"/>
+            <a:endParaRPr lang="en-US" dirty="0"/>
+          </a:p>
+        </p:txBody>
+      </p:sp>
+      <p:sp>
+        <p:nvSpPr>
+          <p:cNvPr id="20" name="Rectangle 19">
+            <a:extLst>
+              <a:ext uri="{FF2B5EF4-FFF2-40B4-BE49-F238E27FC236}">
+                <a16:creationId xmlns:a16="http://schemas.microsoft.com/office/drawing/2014/main" id="{8D71EDA1-87BF-4D5D-AB79-F346FD19278A}"/>
+              </a:ext>
+              <a:ext uri="{C183D7F6-B498-43B3-948B-1728B52AA6E4}">
+                <adec:decorative xmlns:adec="http://schemas.microsoft.com/office/drawing/2017/decorative" val="1"/>
+              </a:ext>
+            </a:extLst>
+          </p:cNvPr>
+          <p:cNvSpPr>
+            <a:spLocks noGrp="1" noRot="1" noChangeAspect="1" noMove="1" noResize="1" noEditPoints="1" noAdjustHandles="1" noChangeArrowheads="1" noChangeShapeType="1" noTextEdit="1"/>
+          </p:cNvSpPr>
+          <p:nvPr>
+            <p:extLst>
+              <p:ext uri="{386F3935-93C4-4BCD-93E2-E3B085C9AB24}">
+                <p16:designElem xmlns:p16="http://schemas.microsoft.com/office/powerpoint/2015/main" val="1"/>
+              </p:ext>
+            </p:extLst>
+          </p:nvPr>
+        </p:nvSpPr>
+        <p:spPr>
+          <a:xfrm rot="5400000" flipH="1">
+            <a:off x="-1410093" y="1399943"/>
+            <a:ext cx="6858003" cy="4037835"/>
+          </a:xfrm>
+          <a:prstGeom prst="rect">
+            <a:avLst/>
+          </a:prstGeom>
+          <a:gradFill>
+            <a:gsLst>
+              <a:gs pos="0">
+                <a:srgbClr val="000000">
+                  <a:alpha val="0"/>
+                </a:srgbClr>
+              </a:gs>
+              <a:gs pos="99000">
+                <a:schemeClr val="accent1">
+                  <a:lumMod val="60000"/>
+                  <a:lumOff val="40000"/>
+                  <a:alpha val="11000"/>
+                </a:schemeClr>
+              </a:gs>
+            </a:gsLst>
+            <a:lin ang="7200000" scaled="0"/>
+          </a:gradFill>
+          <a:ln>
+            <a:noFill/>
+          </a:ln>
+        </p:spPr>
+        <p:style>
+          <a:lnRef idx="2">
+            <a:schemeClr val="accent1">
+              <a:shade val="50000"/>
+            </a:schemeClr>
+          </a:lnRef>
+          <a:fillRef idx="1">
+            <a:schemeClr val="accent1"/>
+          </a:fillRef>
+          <a:effectRef idx="0">
+            <a:schemeClr val="accent1"/>
+          </a:effectRef>
+          <a:fontRef idx="minor">
+            <a:schemeClr val="lt1"/>
+          </a:fontRef>
+        </p:style>
+        <p:txBody>
+          <a:bodyPr rtlCol="0" anchor="ctr"/>
+          <a:lstStyle/>
+          <a:p>
+            <a:pPr algn="ctr"/>
+            <a:endParaRPr lang="en-US"/>
+          </a:p>
+        </p:txBody>
+      </p:sp>
+      <p:sp>
+        <p:nvSpPr>
+          <p:cNvPr id="23" name="Titel 1">
+            <a:extLst>
+              <a:ext uri="{FF2B5EF4-FFF2-40B4-BE49-F238E27FC236}">
+                <a16:creationId xmlns:a16="http://schemas.microsoft.com/office/drawing/2014/main" id="{863F3A40-CA48-AE6D-EF44-DC2804EF6823}"/>
+              </a:ext>
+            </a:extLst>
+          </p:cNvPr>
+          <p:cNvSpPr>
+            <a:spLocks noGrp="1"/>
+          </p:cNvSpPr>
+          <p:nvPr>
+            <p:ph type="title"/>
+          </p:nvPr>
+        </p:nvSpPr>
+        <p:spPr>
+          <a:xfrm>
+            <a:off x="466722" y="586855"/>
+            <a:ext cx="3201366" cy="3387497"/>
+          </a:xfrm>
+        </p:spPr>
+        <p:txBody>
+          <a:bodyPr anchor="b">
+            <a:normAutofit/>
+          </a:bodyPr>
+          <a:lstStyle/>
+          <a:p>
+            <a:pPr algn="r"/>
+            <a:r>
+              <a:rPr lang="en-US" sz="3200" kern="1200" dirty="0">
+                <a:solidFill>
+                  <a:srgbClr val="FFFFFF"/>
+                </a:solidFill>
+                <a:latin typeface="+mj-lt"/>
+                <a:ea typeface="+mj-ea"/>
+                <a:cs typeface="+mj-cs"/>
+              </a:rPr>
+              <a:t>Encoder-Decoder Modell</a:t>
+            </a:r>
+            <a:endParaRPr lang="de-DE" sz="3100" dirty="0">
+              <a:solidFill>
+                <a:srgbClr val="FFFFFF"/>
+              </a:solidFill>
+            </a:endParaRPr>
+          </a:p>
+        </p:txBody>
+      </p:sp>
+      <p:pic>
+        <p:nvPicPr>
+          <p:cNvPr id="2" name="Grafik 1" descr="Ein Bild, das Diagramm enthält.&#10;&#10;Automatisch generierte Beschreibung">
+            <a:extLst>
+              <a:ext uri="{FF2B5EF4-FFF2-40B4-BE49-F238E27FC236}">
+                <a16:creationId xmlns:a16="http://schemas.microsoft.com/office/drawing/2014/main" id="{2F7E7329-FD61-077D-4095-FCCD272C00B1}"/>
+              </a:ext>
+            </a:extLst>
+          </p:cNvPr>
+          <p:cNvPicPr>
+            <a:picLocks noChangeAspect="1"/>
+          </p:cNvPicPr>
+          <p:nvPr/>
+        </p:nvPicPr>
+        <p:blipFill>
+          <a:blip r:embed="rId2"/>
+          <a:stretch>
+            <a:fillRect/>
+          </a:stretch>
+        </p:blipFill>
+        <p:spPr>
+          <a:xfrm>
+            <a:off x="4504548" y="934549"/>
+            <a:ext cx="7115952" cy="4988901"/>
+          </a:xfrm>
+          <a:prstGeom prst="rect">
+            <a:avLst/>
+          </a:prstGeom>
+        </p:spPr>
+      </p:pic>
+    </p:spTree>
+    <p:extLst>
+      <p:ext uri="{BB962C8B-B14F-4D97-AF65-F5344CB8AC3E}">
+        <p14:creationId xmlns:p14="http://schemas.microsoft.com/office/powerpoint/2010/main" val="4016249670"/>
+      </p:ext>
+    </p:extLst>
+  </p:cSld>
+  <p:clrMapOvr>
+    <a:masterClrMapping/>
+  </p:clrMapOvr>
+</p:sld>
+</file>
+
+<file path=ppt/slides/slide9.xml><?xml version="1.0" encoding="utf-8"?>
+<p:sld xmlns:a="http://schemas.openxmlformats.org/drawingml/2006/main" xmlns:r="http://schemas.openxmlformats.org/officeDocument/2006/relationships" xmlns:p="http://schemas.openxmlformats.org/presentationml/2006/main">
+  <p:cSld>
+    <p:bg>
+      <p:bgPr>
+        <a:solidFill>
+          <a:schemeClr val="bg1"/>
+        </a:solidFill>
+        <a:effectLst/>
+      </p:bgPr>
+    </p:bg>
+    <p:spTree>
+      <p:nvGrpSpPr>
+        <p:cNvPr id="1" name=""/>
+        <p:cNvGrpSpPr/>
+        <p:nvPr/>
+      </p:nvGrpSpPr>
+      <p:grpSpPr>
+        <a:xfrm>
+          <a:off x="0" y="0"/>
+          <a:ext cx="0" cy="0"/>
+          <a:chOff x="0" y="0"/>
+          <a:chExt cx="0" cy="0"/>
+        </a:xfrm>
+      </p:grpSpPr>
+      <p:sp useBgFill="1">
+        <p:nvSpPr>
+          <p:cNvPr id="8" name="Rectangle 7">
+            <a:extLst>
+              <a:ext uri="{FF2B5EF4-FFF2-40B4-BE49-F238E27FC236}">
+                <a16:creationId xmlns:a16="http://schemas.microsoft.com/office/drawing/2014/main" id="{09588DA8-065E-4F6F-8EFD-43104AB2E0CF}"/>
+              </a:ext>
+              <a:ext uri="{C183D7F6-B498-43B3-948B-1728B52AA6E4}">
+                <adec:decorative xmlns:adec="http://schemas.microsoft.com/office/drawing/2017/decorative" val="1"/>
+              </a:ext>
+            </a:extLst>
+          </p:cNvPr>
+          <p:cNvSpPr>
+            <a:spLocks noGrp="1" noRot="1" noChangeAspect="1" noMove="1" noResize="1" noEditPoints="1" noAdjustHandles="1" noChangeArrowheads="1" noChangeShapeType="1" noTextEdit="1"/>
+          </p:cNvSpPr>
+          <p:nvPr>
+            <p:extLst>
+              <p:ext uri="{386F3935-93C4-4BCD-93E2-E3B085C9AB24}">
+                <p16:designElem xmlns:p16="http://schemas.microsoft.com/office/powerpoint/2015/main" val="1"/>
+              </p:ext>
+            </p:extLst>
+          </p:nvPr>
+        </p:nvSpPr>
+        <p:spPr>
+          <a:xfrm>
+            <a:off x="0" y="0"/>
+            <a:ext cx="12192000" cy="6858000"/>
+          </a:xfrm>
+          <a:prstGeom prst="rect">
+            <a:avLst/>
+          </a:prstGeom>
+          <a:ln w="12700" cap="flat" cmpd="sng" algn="ctr">
+            <a:noFill/>
+            <a:prstDash val="solid"/>
+            <a:miter lim="800000"/>
+          </a:ln>
+          <a:effectLst/>
+          <a:extLst>
+            <a:ext uri="{91240B29-F687-4F45-9708-019B960494DF}">
+              <a14:hiddenLine xmlns:a14="http://schemas.microsoft.com/office/drawing/2010/main" w="12700" cap="flat" cmpd="sng" algn="ctr">
+                <a:solidFill>
+                  <a:schemeClr val="accent1">
+                    <a:shade val="50000"/>
+                  </a:schemeClr>
+                </a:solidFill>
+                <a:prstDash val="solid"/>
+                <a:miter lim="800000"/>
+              </a14:hiddenLine>
+            </a:ext>
+          </a:extLst>
+        </p:spPr>
+        <p:style>
+          <a:lnRef idx="2">
+            <a:schemeClr val="accent1">
+              <a:shade val="50000"/>
+            </a:schemeClr>
+          </a:lnRef>
+          <a:fillRef idx="1">
+            <a:schemeClr val="accent1"/>
+          </a:fillRef>
+          <a:effectRef idx="0">
+            <a:schemeClr val="accent1"/>
+          </a:effectRef>
+          <a:fontRef idx="minor">
+            <a:schemeClr val="lt1"/>
+          </a:fontRef>
+        </p:style>
+        <p:txBody>
+          <a:bodyPr rtlCol="0" anchor="ctr"/>
+          <a:lstStyle/>
+          <a:p>
+            <a:pPr algn="ctr"/>
+            <a:endParaRPr lang="en-US"/>
+          </a:p>
+        </p:txBody>
+      </p:sp>
+      <p:sp useBgFill="1">
+        <p:nvSpPr>
+          <p:cNvPr id="10" name="Rectangle 9">
+            <a:extLst>
+              <a:ext uri="{FF2B5EF4-FFF2-40B4-BE49-F238E27FC236}">
+                <a16:creationId xmlns:a16="http://schemas.microsoft.com/office/drawing/2014/main" id="{C4285719-470E-454C-AF62-8323075F1F5B}"/>
+              </a:ext>
+              <a:ext uri="{C183D7F6-B498-43B3-948B-1728B52AA6E4}">
+                <adec:decorative xmlns:adec="http://schemas.microsoft.com/office/drawing/2017/decorative" val="1"/>
+              </a:ext>
+            </a:extLst>
+          </p:cNvPr>
+          <p:cNvSpPr>
+            <a:spLocks noGrp="1" noRot="1" noChangeAspect="1" noMove="1" noResize="1" noEditPoints="1" noAdjustHandles="1" noChangeArrowheads="1" noChangeShapeType="1" noTextEdit="1"/>
+          </p:cNvSpPr>
+          <p:nvPr>
+            <p:extLst>
+              <p:ext uri="{386F3935-93C4-4BCD-93E2-E3B085C9AB24}">
+                <p16:designElem xmlns:p16="http://schemas.microsoft.com/office/powerpoint/2015/main" val="1"/>
+              </p:ext>
+            </p:extLst>
+          </p:nvPr>
+        </p:nvSpPr>
+        <p:spPr>
+          <a:xfrm>
+            <a:off x="0" y="0"/>
+            <a:ext cx="12188952" cy="6858000"/>
+          </a:xfrm>
+          <a:prstGeom prst="rect">
+            <a:avLst/>
+          </a:prstGeom>
+          <a:ln w="12700" cap="flat" cmpd="sng" algn="ctr">
+            <a:noFill/>
+            <a:prstDash val="solid"/>
+            <a:miter lim="800000"/>
+          </a:ln>
+          <a:effectLst/>
+          <a:extLst>
+            <a:ext uri="{91240B29-F687-4F45-9708-019B960494DF}">
+              <a14:hiddenLine xmlns:a14="http://schemas.microsoft.com/office/drawing/2010/main" w="12700" cap="flat" cmpd="sng" algn="ctr">
+                <a:solidFill>
+                  <a:schemeClr val="accent1">
+                    <a:shade val="50000"/>
+                  </a:schemeClr>
+                </a:solidFill>
+                <a:prstDash val="solid"/>
+                <a:miter lim="800000"/>
+              </a14:hiddenLine>
+            </a:ext>
+          </a:extLst>
+        </p:spPr>
+        <p:style>
+          <a:lnRef idx="2">
+            <a:schemeClr val="accent1">
+              <a:shade val="50000"/>
+            </a:schemeClr>
+          </a:lnRef>
+          <a:fillRef idx="1">
+            <a:schemeClr val="accent1"/>
+          </a:fillRef>
+          <a:effectRef idx="0">
+            <a:schemeClr val="accent1"/>
+          </a:effectRef>
+          <a:fontRef idx="minor">
+            <a:schemeClr val="lt1"/>
+          </a:fontRef>
+        </p:style>
+        <p:txBody>
+          <a:bodyPr rtlCol="0" anchor="ctr"/>
+          <a:lstStyle/>
+          <a:p>
+            <a:pPr algn="ctr"/>
+            <a:endParaRPr lang="en-US"/>
+          </a:p>
+        </p:txBody>
+      </p:sp>
+      <p:sp>
+        <p:nvSpPr>
+          <p:cNvPr id="12" name="Rectangle 11">
+            <a:extLst>
+              <a:ext uri="{FF2B5EF4-FFF2-40B4-BE49-F238E27FC236}">
+                <a16:creationId xmlns:a16="http://schemas.microsoft.com/office/drawing/2014/main" id="{CD9FE4EF-C4D8-49A0-B2FF-81D8DB7D8A24}"/>
+              </a:ext>
+              <a:ext uri="{C183D7F6-B498-43B3-948B-1728B52AA6E4}">
+                <adec:decorative xmlns:adec="http://schemas.microsoft.com/office/drawing/2017/decorative" val="1"/>
+              </a:ext>
+            </a:extLst>
+          </p:cNvPr>
+          <p:cNvSpPr>
+            <a:spLocks noGrp="1" noRot="1" noChangeAspect="1" noMove="1" noResize="1" noEditPoints="1" noAdjustHandles="1" noChangeArrowheads="1" noChangeShapeType="1" noTextEdit="1"/>
+          </p:cNvSpPr>
+          <p:nvPr>
+            <p:extLst>
+              <p:ext uri="{386F3935-93C4-4BCD-93E2-E3B085C9AB24}">
+                <p16:designElem xmlns:p16="http://schemas.microsoft.com/office/powerpoint/2015/main" val="1"/>
+              </p:ext>
+            </p:extLst>
+          </p:nvPr>
+        </p:nvSpPr>
+        <p:spPr>
+          <a:xfrm rot="5400000" flipH="1">
+            <a:off x="-1410084" y="1410082"/>
+            <a:ext cx="6858000" cy="4037836"/>
+          </a:xfrm>
+          <a:prstGeom prst="rect">
+            <a:avLst/>
+          </a:prstGeom>
+          <a:gradFill>
+            <a:gsLst>
+              <a:gs pos="8000">
+                <a:srgbClr val="000000"/>
+              </a:gs>
+              <a:gs pos="100000">
+                <a:schemeClr val="accent1">
+                  <a:lumMod val="75000"/>
+                </a:schemeClr>
+              </a:gs>
+            </a:gsLst>
+            <a:lin ang="3000000" scaled="0"/>
+          </a:gradFill>
+          <a:ln>
+            <a:noFill/>
+          </a:ln>
+        </p:spPr>
+        <p:style>
+          <a:lnRef idx="2">
+            <a:schemeClr val="accent1">
+              <a:shade val="50000"/>
+            </a:schemeClr>
+          </a:lnRef>
+          <a:fillRef idx="1">
+            <a:schemeClr val="accent1"/>
+          </a:fillRef>
+          <a:effectRef idx="0">
+            <a:schemeClr val="accent1"/>
+          </a:effectRef>
+          <a:fontRef idx="minor">
+            <a:schemeClr val="lt1"/>
+          </a:fontRef>
+        </p:style>
+        <p:txBody>
+          <a:bodyPr rtlCol="0" anchor="ctr"/>
+          <a:lstStyle/>
+          <a:p>
+            <a:pPr algn="ctr"/>
+            <a:endParaRPr lang="en-US"/>
+          </a:p>
+        </p:txBody>
+      </p:sp>
+      <p:sp>
+        <p:nvSpPr>
+          <p:cNvPr id="14" name="Rectangle 13">
+            <a:extLst>
+              <a:ext uri="{FF2B5EF4-FFF2-40B4-BE49-F238E27FC236}">
+                <a16:creationId xmlns:a16="http://schemas.microsoft.com/office/drawing/2014/main" id="{4300840D-0A0B-4512-BACA-B439D5B9C57C}"/>
+              </a:ext>
+              <a:ext uri="{C183D7F6-B498-43B3-948B-1728B52AA6E4}">
+                <adec:decorative xmlns:adec="http://schemas.microsoft.com/office/drawing/2017/decorative" val="1"/>
+              </a:ext>
+            </a:extLst>
+          </p:cNvPr>
+          <p:cNvSpPr>
+            <a:spLocks noGrp="1" noRot="1" noChangeAspect="1" noMove="1" noResize="1" noEditPoints="1" noAdjustHandles="1" noChangeArrowheads="1" noChangeShapeType="1" noTextEdit="1"/>
+          </p:cNvSpPr>
+          <p:nvPr>
+            <p:extLst>
+              <p:ext uri="{386F3935-93C4-4BCD-93E2-E3B085C9AB24}">
+                <p16:designElem xmlns:p16="http://schemas.microsoft.com/office/powerpoint/2015/main" val="1"/>
+              </p:ext>
+            </p:extLst>
+          </p:nvPr>
+        </p:nvSpPr>
+        <p:spPr>
+          <a:xfrm rot="5400000" flipH="1">
+            <a:off x="-1410085" y="1420219"/>
+            <a:ext cx="6857999" cy="4037839"/>
+          </a:xfrm>
+          <a:prstGeom prst="rect">
+            <a:avLst/>
+          </a:prstGeom>
+          <a:gradFill>
+            <a:gsLst>
+              <a:gs pos="0">
+                <a:srgbClr val="000000">
+                  <a:alpha val="0"/>
+                </a:srgbClr>
+              </a:gs>
+              <a:gs pos="99000">
+                <a:schemeClr val="accent1">
+                  <a:alpha val="46000"/>
+                </a:schemeClr>
+              </a:gs>
+            </a:gsLst>
+            <a:lin ang="1800000" scaled="0"/>
+          </a:gradFill>
+          <a:ln>
+            <a:noFill/>
+          </a:ln>
+        </p:spPr>
+        <p:style>
+          <a:lnRef idx="2">
+            <a:schemeClr val="accent1">
+              <a:shade val="50000"/>
+            </a:schemeClr>
+          </a:lnRef>
+          <a:fillRef idx="1">
+            <a:schemeClr val="accent1"/>
+          </a:fillRef>
+          <a:effectRef idx="0">
+            <a:schemeClr val="accent1"/>
+          </a:effectRef>
+          <a:fontRef idx="minor">
+            <a:schemeClr val="lt1"/>
+          </a:fontRef>
+        </p:style>
+        <p:txBody>
+          <a:bodyPr rtlCol="0" anchor="ctr"/>
+          <a:lstStyle/>
+          <a:p>
+            <a:pPr algn="ctr"/>
+            <a:endParaRPr lang="en-US"/>
+          </a:p>
+        </p:txBody>
+      </p:sp>
+      <p:sp>
+        <p:nvSpPr>
+          <p:cNvPr id="16" name="Rectangle 15">
+            <a:extLst>
+              <a:ext uri="{FF2B5EF4-FFF2-40B4-BE49-F238E27FC236}">
+                <a16:creationId xmlns:a16="http://schemas.microsoft.com/office/drawing/2014/main" id="{D2B78728-A580-49A7-84F9-6EF6F583ADE0}"/>
+              </a:ext>
+              <a:ext uri="{C183D7F6-B498-43B3-948B-1728B52AA6E4}">
+                <adec:decorative xmlns:adec="http://schemas.microsoft.com/office/drawing/2017/decorative" val="1"/>
+              </a:ext>
+            </a:extLst>
+          </p:cNvPr>
+          <p:cNvSpPr>
+            <a:spLocks noGrp="1" noRot="1" noChangeAspect="1" noMove="1" noResize="1" noEditPoints="1" noAdjustHandles="1" noChangeArrowheads="1" noChangeShapeType="1" noTextEdit="1"/>
+          </p:cNvSpPr>
+          <p:nvPr>
+            <p:extLst>
+              <p:ext uri="{386F3935-93C4-4BCD-93E2-E3B085C9AB24}">
+                <p16:designElem xmlns:p16="http://schemas.microsoft.com/office/powerpoint/2015/main" val="1"/>
+              </p:ext>
+            </p:extLst>
+          </p:nvPr>
+        </p:nvSpPr>
+        <p:spPr>
+          <a:xfrm rot="5400000" flipH="1">
+            <a:off x="767923" y="3588085"/>
+            <a:ext cx="2501979" cy="4037841"/>
+          </a:xfrm>
+          <a:prstGeom prst="rect">
+            <a:avLst/>
+          </a:prstGeom>
+          <a:gradFill>
+            <a:gsLst>
+              <a:gs pos="2000">
+                <a:schemeClr val="accent1">
+                  <a:alpha val="29000"/>
+                </a:schemeClr>
+              </a:gs>
+              <a:gs pos="100000">
+                <a:srgbClr val="000000">
+                  <a:alpha val="30000"/>
+                </a:srgbClr>
+              </a:gs>
+            </a:gsLst>
+            <a:lin ang="7800000" scaled="0"/>
+          </a:gradFill>
+          <a:ln>
+            <a:noFill/>
+          </a:ln>
+        </p:spPr>
+        <p:style>
+          <a:lnRef idx="2">
+            <a:schemeClr val="accent1">
+              <a:shade val="50000"/>
+            </a:schemeClr>
+          </a:lnRef>
+          <a:fillRef idx="1">
+            <a:schemeClr val="accent1"/>
+          </a:fillRef>
+          <a:effectRef idx="0">
+            <a:schemeClr val="accent1"/>
+          </a:effectRef>
+          <a:fontRef idx="minor">
+            <a:schemeClr val="lt1"/>
+          </a:fontRef>
+        </p:style>
+        <p:txBody>
+          <a:bodyPr rtlCol="0" anchor="ctr"/>
+          <a:lstStyle/>
+          <a:p>
+            <a:pPr algn="ctr"/>
+            <a:endParaRPr lang="en-US" dirty="0"/>
+          </a:p>
+        </p:txBody>
+      </p:sp>
+      <p:sp>
+        <p:nvSpPr>
+          <p:cNvPr id="18" name="Freeform: Shape 17">
+            <a:extLst>
+              <a:ext uri="{FF2B5EF4-FFF2-40B4-BE49-F238E27FC236}">
+                <a16:creationId xmlns:a16="http://schemas.microsoft.com/office/drawing/2014/main" id="{38FAA1A1-D861-433F-88FA-1E9D6FD31D11}"/>
+              </a:ext>
+              <a:ext uri="{C183D7F6-B498-43B3-948B-1728B52AA6E4}">
+                <adec:decorative xmlns:adec="http://schemas.microsoft.com/office/drawing/2017/decorative" val="1"/>
+              </a:ext>
+            </a:extLst>
+          </p:cNvPr>
+          <p:cNvSpPr>
+            <a:spLocks noGrp="1" noRot="1" noChangeAspect="1" noMove="1" noResize="1" noEditPoints="1" noAdjustHandles="1" noChangeArrowheads="1" noChangeShapeType="1" noTextEdit="1"/>
+          </p:cNvSpPr>
+          <p:nvPr>
+            <p:extLst>
+              <p:ext uri="{386F3935-93C4-4BCD-93E2-E3B085C9AB24}">
+                <p16:designElem xmlns:p16="http://schemas.microsoft.com/office/powerpoint/2015/main" val="1"/>
+              </p:ext>
+            </p:extLst>
+          </p:nvPr>
+        </p:nvSpPr>
+        <p:spPr>
+          <a:xfrm rot="20635413">
+            <a:off x="-501737" y="969718"/>
+            <a:ext cx="3900357" cy="4178958"/>
+          </a:xfrm>
+          <a:custGeom>
+            <a:avLst/>
+            <a:gdLst>
+              <a:gd name="connsiteX0" fmla="*/ 2432225 w 3900357"/>
+              <a:gd name="connsiteY0" fmla="*/ 93939 h 4178958"/>
+              <a:gd name="connsiteX1" fmla="*/ 3900357 w 3900357"/>
+              <a:gd name="connsiteY1" fmla="*/ 2089479 h 4178958"/>
+              <a:gd name="connsiteX2" fmla="*/ 1810878 w 3900357"/>
+              <a:gd name="connsiteY2" fmla="*/ 4178958 h 4178958"/>
+              <a:gd name="connsiteX3" fmla="*/ 78249 w 3900357"/>
+              <a:gd name="connsiteY3" fmla="*/ 3257727 h 4178958"/>
+              <a:gd name="connsiteX4" fmla="*/ 0 w 3900357"/>
+              <a:gd name="connsiteY4" fmla="*/ 3128923 h 4178958"/>
+              <a:gd name="connsiteX5" fmla="*/ 831324 w 3900357"/>
+              <a:gd name="connsiteY5" fmla="*/ 244281 h 4178958"/>
+              <a:gd name="connsiteX6" fmla="*/ 997559 w 3900357"/>
+              <a:gd name="connsiteY6" fmla="*/ 164202 h 4178958"/>
+              <a:gd name="connsiteX7" fmla="*/ 1810878 w 3900357"/>
+              <a:gd name="connsiteY7" fmla="*/ 0 h 4178958"/>
+              <a:gd name="connsiteX8" fmla="*/ 2432225 w 3900357"/>
+              <a:gd name="connsiteY8" fmla="*/ 93939 h 4178958"/>
+            </a:gdLst>
+            <a:ahLst/>
+            <a:cxnLst>
+              <a:cxn ang="0">
+                <a:pos x="connsiteX0" y="connsiteY0"/>
+              </a:cxn>
+              <a:cxn ang="0">
+                <a:pos x="connsiteX1" y="connsiteY1"/>
+              </a:cxn>
+              <a:cxn ang="0">
+                <a:pos x="connsiteX2" y="connsiteY2"/>
+              </a:cxn>
+              <a:cxn ang="0">
+                <a:pos x="connsiteX3" y="connsiteY3"/>
+              </a:cxn>
+              <a:cxn ang="0">
+                <a:pos x="connsiteX4" y="connsiteY4"/>
+              </a:cxn>
+              <a:cxn ang="0">
+                <a:pos x="connsiteX5" y="connsiteY5"/>
+              </a:cxn>
+              <a:cxn ang="0">
+                <a:pos x="connsiteX6" y="connsiteY6"/>
+              </a:cxn>
+              <a:cxn ang="0">
+                <a:pos x="connsiteX7" y="connsiteY7"/>
+              </a:cxn>
+              <a:cxn ang="0">
+                <a:pos x="connsiteX8" y="connsiteY8"/>
+              </a:cxn>
+            </a:cxnLst>
+            <a:rect l="l" t="t" r="r" b="b"/>
+            <a:pathLst>
+              <a:path w="3900357" h="4178958">
+                <a:moveTo>
+                  <a:pt x="2432225" y="93939"/>
+                </a:moveTo>
+                <a:cubicBezTo>
+                  <a:pt x="3282786" y="358491"/>
+                  <a:pt x="3900357" y="1151865"/>
+                  <a:pt x="3900357" y="2089479"/>
+                </a:cubicBezTo>
+                <a:cubicBezTo>
+                  <a:pt x="3900357" y="3243466"/>
+                  <a:pt x="2964865" y="4178958"/>
+                  <a:pt x="1810878" y="4178958"/>
+                </a:cubicBezTo>
+                <a:cubicBezTo>
+                  <a:pt x="1089636" y="4178958"/>
+                  <a:pt x="453744" y="3813531"/>
+                  <a:pt x="78249" y="3257727"/>
+                </a:cubicBezTo>
+                <a:lnTo>
+                  <a:pt x="0" y="3128923"/>
+                </a:lnTo>
+                <a:lnTo>
+                  <a:pt x="831324" y="244281"/>
+                </a:lnTo>
+                <a:lnTo>
+                  <a:pt x="997559" y="164202"/>
+                </a:lnTo>
+                <a:cubicBezTo>
+                  <a:pt x="1247540" y="58468"/>
+                  <a:pt x="1522381" y="0"/>
+                  <a:pt x="1810878" y="0"/>
+                </a:cubicBezTo>
+                <a:cubicBezTo>
+                  <a:pt x="2027251" y="0"/>
+                  <a:pt x="2235942" y="32888"/>
+                  <a:pt x="2432225" y="93939"/>
+                </a:cubicBezTo>
+                <a:close/>
+              </a:path>
+            </a:pathLst>
+          </a:custGeom>
+          <a:gradFill>
+            <a:gsLst>
+              <a:gs pos="29000">
+                <a:srgbClr val="000000">
+                  <a:alpha val="0"/>
+                </a:srgbClr>
+              </a:gs>
+              <a:gs pos="100000">
+                <a:schemeClr val="accent1">
+                  <a:alpha val="43000"/>
+                </a:schemeClr>
+              </a:gs>
+            </a:gsLst>
+            <a:lin ang="1800000" scaled="0"/>
+          </a:gradFill>
+          <a:ln>
+            <a:noFill/>
+          </a:ln>
+        </p:spPr>
+        <p:style>
+          <a:lnRef idx="2">
+            <a:schemeClr val="accent1">
+              <a:shade val="50000"/>
+            </a:schemeClr>
+          </a:lnRef>
+          <a:fillRef idx="1">
+            <a:schemeClr val="accent1"/>
+          </a:fillRef>
+          <a:effectRef idx="0">
+            <a:schemeClr val="accent1"/>
+          </a:effectRef>
+          <a:fontRef idx="minor">
+            <a:schemeClr val="lt1"/>
+          </a:fontRef>
+        </p:style>
+        <p:txBody>
+          <a:bodyPr wrap="square" rtlCol="0" anchor="ctr">
+            <a:noAutofit/>
+          </a:bodyPr>
+          <a:lstStyle/>
+          <a:p>
+            <a:pPr algn="ctr"/>
+            <a:endParaRPr lang="en-US" dirty="0"/>
+          </a:p>
+        </p:txBody>
+      </p:sp>
+      <p:sp>
+        <p:nvSpPr>
+          <p:cNvPr id="20" name="Rectangle 19">
+            <a:extLst>
+              <a:ext uri="{FF2B5EF4-FFF2-40B4-BE49-F238E27FC236}">
+                <a16:creationId xmlns:a16="http://schemas.microsoft.com/office/drawing/2014/main" id="{8D71EDA1-87BF-4D5D-AB79-F346FD19278A}"/>
+              </a:ext>
+              <a:ext uri="{C183D7F6-B498-43B3-948B-1728B52AA6E4}">
+                <adec:decorative xmlns:adec="http://schemas.microsoft.com/office/drawing/2017/decorative" val="1"/>
+              </a:ext>
+            </a:extLst>
+          </p:cNvPr>
+          <p:cNvSpPr>
+            <a:spLocks noGrp="1" noRot="1" noChangeAspect="1" noMove="1" noResize="1" noEditPoints="1" noAdjustHandles="1" noChangeArrowheads="1" noChangeShapeType="1" noTextEdit="1"/>
+          </p:cNvSpPr>
+          <p:nvPr>
+            <p:extLst>
+              <p:ext uri="{386F3935-93C4-4BCD-93E2-E3B085C9AB24}">
+                <p16:designElem xmlns:p16="http://schemas.microsoft.com/office/powerpoint/2015/main" val="1"/>
+              </p:ext>
+            </p:extLst>
+          </p:nvPr>
+        </p:nvSpPr>
+        <p:spPr>
+          <a:xfrm rot="5400000" flipH="1">
+            <a:off x="-1410093" y="1399943"/>
+            <a:ext cx="6858003" cy="4037835"/>
+          </a:xfrm>
+          <a:prstGeom prst="rect">
+            <a:avLst/>
+          </a:prstGeom>
+          <a:gradFill>
+            <a:gsLst>
+              <a:gs pos="0">
+                <a:srgbClr val="000000">
+                  <a:alpha val="0"/>
+                </a:srgbClr>
+              </a:gs>
+              <a:gs pos="99000">
+                <a:schemeClr val="accent1">
+                  <a:lumMod val="60000"/>
+                  <a:lumOff val="40000"/>
+                  <a:alpha val="11000"/>
+                </a:schemeClr>
+              </a:gs>
+            </a:gsLst>
+            <a:lin ang="7200000" scaled="0"/>
+          </a:gradFill>
+          <a:ln>
+            <a:noFill/>
+          </a:ln>
+        </p:spPr>
+        <p:style>
+          <a:lnRef idx="2">
+            <a:schemeClr val="accent1">
+              <a:shade val="50000"/>
+            </a:schemeClr>
+          </a:lnRef>
+          <a:fillRef idx="1">
+            <a:schemeClr val="accent1"/>
+          </a:fillRef>
+          <a:effectRef idx="0">
+            <a:schemeClr val="accent1"/>
+          </a:effectRef>
+          <a:fontRef idx="minor">
+            <a:schemeClr val="lt1"/>
+          </a:fontRef>
+        </p:style>
+        <p:txBody>
+          <a:bodyPr rtlCol="0" anchor="ctr"/>
+          <a:lstStyle/>
+          <a:p>
+            <a:pPr algn="ctr"/>
+            <a:endParaRPr lang="en-US"/>
+          </a:p>
+        </p:txBody>
+      </p:sp>
+      <p:sp>
+        <p:nvSpPr>
+          <p:cNvPr id="23" name="Titel 1">
+            <a:extLst>
+              <a:ext uri="{FF2B5EF4-FFF2-40B4-BE49-F238E27FC236}">
+                <a16:creationId xmlns:a16="http://schemas.microsoft.com/office/drawing/2014/main" id="{863F3A40-CA48-AE6D-EF44-DC2804EF6823}"/>
+              </a:ext>
+            </a:extLst>
+          </p:cNvPr>
+          <p:cNvSpPr>
+            <a:spLocks noGrp="1"/>
+          </p:cNvSpPr>
+          <p:nvPr>
+            <p:ph type="title"/>
+          </p:nvPr>
+        </p:nvSpPr>
+        <p:spPr>
+          <a:xfrm>
+            <a:off x="466722" y="586855"/>
+            <a:ext cx="3201366" cy="3387497"/>
+          </a:xfrm>
+        </p:spPr>
+        <p:txBody>
+          <a:bodyPr anchor="b">
+            <a:normAutofit/>
+          </a:bodyPr>
+          <a:lstStyle/>
+          <a:p>
+            <a:pPr algn="r"/>
+            <a:r>
+              <a:rPr lang="en-US" sz="3200" kern="1200" dirty="0" err="1">
+                <a:solidFill>
+                  <a:srgbClr val="FFFFFF"/>
+                </a:solidFill>
+                <a:latin typeface="+mj-lt"/>
+                <a:ea typeface="+mj-ea"/>
+                <a:cs typeface="+mj-cs"/>
+              </a:rPr>
+              <a:t>Lernkurven</a:t>
+            </a:r>
+            <a:endParaRPr lang="de-DE" sz="3100" dirty="0">
+              <a:solidFill>
+                <a:srgbClr val="FFFFFF"/>
+              </a:solidFill>
+            </a:endParaRPr>
+          </a:p>
+        </p:txBody>
+      </p:sp>
+      <p:pic>
+        <p:nvPicPr>
+          <p:cNvPr id="3" name="Grafik 2">
+            <a:extLst>
+              <a:ext uri="{FF2B5EF4-FFF2-40B4-BE49-F238E27FC236}">
+                <a16:creationId xmlns:a16="http://schemas.microsoft.com/office/drawing/2014/main" id="{47F25C83-FB47-88EA-26F4-C80F0480940D}"/>
+              </a:ext>
+            </a:extLst>
+          </p:cNvPr>
+          <p:cNvPicPr>
+            <a:picLocks noChangeAspect="1"/>
+          </p:cNvPicPr>
+          <p:nvPr/>
+        </p:nvPicPr>
+        <p:blipFill>
+          <a:blip r:embed="rId2"/>
+          <a:stretch>
+            <a:fillRect/>
+          </a:stretch>
+        </p:blipFill>
+        <p:spPr>
+          <a:xfrm>
+            <a:off x="5686520" y="3479070"/>
+            <a:ext cx="4773435" cy="3240000"/>
+          </a:xfrm>
+          <a:prstGeom prst="rect">
+            <a:avLst/>
+          </a:prstGeom>
+        </p:spPr>
+      </p:pic>
+      <p:pic>
+        <p:nvPicPr>
+          <p:cNvPr id="4" name="Grafik 3" descr="Ein Bild, das Diagramm enthält.&#10;&#10;Automatisch generierte Beschreibung">
+            <a:extLst>
+              <a:ext uri="{FF2B5EF4-FFF2-40B4-BE49-F238E27FC236}">
+                <a16:creationId xmlns:a16="http://schemas.microsoft.com/office/drawing/2014/main" id="{E9152A8E-F876-E445-CAC4-B58EAE83740F}"/>
+              </a:ext>
+            </a:extLst>
+          </p:cNvPr>
+          <p:cNvPicPr>
+            <a:picLocks noChangeAspect="1"/>
+          </p:cNvPicPr>
+          <p:nvPr/>
+        </p:nvPicPr>
+        <p:blipFill>
+          <a:blip r:embed="rId3"/>
+          <a:stretch>
+            <a:fillRect/>
+          </a:stretch>
+        </p:blipFill>
+        <p:spPr>
+          <a:xfrm>
+            <a:off x="5689568" y="239070"/>
+            <a:ext cx="4847634" cy="3240000"/>
+          </a:xfrm>
+          <a:prstGeom prst="rect">
+            <a:avLst/>
+          </a:prstGeom>
+        </p:spPr>
+      </p:pic>
+    </p:spTree>
+    <p:extLst>
+      <p:ext uri="{BB962C8B-B14F-4D97-AF65-F5344CB8AC3E}">
+        <p14:creationId xmlns:p14="http://schemas.microsoft.com/office/powerpoint/2010/main" val="28215606"/>
+      </p:ext>
+    </p:extLst>
+  </p:cSld>
+  <p:clrMapOvr>
+    <a:masterClrMapping/>
+  </p:clrMapOvr>
+</p:sld>
+</file>
+
 <file path=ppt/theme/theme1.xml><?xml version="1.0" encoding="utf-8"?>
 <a:theme xmlns:a="http://schemas.openxmlformats.org/drawingml/2006/main" name="Office">
   <a:themeElements>

--- a/Chatbot.pptx
+++ b/Chatbot.pptx
@@ -14504,10 +14504,10 @@
       </p:sp>
       <p:pic>
         <p:nvPicPr>
-          <p:cNvPr id="3" name="Grafik 2">
-            <a:extLst>
-              <a:ext uri="{FF2B5EF4-FFF2-40B4-BE49-F238E27FC236}">
-                <a16:creationId xmlns:a16="http://schemas.microsoft.com/office/drawing/2014/main" id="{47F25C83-FB47-88EA-26F4-C80F0480940D}"/>
+          <p:cNvPr id="5" name="Grafik 4" descr="Ein Bild, das Diagramm enthält.&#10;&#10;Automatisch generierte Beschreibung">
+            <a:extLst>
+              <a:ext uri="{FF2B5EF4-FFF2-40B4-BE49-F238E27FC236}">
+                <a16:creationId xmlns:a16="http://schemas.microsoft.com/office/drawing/2014/main" id="{0C768583-D64C-4A06-9C0A-C5FC4E1C1DE9}"/>
               </a:ext>
             </a:extLst>
           </p:cNvPr>
@@ -14516,16 +14516,15 @@
           </p:cNvPicPr>
           <p:nvPr/>
         </p:nvPicPr>
-        <p:blipFill>
+        <p:blipFill rotWithShape="1">
           <a:blip r:embed="rId2"/>
-          <a:stretch>
-            <a:fillRect/>
-          </a:stretch>
+          <a:srcRect l="2357" t="6274" r="6919" b="156"/>
+          <a:stretch/>
         </p:blipFill>
         <p:spPr>
           <a:xfrm>
-            <a:off x="5686520" y="3479070"/>
-            <a:ext cx="4773435" cy="3240000"/>
+            <a:off x="6019063" y="199138"/>
+            <a:ext cx="4188643" cy="3240000"/>
           </a:xfrm>
           <a:prstGeom prst="rect">
             <a:avLst/>
@@ -14534,10 +14533,10 @@
       </p:pic>
       <p:pic>
         <p:nvPicPr>
-          <p:cNvPr id="4" name="Grafik 3" descr="Ein Bild, das Diagramm enthält.&#10;&#10;Automatisch generierte Beschreibung">
-            <a:extLst>
-              <a:ext uri="{FF2B5EF4-FFF2-40B4-BE49-F238E27FC236}">
-                <a16:creationId xmlns:a16="http://schemas.microsoft.com/office/drawing/2014/main" id="{E9152A8E-F876-E445-CAC4-B58EAE83740F}"/>
+          <p:cNvPr id="7" name="Grafik 6" descr="Ein Bild, das Diagramm enthält.&#10;&#10;Automatisch generierte Beschreibung">
+            <a:extLst>
+              <a:ext uri="{FF2B5EF4-FFF2-40B4-BE49-F238E27FC236}">
+                <a16:creationId xmlns:a16="http://schemas.microsoft.com/office/drawing/2014/main" id="{9FCAEF9B-3719-458F-A5C7-20F576C77BDC}"/>
               </a:ext>
             </a:extLst>
           </p:cNvPr>
@@ -14546,16 +14545,15 @@
           </p:cNvPicPr>
           <p:nvPr/>
         </p:nvPicPr>
-        <p:blipFill>
+        <p:blipFill rotWithShape="1">
           <a:blip r:embed="rId3"/>
-          <a:stretch>
-            <a:fillRect/>
-          </a:stretch>
+          <a:srcRect l="4022" t="6431" r="5256"/>
+          <a:stretch/>
         </p:blipFill>
         <p:spPr>
           <a:xfrm>
-            <a:off x="5689568" y="239070"/>
-            <a:ext cx="4847634" cy="3240000"/>
+            <a:off x="6096000" y="3429000"/>
+            <a:ext cx="4188642" cy="3240000"/>
           </a:xfrm>
           <a:prstGeom prst="rect">
             <a:avLst/>

--- a/Chatbot.pptx
+++ b/Chatbot.pptx
@@ -13,8 +13,10 @@
     <p:sldId id="263" r:id="rId7"/>
     <p:sldId id="264" r:id="rId8"/>
     <p:sldId id="268" r:id="rId9"/>
-    <p:sldId id="269" r:id="rId10"/>
-    <p:sldId id="270" r:id="rId11"/>
+    <p:sldId id="271" r:id="rId10"/>
+    <p:sldId id="269" r:id="rId11"/>
+    <p:sldId id="270" r:id="rId12"/>
+    <p:sldId id="272" r:id="rId13"/>
   </p:sldIdLst>
   <p:sldSz cx="12192000" cy="6858000"/>
   <p:notesSz cx="6858000" cy="9144000"/>
@@ -7764,6 +7766,772 @@
           <a:p>
             <a:pPr algn="r"/>
             <a:r>
+              <a:rPr lang="en-US" sz="3200" kern="1200" dirty="0" err="1">
+                <a:solidFill>
+                  <a:srgbClr val="FFFFFF"/>
+                </a:solidFill>
+                <a:latin typeface="+mj-lt"/>
+                <a:ea typeface="+mj-ea"/>
+                <a:cs typeface="+mj-cs"/>
+              </a:rPr>
+              <a:t>Lernkurven</a:t>
+            </a:r>
+            <a:endParaRPr lang="de-DE" sz="3100" dirty="0">
+              <a:solidFill>
+                <a:srgbClr val="FFFFFF"/>
+              </a:solidFill>
+            </a:endParaRPr>
+          </a:p>
+        </p:txBody>
+      </p:sp>
+      <p:pic>
+        <p:nvPicPr>
+          <p:cNvPr id="5" name="Grafik 4" descr="Ein Bild, das Diagramm enthält.&#10;&#10;Automatisch generierte Beschreibung">
+            <a:extLst>
+              <a:ext uri="{FF2B5EF4-FFF2-40B4-BE49-F238E27FC236}">
+                <a16:creationId xmlns:a16="http://schemas.microsoft.com/office/drawing/2014/main" id="{0C768583-D64C-4A06-9C0A-C5FC4E1C1DE9}"/>
+              </a:ext>
+            </a:extLst>
+          </p:cNvPr>
+          <p:cNvPicPr>
+            <a:picLocks noChangeAspect="1"/>
+          </p:cNvPicPr>
+          <p:nvPr/>
+        </p:nvPicPr>
+        <p:blipFill rotWithShape="1">
+          <a:blip r:embed="rId2"/>
+          <a:srcRect l="2357" t="6274" r="6919" b="156"/>
+          <a:stretch/>
+        </p:blipFill>
+        <p:spPr>
+          <a:xfrm>
+            <a:off x="6019063" y="199138"/>
+            <a:ext cx="4188643" cy="3240000"/>
+          </a:xfrm>
+          <a:prstGeom prst="rect">
+            <a:avLst/>
+          </a:prstGeom>
+        </p:spPr>
+      </p:pic>
+      <p:pic>
+        <p:nvPicPr>
+          <p:cNvPr id="7" name="Grafik 6" descr="Ein Bild, das Diagramm enthält.&#10;&#10;Automatisch generierte Beschreibung">
+            <a:extLst>
+              <a:ext uri="{FF2B5EF4-FFF2-40B4-BE49-F238E27FC236}">
+                <a16:creationId xmlns:a16="http://schemas.microsoft.com/office/drawing/2014/main" id="{9FCAEF9B-3719-458F-A5C7-20F576C77BDC}"/>
+              </a:ext>
+            </a:extLst>
+          </p:cNvPr>
+          <p:cNvPicPr>
+            <a:picLocks noChangeAspect="1"/>
+          </p:cNvPicPr>
+          <p:nvPr/>
+        </p:nvPicPr>
+        <p:blipFill rotWithShape="1">
+          <a:blip r:embed="rId3"/>
+          <a:srcRect l="4022" t="6431" r="5256"/>
+          <a:stretch/>
+        </p:blipFill>
+        <p:spPr>
+          <a:xfrm>
+            <a:off x="6096000" y="3429000"/>
+            <a:ext cx="4188642" cy="3240000"/>
+          </a:xfrm>
+          <a:prstGeom prst="rect">
+            <a:avLst/>
+          </a:prstGeom>
+        </p:spPr>
+      </p:pic>
+    </p:spTree>
+    <p:extLst>
+      <p:ext uri="{BB962C8B-B14F-4D97-AF65-F5344CB8AC3E}">
+        <p14:creationId xmlns:p14="http://schemas.microsoft.com/office/powerpoint/2010/main" val="28215606"/>
+      </p:ext>
+    </p:extLst>
+  </p:cSld>
+  <p:clrMapOvr>
+    <a:masterClrMapping/>
+  </p:clrMapOvr>
+</p:sld>
+</file>
+
+<file path=ppt/slides/slide11.xml><?xml version="1.0" encoding="utf-8"?>
+<p:sld xmlns:a="http://schemas.openxmlformats.org/drawingml/2006/main" xmlns:r="http://schemas.openxmlformats.org/officeDocument/2006/relationships" xmlns:p="http://schemas.openxmlformats.org/presentationml/2006/main">
+  <p:cSld>
+    <p:bg>
+      <p:bgPr>
+        <a:solidFill>
+          <a:schemeClr val="bg1"/>
+        </a:solidFill>
+        <a:effectLst/>
+      </p:bgPr>
+    </p:bg>
+    <p:spTree>
+      <p:nvGrpSpPr>
+        <p:cNvPr id="1" name=""/>
+        <p:cNvGrpSpPr/>
+        <p:nvPr/>
+      </p:nvGrpSpPr>
+      <p:grpSpPr>
+        <a:xfrm>
+          <a:off x="0" y="0"/>
+          <a:ext cx="0" cy="0"/>
+          <a:chOff x="0" y="0"/>
+          <a:chExt cx="0" cy="0"/>
+        </a:xfrm>
+      </p:grpSpPr>
+      <p:sp useBgFill="1">
+        <p:nvSpPr>
+          <p:cNvPr id="8" name="Rectangle 7">
+            <a:extLst>
+              <a:ext uri="{FF2B5EF4-FFF2-40B4-BE49-F238E27FC236}">
+                <a16:creationId xmlns:a16="http://schemas.microsoft.com/office/drawing/2014/main" id="{09588DA8-065E-4F6F-8EFD-43104AB2E0CF}"/>
+              </a:ext>
+              <a:ext uri="{C183D7F6-B498-43B3-948B-1728B52AA6E4}">
+                <adec:decorative xmlns:adec="http://schemas.microsoft.com/office/drawing/2017/decorative" val="1"/>
+              </a:ext>
+            </a:extLst>
+          </p:cNvPr>
+          <p:cNvSpPr>
+            <a:spLocks noGrp="1" noRot="1" noChangeAspect="1" noMove="1" noResize="1" noEditPoints="1" noAdjustHandles="1" noChangeArrowheads="1" noChangeShapeType="1" noTextEdit="1"/>
+          </p:cNvSpPr>
+          <p:nvPr>
+            <p:extLst>
+              <p:ext uri="{386F3935-93C4-4BCD-93E2-E3B085C9AB24}">
+                <p16:designElem xmlns:p16="http://schemas.microsoft.com/office/powerpoint/2015/main" val="1"/>
+              </p:ext>
+            </p:extLst>
+          </p:nvPr>
+        </p:nvSpPr>
+        <p:spPr>
+          <a:xfrm>
+            <a:off x="0" y="0"/>
+            <a:ext cx="12192000" cy="6858000"/>
+          </a:xfrm>
+          <a:prstGeom prst="rect">
+            <a:avLst/>
+          </a:prstGeom>
+          <a:ln w="12700" cap="flat" cmpd="sng" algn="ctr">
+            <a:noFill/>
+            <a:prstDash val="solid"/>
+            <a:miter lim="800000"/>
+          </a:ln>
+          <a:effectLst/>
+          <a:extLst>
+            <a:ext uri="{91240B29-F687-4F45-9708-019B960494DF}">
+              <a14:hiddenLine xmlns:a14="http://schemas.microsoft.com/office/drawing/2010/main" w="12700" cap="flat" cmpd="sng" algn="ctr">
+                <a:solidFill>
+                  <a:schemeClr val="accent1">
+                    <a:shade val="50000"/>
+                  </a:schemeClr>
+                </a:solidFill>
+                <a:prstDash val="solid"/>
+                <a:miter lim="800000"/>
+              </a14:hiddenLine>
+            </a:ext>
+          </a:extLst>
+        </p:spPr>
+        <p:style>
+          <a:lnRef idx="2">
+            <a:schemeClr val="accent1">
+              <a:shade val="50000"/>
+            </a:schemeClr>
+          </a:lnRef>
+          <a:fillRef idx="1">
+            <a:schemeClr val="accent1"/>
+          </a:fillRef>
+          <a:effectRef idx="0">
+            <a:schemeClr val="accent1"/>
+          </a:effectRef>
+          <a:fontRef idx="minor">
+            <a:schemeClr val="lt1"/>
+          </a:fontRef>
+        </p:style>
+        <p:txBody>
+          <a:bodyPr rtlCol="0" anchor="ctr"/>
+          <a:lstStyle/>
+          <a:p>
+            <a:pPr algn="ctr"/>
+            <a:endParaRPr lang="en-US"/>
+          </a:p>
+        </p:txBody>
+      </p:sp>
+      <p:sp useBgFill="1">
+        <p:nvSpPr>
+          <p:cNvPr id="10" name="Rectangle 9">
+            <a:extLst>
+              <a:ext uri="{FF2B5EF4-FFF2-40B4-BE49-F238E27FC236}">
+                <a16:creationId xmlns:a16="http://schemas.microsoft.com/office/drawing/2014/main" id="{C4285719-470E-454C-AF62-8323075F1F5B}"/>
+              </a:ext>
+              <a:ext uri="{C183D7F6-B498-43B3-948B-1728B52AA6E4}">
+                <adec:decorative xmlns:adec="http://schemas.microsoft.com/office/drawing/2017/decorative" val="1"/>
+              </a:ext>
+            </a:extLst>
+          </p:cNvPr>
+          <p:cNvSpPr>
+            <a:spLocks noGrp="1" noRot="1" noChangeAspect="1" noMove="1" noResize="1" noEditPoints="1" noAdjustHandles="1" noChangeArrowheads="1" noChangeShapeType="1" noTextEdit="1"/>
+          </p:cNvSpPr>
+          <p:nvPr>
+            <p:extLst>
+              <p:ext uri="{386F3935-93C4-4BCD-93E2-E3B085C9AB24}">
+                <p16:designElem xmlns:p16="http://schemas.microsoft.com/office/powerpoint/2015/main" val="1"/>
+              </p:ext>
+            </p:extLst>
+          </p:nvPr>
+        </p:nvSpPr>
+        <p:spPr>
+          <a:xfrm>
+            <a:off x="0" y="0"/>
+            <a:ext cx="12188952" cy="6858000"/>
+          </a:xfrm>
+          <a:prstGeom prst="rect">
+            <a:avLst/>
+          </a:prstGeom>
+          <a:ln w="12700" cap="flat" cmpd="sng" algn="ctr">
+            <a:noFill/>
+            <a:prstDash val="solid"/>
+            <a:miter lim="800000"/>
+          </a:ln>
+          <a:effectLst/>
+          <a:extLst>
+            <a:ext uri="{91240B29-F687-4F45-9708-019B960494DF}">
+              <a14:hiddenLine xmlns:a14="http://schemas.microsoft.com/office/drawing/2010/main" w="12700" cap="flat" cmpd="sng" algn="ctr">
+                <a:solidFill>
+                  <a:schemeClr val="accent1">
+                    <a:shade val="50000"/>
+                  </a:schemeClr>
+                </a:solidFill>
+                <a:prstDash val="solid"/>
+                <a:miter lim="800000"/>
+              </a14:hiddenLine>
+            </a:ext>
+          </a:extLst>
+        </p:spPr>
+        <p:style>
+          <a:lnRef idx="2">
+            <a:schemeClr val="accent1">
+              <a:shade val="50000"/>
+            </a:schemeClr>
+          </a:lnRef>
+          <a:fillRef idx="1">
+            <a:schemeClr val="accent1"/>
+          </a:fillRef>
+          <a:effectRef idx="0">
+            <a:schemeClr val="accent1"/>
+          </a:effectRef>
+          <a:fontRef idx="minor">
+            <a:schemeClr val="lt1"/>
+          </a:fontRef>
+        </p:style>
+        <p:txBody>
+          <a:bodyPr rtlCol="0" anchor="ctr"/>
+          <a:lstStyle/>
+          <a:p>
+            <a:pPr algn="ctr"/>
+            <a:endParaRPr lang="en-US"/>
+          </a:p>
+        </p:txBody>
+      </p:sp>
+      <p:sp>
+        <p:nvSpPr>
+          <p:cNvPr id="12" name="Rectangle 11">
+            <a:extLst>
+              <a:ext uri="{FF2B5EF4-FFF2-40B4-BE49-F238E27FC236}">
+                <a16:creationId xmlns:a16="http://schemas.microsoft.com/office/drawing/2014/main" id="{CD9FE4EF-C4D8-49A0-B2FF-81D8DB7D8A24}"/>
+              </a:ext>
+              <a:ext uri="{C183D7F6-B498-43B3-948B-1728B52AA6E4}">
+                <adec:decorative xmlns:adec="http://schemas.microsoft.com/office/drawing/2017/decorative" val="1"/>
+              </a:ext>
+            </a:extLst>
+          </p:cNvPr>
+          <p:cNvSpPr>
+            <a:spLocks noGrp="1" noRot="1" noChangeAspect="1" noMove="1" noResize="1" noEditPoints="1" noAdjustHandles="1" noChangeArrowheads="1" noChangeShapeType="1" noTextEdit="1"/>
+          </p:cNvSpPr>
+          <p:nvPr>
+            <p:extLst>
+              <p:ext uri="{386F3935-93C4-4BCD-93E2-E3B085C9AB24}">
+                <p16:designElem xmlns:p16="http://schemas.microsoft.com/office/powerpoint/2015/main" val="1"/>
+              </p:ext>
+            </p:extLst>
+          </p:nvPr>
+        </p:nvSpPr>
+        <p:spPr>
+          <a:xfrm rot="5400000" flipH="1">
+            <a:off x="-1410084" y="1410082"/>
+            <a:ext cx="6858000" cy="4037836"/>
+          </a:xfrm>
+          <a:prstGeom prst="rect">
+            <a:avLst/>
+          </a:prstGeom>
+          <a:gradFill>
+            <a:gsLst>
+              <a:gs pos="8000">
+                <a:srgbClr val="000000"/>
+              </a:gs>
+              <a:gs pos="100000">
+                <a:schemeClr val="accent1">
+                  <a:lumMod val="75000"/>
+                </a:schemeClr>
+              </a:gs>
+            </a:gsLst>
+            <a:lin ang="3000000" scaled="0"/>
+          </a:gradFill>
+          <a:ln>
+            <a:noFill/>
+          </a:ln>
+        </p:spPr>
+        <p:style>
+          <a:lnRef idx="2">
+            <a:schemeClr val="accent1">
+              <a:shade val="50000"/>
+            </a:schemeClr>
+          </a:lnRef>
+          <a:fillRef idx="1">
+            <a:schemeClr val="accent1"/>
+          </a:fillRef>
+          <a:effectRef idx="0">
+            <a:schemeClr val="accent1"/>
+          </a:effectRef>
+          <a:fontRef idx="minor">
+            <a:schemeClr val="lt1"/>
+          </a:fontRef>
+        </p:style>
+        <p:txBody>
+          <a:bodyPr rtlCol="0" anchor="ctr"/>
+          <a:lstStyle/>
+          <a:p>
+            <a:pPr algn="ctr"/>
+            <a:endParaRPr lang="en-US"/>
+          </a:p>
+        </p:txBody>
+      </p:sp>
+      <p:sp>
+        <p:nvSpPr>
+          <p:cNvPr id="14" name="Rectangle 13">
+            <a:extLst>
+              <a:ext uri="{FF2B5EF4-FFF2-40B4-BE49-F238E27FC236}">
+                <a16:creationId xmlns:a16="http://schemas.microsoft.com/office/drawing/2014/main" id="{4300840D-0A0B-4512-BACA-B439D5B9C57C}"/>
+              </a:ext>
+              <a:ext uri="{C183D7F6-B498-43B3-948B-1728B52AA6E4}">
+                <adec:decorative xmlns:adec="http://schemas.microsoft.com/office/drawing/2017/decorative" val="1"/>
+              </a:ext>
+            </a:extLst>
+          </p:cNvPr>
+          <p:cNvSpPr>
+            <a:spLocks noGrp="1" noRot="1" noChangeAspect="1" noMove="1" noResize="1" noEditPoints="1" noAdjustHandles="1" noChangeArrowheads="1" noChangeShapeType="1" noTextEdit="1"/>
+          </p:cNvSpPr>
+          <p:nvPr>
+            <p:extLst>
+              <p:ext uri="{386F3935-93C4-4BCD-93E2-E3B085C9AB24}">
+                <p16:designElem xmlns:p16="http://schemas.microsoft.com/office/powerpoint/2015/main" val="1"/>
+              </p:ext>
+            </p:extLst>
+          </p:nvPr>
+        </p:nvSpPr>
+        <p:spPr>
+          <a:xfrm rot="5400000" flipH="1">
+            <a:off x="-1410085" y="1420219"/>
+            <a:ext cx="6857999" cy="4037839"/>
+          </a:xfrm>
+          <a:prstGeom prst="rect">
+            <a:avLst/>
+          </a:prstGeom>
+          <a:gradFill>
+            <a:gsLst>
+              <a:gs pos="0">
+                <a:srgbClr val="000000">
+                  <a:alpha val="0"/>
+                </a:srgbClr>
+              </a:gs>
+              <a:gs pos="99000">
+                <a:schemeClr val="accent1">
+                  <a:alpha val="46000"/>
+                </a:schemeClr>
+              </a:gs>
+            </a:gsLst>
+            <a:lin ang="1800000" scaled="0"/>
+          </a:gradFill>
+          <a:ln>
+            <a:noFill/>
+          </a:ln>
+        </p:spPr>
+        <p:style>
+          <a:lnRef idx="2">
+            <a:schemeClr val="accent1">
+              <a:shade val="50000"/>
+            </a:schemeClr>
+          </a:lnRef>
+          <a:fillRef idx="1">
+            <a:schemeClr val="accent1"/>
+          </a:fillRef>
+          <a:effectRef idx="0">
+            <a:schemeClr val="accent1"/>
+          </a:effectRef>
+          <a:fontRef idx="minor">
+            <a:schemeClr val="lt1"/>
+          </a:fontRef>
+        </p:style>
+        <p:txBody>
+          <a:bodyPr rtlCol="0" anchor="ctr"/>
+          <a:lstStyle/>
+          <a:p>
+            <a:pPr algn="ctr"/>
+            <a:endParaRPr lang="en-US"/>
+          </a:p>
+        </p:txBody>
+      </p:sp>
+      <p:sp>
+        <p:nvSpPr>
+          <p:cNvPr id="16" name="Rectangle 15">
+            <a:extLst>
+              <a:ext uri="{FF2B5EF4-FFF2-40B4-BE49-F238E27FC236}">
+                <a16:creationId xmlns:a16="http://schemas.microsoft.com/office/drawing/2014/main" id="{D2B78728-A580-49A7-84F9-6EF6F583ADE0}"/>
+              </a:ext>
+              <a:ext uri="{C183D7F6-B498-43B3-948B-1728B52AA6E4}">
+                <adec:decorative xmlns:adec="http://schemas.microsoft.com/office/drawing/2017/decorative" val="1"/>
+              </a:ext>
+            </a:extLst>
+          </p:cNvPr>
+          <p:cNvSpPr>
+            <a:spLocks noGrp="1" noRot="1" noChangeAspect="1" noMove="1" noResize="1" noEditPoints="1" noAdjustHandles="1" noChangeArrowheads="1" noChangeShapeType="1" noTextEdit="1"/>
+          </p:cNvSpPr>
+          <p:nvPr>
+            <p:extLst>
+              <p:ext uri="{386F3935-93C4-4BCD-93E2-E3B085C9AB24}">
+                <p16:designElem xmlns:p16="http://schemas.microsoft.com/office/powerpoint/2015/main" val="1"/>
+              </p:ext>
+            </p:extLst>
+          </p:nvPr>
+        </p:nvSpPr>
+        <p:spPr>
+          <a:xfrm rot="5400000" flipH="1">
+            <a:off x="767923" y="3588085"/>
+            <a:ext cx="2501979" cy="4037841"/>
+          </a:xfrm>
+          <a:prstGeom prst="rect">
+            <a:avLst/>
+          </a:prstGeom>
+          <a:gradFill>
+            <a:gsLst>
+              <a:gs pos="2000">
+                <a:schemeClr val="accent1">
+                  <a:alpha val="29000"/>
+                </a:schemeClr>
+              </a:gs>
+              <a:gs pos="100000">
+                <a:srgbClr val="000000">
+                  <a:alpha val="30000"/>
+                </a:srgbClr>
+              </a:gs>
+            </a:gsLst>
+            <a:lin ang="7800000" scaled="0"/>
+          </a:gradFill>
+          <a:ln>
+            <a:noFill/>
+          </a:ln>
+        </p:spPr>
+        <p:style>
+          <a:lnRef idx="2">
+            <a:schemeClr val="accent1">
+              <a:shade val="50000"/>
+            </a:schemeClr>
+          </a:lnRef>
+          <a:fillRef idx="1">
+            <a:schemeClr val="accent1"/>
+          </a:fillRef>
+          <a:effectRef idx="0">
+            <a:schemeClr val="accent1"/>
+          </a:effectRef>
+          <a:fontRef idx="minor">
+            <a:schemeClr val="lt1"/>
+          </a:fontRef>
+        </p:style>
+        <p:txBody>
+          <a:bodyPr rtlCol="0" anchor="ctr"/>
+          <a:lstStyle/>
+          <a:p>
+            <a:pPr algn="ctr"/>
+            <a:endParaRPr lang="en-US" dirty="0"/>
+          </a:p>
+        </p:txBody>
+      </p:sp>
+      <p:sp>
+        <p:nvSpPr>
+          <p:cNvPr id="18" name="Freeform: Shape 17">
+            <a:extLst>
+              <a:ext uri="{FF2B5EF4-FFF2-40B4-BE49-F238E27FC236}">
+                <a16:creationId xmlns:a16="http://schemas.microsoft.com/office/drawing/2014/main" id="{38FAA1A1-D861-433F-88FA-1E9D6FD31D11}"/>
+              </a:ext>
+              <a:ext uri="{C183D7F6-B498-43B3-948B-1728B52AA6E4}">
+                <adec:decorative xmlns:adec="http://schemas.microsoft.com/office/drawing/2017/decorative" val="1"/>
+              </a:ext>
+            </a:extLst>
+          </p:cNvPr>
+          <p:cNvSpPr>
+            <a:spLocks noGrp="1" noRot="1" noChangeAspect="1" noMove="1" noResize="1" noEditPoints="1" noAdjustHandles="1" noChangeArrowheads="1" noChangeShapeType="1" noTextEdit="1"/>
+          </p:cNvSpPr>
+          <p:nvPr>
+            <p:extLst>
+              <p:ext uri="{386F3935-93C4-4BCD-93E2-E3B085C9AB24}">
+                <p16:designElem xmlns:p16="http://schemas.microsoft.com/office/powerpoint/2015/main" val="1"/>
+              </p:ext>
+            </p:extLst>
+          </p:nvPr>
+        </p:nvSpPr>
+        <p:spPr>
+          <a:xfrm rot="20635413">
+            <a:off x="-501737" y="969718"/>
+            <a:ext cx="3900357" cy="4178958"/>
+          </a:xfrm>
+          <a:custGeom>
+            <a:avLst/>
+            <a:gdLst>
+              <a:gd name="connsiteX0" fmla="*/ 2432225 w 3900357"/>
+              <a:gd name="connsiteY0" fmla="*/ 93939 h 4178958"/>
+              <a:gd name="connsiteX1" fmla="*/ 3900357 w 3900357"/>
+              <a:gd name="connsiteY1" fmla="*/ 2089479 h 4178958"/>
+              <a:gd name="connsiteX2" fmla="*/ 1810878 w 3900357"/>
+              <a:gd name="connsiteY2" fmla="*/ 4178958 h 4178958"/>
+              <a:gd name="connsiteX3" fmla="*/ 78249 w 3900357"/>
+              <a:gd name="connsiteY3" fmla="*/ 3257727 h 4178958"/>
+              <a:gd name="connsiteX4" fmla="*/ 0 w 3900357"/>
+              <a:gd name="connsiteY4" fmla="*/ 3128923 h 4178958"/>
+              <a:gd name="connsiteX5" fmla="*/ 831324 w 3900357"/>
+              <a:gd name="connsiteY5" fmla="*/ 244281 h 4178958"/>
+              <a:gd name="connsiteX6" fmla="*/ 997559 w 3900357"/>
+              <a:gd name="connsiteY6" fmla="*/ 164202 h 4178958"/>
+              <a:gd name="connsiteX7" fmla="*/ 1810878 w 3900357"/>
+              <a:gd name="connsiteY7" fmla="*/ 0 h 4178958"/>
+              <a:gd name="connsiteX8" fmla="*/ 2432225 w 3900357"/>
+              <a:gd name="connsiteY8" fmla="*/ 93939 h 4178958"/>
+            </a:gdLst>
+            <a:ahLst/>
+            <a:cxnLst>
+              <a:cxn ang="0">
+                <a:pos x="connsiteX0" y="connsiteY0"/>
+              </a:cxn>
+              <a:cxn ang="0">
+                <a:pos x="connsiteX1" y="connsiteY1"/>
+              </a:cxn>
+              <a:cxn ang="0">
+                <a:pos x="connsiteX2" y="connsiteY2"/>
+              </a:cxn>
+              <a:cxn ang="0">
+                <a:pos x="connsiteX3" y="connsiteY3"/>
+              </a:cxn>
+              <a:cxn ang="0">
+                <a:pos x="connsiteX4" y="connsiteY4"/>
+              </a:cxn>
+              <a:cxn ang="0">
+                <a:pos x="connsiteX5" y="connsiteY5"/>
+              </a:cxn>
+              <a:cxn ang="0">
+                <a:pos x="connsiteX6" y="connsiteY6"/>
+              </a:cxn>
+              <a:cxn ang="0">
+                <a:pos x="connsiteX7" y="connsiteY7"/>
+              </a:cxn>
+              <a:cxn ang="0">
+                <a:pos x="connsiteX8" y="connsiteY8"/>
+              </a:cxn>
+            </a:cxnLst>
+            <a:rect l="l" t="t" r="r" b="b"/>
+            <a:pathLst>
+              <a:path w="3900357" h="4178958">
+                <a:moveTo>
+                  <a:pt x="2432225" y="93939"/>
+                </a:moveTo>
+                <a:cubicBezTo>
+                  <a:pt x="3282786" y="358491"/>
+                  <a:pt x="3900357" y="1151865"/>
+                  <a:pt x="3900357" y="2089479"/>
+                </a:cubicBezTo>
+                <a:cubicBezTo>
+                  <a:pt x="3900357" y="3243466"/>
+                  <a:pt x="2964865" y="4178958"/>
+                  <a:pt x="1810878" y="4178958"/>
+                </a:cubicBezTo>
+                <a:cubicBezTo>
+                  <a:pt x="1089636" y="4178958"/>
+                  <a:pt x="453744" y="3813531"/>
+                  <a:pt x="78249" y="3257727"/>
+                </a:cubicBezTo>
+                <a:lnTo>
+                  <a:pt x="0" y="3128923"/>
+                </a:lnTo>
+                <a:lnTo>
+                  <a:pt x="831324" y="244281"/>
+                </a:lnTo>
+                <a:lnTo>
+                  <a:pt x="997559" y="164202"/>
+                </a:lnTo>
+                <a:cubicBezTo>
+                  <a:pt x="1247540" y="58468"/>
+                  <a:pt x="1522381" y="0"/>
+                  <a:pt x="1810878" y="0"/>
+                </a:cubicBezTo>
+                <a:cubicBezTo>
+                  <a:pt x="2027251" y="0"/>
+                  <a:pt x="2235942" y="32888"/>
+                  <a:pt x="2432225" y="93939"/>
+                </a:cubicBezTo>
+                <a:close/>
+              </a:path>
+            </a:pathLst>
+          </a:custGeom>
+          <a:gradFill>
+            <a:gsLst>
+              <a:gs pos="29000">
+                <a:srgbClr val="000000">
+                  <a:alpha val="0"/>
+                </a:srgbClr>
+              </a:gs>
+              <a:gs pos="100000">
+                <a:schemeClr val="accent1">
+                  <a:alpha val="43000"/>
+                </a:schemeClr>
+              </a:gs>
+            </a:gsLst>
+            <a:lin ang="1800000" scaled="0"/>
+          </a:gradFill>
+          <a:ln>
+            <a:noFill/>
+          </a:ln>
+        </p:spPr>
+        <p:style>
+          <a:lnRef idx="2">
+            <a:schemeClr val="accent1">
+              <a:shade val="50000"/>
+            </a:schemeClr>
+          </a:lnRef>
+          <a:fillRef idx="1">
+            <a:schemeClr val="accent1"/>
+          </a:fillRef>
+          <a:effectRef idx="0">
+            <a:schemeClr val="accent1"/>
+          </a:effectRef>
+          <a:fontRef idx="minor">
+            <a:schemeClr val="lt1"/>
+          </a:fontRef>
+        </p:style>
+        <p:txBody>
+          <a:bodyPr wrap="square" rtlCol="0" anchor="ctr">
+            <a:noAutofit/>
+          </a:bodyPr>
+          <a:lstStyle/>
+          <a:p>
+            <a:pPr algn="ctr"/>
+            <a:endParaRPr lang="en-US" dirty="0"/>
+          </a:p>
+        </p:txBody>
+      </p:sp>
+      <p:sp>
+        <p:nvSpPr>
+          <p:cNvPr id="20" name="Rectangle 19">
+            <a:extLst>
+              <a:ext uri="{FF2B5EF4-FFF2-40B4-BE49-F238E27FC236}">
+                <a16:creationId xmlns:a16="http://schemas.microsoft.com/office/drawing/2014/main" id="{8D71EDA1-87BF-4D5D-AB79-F346FD19278A}"/>
+              </a:ext>
+              <a:ext uri="{C183D7F6-B498-43B3-948B-1728B52AA6E4}">
+                <adec:decorative xmlns:adec="http://schemas.microsoft.com/office/drawing/2017/decorative" val="1"/>
+              </a:ext>
+            </a:extLst>
+          </p:cNvPr>
+          <p:cNvSpPr>
+            <a:spLocks noGrp="1" noRot="1" noChangeAspect="1" noMove="1" noResize="1" noEditPoints="1" noAdjustHandles="1" noChangeArrowheads="1" noChangeShapeType="1" noTextEdit="1"/>
+          </p:cNvSpPr>
+          <p:nvPr>
+            <p:extLst>
+              <p:ext uri="{386F3935-93C4-4BCD-93E2-E3B085C9AB24}">
+                <p16:designElem xmlns:p16="http://schemas.microsoft.com/office/powerpoint/2015/main" val="1"/>
+              </p:ext>
+            </p:extLst>
+          </p:nvPr>
+        </p:nvSpPr>
+        <p:spPr>
+          <a:xfrm rot="5400000" flipH="1">
+            <a:off x="-1410093" y="1399943"/>
+            <a:ext cx="6858003" cy="4037835"/>
+          </a:xfrm>
+          <a:prstGeom prst="rect">
+            <a:avLst/>
+          </a:prstGeom>
+          <a:gradFill>
+            <a:gsLst>
+              <a:gs pos="0">
+                <a:srgbClr val="000000">
+                  <a:alpha val="0"/>
+                </a:srgbClr>
+              </a:gs>
+              <a:gs pos="99000">
+                <a:schemeClr val="accent1">
+                  <a:lumMod val="60000"/>
+                  <a:lumOff val="40000"/>
+                  <a:alpha val="11000"/>
+                </a:schemeClr>
+              </a:gs>
+            </a:gsLst>
+            <a:lin ang="7200000" scaled="0"/>
+          </a:gradFill>
+          <a:ln>
+            <a:noFill/>
+          </a:ln>
+        </p:spPr>
+        <p:style>
+          <a:lnRef idx="2">
+            <a:schemeClr val="accent1">
+              <a:shade val="50000"/>
+            </a:schemeClr>
+          </a:lnRef>
+          <a:fillRef idx="1">
+            <a:schemeClr val="accent1"/>
+          </a:fillRef>
+          <a:effectRef idx="0">
+            <a:schemeClr val="accent1"/>
+          </a:effectRef>
+          <a:fontRef idx="minor">
+            <a:schemeClr val="lt1"/>
+          </a:fontRef>
+        </p:style>
+        <p:txBody>
+          <a:bodyPr rtlCol="0" anchor="ctr"/>
+          <a:lstStyle/>
+          <a:p>
+            <a:pPr algn="ctr"/>
+            <a:endParaRPr lang="en-US"/>
+          </a:p>
+        </p:txBody>
+      </p:sp>
+      <p:sp>
+        <p:nvSpPr>
+          <p:cNvPr id="23" name="Titel 1">
+            <a:extLst>
+              <a:ext uri="{FF2B5EF4-FFF2-40B4-BE49-F238E27FC236}">
+                <a16:creationId xmlns:a16="http://schemas.microsoft.com/office/drawing/2014/main" id="{863F3A40-CA48-AE6D-EF44-DC2804EF6823}"/>
+              </a:ext>
+            </a:extLst>
+          </p:cNvPr>
+          <p:cNvSpPr>
+            <a:spLocks noGrp="1"/>
+          </p:cNvSpPr>
+          <p:nvPr>
+            <p:ph type="title"/>
+          </p:nvPr>
+        </p:nvSpPr>
+        <p:spPr>
+          <a:xfrm>
+            <a:off x="466722" y="586855"/>
+            <a:ext cx="3201366" cy="3387497"/>
+          </a:xfrm>
+        </p:spPr>
+        <p:txBody>
+          <a:bodyPr anchor="b">
+            <a:normAutofit/>
+          </a:bodyPr>
+          <a:lstStyle/>
+          <a:p>
+            <a:pPr algn="r"/>
+            <a:r>
               <a:rPr lang="en-US" sz="3200" kern="1200" dirty="0">
                 <a:solidFill>
                   <a:srgbClr val="FFFFFF"/>
@@ -7824,6 +8592,778 @@
     <p:extLst>
       <p:ext uri="{BB962C8B-B14F-4D97-AF65-F5344CB8AC3E}">
         <p14:creationId xmlns:p14="http://schemas.microsoft.com/office/powerpoint/2010/main" val="770821901"/>
+      </p:ext>
+    </p:extLst>
+  </p:cSld>
+  <p:clrMapOvr>
+    <a:masterClrMapping/>
+  </p:clrMapOvr>
+</p:sld>
+</file>
+
+<file path=ppt/slides/slide12.xml><?xml version="1.0" encoding="utf-8"?>
+<p:sld xmlns:a="http://schemas.openxmlformats.org/drawingml/2006/main" xmlns:r="http://schemas.openxmlformats.org/officeDocument/2006/relationships" xmlns:p="http://schemas.openxmlformats.org/presentationml/2006/main">
+  <p:cSld>
+    <p:bg>
+      <p:bgPr>
+        <a:solidFill>
+          <a:schemeClr val="bg1"/>
+        </a:solidFill>
+        <a:effectLst/>
+      </p:bgPr>
+    </p:bg>
+    <p:spTree>
+      <p:nvGrpSpPr>
+        <p:cNvPr id="1" name=""/>
+        <p:cNvGrpSpPr/>
+        <p:nvPr/>
+      </p:nvGrpSpPr>
+      <p:grpSpPr>
+        <a:xfrm>
+          <a:off x="0" y="0"/>
+          <a:ext cx="0" cy="0"/>
+          <a:chOff x="0" y="0"/>
+          <a:chExt cx="0" cy="0"/>
+        </a:xfrm>
+      </p:grpSpPr>
+      <p:sp useBgFill="1">
+        <p:nvSpPr>
+          <p:cNvPr id="8" name="Rectangle 7">
+            <a:extLst>
+              <a:ext uri="{FF2B5EF4-FFF2-40B4-BE49-F238E27FC236}">
+                <a16:creationId xmlns:a16="http://schemas.microsoft.com/office/drawing/2014/main" id="{09588DA8-065E-4F6F-8EFD-43104AB2E0CF}"/>
+              </a:ext>
+              <a:ext uri="{C183D7F6-B498-43B3-948B-1728B52AA6E4}">
+                <adec:decorative xmlns:adec="http://schemas.microsoft.com/office/drawing/2017/decorative" val="1"/>
+              </a:ext>
+            </a:extLst>
+          </p:cNvPr>
+          <p:cNvSpPr>
+            <a:spLocks noGrp="1" noRot="1" noChangeAspect="1" noMove="1" noResize="1" noEditPoints="1" noAdjustHandles="1" noChangeArrowheads="1" noChangeShapeType="1" noTextEdit="1"/>
+          </p:cNvSpPr>
+          <p:nvPr>
+            <p:extLst>
+              <p:ext uri="{386F3935-93C4-4BCD-93E2-E3B085C9AB24}">
+                <p16:designElem xmlns:p16="http://schemas.microsoft.com/office/powerpoint/2015/main" val="1"/>
+              </p:ext>
+            </p:extLst>
+          </p:nvPr>
+        </p:nvSpPr>
+        <p:spPr>
+          <a:xfrm>
+            <a:off x="0" y="0"/>
+            <a:ext cx="12192000" cy="6858000"/>
+          </a:xfrm>
+          <a:prstGeom prst="rect">
+            <a:avLst/>
+          </a:prstGeom>
+          <a:ln w="12700" cap="flat" cmpd="sng" algn="ctr">
+            <a:noFill/>
+            <a:prstDash val="solid"/>
+            <a:miter lim="800000"/>
+          </a:ln>
+          <a:effectLst/>
+          <a:extLst>
+            <a:ext uri="{91240B29-F687-4F45-9708-019B960494DF}">
+              <a14:hiddenLine xmlns:a14="http://schemas.microsoft.com/office/drawing/2010/main" w="12700" cap="flat" cmpd="sng" algn="ctr">
+                <a:solidFill>
+                  <a:schemeClr val="accent1">
+                    <a:shade val="50000"/>
+                  </a:schemeClr>
+                </a:solidFill>
+                <a:prstDash val="solid"/>
+                <a:miter lim="800000"/>
+              </a14:hiddenLine>
+            </a:ext>
+          </a:extLst>
+        </p:spPr>
+        <p:style>
+          <a:lnRef idx="2">
+            <a:schemeClr val="accent1">
+              <a:shade val="50000"/>
+            </a:schemeClr>
+          </a:lnRef>
+          <a:fillRef idx="1">
+            <a:schemeClr val="accent1"/>
+          </a:fillRef>
+          <a:effectRef idx="0">
+            <a:schemeClr val="accent1"/>
+          </a:effectRef>
+          <a:fontRef idx="minor">
+            <a:schemeClr val="lt1"/>
+          </a:fontRef>
+        </p:style>
+        <p:txBody>
+          <a:bodyPr rtlCol="0" anchor="ctr"/>
+          <a:lstStyle/>
+          <a:p>
+            <a:pPr algn="ctr"/>
+            <a:endParaRPr lang="en-US"/>
+          </a:p>
+        </p:txBody>
+      </p:sp>
+      <p:sp useBgFill="1">
+        <p:nvSpPr>
+          <p:cNvPr id="10" name="Rectangle 9">
+            <a:extLst>
+              <a:ext uri="{FF2B5EF4-FFF2-40B4-BE49-F238E27FC236}">
+                <a16:creationId xmlns:a16="http://schemas.microsoft.com/office/drawing/2014/main" id="{C4285719-470E-454C-AF62-8323075F1F5B}"/>
+              </a:ext>
+              <a:ext uri="{C183D7F6-B498-43B3-948B-1728B52AA6E4}">
+                <adec:decorative xmlns:adec="http://schemas.microsoft.com/office/drawing/2017/decorative" val="1"/>
+              </a:ext>
+            </a:extLst>
+          </p:cNvPr>
+          <p:cNvSpPr>
+            <a:spLocks noGrp="1" noRot="1" noChangeAspect="1" noMove="1" noResize="1" noEditPoints="1" noAdjustHandles="1" noChangeArrowheads="1" noChangeShapeType="1" noTextEdit="1"/>
+          </p:cNvSpPr>
+          <p:nvPr>
+            <p:extLst>
+              <p:ext uri="{386F3935-93C4-4BCD-93E2-E3B085C9AB24}">
+                <p16:designElem xmlns:p16="http://schemas.microsoft.com/office/powerpoint/2015/main" val="1"/>
+              </p:ext>
+            </p:extLst>
+          </p:nvPr>
+        </p:nvSpPr>
+        <p:spPr>
+          <a:xfrm>
+            <a:off x="0" y="0"/>
+            <a:ext cx="12188952" cy="6858000"/>
+          </a:xfrm>
+          <a:prstGeom prst="rect">
+            <a:avLst/>
+          </a:prstGeom>
+          <a:ln w="12700" cap="flat" cmpd="sng" algn="ctr">
+            <a:noFill/>
+            <a:prstDash val="solid"/>
+            <a:miter lim="800000"/>
+          </a:ln>
+          <a:effectLst/>
+          <a:extLst>
+            <a:ext uri="{91240B29-F687-4F45-9708-019B960494DF}">
+              <a14:hiddenLine xmlns:a14="http://schemas.microsoft.com/office/drawing/2010/main" w="12700" cap="flat" cmpd="sng" algn="ctr">
+                <a:solidFill>
+                  <a:schemeClr val="accent1">
+                    <a:shade val="50000"/>
+                  </a:schemeClr>
+                </a:solidFill>
+                <a:prstDash val="solid"/>
+                <a:miter lim="800000"/>
+              </a14:hiddenLine>
+            </a:ext>
+          </a:extLst>
+        </p:spPr>
+        <p:style>
+          <a:lnRef idx="2">
+            <a:schemeClr val="accent1">
+              <a:shade val="50000"/>
+            </a:schemeClr>
+          </a:lnRef>
+          <a:fillRef idx="1">
+            <a:schemeClr val="accent1"/>
+          </a:fillRef>
+          <a:effectRef idx="0">
+            <a:schemeClr val="accent1"/>
+          </a:effectRef>
+          <a:fontRef idx="minor">
+            <a:schemeClr val="lt1"/>
+          </a:fontRef>
+        </p:style>
+        <p:txBody>
+          <a:bodyPr rtlCol="0" anchor="ctr"/>
+          <a:lstStyle/>
+          <a:p>
+            <a:pPr algn="ctr"/>
+            <a:endParaRPr lang="en-US"/>
+          </a:p>
+        </p:txBody>
+      </p:sp>
+      <p:sp>
+        <p:nvSpPr>
+          <p:cNvPr id="12" name="Rectangle 11">
+            <a:extLst>
+              <a:ext uri="{FF2B5EF4-FFF2-40B4-BE49-F238E27FC236}">
+                <a16:creationId xmlns:a16="http://schemas.microsoft.com/office/drawing/2014/main" id="{CD9FE4EF-C4D8-49A0-B2FF-81D8DB7D8A24}"/>
+              </a:ext>
+              <a:ext uri="{C183D7F6-B498-43B3-948B-1728B52AA6E4}">
+                <adec:decorative xmlns:adec="http://schemas.microsoft.com/office/drawing/2017/decorative" val="1"/>
+              </a:ext>
+            </a:extLst>
+          </p:cNvPr>
+          <p:cNvSpPr>
+            <a:spLocks noGrp="1" noRot="1" noChangeAspect="1" noMove="1" noResize="1" noEditPoints="1" noAdjustHandles="1" noChangeArrowheads="1" noChangeShapeType="1" noTextEdit="1"/>
+          </p:cNvSpPr>
+          <p:nvPr>
+            <p:extLst>
+              <p:ext uri="{386F3935-93C4-4BCD-93E2-E3B085C9AB24}">
+                <p16:designElem xmlns:p16="http://schemas.microsoft.com/office/powerpoint/2015/main" val="1"/>
+              </p:ext>
+            </p:extLst>
+          </p:nvPr>
+        </p:nvSpPr>
+        <p:spPr>
+          <a:xfrm rot="5400000" flipH="1">
+            <a:off x="-1410084" y="1410082"/>
+            <a:ext cx="6858000" cy="4037836"/>
+          </a:xfrm>
+          <a:prstGeom prst="rect">
+            <a:avLst/>
+          </a:prstGeom>
+          <a:gradFill>
+            <a:gsLst>
+              <a:gs pos="8000">
+                <a:srgbClr val="000000"/>
+              </a:gs>
+              <a:gs pos="100000">
+                <a:schemeClr val="accent1">
+                  <a:lumMod val="75000"/>
+                </a:schemeClr>
+              </a:gs>
+            </a:gsLst>
+            <a:lin ang="3000000" scaled="0"/>
+          </a:gradFill>
+          <a:ln>
+            <a:noFill/>
+          </a:ln>
+        </p:spPr>
+        <p:style>
+          <a:lnRef idx="2">
+            <a:schemeClr val="accent1">
+              <a:shade val="50000"/>
+            </a:schemeClr>
+          </a:lnRef>
+          <a:fillRef idx="1">
+            <a:schemeClr val="accent1"/>
+          </a:fillRef>
+          <a:effectRef idx="0">
+            <a:schemeClr val="accent1"/>
+          </a:effectRef>
+          <a:fontRef idx="minor">
+            <a:schemeClr val="lt1"/>
+          </a:fontRef>
+        </p:style>
+        <p:txBody>
+          <a:bodyPr rtlCol="0" anchor="ctr"/>
+          <a:lstStyle/>
+          <a:p>
+            <a:pPr algn="ctr"/>
+            <a:endParaRPr lang="en-US"/>
+          </a:p>
+        </p:txBody>
+      </p:sp>
+      <p:sp>
+        <p:nvSpPr>
+          <p:cNvPr id="14" name="Rectangle 13">
+            <a:extLst>
+              <a:ext uri="{FF2B5EF4-FFF2-40B4-BE49-F238E27FC236}">
+                <a16:creationId xmlns:a16="http://schemas.microsoft.com/office/drawing/2014/main" id="{4300840D-0A0B-4512-BACA-B439D5B9C57C}"/>
+              </a:ext>
+              <a:ext uri="{C183D7F6-B498-43B3-948B-1728B52AA6E4}">
+                <adec:decorative xmlns:adec="http://schemas.microsoft.com/office/drawing/2017/decorative" val="1"/>
+              </a:ext>
+            </a:extLst>
+          </p:cNvPr>
+          <p:cNvSpPr>
+            <a:spLocks noGrp="1" noRot="1" noChangeAspect="1" noMove="1" noResize="1" noEditPoints="1" noAdjustHandles="1" noChangeArrowheads="1" noChangeShapeType="1" noTextEdit="1"/>
+          </p:cNvSpPr>
+          <p:nvPr>
+            <p:extLst>
+              <p:ext uri="{386F3935-93C4-4BCD-93E2-E3B085C9AB24}">
+                <p16:designElem xmlns:p16="http://schemas.microsoft.com/office/powerpoint/2015/main" val="1"/>
+              </p:ext>
+            </p:extLst>
+          </p:nvPr>
+        </p:nvSpPr>
+        <p:spPr>
+          <a:xfrm rot="5400000" flipH="1">
+            <a:off x="-1410085" y="1420219"/>
+            <a:ext cx="6857999" cy="4037839"/>
+          </a:xfrm>
+          <a:prstGeom prst="rect">
+            <a:avLst/>
+          </a:prstGeom>
+          <a:gradFill>
+            <a:gsLst>
+              <a:gs pos="0">
+                <a:srgbClr val="000000">
+                  <a:alpha val="0"/>
+                </a:srgbClr>
+              </a:gs>
+              <a:gs pos="99000">
+                <a:schemeClr val="accent1">
+                  <a:alpha val="46000"/>
+                </a:schemeClr>
+              </a:gs>
+            </a:gsLst>
+            <a:lin ang="1800000" scaled="0"/>
+          </a:gradFill>
+          <a:ln>
+            <a:noFill/>
+          </a:ln>
+        </p:spPr>
+        <p:style>
+          <a:lnRef idx="2">
+            <a:schemeClr val="accent1">
+              <a:shade val="50000"/>
+            </a:schemeClr>
+          </a:lnRef>
+          <a:fillRef idx="1">
+            <a:schemeClr val="accent1"/>
+          </a:fillRef>
+          <a:effectRef idx="0">
+            <a:schemeClr val="accent1"/>
+          </a:effectRef>
+          <a:fontRef idx="minor">
+            <a:schemeClr val="lt1"/>
+          </a:fontRef>
+        </p:style>
+        <p:txBody>
+          <a:bodyPr rtlCol="0" anchor="ctr"/>
+          <a:lstStyle/>
+          <a:p>
+            <a:pPr algn="ctr"/>
+            <a:endParaRPr lang="en-US"/>
+          </a:p>
+        </p:txBody>
+      </p:sp>
+      <p:sp>
+        <p:nvSpPr>
+          <p:cNvPr id="16" name="Rectangle 15">
+            <a:extLst>
+              <a:ext uri="{FF2B5EF4-FFF2-40B4-BE49-F238E27FC236}">
+                <a16:creationId xmlns:a16="http://schemas.microsoft.com/office/drawing/2014/main" id="{D2B78728-A580-49A7-84F9-6EF6F583ADE0}"/>
+              </a:ext>
+              <a:ext uri="{C183D7F6-B498-43B3-948B-1728B52AA6E4}">
+                <adec:decorative xmlns:adec="http://schemas.microsoft.com/office/drawing/2017/decorative" val="1"/>
+              </a:ext>
+            </a:extLst>
+          </p:cNvPr>
+          <p:cNvSpPr>
+            <a:spLocks noGrp="1" noRot="1" noChangeAspect="1" noMove="1" noResize="1" noEditPoints="1" noAdjustHandles="1" noChangeArrowheads="1" noChangeShapeType="1" noTextEdit="1"/>
+          </p:cNvSpPr>
+          <p:nvPr>
+            <p:extLst>
+              <p:ext uri="{386F3935-93C4-4BCD-93E2-E3B085C9AB24}">
+                <p16:designElem xmlns:p16="http://schemas.microsoft.com/office/powerpoint/2015/main" val="1"/>
+              </p:ext>
+            </p:extLst>
+          </p:nvPr>
+        </p:nvSpPr>
+        <p:spPr>
+          <a:xfrm rot="5400000" flipH="1">
+            <a:off x="767923" y="3588085"/>
+            <a:ext cx="2501979" cy="4037841"/>
+          </a:xfrm>
+          <a:prstGeom prst="rect">
+            <a:avLst/>
+          </a:prstGeom>
+          <a:gradFill>
+            <a:gsLst>
+              <a:gs pos="2000">
+                <a:schemeClr val="accent1">
+                  <a:alpha val="29000"/>
+                </a:schemeClr>
+              </a:gs>
+              <a:gs pos="100000">
+                <a:srgbClr val="000000">
+                  <a:alpha val="30000"/>
+                </a:srgbClr>
+              </a:gs>
+            </a:gsLst>
+            <a:lin ang="7800000" scaled="0"/>
+          </a:gradFill>
+          <a:ln>
+            <a:noFill/>
+          </a:ln>
+        </p:spPr>
+        <p:style>
+          <a:lnRef idx="2">
+            <a:schemeClr val="accent1">
+              <a:shade val="50000"/>
+            </a:schemeClr>
+          </a:lnRef>
+          <a:fillRef idx="1">
+            <a:schemeClr val="accent1"/>
+          </a:fillRef>
+          <a:effectRef idx="0">
+            <a:schemeClr val="accent1"/>
+          </a:effectRef>
+          <a:fontRef idx="minor">
+            <a:schemeClr val="lt1"/>
+          </a:fontRef>
+        </p:style>
+        <p:txBody>
+          <a:bodyPr rtlCol="0" anchor="ctr"/>
+          <a:lstStyle/>
+          <a:p>
+            <a:pPr algn="ctr"/>
+            <a:endParaRPr lang="en-US" dirty="0"/>
+          </a:p>
+        </p:txBody>
+      </p:sp>
+      <p:sp>
+        <p:nvSpPr>
+          <p:cNvPr id="18" name="Freeform: Shape 17">
+            <a:extLst>
+              <a:ext uri="{FF2B5EF4-FFF2-40B4-BE49-F238E27FC236}">
+                <a16:creationId xmlns:a16="http://schemas.microsoft.com/office/drawing/2014/main" id="{38FAA1A1-D861-433F-88FA-1E9D6FD31D11}"/>
+              </a:ext>
+              <a:ext uri="{C183D7F6-B498-43B3-948B-1728B52AA6E4}">
+                <adec:decorative xmlns:adec="http://schemas.microsoft.com/office/drawing/2017/decorative" val="1"/>
+              </a:ext>
+            </a:extLst>
+          </p:cNvPr>
+          <p:cNvSpPr>
+            <a:spLocks noGrp="1" noRot="1" noChangeAspect="1" noMove="1" noResize="1" noEditPoints="1" noAdjustHandles="1" noChangeArrowheads="1" noChangeShapeType="1" noTextEdit="1"/>
+          </p:cNvSpPr>
+          <p:nvPr>
+            <p:extLst>
+              <p:ext uri="{386F3935-93C4-4BCD-93E2-E3B085C9AB24}">
+                <p16:designElem xmlns:p16="http://schemas.microsoft.com/office/powerpoint/2015/main" val="1"/>
+              </p:ext>
+            </p:extLst>
+          </p:nvPr>
+        </p:nvSpPr>
+        <p:spPr>
+          <a:xfrm rot="20635413">
+            <a:off x="-501737" y="969718"/>
+            <a:ext cx="3900357" cy="4178958"/>
+          </a:xfrm>
+          <a:custGeom>
+            <a:avLst/>
+            <a:gdLst>
+              <a:gd name="connsiteX0" fmla="*/ 2432225 w 3900357"/>
+              <a:gd name="connsiteY0" fmla="*/ 93939 h 4178958"/>
+              <a:gd name="connsiteX1" fmla="*/ 3900357 w 3900357"/>
+              <a:gd name="connsiteY1" fmla="*/ 2089479 h 4178958"/>
+              <a:gd name="connsiteX2" fmla="*/ 1810878 w 3900357"/>
+              <a:gd name="connsiteY2" fmla="*/ 4178958 h 4178958"/>
+              <a:gd name="connsiteX3" fmla="*/ 78249 w 3900357"/>
+              <a:gd name="connsiteY3" fmla="*/ 3257727 h 4178958"/>
+              <a:gd name="connsiteX4" fmla="*/ 0 w 3900357"/>
+              <a:gd name="connsiteY4" fmla="*/ 3128923 h 4178958"/>
+              <a:gd name="connsiteX5" fmla="*/ 831324 w 3900357"/>
+              <a:gd name="connsiteY5" fmla="*/ 244281 h 4178958"/>
+              <a:gd name="connsiteX6" fmla="*/ 997559 w 3900357"/>
+              <a:gd name="connsiteY6" fmla="*/ 164202 h 4178958"/>
+              <a:gd name="connsiteX7" fmla="*/ 1810878 w 3900357"/>
+              <a:gd name="connsiteY7" fmla="*/ 0 h 4178958"/>
+              <a:gd name="connsiteX8" fmla="*/ 2432225 w 3900357"/>
+              <a:gd name="connsiteY8" fmla="*/ 93939 h 4178958"/>
+            </a:gdLst>
+            <a:ahLst/>
+            <a:cxnLst>
+              <a:cxn ang="0">
+                <a:pos x="connsiteX0" y="connsiteY0"/>
+              </a:cxn>
+              <a:cxn ang="0">
+                <a:pos x="connsiteX1" y="connsiteY1"/>
+              </a:cxn>
+              <a:cxn ang="0">
+                <a:pos x="connsiteX2" y="connsiteY2"/>
+              </a:cxn>
+              <a:cxn ang="0">
+                <a:pos x="connsiteX3" y="connsiteY3"/>
+              </a:cxn>
+              <a:cxn ang="0">
+                <a:pos x="connsiteX4" y="connsiteY4"/>
+              </a:cxn>
+              <a:cxn ang="0">
+                <a:pos x="connsiteX5" y="connsiteY5"/>
+              </a:cxn>
+              <a:cxn ang="0">
+                <a:pos x="connsiteX6" y="connsiteY6"/>
+              </a:cxn>
+              <a:cxn ang="0">
+                <a:pos x="connsiteX7" y="connsiteY7"/>
+              </a:cxn>
+              <a:cxn ang="0">
+                <a:pos x="connsiteX8" y="connsiteY8"/>
+              </a:cxn>
+            </a:cxnLst>
+            <a:rect l="l" t="t" r="r" b="b"/>
+            <a:pathLst>
+              <a:path w="3900357" h="4178958">
+                <a:moveTo>
+                  <a:pt x="2432225" y="93939"/>
+                </a:moveTo>
+                <a:cubicBezTo>
+                  <a:pt x="3282786" y="358491"/>
+                  <a:pt x="3900357" y="1151865"/>
+                  <a:pt x="3900357" y="2089479"/>
+                </a:cubicBezTo>
+                <a:cubicBezTo>
+                  <a:pt x="3900357" y="3243466"/>
+                  <a:pt x="2964865" y="4178958"/>
+                  <a:pt x="1810878" y="4178958"/>
+                </a:cubicBezTo>
+                <a:cubicBezTo>
+                  <a:pt x="1089636" y="4178958"/>
+                  <a:pt x="453744" y="3813531"/>
+                  <a:pt x="78249" y="3257727"/>
+                </a:cubicBezTo>
+                <a:lnTo>
+                  <a:pt x="0" y="3128923"/>
+                </a:lnTo>
+                <a:lnTo>
+                  <a:pt x="831324" y="244281"/>
+                </a:lnTo>
+                <a:lnTo>
+                  <a:pt x="997559" y="164202"/>
+                </a:lnTo>
+                <a:cubicBezTo>
+                  <a:pt x="1247540" y="58468"/>
+                  <a:pt x="1522381" y="0"/>
+                  <a:pt x="1810878" y="0"/>
+                </a:cubicBezTo>
+                <a:cubicBezTo>
+                  <a:pt x="2027251" y="0"/>
+                  <a:pt x="2235942" y="32888"/>
+                  <a:pt x="2432225" y="93939"/>
+                </a:cubicBezTo>
+                <a:close/>
+              </a:path>
+            </a:pathLst>
+          </a:custGeom>
+          <a:gradFill>
+            <a:gsLst>
+              <a:gs pos="29000">
+                <a:srgbClr val="000000">
+                  <a:alpha val="0"/>
+                </a:srgbClr>
+              </a:gs>
+              <a:gs pos="100000">
+                <a:schemeClr val="accent1">
+                  <a:alpha val="43000"/>
+                </a:schemeClr>
+              </a:gs>
+            </a:gsLst>
+            <a:lin ang="1800000" scaled="0"/>
+          </a:gradFill>
+          <a:ln>
+            <a:noFill/>
+          </a:ln>
+        </p:spPr>
+        <p:style>
+          <a:lnRef idx="2">
+            <a:schemeClr val="accent1">
+              <a:shade val="50000"/>
+            </a:schemeClr>
+          </a:lnRef>
+          <a:fillRef idx="1">
+            <a:schemeClr val="accent1"/>
+          </a:fillRef>
+          <a:effectRef idx="0">
+            <a:schemeClr val="accent1"/>
+          </a:effectRef>
+          <a:fontRef idx="minor">
+            <a:schemeClr val="lt1"/>
+          </a:fontRef>
+        </p:style>
+        <p:txBody>
+          <a:bodyPr wrap="square" rtlCol="0" anchor="ctr">
+            <a:noAutofit/>
+          </a:bodyPr>
+          <a:lstStyle/>
+          <a:p>
+            <a:pPr algn="ctr"/>
+            <a:endParaRPr lang="en-US" dirty="0"/>
+          </a:p>
+        </p:txBody>
+      </p:sp>
+      <p:sp>
+        <p:nvSpPr>
+          <p:cNvPr id="20" name="Rectangle 19">
+            <a:extLst>
+              <a:ext uri="{FF2B5EF4-FFF2-40B4-BE49-F238E27FC236}">
+                <a16:creationId xmlns:a16="http://schemas.microsoft.com/office/drawing/2014/main" id="{8D71EDA1-87BF-4D5D-AB79-F346FD19278A}"/>
+              </a:ext>
+              <a:ext uri="{C183D7F6-B498-43B3-948B-1728B52AA6E4}">
+                <adec:decorative xmlns:adec="http://schemas.microsoft.com/office/drawing/2017/decorative" val="1"/>
+              </a:ext>
+            </a:extLst>
+          </p:cNvPr>
+          <p:cNvSpPr>
+            <a:spLocks noGrp="1" noRot="1" noChangeAspect="1" noMove="1" noResize="1" noEditPoints="1" noAdjustHandles="1" noChangeArrowheads="1" noChangeShapeType="1" noTextEdit="1"/>
+          </p:cNvSpPr>
+          <p:nvPr>
+            <p:extLst>
+              <p:ext uri="{386F3935-93C4-4BCD-93E2-E3B085C9AB24}">
+                <p16:designElem xmlns:p16="http://schemas.microsoft.com/office/powerpoint/2015/main" val="1"/>
+              </p:ext>
+            </p:extLst>
+          </p:nvPr>
+        </p:nvSpPr>
+        <p:spPr>
+          <a:xfrm rot="5400000" flipH="1">
+            <a:off x="-1410093" y="1399943"/>
+            <a:ext cx="6858003" cy="4037835"/>
+          </a:xfrm>
+          <a:prstGeom prst="rect">
+            <a:avLst/>
+          </a:prstGeom>
+          <a:gradFill>
+            <a:gsLst>
+              <a:gs pos="0">
+                <a:srgbClr val="000000">
+                  <a:alpha val="0"/>
+                </a:srgbClr>
+              </a:gs>
+              <a:gs pos="99000">
+                <a:schemeClr val="accent1">
+                  <a:lumMod val="60000"/>
+                  <a:lumOff val="40000"/>
+                  <a:alpha val="11000"/>
+                </a:schemeClr>
+              </a:gs>
+            </a:gsLst>
+            <a:lin ang="7200000" scaled="0"/>
+          </a:gradFill>
+          <a:ln>
+            <a:noFill/>
+          </a:ln>
+        </p:spPr>
+        <p:style>
+          <a:lnRef idx="2">
+            <a:schemeClr val="accent1">
+              <a:shade val="50000"/>
+            </a:schemeClr>
+          </a:lnRef>
+          <a:fillRef idx="1">
+            <a:schemeClr val="accent1"/>
+          </a:fillRef>
+          <a:effectRef idx="0">
+            <a:schemeClr val="accent1"/>
+          </a:effectRef>
+          <a:fontRef idx="minor">
+            <a:schemeClr val="lt1"/>
+          </a:fontRef>
+        </p:style>
+        <p:txBody>
+          <a:bodyPr rtlCol="0" anchor="ctr"/>
+          <a:lstStyle/>
+          <a:p>
+            <a:pPr algn="ctr"/>
+            <a:endParaRPr lang="en-US"/>
+          </a:p>
+        </p:txBody>
+      </p:sp>
+      <p:sp>
+        <p:nvSpPr>
+          <p:cNvPr id="23" name="Titel 1">
+            <a:extLst>
+              <a:ext uri="{FF2B5EF4-FFF2-40B4-BE49-F238E27FC236}">
+                <a16:creationId xmlns:a16="http://schemas.microsoft.com/office/drawing/2014/main" id="{863F3A40-CA48-AE6D-EF44-DC2804EF6823}"/>
+              </a:ext>
+            </a:extLst>
+          </p:cNvPr>
+          <p:cNvSpPr>
+            <a:spLocks noGrp="1"/>
+          </p:cNvSpPr>
+          <p:nvPr>
+            <p:ph type="title"/>
+          </p:nvPr>
+        </p:nvSpPr>
+        <p:spPr>
+          <a:xfrm>
+            <a:off x="466722" y="586855"/>
+            <a:ext cx="3201366" cy="3387497"/>
+          </a:xfrm>
+        </p:spPr>
+        <p:txBody>
+          <a:bodyPr anchor="b">
+            <a:normAutofit/>
+          </a:bodyPr>
+          <a:lstStyle/>
+          <a:p>
+            <a:pPr algn="r"/>
+            <a:r>
+              <a:rPr lang="en-US" sz="3200" dirty="0" err="1">
+                <a:solidFill>
+                  <a:srgbClr val="FFFFFF"/>
+                </a:solidFill>
+              </a:rPr>
+              <a:t>Ausblick</a:t>
+            </a:r>
+            <a:endParaRPr lang="de-DE" sz="3100" dirty="0">
+              <a:solidFill>
+                <a:srgbClr val="FFFFFF"/>
+              </a:solidFill>
+            </a:endParaRPr>
+          </a:p>
+        </p:txBody>
+      </p:sp>
+      <p:sp>
+        <p:nvSpPr>
+          <p:cNvPr id="3" name="Textfeld 2">
+            <a:extLst>
+              <a:ext uri="{FF2B5EF4-FFF2-40B4-BE49-F238E27FC236}">
+                <a16:creationId xmlns:a16="http://schemas.microsoft.com/office/drawing/2014/main" id="{8ABE6ABB-4B80-8EA7-CDA7-76E1DC9A7083}"/>
+              </a:ext>
+            </a:extLst>
+          </p:cNvPr>
+          <p:cNvSpPr txBox="1"/>
+          <p:nvPr/>
+        </p:nvSpPr>
+        <p:spPr>
+          <a:xfrm>
+            <a:off x="4582701" y="2603252"/>
+            <a:ext cx="6787661" cy="1631216"/>
+          </a:xfrm>
+          <a:prstGeom prst="rect">
+            <a:avLst/>
+          </a:prstGeom>
+          <a:noFill/>
+        </p:spPr>
+        <p:txBody>
+          <a:bodyPr wrap="square" rtlCol="0">
+            <a:spAutoFit/>
+          </a:bodyPr>
+          <a:lstStyle/>
+          <a:p>
+            <a:pPr marL="285750" indent="-285750">
+              <a:buFont typeface="Arial" panose="020B0604020202020204" pitchFamily="34" charset="0"/>
+              <a:buChar char="•"/>
+            </a:pPr>
+            <a:r>
+              <a:rPr lang="de-DE" sz="2000" dirty="0"/>
+              <a:t>Einbinden des Attention-</a:t>
+            </a:r>
+            <a:r>
+              <a:rPr lang="de-DE" sz="2000" dirty="0" err="1"/>
+              <a:t>Layers</a:t>
+            </a:r>
+            <a:r>
+              <a:rPr lang="de-DE" sz="2000" dirty="0"/>
+              <a:t> und optimieren der Hyperparameter</a:t>
+            </a:r>
+          </a:p>
+          <a:p>
+            <a:pPr marL="285750" indent="-285750">
+              <a:buFont typeface="Arial" panose="020B0604020202020204" pitchFamily="34" charset="0"/>
+              <a:buChar char="•"/>
+            </a:pPr>
+            <a:r>
+              <a:rPr lang="de-DE" sz="2000" dirty="0"/>
+              <a:t>Mehr Trainingsdaten und längere Sätze</a:t>
+            </a:r>
+          </a:p>
+          <a:p>
+            <a:pPr marL="285750" indent="-285750">
+              <a:buFont typeface="Arial" panose="020B0604020202020204" pitchFamily="34" charset="0"/>
+              <a:buChar char="•"/>
+            </a:pPr>
+            <a:r>
+              <a:rPr lang="de-DE" sz="2000" dirty="0"/>
+              <a:t>Erstellen eines Modells zur Feststellung in welchem Genre geantwortet werden soll</a:t>
+            </a:r>
+          </a:p>
+        </p:txBody>
+      </p:sp>
+    </p:spTree>
+    <p:extLst>
+      <p:ext uri="{BB962C8B-B14F-4D97-AF65-F5344CB8AC3E}">
+        <p14:creationId xmlns:p14="http://schemas.microsoft.com/office/powerpoint/2010/main" val="2548991735"/>
       </p:ext>
     </p:extLst>
   </p:cSld>
@@ -14484,7 +16024,7 @@
           <a:p>
             <a:pPr algn="r"/>
             <a:r>
-              <a:rPr lang="en-US" sz="3200" kern="1200" dirty="0" err="1">
+              <a:rPr lang="en-US" sz="3200" kern="1200" dirty="0">
                 <a:solidFill>
                   <a:srgbClr val="FFFFFF"/>
                 </a:solidFill>
@@ -14492,7 +16032,7 @@
                 <a:ea typeface="+mj-ea"/>
                 <a:cs typeface="+mj-cs"/>
               </a:rPr>
-              <a:t>Lernkurven</a:t>
+              <a:t>Encoder-Decoder Modell</a:t>
             </a:r>
             <a:endParaRPr lang="de-DE" sz="3100" dirty="0">
               <a:solidFill>
@@ -14502,68 +16042,617 @@
           </a:p>
         </p:txBody>
       </p:sp>
-      <p:pic>
-        <p:nvPicPr>
-          <p:cNvPr id="5" name="Grafik 4" descr="Ein Bild, das Diagramm enthält.&#10;&#10;Automatisch generierte Beschreibung">
-            <a:extLst>
-              <a:ext uri="{FF2B5EF4-FFF2-40B4-BE49-F238E27FC236}">
-                <a16:creationId xmlns:a16="http://schemas.microsoft.com/office/drawing/2014/main" id="{0C768583-D64C-4A06-9C0A-C5FC4E1C1DE9}"/>
-              </a:ext>
-            </a:extLst>
-          </p:cNvPr>
-          <p:cNvPicPr>
-            <a:picLocks noChangeAspect="1"/>
-          </p:cNvPicPr>
+      <p:sp>
+        <p:nvSpPr>
+          <p:cNvPr id="3" name="Abgerundetes Rechteck 2">
+            <a:extLst>
+              <a:ext uri="{FF2B5EF4-FFF2-40B4-BE49-F238E27FC236}">
+                <a16:creationId xmlns:a16="http://schemas.microsoft.com/office/drawing/2014/main" id="{6FCCA202-5FC7-2384-514F-7F880B588801}"/>
+              </a:ext>
+            </a:extLst>
+          </p:cNvPr>
+          <p:cNvSpPr/>
           <p:nvPr/>
-        </p:nvPicPr>
-        <p:blipFill rotWithShape="1">
-          <a:blip r:embed="rId2"/>
-          <a:srcRect l="2357" t="6274" r="6919" b="156"/>
-          <a:stretch/>
-        </p:blipFill>
+        </p:nvSpPr>
         <p:spPr>
           <a:xfrm>
-            <a:off x="6019063" y="199138"/>
-            <a:ext cx="4188643" cy="3240000"/>
+            <a:off x="6847699" y="2016339"/>
+            <a:ext cx="2246244" cy="1104580"/>
+          </a:xfrm>
+          <a:prstGeom prst="roundRect">
+            <a:avLst/>
+          </a:prstGeom>
+        </p:spPr>
+        <p:style>
+          <a:lnRef idx="2">
+            <a:schemeClr val="accent1">
+              <a:shade val="50000"/>
+            </a:schemeClr>
+          </a:lnRef>
+          <a:fillRef idx="1">
+            <a:schemeClr val="accent1"/>
+          </a:fillRef>
+          <a:effectRef idx="0">
+            <a:schemeClr val="accent1"/>
+          </a:effectRef>
+          <a:fontRef idx="minor">
+            <a:schemeClr val="lt1"/>
+          </a:fontRef>
+        </p:style>
+        <p:txBody>
+          <a:bodyPr rtlCol="0" anchor="ctr"/>
+          <a:lstStyle/>
+          <a:p>
+            <a:pPr algn="ctr"/>
+            <a:r>
+              <a:rPr lang="de-DE" dirty="0"/>
+              <a:t>Encoder</a:t>
+            </a:r>
+          </a:p>
+        </p:txBody>
+      </p:sp>
+      <p:sp>
+        <p:nvSpPr>
+          <p:cNvPr id="4" name="Textfeld 3">
+            <a:extLst>
+              <a:ext uri="{FF2B5EF4-FFF2-40B4-BE49-F238E27FC236}">
+                <a16:creationId xmlns:a16="http://schemas.microsoft.com/office/drawing/2014/main" id="{3448F7B3-2665-8C6A-5D38-520C1183BC8F}"/>
+              </a:ext>
+            </a:extLst>
+          </p:cNvPr>
+          <p:cNvSpPr txBox="1"/>
+          <p:nvPr/>
+        </p:nvSpPr>
+        <p:spPr>
+          <a:xfrm>
+            <a:off x="5152470" y="2383963"/>
+            <a:ext cx="1096916" cy="369332"/>
           </a:xfrm>
           <a:prstGeom prst="rect">
             <a:avLst/>
           </a:prstGeom>
+          <a:solidFill>
+            <a:srgbClr val="1B66CE">
+              <a:alpha val="20000"/>
+            </a:srgbClr>
+          </a:solidFill>
+          <a:ln>
+            <a:noFill/>
+          </a:ln>
         </p:spPr>
-      </p:pic>
-      <p:pic>
-        <p:nvPicPr>
-          <p:cNvPr id="7" name="Grafik 6" descr="Ein Bild, das Diagramm enthält.&#10;&#10;Automatisch generierte Beschreibung">
-            <a:extLst>
-              <a:ext uri="{FF2B5EF4-FFF2-40B4-BE49-F238E27FC236}">
-                <a16:creationId xmlns:a16="http://schemas.microsoft.com/office/drawing/2014/main" id="{9FCAEF9B-3719-458F-A5C7-20F576C77BDC}"/>
-              </a:ext>
-            </a:extLst>
-          </p:cNvPr>
-          <p:cNvPicPr>
-            <a:picLocks noChangeAspect="1"/>
-          </p:cNvPicPr>
+        <p:txBody>
+          <a:bodyPr wrap="square" rtlCol="0">
+            <a:spAutoFit/>
+          </a:bodyPr>
+          <a:lstStyle/>
+          <a:p>
+            <a:pPr algn="ctr"/>
+            <a:r>
+              <a:rPr lang="de-DE" dirty="0"/>
+              <a:t>Text</a:t>
+            </a:r>
+          </a:p>
+        </p:txBody>
+      </p:sp>
+      <p:cxnSp>
+        <p:nvCxnSpPr>
+          <p:cNvPr id="6" name="Gerade Verbindung mit Pfeil 5">
+            <a:extLst>
+              <a:ext uri="{FF2B5EF4-FFF2-40B4-BE49-F238E27FC236}">
+                <a16:creationId xmlns:a16="http://schemas.microsoft.com/office/drawing/2014/main" id="{0CC754F2-8275-63CA-5390-BCDB74A180BC}"/>
+              </a:ext>
+            </a:extLst>
+          </p:cNvPr>
+          <p:cNvCxnSpPr>
+            <a:stCxn id="4" idx="3"/>
+            <a:endCxn id="3" idx="1"/>
+          </p:cNvCxnSpPr>
           <p:nvPr/>
-        </p:nvPicPr>
-        <p:blipFill rotWithShape="1">
-          <a:blip r:embed="rId3"/>
-          <a:srcRect l="4022" t="6431" r="5256"/>
-          <a:stretch/>
-        </p:blipFill>
+        </p:nvCxnSpPr>
         <p:spPr>
           <a:xfrm>
-            <a:off x="6096000" y="3429000"/>
-            <a:ext cx="4188642" cy="3240000"/>
+            <a:off x="6249386" y="2568629"/>
+            <a:ext cx="598313" cy="0"/>
+          </a:xfrm>
+          <a:prstGeom prst="straightConnector1">
+            <a:avLst/>
+          </a:prstGeom>
+          <a:ln w="12700">
+            <a:tailEnd type="triangle"/>
+          </a:ln>
+        </p:spPr>
+        <p:style>
+          <a:lnRef idx="1">
+            <a:schemeClr val="accent1"/>
+          </a:lnRef>
+          <a:fillRef idx="0">
+            <a:schemeClr val="accent1"/>
+          </a:fillRef>
+          <a:effectRef idx="0">
+            <a:schemeClr val="accent1"/>
+          </a:effectRef>
+          <a:fontRef idx="minor">
+            <a:schemeClr val="tx1"/>
+          </a:fontRef>
+        </p:style>
+      </p:cxnSp>
+      <p:sp>
+        <p:nvSpPr>
+          <p:cNvPr id="7" name="Textfeld 6">
+            <a:extLst>
+              <a:ext uri="{FF2B5EF4-FFF2-40B4-BE49-F238E27FC236}">
+                <a16:creationId xmlns:a16="http://schemas.microsoft.com/office/drawing/2014/main" id="{97432A30-632E-023D-B192-DA404643B103}"/>
+              </a:ext>
+            </a:extLst>
+          </p:cNvPr>
+          <p:cNvSpPr txBox="1"/>
+          <p:nvPr/>
+        </p:nvSpPr>
+        <p:spPr>
+          <a:xfrm>
+            <a:off x="9690992" y="2383963"/>
+            <a:ext cx="1884382" cy="369332"/>
           </a:xfrm>
           <a:prstGeom prst="rect">
             <a:avLst/>
           </a:prstGeom>
+          <a:solidFill>
+            <a:srgbClr val="1B66CE">
+              <a:alpha val="20000"/>
+            </a:srgbClr>
+          </a:solidFill>
+          <a:ln>
+            <a:noFill/>
+          </a:ln>
         </p:spPr>
-      </p:pic>
+        <p:txBody>
+          <a:bodyPr wrap="square" rtlCol="0">
+            <a:spAutoFit/>
+          </a:bodyPr>
+          <a:lstStyle/>
+          <a:p>
+            <a:pPr algn="ctr"/>
+            <a:r>
+              <a:rPr lang="de-DE" dirty="0"/>
+              <a:t>Encoder Zustände</a:t>
+            </a:r>
+          </a:p>
+        </p:txBody>
+      </p:sp>
+      <p:cxnSp>
+        <p:nvCxnSpPr>
+          <p:cNvPr id="11" name="Gerade Verbindung mit Pfeil 10">
+            <a:extLst>
+              <a:ext uri="{FF2B5EF4-FFF2-40B4-BE49-F238E27FC236}">
+                <a16:creationId xmlns:a16="http://schemas.microsoft.com/office/drawing/2014/main" id="{81EA206B-4C2F-F2F5-C688-173E1FA247F4}"/>
+              </a:ext>
+            </a:extLst>
+          </p:cNvPr>
+          <p:cNvCxnSpPr>
+            <a:cxnSpLocks/>
+            <a:stCxn id="3" idx="3"/>
+            <a:endCxn id="7" idx="1"/>
+          </p:cNvCxnSpPr>
+          <p:nvPr/>
+        </p:nvCxnSpPr>
+        <p:spPr>
+          <a:xfrm>
+            <a:off x="9093943" y="2568629"/>
+            <a:ext cx="597049" cy="0"/>
+          </a:xfrm>
+          <a:prstGeom prst="straightConnector1">
+            <a:avLst/>
+          </a:prstGeom>
+          <a:ln w="12700">
+            <a:tailEnd type="triangle"/>
+          </a:ln>
+        </p:spPr>
+        <p:style>
+          <a:lnRef idx="1">
+            <a:schemeClr val="accent1"/>
+          </a:lnRef>
+          <a:fillRef idx="0">
+            <a:schemeClr val="accent1"/>
+          </a:fillRef>
+          <a:effectRef idx="0">
+            <a:schemeClr val="accent1"/>
+          </a:effectRef>
+          <a:fontRef idx="minor">
+            <a:schemeClr val="tx1"/>
+          </a:fontRef>
+        </p:style>
+      </p:cxnSp>
+      <p:sp>
+        <p:nvSpPr>
+          <p:cNvPr id="15" name="Abgerundetes Rechteck 14">
+            <a:extLst>
+              <a:ext uri="{FF2B5EF4-FFF2-40B4-BE49-F238E27FC236}">
+                <a16:creationId xmlns:a16="http://schemas.microsoft.com/office/drawing/2014/main" id="{DFE4385B-EF76-A82D-26C4-879382B16F65}"/>
+              </a:ext>
+            </a:extLst>
+          </p:cNvPr>
+          <p:cNvSpPr/>
+          <p:nvPr/>
+        </p:nvSpPr>
+        <p:spPr>
+          <a:xfrm>
+            <a:off x="6818243" y="3956523"/>
+            <a:ext cx="2246244" cy="1104580"/>
+          </a:xfrm>
+          <a:prstGeom prst="roundRect">
+            <a:avLst/>
+          </a:prstGeom>
+        </p:spPr>
+        <p:style>
+          <a:lnRef idx="2">
+            <a:schemeClr val="accent1">
+              <a:shade val="50000"/>
+            </a:schemeClr>
+          </a:lnRef>
+          <a:fillRef idx="1">
+            <a:schemeClr val="accent1"/>
+          </a:fillRef>
+          <a:effectRef idx="0">
+            <a:schemeClr val="accent1"/>
+          </a:effectRef>
+          <a:fontRef idx="minor">
+            <a:schemeClr val="lt1"/>
+          </a:fontRef>
+        </p:style>
+        <p:txBody>
+          <a:bodyPr rtlCol="0" anchor="ctr"/>
+          <a:lstStyle/>
+          <a:p>
+            <a:pPr algn="ctr"/>
+            <a:r>
+              <a:rPr lang="de-DE" dirty="0"/>
+              <a:t>Decoder</a:t>
+            </a:r>
+          </a:p>
+        </p:txBody>
+      </p:sp>
+      <p:sp>
+        <p:nvSpPr>
+          <p:cNvPr id="17" name="Textfeld 16">
+            <a:extLst>
+              <a:ext uri="{FF2B5EF4-FFF2-40B4-BE49-F238E27FC236}">
+                <a16:creationId xmlns:a16="http://schemas.microsoft.com/office/drawing/2014/main" id="{6FB701A1-E845-3511-0787-0ED2A19EA2F9}"/>
+              </a:ext>
+            </a:extLst>
+          </p:cNvPr>
+          <p:cNvSpPr txBox="1"/>
+          <p:nvPr/>
+        </p:nvSpPr>
+        <p:spPr>
+          <a:xfrm>
+            <a:off x="4987562" y="4107445"/>
+            <a:ext cx="1232368" cy="369332"/>
+          </a:xfrm>
+          <a:prstGeom prst="rect">
+            <a:avLst/>
+          </a:prstGeom>
+          <a:solidFill>
+            <a:srgbClr val="1B66CE">
+              <a:alpha val="20000"/>
+            </a:srgbClr>
+          </a:solidFill>
+          <a:ln>
+            <a:noFill/>
+          </a:ln>
+        </p:spPr>
+        <p:txBody>
+          <a:bodyPr wrap="square" rtlCol="0">
+            <a:spAutoFit/>
+          </a:bodyPr>
+          <a:lstStyle/>
+          <a:p>
+            <a:pPr algn="ctr"/>
+            <a:r>
+              <a:rPr lang="de-DE" dirty="0"/>
+              <a:t>&lt;S&gt; Token</a:t>
+            </a:r>
+          </a:p>
+        </p:txBody>
+      </p:sp>
+      <p:sp>
+        <p:nvSpPr>
+          <p:cNvPr id="19" name="Textfeld 18">
+            <a:extLst>
+              <a:ext uri="{FF2B5EF4-FFF2-40B4-BE49-F238E27FC236}">
+                <a16:creationId xmlns:a16="http://schemas.microsoft.com/office/drawing/2014/main" id="{BA6C5EE9-BB77-0B00-DE68-0432D6596584}"/>
+              </a:ext>
+            </a:extLst>
+          </p:cNvPr>
+          <p:cNvSpPr txBox="1"/>
+          <p:nvPr/>
+        </p:nvSpPr>
+        <p:spPr>
+          <a:xfrm>
+            <a:off x="4335540" y="4627699"/>
+            <a:ext cx="1884390" cy="369332"/>
+          </a:xfrm>
+          <a:prstGeom prst="rect">
+            <a:avLst/>
+          </a:prstGeom>
+          <a:solidFill>
+            <a:srgbClr val="1B66CE">
+              <a:alpha val="20000"/>
+            </a:srgbClr>
+          </a:solidFill>
+          <a:ln>
+            <a:noFill/>
+          </a:ln>
+        </p:spPr>
+        <p:txBody>
+          <a:bodyPr wrap="square" rtlCol="0">
+            <a:spAutoFit/>
+          </a:bodyPr>
+          <a:lstStyle/>
+          <a:p>
+            <a:pPr algn="ctr"/>
+            <a:r>
+              <a:rPr lang="de-DE" dirty="0"/>
+              <a:t>Encoder Zustände</a:t>
+            </a:r>
+          </a:p>
+        </p:txBody>
+      </p:sp>
+      <p:cxnSp>
+        <p:nvCxnSpPr>
+          <p:cNvPr id="21" name="Gerade Verbindung mit Pfeil 20">
+            <a:extLst>
+              <a:ext uri="{FF2B5EF4-FFF2-40B4-BE49-F238E27FC236}">
+                <a16:creationId xmlns:a16="http://schemas.microsoft.com/office/drawing/2014/main" id="{19436198-D322-D2C0-A8A6-9571C6AB821B}"/>
+              </a:ext>
+            </a:extLst>
+          </p:cNvPr>
+          <p:cNvCxnSpPr>
+            <a:cxnSpLocks/>
+            <a:stCxn id="17" idx="3"/>
+          </p:cNvCxnSpPr>
+          <p:nvPr/>
+        </p:nvCxnSpPr>
+        <p:spPr>
+          <a:xfrm>
+            <a:off x="6219930" y="4292111"/>
+            <a:ext cx="598313" cy="9428"/>
+          </a:xfrm>
+          <a:prstGeom prst="straightConnector1">
+            <a:avLst/>
+          </a:prstGeom>
+          <a:ln w="12700">
+            <a:tailEnd type="triangle"/>
+          </a:ln>
+        </p:spPr>
+        <p:style>
+          <a:lnRef idx="1">
+            <a:schemeClr val="accent1"/>
+          </a:lnRef>
+          <a:fillRef idx="0">
+            <a:schemeClr val="accent1"/>
+          </a:fillRef>
+          <a:effectRef idx="0">
+            <a:schemeClr val="accent1"/>
+          </a:effectRef>
+          <a:fontRef idx="minor">
+            <a:schemeClr val="tx1"/>
+          </a:fontRef>
+        </p:style>
+      </p:cxnSp>
+      <p:cxnSp>
+        <p:nvCxnSpPr>
+          <p:cNvPr id="22" name="Gerade Verbindung mit Pfeil 21">
+            <a:extLst>
+              <a:ext uri="{FF2B5EF4-FFF2-40B4-BE49-F238E27FC236}">
+                <a16:creationId xmlns:a16="http://schemas.microsoft.com/office/drawing/2014/main" id="{79519A50-D71C-F07F-B5B5-CB43689E3E5B}"/>
+              </a:ext>
+            </a:extLst>
+          </p:cNvPr>
+          <p:cNvCxnSpPr>
+            <a:cxnSpLocks/>
+            <a:stCxn id="19" idx="3"/>
+          </p:cNvCxnSpPr>
+          <p:nvPr/>
+        </p:nvCxnSpPr>
+        <p:spPr>
+          <a:xfrm>
+            <a:off x="6219930" y="4812365"/>
+            <a:ext cx="595265" cy="0"/>
+          </a:xfrm>
+          <a:prstGeom prst="straightConnector1">
+            <a:avLst/>
+          </a:prstGeom>
+          <a:ln w="12700">
+            <a:tailEnd type="triangle"/>
+          </a:ln>
+        </p:spPr>
+        <p:style>
+          <a:lnRef idx="1">
+            <a:schemeClr val="accent1"/>
+          </a:lnRef>
+          <a:fillRef idx="0">
+            <a:schemeClr val="accent1"/>
+          </a:fillRef>
+          <a:effectRef idx="0">
+            <a:schemeClr val="accent1"/>
+          </a:effectRef>
+          <a:fontRef idx="minor">
+            <a:schemeClr val="tx1"/>
+          </a:fontRef>
+        </p:style>
+      </p:cxnSp>
+      <p:sp>
+        <p:nvSpPr>
+          <p:cNvPr id="29" name="Textfeld 28">
+            <a:extLst>
+              <a:ext uri="{FF2B5EF4-FFF2-40B4-BE49-F238E27FC236}">
+                <a16:creationId xmlns:a16="http://schemas.microsoft.com/office/drawing/2014/main" id="{D3DF1FC8-44F5-2C55-AFDB-3DA20EEA7F0C}"/>
+              </a:ext>
+            </a:extLst>
+          </p:cNvPr>
+          <p:cNvSpPr txBox="1"/>
+          <p:nvPr/>
+        </p:nvSpPr>
+        <p:spPr>
+          <a:xfrm>
+            <a:off x="9663556" y="4067553"/>
+            <a:ext cx="1882362" cy="369332"/>
+          </a:xfrm>
+          <a:prstGeom prst="rect">
+            <a:avLst/>
+          </a:prstGeom>
+          <a:solidFill>
+            <a:srgbClr val="1B66CE">
+              <a:alpha val="20000"/>
+            </a:srgbClr>
+          </a:solidFill>
+          <a:ln>
+            <a:noFill/>
+          </a:ln>
+        </p:spPr>
+        <p:txBody>
+          <a:bodyPr wrap="square" rtlCol="0">
+            <a:spAutoFit/>
+          </a:bodyPr>
+          <a:lstStyle/>
+          <a:p>
+            <a:pPr algn="ctr"/>
+            <a:r>
+              <a:rPr lang="de-DE" dirty="0"/>
+              <a:t>Decoder Zustände</a:t>
+            </a:r>
+          </a:p>
+        </p:txBody>
+      </p:sp>
+      <p:sp>
+        <p:nvSpPr>
+          <p:cNvPr id="30" name="Textfeld 29">
+            <a:extLst>
+              <a:ext uri="{FF2B5EF4-FFF2-40B4-BE49-F238E27FC236}">
+                <a16:creationId xmlns:a16="http://schemas.microsoft.com/office/drawing/2014/main" id="{A6461D77-5556-F48F-D3EA-C8EF090493BB}"/>
+              </a:ext>
+            </a:extLst>
+          </p:cNvPr>
+          <p:cNvSpPr txBox="1"/>
+          <p:nvPr/>
+        </p:nvSpPr>
+        <p:spPr>
+          <a:xfrm>
+            <a:off x="9663042" y="4627699"/>
+            <a:ext cx="2181854" cy="369332"/>
+          </a:xfrm>
+          <a:prstGeom prst="rect">
+            <a:avLst/>
+          </a:prstGeom>
+          <a:solidFill>
+            <a:srgbClr val="1B66CE">
+              <a:alpha val="20000"/>
+            </a:srgbClr>
+          </a:solidFill>
+          <a:ln>
+            <a:noFill/>
+          </a:ln>
+        </p:spPr>
+        <p:txBody>
+          <a:bodyPr wrap="square" rtlCol="0">
+            <a:spAutoFit/>
+          </a:bodyPr>
+          <a:lstStyle/>
+          <a:p>
+            <a:pPr algn="ctr"/>
+            <a:r>
+              <a:rPr lang="de-DE" dirty="0"/>
+              <a:t>Vorausgesagtes Wort</a:t>
+            </a:r>
+          </a:p>
+        </p:txBody>
+      </p:sp>
+      <p:cxnSp>
+        <p:nvCxnSpPr>
+          <p:cNvPr id="31" name="Gerade Verbindung mit Pfeil 30">
+            <a:extLst>
+              <a:ext uri="{FF2B5EF4-FFF2-40B4-BE49-F238E27FC236}">
+                <a16:creationId xmlns:a16="http://schemas.microsoft.com/office/drawing/2014/main" id="{20714469-D4F6-8896-D100-D4705EC56045}"/>
+              </a:ext>
+            </a:extLst>
+          </p:cNvPr>
+          <p:cNvCxnSpPr>
+            <a:cxnSpLocks/>
+          </p:cNvCxnSpPr>
+          <p:nvPr/>
+        </p:nvCxnSpPr>
+        <p:spPr>
+          <a:xfrm>
+            <a:off x="9064487" y="4252219"/>
+            <a:ext cx="598313" cy="9428"/>
+          </a:xfrm>
+          <a:prstGeom prst="straightConnector1">
+            <a:avLst/>
+          </a:prstGeom>
+          <a:ln w="12700">
+            <a:tailEnd type="triangle"/>
+          </a:ln>
+        </p:spPr>
+        <p:style>
+          <a:lnRef idx="1">
+            <a:schemeClr val="accent1"/>
+          </a:lnRef>
+          <a:fillRef idx="0">
+            <a:schemeClr val="accent1"/>
+          </a:fillRef>
+          <a:effectRef idx="0">
+            <a:schemeClr val="accent1"/>
+          </a:effectRef>
+          <a:fontRef idx="minor">
+            <a:schemeClr val="tx1"/>
+          </a:fontRef>
+        </p:style>
+      </p:cxnSp>
+      <p:cxnSp>
+        <p:nvCxnSpPr>
+          <p:cNvPr id="32" name="Gerade Verbindung mit Pfeil 31">
+            <a:extLst>
+              <a:ext uri="{FF2B5EF4-FFF2-40B4-BE49-F238E27FC236}">
+                <a16:creationId xmlns:a16="http://schemas.microsoft.com/office/drawing/2014/main" id="{F0A018E0-486D-2160-34AD-6AAE9814D5F4}"/>
+              </a:ext>
+            </a:extLst>
+          </p:cNvPr>
+          <p:cNvCxnSpPr>
+            <a:cxnSpLocks/>
+          </p:cNvCxnSpPr>
+          <p:nvPr/>
+        </p:nvCxnSpPr>
+        <p:spPr>
+          <a:xfrm>
+            <a:off x="9064487" y="4793509"/>
+            <a:ext cx="598313" cy="9428"/>
+          </a:xfrm>
+          <a:prstGeom prst="straightConnector1">
+            <a:avLst/>
+          </a:prstGeom>
+          <a:ln w="12700">
+            <a:tailEnd type="triangle"/>
+          </a:ln>
+        </p:spPr>
+        <p:style>
+          <a:lnRef idx="1">
+            <a:schemeClr val="accent1"/>
+          </a:lnRef>
+          <a:fillRef idx="0">
+            <a:schemeClr val="accent1"/>
+          </a:fillRef>
+          <a:effectRef idx="0">
+            <a:schemeClr val="accent1"/>
+          </a:effectRef>
+          <a:fontRef idx="minor">
+            <a:schemeClr val="tx1"/>
+          </a:fontRef>
+        </p:style>
+      </p:cxnSp>
     </p:spTree>
     <p:extLst>
       <p:ext uri="{BB962C8B-B14F-4D97-AF65-F5344CB8AC3E}">
-        <p14:creationId xmlns:p14="http://schemas.microsoft.com/office/powerpoint/2010/main" val="28215606"/>
+        <p14:creationId xmlns:p14="http://schemas.microsoft.com/office/powerpoint/2010/main" val="3187664392"/>
       </p:ext>
     </p:extLst>
   </p:cSld>

--- a/Chatbot.pptx
+++ b/Chatbot.pptx
@@ -8560,10 +8560,10 @@
       </p:sp>
       <p:pic>
         <p:nvPicPr>
-          <p:cNvPr id="2" name="Grafik 1">
-            <a:extLst>
-              <a:ext uri="{FF2B5EF4-FFF2-40B4-BE49-F238E27FC236}">
-                <a16:creationId xmlns:a16="http://schemas.microsoft.com/office/drawing/2014/main" id="{C75C1960-9C8C-28D6-B125-0E9FA6BA984D}"/>
+          <p:cNvPr id="4" name="Grafik 3" descr="Ein Bild, das Diagramm enthält.&#10;&#10;Automatisch generierte Beschreibung">
+            <a:extLst>
+              <a:ext uri="{FF2B5EF4-FFF2-40B4-BE49-F238E27FC236}">
+                <a16:creationId xmlns:a16="http://schemas.microsoft.com/office/drawing/2014/main" id="{267738C0-2013-C5B7-B19E-025AF3CECE62}"/>
               </a:ext>
             </a:extLst>
           </p:cNvPr>
@@ -8580,8 +8580,8 @@
         </p:blipFill>
         <p:spPr>
           <a:xfrm>
-            <a:off x="4683883" y="515216"/>
-            <a:ext cx="7116434" cy="5827568"/>
+            <a:off x="4795791" y="586855"/>
+            <a:ext cx="6716754" cy="5500274"/>
           </a:xfrm>
           <a:prstGeom prst="rect">
             <a:avLst/>

--- a/Chatbot.pptx
+++ b/Chatbot.pptx
@@ -10106,7 +10106,7 @@
                 <a:effectLst/>
                 <a:latin typeface="-apple-system"/>
               </a:rPr>
-              <a:t>Verwundung eines tiefen neuronalen Netzes</a:t>
+              <a:t>Verwendung eines tiefen neuronalen Netzes</a:t>
             </a:r>
           </a:p>
           <a:p>
@@ -10860,7 +10860,7 @@
           <a:p>
             <a:r>
               <a:rPr lang="de-DE" sz="2000" dirty="0"/>
-              <a:t>Datengrundlage:</a:t>
+              <a:t>Datengrundlage: Cornell Movie-Dialogs Corpus</a:t>
             </a:r>
           </a:p>
           <a:p>
@@ -10874,7 +10874,15 @@
             <a:pPr lvl="1"/>
             <a:r>
               <a:rPr lang="de-DE" sz="2000" dirty="0"/>
-              <a:t>Ca. 220.000 Konversationen zwischen ca. 10.000 Paaren aus Filmcharakteren</a:t>
+              <a:t>Ca. </a:t>
+            </a:r>
+            <a:r>
+              <a:rPr lang="de-DE" sz="2000"/>
+              <a:t>83.000 </a:t>
+            </a:r>
+            <a:r>
+              <a:rPr lang="de-DE" sz="2000" dirty="0"/>
+              <a:t>Konversationen zwischen ca. 10.000 Paaren aus Filmcharakteren</a:t>
             </a:r>
           </a:p>
           <a:p>

--- a/Chatbot.pptx
+++ b/Chatbot.pptx
@@ -17,6 +17,7 @@
     <p:sldId id="269" r:id="rId11"/>
     <p:sldId id="270" r:id="rId12"/>
     <p:sldId id="272" r:id="rId13"/>
+    <p:sldId id="273" r:id="rId14"/>
   </p:sldIdLst>
   <p:sldSz cx="12192000" cy="6858000"/>
   <p:notesSz cx="6858000" cy="9144000"/>
@@ -9373,6 +9374,1278 @@
 </p:sld>
 </file>
 
+<file path=ppt/slides/slide13.xml><?xml version="1.0" encoding="utf-8"?>
+<p:sld xmlns:a="http://schemas.openxmlformats.org/drawingml/2006/main" xmlns:r="http://schemas.openxmlformats.org/officeDocument/2006/relationships" xmlns:p="http://schemas.openxmlformats.org/presentationml/2006/main">
+  <p:cSld>
+    <p:bg>
+      <p:bgPr>
+        <a:solidFill>
+          <a:schemeClr val="bg1"/>
+        </a:solidFill>
+        <a:effectLst/>
+      </p:bgPr>
+    </p:bg>
+    <p:spTree>
+      <p:nvGrpSpPr>
+        <p:cNvPr id="1" name=""/>
+        <p:cNvGrpSpPr/>
+        <p:nvPr/>
+      </p:nvGrpSpPr>
+      <p:grpSpPr>
+        <a:xfrm>
+          <a:off x="0" y="0"/>
+          <a:ext cx="0" cy="0"/>
+          <a:chOff x="0" y="0"/>
+          <a:chExt cx="0" cy="0"/>
+        </a:xfrm>
+      </p:grpSpPr>
+      <p:sp useBgFill="1">
+        <p:nvSpPr>
+          <p:cNvPr id="28" name="Rectangle 27">
+            <a:extLst>
+              <a:ext uri="{FF2B5EF4-FFF2-40B4-BE49-F238E27FC236}">
+                <a16:creationId xmlns:a16="http://schemas.microsoft.com/office/drawing/2014/main" id="{A8384FB5-9ADC-4DDC-881B-597D56F5B15D}"/>
+              </a:ext>
+              <a:ext uri="{C183D7F6-B498-43B3-948B-1728B52AA6E4}">
+                <adec:decorative xmlns:adec="http://schemas.microsoft.com/office/drawing/2017/decorative" val="1"/>
+              </a:ext>
+            </a:extLst>
+          </p:cNvPr>
+          <p:cNvSpPr>
+            <a:spLocks noGrp="1" noRot="1" noChangeAspect="1" noMove="1" noResize="1" noEditPoints="1" noAdjustHandles="1" noChangeArrowheads="1" noChangeShapeType="1" noTextEdit="1"/>
+          </p:cNvSpPr>
+          <p:nvPr>
+            <p:extLst>
+              <p:ext uri="{386F3935-93C4-4BCD-93E2-E3B085C9AB24}">
+                <p16:designElem xmlns:p16="http://schemas.microsoft.com/office/powerpoint/2015/main" val="1"/>
+              </p:ext>
+            </p:extLst>
+          </p:nvPr>
+        </p:nvSpPr>
+        <p:spPr>
+          <a:xfrm>
+            <a:off x="0" y="0"/>
+            <a:ext cx="12192000" cy="6858000"/>
+          </a:xfrm>
+          <a:prstGeom prst="rect">
+            <a:avLst/>
+          </a:prstGeom>
+          <a:ln w="12700" cap="flat" cmpd="sng" algn="ctr">
+            <a:noFill/>
+            <a:prstDash val="solid"/>
+            <a:miter lim="800000"/>
+          </a:ln>
+          <a:effectLst/>
+          <a:extLst>
+            <a:ext uri="{91240B29-F687-4F45-9708-019B960494DF}">
+              <a14:hiddenLine xmlns:a14="http://schemas.microsoft.com/office/drawing/2010/main" w="12700" cap="flat" cmpd="sng" algn="ctr">
+                <a:solidFill>
+                  <a:schemeClr val="accent1">
+                    <a:shade val="50000"/>
+                  </a:schemeClr>
+                </a:solidFill>
+                <a:prstDash val="solid"/>
+                <a:miter lim="800000"/>
+              </a14:hiddenLine>
+            </a:ext>
+          </a:extLst>
+        </p:spPr>
+        <p:style>
+          <a:lnRef idx="2">
+            <a:schemeClr val="accent1">
+              <a:shade val="50000"/>
+            </a:schemeClr>
+          </a:lnRef>
+          <a:fillRef idx="1">
+            <a:schemeClr val="accent1"/>
+          </a:fillRef>
+          <a:effectRef idx="0">
+            <a:schemeClr val="accent1"/>
+          </a:effectRef>
+          <a:fontRef idx="minor">
+            <a:schemeClr val="lt1"/>
+          </a:fontRef>
+        </p:style>
+        <p:txBody>
+          <a:bodyPr rtlCol="0" anchor="ctr"/>
+          <a:lstStyle/>
+          <a:p>
+            <a:pPr algn="ctr"/>
+            <a:endParaRPr lang="en-US"/>
+          </a:p>
+        </p:txBody>
+      </p:sp>
+      <p:sp>
+        <p:nvSpPr>
+          <p:cNvPr id="30" name="Rectangle 29">
+            <a:extLst>
+              <a:ext uri="{FF2B5EF4-FFF2-40B4-BE49-F238E27FC236}">
+                <a16:creationId xmlns:a16="http://schemas.microsoft.com/office/drawing/2014/main" id="{1199E1B1-A8C0-4FE8-A5A8-1CB41D69F857}"/>
+              </a:ext>
+              <a:ext uri="{C183D7F6-B498-43B3-948B-1728B52AA6E4}">
+                <adec:decorative xmlns:adec="http://schemas.microsoft.com/office/drawing/2017/decorative" val="1"/>
+              </a:ext>
+            </a:extLst>
+          </p:cNvPr>
+          <p:cNvSpPr>
+            <a:spLocks noGrp="1" noRot="1" noChangeAspect="1" noMove="1" noResize="1" noEditPoints="1" noAdjustHandles="1" noChangeArrowheads="1" noChangeShapeType="1" noTextEdit="1"/>
+          </p:cNvSpPr>
+          <p:nvPr>
+            <p:extLst>
+              <p:ext uri="{386F3935-93C4-4BCD-93E2-E3B085C9AB24}">
+                <p16:designElem xmlns:p16="http://schemas.microsoft.com/office/powerpoint/2015/main" val="1"/>
+              </p:ext>
+            </p:extLst>
+          </p:nvPr>
+        </p:nvSpPr>
+        <p:spPr>
+          <a:xfrm rot="10800000" flipH="1">
+            <a:off x="2" y="0"/>
+            <a:ext cx="12191998" cy="1575955"/>
+          </a:xfrm>
+          <a:prstGeom prst="rect">
+            <a:avLst/>
+          </a:prstGeom>
+          <a:gradFill>
+            <a:gsLst>
+              <a:gs pos="0">
+                <a:srgbClr val="000000">
+                  <a:alpha val="96000"/>
+                </a:srgbClr>
+              </a:gs>
+              <a:gs pos="100000">
+                <a:schemeClr val="accent1">
+                  <a:lumMod val="75000"/>
+                </a:schemeClr>
+              </a:gs>
+            </a:gsLst>
+            <a:lin ang="6000000" scaled="0"/>
+          </a:gradFill>
+          <a:ln>
+            <a:noFill/>
+          </a:ln>
+        </p:spPr>
+        <p:style>
+          <a:lnRef idx="2">
+            <a:schemeClr val="accent1">
+              <a:shade val="50000"/>
+            </a:schemeClr>
+          </a:lnRef>
+          <a:fillRef idx="1">
+            <a:schemeClr val="accent1"/>
+          </a:fillRef>
+          <a:effectRef idx="0">
+            <a:schemeClr val="accent1"/>
+          </a:effectRef>
+          <a:fontRef idx="minor">
+            <a:schemeClr val="lt1"/>
+          </a:fontRef>
+        </p:style>
+        <p:txBody>
+          <a:bodyPr rtlCol="0" anchor="ctr"/>
+          <a:lstStyle/>
+          <a:p>
+            <a:pPr algn="ctr"/>
+            <a:endParaRPr lang="en-US"/>
+          </a:p>
+        </p:txBody>
+      </p:sp>
+      <p:sp>
+        <p:nvSpPr>
+          <p:cNvPr id="32" name="Rectangle 31">
+            <a:extLst>
+              <a:ext uri="{FF2B5EF4-FFF2-40B4-BE49-F238E27FC236}">
+                <a16:creationId xmlns:a16="http://schemas.microsoft.com/office/drawing/2014/main" id="{84A8DE83-DE75-4B41-9DB4-A7EC0B0DEC0B}"/>
+              </a:ext>
+              <a:ext uri="{C183D7F6-B498-43B3-948B-1728B52AA6E4}">
+                <adec:decorative xmlns:adec="http://schemas.microsoft.com/office/drawing/2017/decorative" val="1"/>
+              </a:ext>
+            </a:extLst>
+          </p:cNvPr>
+          <p:cNvSpPr>
+            <a:spLocks noGrp="1" noRot="1" noChangeAspect="1" noMove="1" noResize="1" noEditPoints="1" noAdjustHandles="1" noChangeArrowheads="1" noChangeShapeType="1" noTextEdit="1"/>
+          </p:cNvSpPr>
+          <p:nvPr>
+            <p:extLst>
+              <p:ext uri="{386F3935-93C4-4BCD-93E2-E3B085C9AB24}">
+                <p16:designElem xmlns:p16="http://schemas.microsoft.com/office/powerpoint/2015/main" val="1"/>
+              </p:ext>
+            </p:extLst>
+          </p:nvPr>
+        </p:nvSpPr>
+        <p:spPr>
+          <a:xfrm>
+            <a:off x="0" y="0"/>
+            <a:ext cx="8128856" cy="1575461"/>
+          </a:xfrm>
+          <a:prstGeom prst="rect">
+            <a:avLst/>
+          </a:prstGeom>
+          <a:gradFill>
+            <a:gsLst>
+              <a:gs pos="0">
+                <a:schemeClr val="accent1">
+                  <a:alpha val="41000"/>
+                </a:schemeClr>
+              </a:gs>
+              <a:gs pos="74000">
+                <a:schemeClr val="accent1">
+                  <a:lumMod val="60000"/>
+                  <a:lumOff val="40000"/>
+                  <a:alpha val="0"/>
+                </a:schemeClr>
+              </a:gs>
+            </a:gsLst>
+            <a:lin ang="8400000" scaled="0"/>
+          </a:gradFill>
+          <a:ln>
+            <a:noFill/>
+          </a:ln>
+        </p:spPr>
+        <p:style>
+          <a:lnRef idx="2">
+            <a:schemeClr val="accent1">
+              <a:shade val="50000"/>
+            </a:schemeClr>
+          </a:lnRef>
+          <a:fillRef idx="1">
+            <a:schemeClr val="accent1"/>
+          </a:fillRef>
+          <a:effectRef idx="0">
+            <a:schemeClr val="accent1"/>
+          </a:effectRef>
+          <a:fontRef idx="minor">
+            <a:schemeClr val="lt1"/>
+          </a:fontRef>
+        </p:style>
+        <p:txBody>
+          <a:bodyPr rtlCol="0" anchor="ctr"/>
+          <a:lstStyle/>
+          <a:p>
+            <a:pPr algn="ctr"/>
+            <a:endParaRPr lang="en-US"/>
+          </a:p>
+        </p:txBody>
+      </p:sp>
+      <p:sp>
+        <p:nvSpPr>
+          <p:cNvPr id="34" name="Rectangle 33">
+            <a:extLst>
+              <a:ext uri="{FF2B5EF4-FFF2-40B4-BE49-F238E27FC236}">
+                <a16:creationId xmlns:a16="http://schemas.microsoft.com/office/drawing/2014/main" id="{A7009A0A-BEF5-4EAC-AF15-E4F9F002E239}"/>
+              </a:ext>
+              <a:ext uri="{C183D7F6-B498-43B3-948B-1728B52AA6E4}">
+                <adec:decorative xmlns:adec="http://schemas.microsoft.com/office/drawing/2017/decorative" val="1"/>
+              </a:ext>
+            </a:extLst>
+          </p:cNvPr>
+          <p:cNvSpPr>
+            <a:spLocks noGrp="1" noRot="1" noChangeAspect="1" noMove="1" noResize="1" noEditPoints="1" noAdjustHandles="1" noChangeArrowheads="1" noChangeShapeType="1" noTextEdit="1"/>
+          </p:cNvSpPr>
+          <p:nvPr>
+            <p:extLst>
+              <p:ext uri="{386F3935-93C4-4BCD-93E2-E3B085C9AB24}">
+                <p16:designElem xmlns:p16="http://schemas.microsoft.com/office/powerpoint/2015/main" val="1"/>
+              </p:ext>
+            </p:extLst>
+          </p:nvPr>
+        </p:nvSpPr>
+        <p:spPr>
+          <a:xfrm flipH="1">
+            <a:off x="-3" y="-1"/>
+            <a:ext cx="12192002" cy="1574311"/>
+          </a:xfrm>
+          <a:prstGeom prst="rect">
+            <a:avLst/>
+          </a:prstGeom>
+          <a:gradFill>
+            <a:gsLst>
+              <a:gs pos="0">
+                <a:srgbClr val="000000">
+                  <a:alpha val="63000"/>
+                </a:srgbClr>
+              </a:gs>
+              <a:gs pos="78000">
+                <a:schemeClr val="accent1">
+                  <a:alpha val="15000"/>
+                </a:schemeClr>
+              </a:gs>
+            </a:gsLst>
+            <a:lin ang="15600000" scaled="0"/>
+          </a:gradFill>
+          <a:ln>
+            <a:noFill/>
+          </a:ln>
+        </p:spPr>
+        <p:style>
+          <a:lnRef idx="2">
+            <a:schemeClr val="accent1">
+              <a:shade val="50000"/>
+            </a:schemeClr>
+          </a:lnRef>
+          <a:fillRef idx="1">
+            <a:schemeClr val="accent1"/>
+          </a:fillRef>
+          <a:effectRef idx="0">
+            <a:schemeClr val="accent1"/>
+          </a:effectRef>
+          <a:fontRef idx="minor">
+            <a:schemeClr val="lt1"/>
+          </a:fontRef>
+        </p:style>
+        <p:txBody>
+          <a:bodyPr rtlCol="0" anchor="ctr"/>
+          <a:lstStyle/>
+          <a:p>
+            <a:pPr algn="ctr"/>
+            <a:endParaRPr lang="en-US"/>
+          </a:p>
+        </p:txBody>
+      </p:sp>
+      <p:sp>
+        <p:nvSpPr>
+          <p:cNvPr id="23" name="Titel 1">
+            <a:extLst>
+              <a:ext uri="{FF2B5EF4-FFF2-40B4-BE49-F238E27FC236}">
+                <a16:creationId xmlns:a16="http://schemas.microsoft.com/office/drawing/2014/main" id="{863F3A40-CA48-AE6D-EF44-DC2804EF6823}"/>
+              </a:ext>
+            </a:extLst>
+          </p:cNvPr>
+          <p:cNvSpPr>
+            <a:spLocks noGrp="1"/>
+          </p:cNvSpPr>
+          <p:nvPr>
+            <p:ph type="title"/>
+          </p:nvPr>
+        </p:nvSpPr>
+        <p:spPr>
+          <a:xfrm>
+            <a:off x="699713" y="248038"/>
+            <a:ext cx="7063721" cy="1159200"/>
+          </a:xfrm>
+        </p:spPr>
+        <p:txBody>
+          <a:bodyPr vert="horz" lIns="91440" tIns="45720" rIns="91440" bIns="45720" rtlCol="0" anchor="ctr">
+            <a:normAutofit/>
+          </a:bodyPr>
+          <a:lstStyle/>
+          <a:p>
+            <a:r>
+              <a:rPr lang="en-US" sz="4000" kern="1200" dirty="0" err="1">
+                <a:solidFill>
+                  <a:srgbClr val="FFFFFF"/>
+                </a:solidFill>
+                <a:latin typeface="+mj-lt"/>
+                <a:ea typeface="+mj-ea"/>
+                <a:cs typeface="+mj-cs"/>
+              </a:rPr>
+              <a:t>Übersicht</a:t>
+            </a:r>
+            <a:endParaRPr lang="en-US" sz="4000" kern="1200" dirty="0">
+              <a:solidFill>
+                <a:srgbClr val="FFFFFF"/>
+              </a:solidFill>
+              <a:latin typeface="+mj-lt"/>
+              <a:ea typeface="+mj-ea"/>
+              <a:cs typeface="+mj-cs"/>
+            </a:endParaRPr>
+          </a:p>
+        </p:txBody>
+      </p:sp>
+      <p:graphicFrame>
+        <p:nvGraphicFramePr>
+          <p:cNvPr id="3" name="Tabelle 3">
+            <a:extLst>
+              <a:ext uri="{FF2B5EF4-FFF2-40B4-BE49-F238E27FC236}">
+                <a16:creationId xmlns:a16="http://schemas.microsoft.com/office/drawing/2014/main" id="{C5090319-5FAB-6DD2-4F1A-C34F3FFCA348}"/>
+              </a:ext>
+            </a:extLst>
+          </p:cNvPr>
+          <p:cNvGraphicFramePr>
+            <a:graphicFrameLocks noGrp="1"/>
+          </p:cNvGraphicFramePr>
+          <p:nvPr>
+            <p:extLst>
+              <p:ext uri="{D42A27DB-BD31-4B8C-83A1-F6EECF244321}">
+                <p14:modId xmlns:p14="http://schemas.microsoft.com/office/powerpoint/2010/main" val="4234951720"/>
+              </p:ext>
+            </p:extLst>
+          </p:nvPr>
+        </p:nvGraphicFramePr>
+        <p:xfrm>
+          <a:off x="2031998" y="2627979"/>
+          <a:ext cx="8128000" cy="3307080"/>
+        </p:xfrm>
+        <a:graphic>
+          <a:graphicData uri="http://schemas.openxmlformats.org/drawingml/2006/table">
+            <a:tbl>
+              <a:tblPr firstRow="1" bandRow="1">
+                <a:tableStyleId>{5C22544A-7EE6-4342-B048-85BDC9FD1C3A}</a:tableStyleId>
+              </a:tblPr>
+              <a:tblGrid>
+                <a:gridCol w="2032000">
+                  <a:extLst>
+                    <a:ext uri="{9D8B030D-6E8A-4147-A177-3AD203B41FA5}">
+                      <a16:colId xmlns:a16="http://schemas.microsoft.com/office/drawing/2014/main" val="970905035"/>
+                    </a:ext>
+                  </a:extLst>
+                </a:gridCol>
+                <a:gridCol w="2032000">
+                  <a:extLst>
+                    <a:ext uri="{9D8B030D-6E8A-4147-A177-3AD203B41FA5}">
+                      <a16:colId xmlns:a16="http://schemas.microsoft.com/office/drawing/2014/main" val="2214714320"/>
+                    </a:ext>
+                  </a:extLst>
+                </a:gridCol>
+                <a:gridCol w="2032000">
+                  <a:extLst>
+                    <a:ext uri="{9D8B030D-6E8A-4147-A177-3AD203B41FA5}">
+                      <a16:colId xmlns:a16="http://schemas.microsoft.com/office/drawing/2014/main" val="2923256234"/>
+                    </a:ext>
+                  </a:extLst>
+                </a:gridCol>
+                <a:gridCol w="2032000">
+                  <a:extLst>
+                    <a:ext uri="{9D8B030D-6E8A-4147-A177-3AD203B41FA5}">
+                      <a16:colId xmlns:a16="http://schemas.microsoft.com/office/drawing/2014/main" val="1201536397"/>
+                    </a:ext>
+                  </a:extLst>
+                </a:gridCol>
+              </a:tblGrid>
+              <a:tr h="370840">
+                <a:tc>
+                  <a:txBody>
+                    <a:bodyPr/>
+                    <a:lstStyle/>
+                    <a:p>
+                      <a:r>
+                        <a:rPr lang="de-DE" dirty="0"/>
+                        <a:t>Frage</a:t>
+                      </a:r>
+                    </a:p>
+                  </a:txBody>
+                  <a:tcPr/>
+                </a:tc>
+                <a:tc>
+                  <a:txBody>
+                    <a:bodyPr/>
+                    <a:lstStyle/>
+                    <a:p>
+                      <a:r>
+                        <a:rPr lang="de-DE" dirty="0"/>
+                        <a:t>General</a:t>
+                      </a:r>
+                    </a:p>
+                  </a:txBody>
+                  <a:tcPr/>
+                </a:tc>
+                <a:tc>
+                  <a:txBody>
+                    <a:bodyPr/>
+                    <a:lstStyle/>
+                    <a:p>
+                      <a:r>
+                        <a:rPr lang="de-DE" dirty="0" err="1"/>
+                        <a:t>Romance</a:t>
+                      </a:r>
+                      <a:endParaRPr lang="de-DE" dirty="0"/>
+                    </a:p>
+                  </a:txBody>
+                  <a:tcPr/>
+                </a:tc>
+                <a:tc>
+                  <a:txBody>
+                    <a:bodyPr/>
+                    <a:lstStyle/>
+                    <a:p>
+                      <a:r>
+                        <a:rPr lang="de-DE" dirty="0"/>
+                        <a:t>Action</a:t>
+                      </a:r>
+                    </a:p>
+                  </a:txBody>
+                  <a:tcPr/>
+                </a:tc>
+                <a:extLst>
+                  <a:ext uri="{0D108BD9-81ED-4DB2-BD59-A6C34878D82A}">
+                    <a16:rowId xmlns:a16="http://schemas.microsoft.com/office/drawing/2014/main" val="1091606911"/>
+                  </a:ext>
+                </a:extLst>
+              </a:tr>
+              <a:tr h="370840">
+                <a:tc>
+                  <a:txBody>
+                    <a:bodyPr/>
+                    <a:lstStyle/>
+                    <a:p>
+                      <a:r>
+                        <a:rPr lang="de-DE" dirty="0"/>
+                        <a:t>Hello</a:t>
+                      </a:r>
+                    </a:p>
+                  </a:txBody>
+                  <a:tcPr/>
+                </a:tc>
+                <a:tc>
+                  <a:txBody>
+                    <a:bodyPr/>
+                    <a:lstStyle/>
+                    <a:p>
+                      <a:r>
+                        <a:rPr lang="de-DE" dirty="0" err="1"/>
+                        <a:t>hello</a:t>
+                      </a:r>
+                      <a:endParaRPr lang="de-DE" dirty="0"/>
+                    </a:p>
+                  </a:txBody>
+                  <a:tcPr/>
+                </a:tc>
+                <a:tc>
+                  <a:txBody>
+                    <a:bodyPr/>
+                    <a:lstStyle/>
+                    <a:p>
+                      <a:r>
+                        <a:rPr lang="de-DE" dirty="0" err="1"/>
+                        <a:t>it</a:t>
+                      </a:r>
+                      <a:r>
+                        <a:rPr lang="de-DE" dirty="0"/>
+                        <a:t> </a:t>
+                      </a:r>
+                      <a:r>
+                        <a:rPr lang="de-DE" dirty="0" err="1"/>
+                        <a:t>is</a:t>
+                      </a:r>
+                      <a:r>
+                        <a:rPr lang="de-DE" dirty="0"/>
+                        <a:t> </a:t>
+                      </a:r>
+                      <a:r>
+                        <a:rPr lang="de-DE" dirty="0" err="1"/>
+                        <a:t>me</a:t>
+                      </a:r>
+                      <a:r>
+                        <a:rPr lang="de-DE" dirty="0"/>
+                        <a:t> </a:t>
+                      </a:r>
+                      <a:r>
+                        <a:rPr lang="de-DE" dirty="0" err="1"/>
+                        <a:t>again</a:t>
+                      </a:r>
+                      <a:endParaRPr lang="de-DE" dirty="0"/>
+                    </a:p>
+                  </a:txBody>
+                  <a:tcPr/>
+                </a:tc>
+                <a:tc>
+                  <a:txBody>
+                    <a:bodyPr/>
+                    <a:lstStyle/>
+                    <a:p>
+                      <a:r>
+                        <a:rPr lang="de-DE" dirty="0"/>
+                        <a:t>hey </a:t>
+                      </a:r>
+                      <a:r>
+                        <a:rPr lang="de-DE" dirty="0" err="1"/>
+                        <a:t>it</a:t>
+                      </a:r>
+                      <a:r>
+                        <a:rPr lang="de-DE" dirty="0"/>
+                        <a:t> </a:t>
+                      </a:r>
+                      <a:r>
+                        <a:rPr lang="de-DE" dirty="0" err="1"/>
+                        <a:t>is</a:t>
+                      </a:r>
+                      <a:r>
+                        <a:rPr lang="de-DE" dirty="0"/>
+                        <a:t> </a:t>
+                      </a:r>
+                      <a:r>
+                        <a:rPr lang="de-DE" dirty="0" err="1"/>
+                        <a:t>me</a:t>
+                      </a:r>
+                      <a:endParaRPr lang="de-DE" dirty="0"/>
+                    </a:p>
+                  </a:txBody>
+                  <a:tcPr/>
+                </a:tc>
+                <a:extLst>
+                  <a:ext uri="{0D108BD9-81ED-4DB2-BD59-A6C34878D82A}">
+                    <a16:rowId xmlns:a16="http://schemas.microsoft.com/office/drawing/2014/main" val="147281870"/>
+                  </a:ext>
+                </a:extLst>
+              </a:tr>
+              <a:tr h="370840">
+                <a:tc>
+                  <a:txBody>
+                    <a:bodyPr/>
+                    <a:lstStyle/>
+                    <a:p>
+                      <a:r>
+                        <a:rPr lang="de-DE" dirty="0" err="1"/>
+                        <a:t>How</a:t>
+                      </a:r>
+                      <a:r>
+                        <a:rPr lang="de-DE" dirty="0"/>
+                        <a:t> </a:t>
+                      </a:r>
+                      <a:r>
+                        <a:rPr lang="de-DE" dirty="0" err="1"/>
+                        <a:t>are</a:t>
+                      </a:r>
+                      <a:r>
+                        <a:rPr lang="de-DE" dirty="0"/>
+                        <a:t> </a:t>
+                      </a:r>
+                      <a:r>
+                        <a:rPr lang="de-DE" dirty="0" err="1"/>
+                        <a:t>you</a:t>
+                      </a:r>
+                      <a:r>
+                        <a:rPr lang="de-DE" dirty="0"/>
+                        <a:t> </a:t>
+                      </a:r>
+                      <a:r>
+                        <a:rPr lang="de-DE" dirty="0" err="1"/>
+                        <a:t>feeling</a:t>
+                      </a:r>
+                      <a:r>
+                        <a:rPr lang="de-DE" dirty="0"/>
+                        <a:t> </a:t>
+                      </a:r>
+                      <a:r>
+                        <a:rPr lang="de-DE" dirty="0" err="1"/>
+                        <a:t>today</a:t>
+                      </a:r>
+                      <a:r>
+                        <a:rPr lang="de-DE" dirty="0"/>
+                        <a:t>?</a:t>
+                      </a:r>
+                    </a:p>
+                  </a:txBody>
+                  <a:tcPr/>
+                </a:tc>
+                <a:tc>
+                  <a:txBody>
+                    <a:bodyPr/>
+                    <a:lstStyle/>
+                    <a:p>
+                      <a:r>
+                        <a:rPr lang="de-DE" dirty="0"/>
+                        <a:t>i </a:t>
+                      </a:r>
+                      <a:r>
+                        <a:rPr lang="de-DE" dirty="0" err="1"/>
+                        <a:t>feel</a:t>
+                      </a:r>
+                      <a:r>
+                        <a:rPr lang="de-DE" dirty="0"/>
+                        <a:t> </a:t>
+                      </a:r>
+                      <a:r>
+                        <a:rPr lang="de-DE" dirty="0" err="1"/>
+                        <a:t>much</a:t>
+                      </a:r>
+                      <a:r>
+                        <a:rPr lang="de-DE" dirty="0"/>
+                        <a:t> </a:t>
+                      </a:r>
+                      <a:r>
+                        <a:rPr lang="de-DE" dirty="0" err="1"/>
+                        <a:t>better</a:t>
+                      </a:r>
+                      <a:r>
+                        <a:rPr lang="de-DE" dirty="0"/>
+                        <a:t> </a:t>
+                      </a:r>
+                      <a:r>
+                        <a:rPr lang="de-DE" dirty="0" err="1"/>
+                        <a:t>thank</a:t>
+                      </a:r>
+                      <a:r>
+                        <a:rPr lang="de-DE" dirty="0"/>
+                        <a:t> </a:t>
+                      </a:r>
+                      <a:r>
+                        <a:rPr lang="de-DE" dirty="0" err="1"/>
+                        <a:t>you</a:t>
+                      </a:r>
+                      <a:r>
+                        <a:rPr lang="de-DE" dirty="0"/>
+                        <a:t> </a:t>
+                      </a:r>
+                      <a:r>
+                        <a:rPr lang="de-DE" dirty="0" err="1"/>
+                        <a:t>for</a:t>
+                      </a:r>
+                      <a:r>
+                        <a:rPr lang="de-DE" dirty="0"/>
+                        <a:t> </a:t>
+                      </a:r>
+                      <a:r>
+                        <a:rPr lang="de-DE" dirty="0" err="1"/>
+                        <a:t>asking</a:t>
+                      </a:r>
+                      <a:r>
+                        <a:rPr lang="de-DE" dirty="0"/>
+                        <a:t> and </a:t>
+                      </a:r>
+                      <a:r>
+                        <a:rPr lang="de-DE" dirty="0" err="1"/>
+                        <a:t>you</a:t>
+                      </a:r>
+                      <a:endParaRPr lang="de-DE" dirty="0"/>
+                    </a:p>
+                  </a:txBody>
+                  <a:tcPr/>
+                </a:tc>
+                <a:tc>
+                  <a:txBody>
+                    <a:bodyPr/>
+                    <a:lstStyle/>
+                    <a:p>
+                      <a:r>
+                        <a:rPr lang="de-DE" dirty="0"/>
+                        <a:t>i </a:t>
+                      </a:r>
+                      <a:r>
+                        <a:rPr lang="de-DE" dirty="0" err="1"/>
+                        <a:t>dont</a:t>
+                      </a:r>
+                      <a:r>
+                        <a:rPr lang="de-DE" dirty="0"/>
+                        <a:t> </a:t>
+                      </a:r>
+                      <a:r>
+                        <a:rPr lang="de-DE" dirty="0" err="1"/>
+                        <a:t>know</a:t>
+                      </a:r>
+                      <a:endParaRPr lang="de-DE" dirty="0"/>
+                    </a:p>
+                  </a:txBody>
+                  <a:tcPr/>
+                </a:tc>
+                <a:tc>
+                  <a:txBody>
+                    <a:bodyPr/>
+                    <a:lstStyle/>
+                    <a:p>
+                      <a:r>
+                        <a:rPr lang="de-DE" dirty="0" err="1"/>
+                        <a:t>head</a:t>
+                      </a:r>
+                      <a:r>
+                        <a:rPr lang="de-DE" dirty="0"/>
+                        <a:t> still </a:t>
+                      </a:r>
+                      <a:r>
+                        <a:rPr lang="de-DE" dirty="0" err="1"/>
+                        <a:t>secure</a:t>
+                      </a:r>
+                      <a:r>
+                        <a:rPr lang="de-DE" dirty="0"/>
+                        <a:t> </a:t>
+                      </a:r>
+                      <a:r>
+                        <a:rPr lang="de-DE" dirty="0" err="1"/>
+                        <a:t>to</a:t>
+                      </a:r>
+                      <a:r>
+                        <a:rPr lang="de-DE" dirty="0"/>
+                        <a:t> </a:t>
+                      </a:r>
+                      <a:r>
+                        <a:rPr lang="de-DE" dirty="0" err="1"/>
+                        <a:t>the</a:t>
+                      </a:r>
+                      <a:r>
+                        <a:rPr lang="de-DE" dirty="0"/>
+                        <a:t> neck</a:t>
+                      </a:r>
+                    </a:p>
+                  </a:txBody>
+                  <a:tcPr/>
+                </a:tc>
+                <a:extLst>
+                  <a:ext uri="{0D108BD9-81ED-4DB2-BD59-A6C34878D82A}">
+                    <a16:rowId xmlns:a16="http://schemas.microsoft.com/office/drawing/2014/main" val="2903131653"/>
+                  </a:ext>
+                </a:extLst>
+              </a:tr>
+              <a:tr h="370840">
+                <a:tc>
+                  <a:txBody>
+                    <a:bodyPr/>
+                    <a:lstStyle/>
+                    <a:p>
+                      <a:r>
+                        <a:rPr lang="de-DE" dirty="0" err="1"/>
+                        <a:t>What</a:t>
+                      </a:r>
+                      <a:r>
+                        <a:rPr lang="de-DE" dirty="0"/>
+                        <a:t> time </a:t>
+                      </a:r>
+                      <a:r>
+                        <a:rPr lang="de-DE" dirty="0" err="1"/>
+                        <a:t>is</a:t>
+                      </a:r>
+                      <a:r>
+                        <a:rPr lang="de-DE" dirty="0"/>
+                        <a:t> </a:t>
+                      </a:r>
+                      <a:r>
+                        <a:rPr lang="de-DE" dirty="0" err="1"/>
+                        <a:t>it</a:t>
+                      </a:r>
+                      <a:r>
+                        <a:rPr lang="de-DE" dirty="0"/>
+                        <a:t>?</a:t>
+                      </a:r>
+                    </a:p>
+                  </a:txBody>
+                  <a:tcPr/>
+                </a:tc>
+                <a:tc>
+                  <a:txBody>
+                    <a:bodyPr/>
+                    <a:lstStyle/>
+                    <a:p>
+                      <a:r>
+                        <a:rPr lang="de-DE" dirty="0" err="1"/>
+                        <a:t>quarter</a:t>
+                      </a:r>
+                      <a:r>
+                        <a:rPr lang="de-DE" dirty="0"/>
+                        <a:t> after </a:t>
+                      </a:r>
+                      <a:r>
+                        <a:rPr lang="de-DE" dirty="0" err="1"/>
+                        <a:t>one</a:t>
+                      </a:r>
+                      <a:r>
+                        <a:rPr lang="de-DE" dirty="0"/>
+                        <a:t> </a:t>
+                      </a:r>
+                      <a:r>
+                        <a:rPr lang="de-DE" dirty="0" err="1"/>
+                        <a:t>why</a:t>
+                      </a:r>
+                      <a:endParaRPr lang="de-DE" dirty="0"/>
+                    </a:p>
+                  </a:txBody>
+                  <a:tcPr/>
+                </a:tc>
+                <a:tc>
+                  <a:txBody>
+                    <a:bodyPr/>
+                    <a:lstStyle/>
+                    <a:p>
+                      <a:r>
+                        <a:rPr lang="de-DE" dirty="0" err="1"/>
+                        <a:t>eight</a:t>
+                      </a:r>
+                      <a:r>
+                        <a:rPr lang="de-DE" dirty="0"/>
+                        <a:t> </a:t>
+                      </a:r>
+                      <a:r>
+                        <a:rPr lang="de-DE" dirty="0" err="1"/>
+                        <a:t>oclock</a:t>
+                      </a:r>
+                      <a:r>
+                        <a:rPr lang="de-DE" dirty="0"/>
+                        <a:t> </a:t>
+                      </a:r>
+                      <a:r>
+                        <a:rPr lang="de-DE" dirty="0" err="1"/>
+                        <a:t>you</a:t>
+                      </a:r>
+                      <a:r>
+                        <a:rPr lang="de-DE" dirty="0"/>
+                        <a:t> </a:t>
+                      </a:r>
+                      <a:r>
+                        <a:rPr lang="de-DE" dirty="0" err="1"/>
+                        <a:t>got</a:t>
+                      </a:r>
+                      <a:r>
+                        <a:rPr lang="de-DE" dirty="0"/>
+                        <a:t> </a:t>
+                      </a:r>
+                      <a:r>
+                        <a:rPr lang="de-DE" dirty="0" err="1"/>
+                        <a:t>to</a:t>
+                      </a:r>
+                      <a:r>
+                        <a:rPr lang="de-DE" dirty="0"/>
+                        <a:t> </a:t>
+                      </a:r>
+                      <a:r>
+                        <a:rPr lang="de-DE" dirty="0" err="1"/>
+                        <a:t>go</a:t>
+                      </a:r>
+                      <a:endParaRPr lang="de-DE" dirty="0"/>
+                    </a:p>
+                  </a:txBody>
+                  <a:tcPr/>
+                </a:tc>
+                <a:tc>
+                  <a:txBody>
+                    <a:bodyPr/>
+                    <a:lstStyle/>
+                    <a:p>
+                      <a:r>
+                        <a:rPr lang="de-DE" dirty="0" err="1"/>
+                        <a:t>why</a:t>
+                      </a:r>
+                      <a:endParaRPr lang="de-DE" dirty="0"/>
+                    </a:p>
+                  </a:txBody>
+                  <a:tcPr/>
+                </a:tc>
+                <a:extLst>
+                  <a:ext uri="{0D108BD9-81ED-4DB2-BD59-A6C34878D82A}">
+                    <a16:rowId xmlns:a16="http://schemas.microsoft.com/office/drawing/2014/main" val="3345736242"/>
+                  </a:ext>
+                </a:extLst>
+              </a:tr>
+              <a:tr h="370840">
+                <a:tc>
+                  <a:txBody>
+                    <a:bodyPr/>
+                    <a:lstStyle/>
+                    <a:p>
+                      <a:r>
+                        <a:rPr lang="de-DE" dirty="0" err="1"/>
+                        <a:t>What</a:t>
+                      </a:r>
+                      <a:r>
+                        <a:rPr lang="de-DE" dirty="0"/>
+                        <a:t> </a:t>
+                      </a:r>
+                      <a:r>
+                        <a:rPr lang="de-DE" dirty="0" err="1"/>
+                        <a:t>are</a:t>
+                      </a:r>
+                      <a:r>
+                        <a:rPr lang="de-DE" dirty="0"/>
+                        <a:t> </a:t>
+                      </a:r>
+                      <a:r>
+                        <a:rPr lang="de-DE" dirty="0" err="1"/>
+                        <a:t>you</a:t>
+                      </a:r>
+                      <a:r>
+                        <a:rPr lang="de-DE" dirty="0"/>
+                        <a:t> </a:t>
+                      </a:r>
+                      <a:r>
+                        <a:rPr lang="de-DE" dirty="0" err="1"/>
+                        <a:t>doing</a:t>
+                      </a:r>
+                      <a:r>
+                        <a:rPr lang="de-DE" dirty="0"/>
+                        <a:t>?</a:t>
+                      </a:r>
+                    </a:p>
+                  </a:txBody>
+                  <a:tcPr/>
+                </a:tc>
+                <a:tc>
+                  <a:txBody>
+                    <a:bodyPr/>
+                    <a:lstStyle/>
+                    <a:p>
+                      <a:r>
+                        <a:rPr lang="de-DE" dirty="0"/>
+                        <a:t>I am </a:t>
+                      </a:r>
+                      <a:r>
+                        <a:rPr lang="de-DE" dirty="0" err="1"/>
+                        <a:t>looking</a:t>
+                      </a:r>
+                      <a:r>
+                        <a:rPr lang="de-DE" dirty="0"/>
+                        <a:t> </a:t>
+                      </a:r>
+                      <a:r>
+                        <a:rPr lang="de-DE" dirty="0" err="1"/>
+                        <a:t>for</a:t>
+                      </a:r>
+                      <a:r>
+                        <a:rPr lang="de-DE" dirty="0"/>
+                        <a:t> </a:t>
+                      </a:r>
+                      <a:r>
+                        <a:rPr lang="de-DE" dirty="0" err="1"/>
+                        <a:t>someone</a:t>
+                      </a:r>
+                      <a:endParaRPr lang="de-DE" dirty="0"/>
+                    </a:p>
+                  </a:txBody>
+                  <a:tcPr/>
+                </a:tc>
+                <a:tc>
+                  <a:txBody>
+                    <a:bodyPr/>
+                    <a:lstStyle/>
+                    <a:p>
+                      <a:r>
+                        <a:rPr lang="de-DE" dirty="0"/>
+                        <a:t>i am </a:t>
+                      </a:r>
+                      <a:r>
+                        <a:rPr lang="de-DE" dirty="0" err="1"/>
+                        <a:t>getting</a:t>
+                      </a:r>
+                      <a:r>
+                        <a:rPr lang="de-DE" dirty="0"/>
+                        <a:t> </a:t>
+                      </a:r>
+                      <a:r>
+                        <a:rPr lang="de-DE" dirty="0" err="1"/>
+                        <a:t>dressed</a:t>
+                      </a:r>
+                      <a:endParaRPr lang="de-DE" dirty="0"/>
+                    </a:p>
+                  </a:txBody>
+                  <a:tcPr/>
+                </a:tc>
+                <a:tc>
+                  <a:txBody>
+                    <a:bodyPr/>
+                    <a:lstStyle/>
+                    <a:p>
+                      <a:r>
+                        <a:rPr lang="de-DE" dirty="0" err="1"/>
+                        <a:t>sis</a:t>
+                      </a:r>
+                      <a:r>
+                        <a:rPr lang="de-DE" dirty="0"/>
+                        <a:t> </a:t>
+                      </a:r>
+                      <a:r>
+                        <a:rPr lang="de-DE" dirty="0" err="1"/>
+                        <a:t>let</a:t>
+                      </a:r>
+                      <a:r>
+                        <a:rPr lang="de-DE" dirty="0"/>
+                        <a:t> </a:t>
+                      </a:r>
+                      <a:r>
+                        <a:rPr lang="de-DE" dirty="0" err="1"/>
+                        <a:t>me</a:t>
+                      </a:r>
+                      <a:r>
+                        <a:rPr lang="de-DE" dirty="0"/>
+                        <a:t> </a:t>
+                      </a:r>
+                      <a:r>
+                        <a:rPr lang="de-DE" dirty="0" err="1"/>
+                        <a:t>take</a:t>
+                      </a:r>
+                      <a:r>
+                        <a:rPr lang="de-DE" dirty="0"/>
+                        <a:t> care </a:t>
+                      </a:r>
+                      <a:r>
+                        <a:rPr lang="de-DE" dirty="0" err="1"/>
+                        <a:t>of</a:t>
+                      </a:r>
+                      <a:r>
+                        <a:rPr lang="de-DE" dirty="0"/>
+                        <a:t> </a:t>
+                      </a:r>
+                      <a:r>
+                        <a:rPr lang="de-DE" dirty="0" err="1"/>
+                        <a:t>you</a:t>
+                      </a:r>
+                      <a:r>
+                        <a:rPr lang="de-DE" dirty="0"/>
+                        <a:t> </a:t>
+                      </a:r>
+                      <a:r>
+                        <a:rPr lang="de-DE" dirty="0" err="1"/>
+                        <a:t>for</a:t>
+                      </a:r>
+                      <a:r>
+                        <a:rPr lang="de-DE" dirty="0"/>
+                        <a:t> </a:t>
+                      </a:r>
+                      <a:r>
+                        <a:rPr lang="de-DE" dirty="0" err="1"/>
+                        <a:t>once</a:t>
+                      </a:r>
+                      <a:endParaRPr lang="de-DE" dirty="0"/>
+                    </a:p>
+                  </a:txBody>
+                  <a:tcPr/>
+                </a:tc>
+                <a:extLst>
+                  <a:ext uri="{0D108BD9-81ED-4DB2-BD59-A6C34878D82A}">
+                    <a16:rowId xmlns:a16="http://schemas.microsoft.com/office/drawing/2014/main" val="2805852494"/>
+                  </a:ext>
+                </a:extLst>
+              </a:tr>
+              <a:tr h="370840">
+                <a:tc>
+                  <a:txBody>
+                    <a:bodyPr/>
+                    <a:lstStyle/>
+                    <a:p>
+                      <a:r>
+                        <a:rPr lang="de-DE" dirty="0" err="1"/>
+                        <a:t>We</a:t>
+                      </a:r>
+                      <a:r>
+                        <a:rPr lang="de-DE" dirty="0"/>
+                        <a:t> </a:t>
+                      </a:r>
+                      <a:r>
+                        <a:rPr lang="de-DE" dirty="0" err="1"/>
+                        <a:t>have</a:t>
+                      </a:r>
+                      <a:r>
+                        <a:rPr lang="de-DE" dirty="0"/>
+                        <a:t> </a:t>
+                      </a:r>
+                      <a:r>
+                        <a:rPr lang="de-DE" dirty="0" err="1"/>
+                        <a:t>to</a:t>
+                      </a:r>
+                      <a:r>
+                        <a:rPr lang="de-DE" dirty="0"/>
+                        <a:t> </a:t>
+                      </a:r>
+                      <a:r>
+                        <a:rPr lang="de-DE" dirty="0" err="1"/>
+                        <a:t>go</a:t>
+                      </a:r>
+                      <a:r>
+                        <a:rPr lang="de-DE" dirty="0"/>
+                        <a:t>!</a:t>
+                      </a:r>
+                    </a:p>
+                  </a:txBody>
+                  <a:tcPr/>
+                </a:tc>
+                <a:tc>
+                  <a:txBody>
+                    <a:bodyPr/>
+                    <a:lstStyle/>
+                    <a:p>
+                      <a:r>
+                        <a:rPr lang="de-DE" dirty="0" err="1"/>
+                        <a:t>no</a:t>
+                      </a:r>
+                      <a:r>
+                        <a:rPr lang="de-DE" dirty="0"/>
+                        <a:t> i </a:t>
+                      </a:r>
+                      <a:r>
+                        <a:rPr lang="de-DE" dirty="0" err="1"/>
+                        <a:t>dont</a:t>
+                      </a:r>
+                      <a:endParaRPr lang="de-DE" dirty="0"/>
+                    </a:p>
+                  </a:txBody>
+                  <a:tcPr/>
+                </a:tc>
+                <a:tc>
+                  <a:txBody>
+                    <a:bodyPr/>
+                    <a:lstStyle/>
+                    <a:p>
+                      <a:r>
+                        <a:rPr lang="de-DE" dirty="0" err="1"/>
+                        <a:t>no</a:t>
+                      </a:r>
+                      <a:r>
+                        <a:rPr lang="de-DE" dirty="0"/>
+                        <a:t> i </a:t>
+                      </a:r>
+                      <a:r>
+                        <a:rPr lang="de-DE" dirty="0" err="1"/>
+                        <a:t>got</a:t>
+                      </a:r>
+                      <a:r>
+                        <a:rPr lang="de-DE" dirty="0"/>
+                        <a:t> </a:t>
+                      </a:r>
+                      <a:r>
+                        <a:rPr lang="de-DE" dirty="0" err="1"/>
+                        <a:t>to</a:t>
+                      </a:r>
+                      <a:r>
+                        <a:rPr lang="de-DE" dirty="0"/>
+                        <a:t> find </a:t>
+                      </a:r>
+                      <a:r>
+                        <a:rPr lang="de-DE" dirty="0" err="1"/>
+                        <a:t>him</a:t>
+                      </a:r>
+                      <a:endParaRPr lang="de-DE" dirty="0"/>
+                    </a:p>
+                  </a:txBody>
+                  <a:tcPr/>
+                </a:tc>
+                <a:tc>
+                  <a:txBody>
+                    <a:bodyPr/>
+                    <a:lstStyle/>
+                    <a:p>
+                      <a:r>
+                        <a:rPr lang="de-DE" dirty="0" err="1"/>
+                        <a:t>daddy</a:t>
+                      </a:r>
+                      <a:r>
+                        <a:rPr lang="de-DE" dirty="0"/>
+                        <a:t> </a:t>
+                      </a:r>
+                      <a:r>
+                        <a:rPr lang="de-DE" dirty="0" err="1"/>
+                        <a:t>is</a:t>
+                      </a:r>
+                      <a:r>
+                        <a:rPr lang="de-DE" dirty="0"/>
+                        <a:t> </a:t>
+                      </a:r>
+                      <a:r>
+                        <a:rPr lang="de-DE" dirty="0" err="1"/>
+                        <a:t>dead</a:t>
+                      </a:r>
+                      <a:endParaRPr lang="de-DE" dirty="0"/>
+                    </a:p>
+                  </a:txBody>
+                  <a:tcPr/>
+                </a:tc>
+                <a:extLst>
+                  <a:ext uri="{0D108BD9-81ED-4DB2-BD59-A6C34878D82A}">
+                    <a16:rowId xmlns:a16="http://schemas.microsoft.com/office/drawing/2014/main" val="145248023"/>
+                  </a:ext>
+                </a:extLst>
+              </a:tr>
+            </a:tbl>
+          </a:graphicData>
+        </a:graphic>
+      </p:graphicFrame>
+    </p:spTree>
+    <p:extLst>
+      <p:ext uri="{BB962C8B-B14F-4D97-AF65-F5344CB8AC3E}">
+        <p14:creationId xmlns:p14="http://schemas.microsoft.com/office/powerpoint/2010/main" val="4126201586"/>
+      </p:ext>
+    </p:extLst>
+  </p:cSld>
+  <p:clrMapOvr>
+    <a:masterClrMapping/>
+  </p:clrMapOvr>
+</p:sld>
+</file>
+
 <file path=ppt/slides/slide2.xml><?xml version="1.0" encoding="utf-8"?>
 <p:sld xmlns:a="http://schemas.openxmlformats.org/drawingml/2006/main" xmlns:r="http://schemas.openxmlformats.org/officeDocument/2006/relationships" xmlns:p="http://schemas.openxmlformats.org/presentationml/2006/main">
   <p:cSld>
@@ -12236,14 +13509,14 @@
           <p:nvPr>
             <p:extLst>
               <p:ext uri="{D42A27DB-BD31-4B8C-83A1-F6EECF244321}">
-                <p14:modId xmlns:p14="http://schemas.microsoft.com/office/powerpoint/2010/main" val="842785681"/>
+                <p14:modId xmlns:p14="http://schemas.microsoft.com/office/powerpoint/2010/main" val="3875572900"/>
               </p:ext>
             </p:extLst>
           </p:nvPr>
         </p:nvGraphicFramePr>
         <p:xfrm>
-          <a:off x="6238903" y="4700920"/>
-          <a:ext cx="3739661" cy="1483360"/>
+          <a:off x="5722067" y="4700920"/>
+          <a:ext cx="5807324" cy="1887994"/>
         </p:xfrm>
         <a:graphic>
           <a:graphicData uri="http://schemas.openxmlformats.org/drawingml/2006/table">
@@ -12252,17 +13525,350 @@
                 <a:tableStyleId>{5C22544A-7EE6-4342-B048-85BDC9FD1C3A}</a:tableStyleId>
               </a:tblPr>
               <a:tblGrid>
-                <a:gridCol w="1863969">
+                <a:gridCol w="1931725">
+                  <a:extLst>
+                    <a:ext uri="{9D8B030D-6E8A-4147-A177-3AD203B41FA5}">
+                      <a16:colId xmlns:a16="http://schemas.microsoft.com/office/drawing/2014/main" val="611631800"/>
+                    </a:ext>
+                  </a:extLst>
+                </a:gridCol>
+                <a:gridCol w="1931725">
                   <a:extLst>
                     <a:ext uri="{9D8B030D-6E8A-4147-A177-3AD203B41FA5}">
                       <a16:colId xmlns:a16="http://schemas.microsoft.com/office/drawing/2014/main" val="3552424295"/>
                     </a:ext>
                   </a:extLst>
                 </a:gridCol>
-                <a:gridCol w="1875692">
+                <a:gridCol w="1943874">
                   <a:extLst>
                     <a:ext uri="{9D8B030D-6E8A-4147-A177-3AD203B41FA5}">
                       <a16:colId xmlns:a16="http://schemas.microsoft.com/office/drawing/2014/main" val="3322447718"/>
+                    </a:ext>
+                  </a:extLst>
+                </a:gridCol>
+              </a:tblGrid>
+              <a:tr h="335011">
+                <a:tc>
+                  <a:txBody>
+                    <a:bodyPr/>
+                    <a:lstStyle/>
+                    <a:p>
+                      <a:r>
+                        <a:rPr lang="de-DE" dirty="0"/>
+                        <a:t>Index</a:t>
+                      </a:r>
+                    </a:p>
+                  </a:txBody>
+                  <a:tcPr/>
+                </a:tc>
+                <a:tc>
+                  <a:txBody>
+                    <a:bodyPr/>
+                    <a:lstStyle/>
+                    <a:p>
+                      <a:r>
+                        <a:rPr lang="de-DE" dirty="0"/>
+                        <a:t>Fragen</a:t>
+                      </a:r>
+                    </a:p>
+                  </a:txBody>
+                  <a:tcPr/>
+                </a:tc>
+                <a:tc>
+                  <a:txBody>
+                    <a:bodyPr/>
+                    <a:lstStyle/>
+                    <a:p>
+                      <a:r>
+                        <a:rPr lang="de-DE" dirty="0"/>
+                        <a:t>Antworten</a:t>
+                      </a:r>
+                    </a:p>
+                  </a:txBody>
+                  <a:tcPr/>
+                </a:tc>
+                <a:extLst>
+                  <a:ext uri="{0D108BD9-81ED-4DB2-BD59-A6C34878D82A}">
+                    <a16:rowId xmlns:a16="http://schemas.microsoft.com/office/drawing/2014/main" val="2384756661"/>
+                  </a:ext>
+                </a:extLst>
+              </a:tr>
+              <a:tr h="578237">
+                <a:tc>
+                  <a:txBody>
+                    <a:bodyPr/>
+                    <a:lstStyle/>
+                    <a:p>
+                      <a:r>
+                        <a:rPr lang="de-DE" dirty="0"/>
+                        <a:t>0</a:t>
+                      </a:r>
+                    </a:p>
+                  </a:txBody>
+                  <a:tcPr/>
+                </a:tc>
+                <a:tc>
+                  <a:txBody>
+                    <a:bodyPr/>
+                    <a:lstStyle/>
+                    <a:p>
+                      <a:r>
+                        <a:rPr lang="de-DE" dirty="0"/>
+                        <a:t>hi</a:t>
+                      </a:r>
+                    </a:p>
+                  </a:txBody>
+                  <a:tcPr/>
+                </a:tc>
+                <a:tc>
+                  <a:txBody>
+                    <a:bodyPr/>
+                    <a:lstStyle/>
+                    <a:p>
+                      <a:r>
+                        <a:rPr lang="de-DE" dirty="0"/>
+                        <a:t>hey </a:t>
+                      </a:r>
+                      <a:r>
+                        <a:rPr lang="de-DE" dirty="0" err="1"/>
+                        <a:t>how</a:t>
+                      </a:r>
+                      <a:r>
+                        <a:rPr lang="de-DE" dirty="0"/>
+                        <a:t> </a:t>
+                      </a:r>
+                      <a:r>
+                        <a:rPr lang="de-DE" dirty="0" err="1"/>
+                        <a:t>are</a:t>
+                      </a:r>
+                      <a:r>
+                        <a:rPr lang="de-DE" dirty="0"/>
+                        <a:t> </a:t>
+                      </a:r>
+                      <a:r>
+                        <a:rPr lang="de-DE" dirty="0" err="1"/>
+                        <a:t>you</a:t>
+                      </a:r>
+                      <a:endParaRPr lang="de-DE" dirty="0"/>
+                    </a:p>
+                  </a:txBody>
+                  <a:tcPr/>
+                </a:tc>
+                <a:extLst>
+                  <a:ext uri="{0D108BD9-81ED-4DB2-BD59-A6C34878D82A}">
+                    <a16:rowId xmlns:a16="http://schemas.microsoft.com/office/drawing/2014/main" val="2840057128"/>
+                  </a:ext>
+                </a:extLst>
+              </a:tr>
+              <a:tr h="578237">
+                <a:tc>
+                  <a:txBody>
+                    <a:bodyPr/>
+                    <a:lstStyle/>
+                    <a:p>
+                      <a:r>
+                        <a:rPr lang="de-DE" dirty="0"/>
+                        <a:t>1</a:t>
+                      </a:r>
+                    </a:p>
+                  </a:txBody>
+                  <a:tcPr/>
+                </a:tc>
+                <a:tc>
+                  <a:txBody>
+                    <a:bodyPr/>
+                    <a:lstStyle/>
+                    <a:p>
+                      <a:r>
+                        <a:rPr lang="de-DE" dirty="0"/>
+                        <a:t>hey </a:t>
+                      </a:r>
+                      <a:r>
+                        <a:rPr lang="de-DE" dirty="0" err="1"/>
+                        <a:t>how</a:t>
+                      </a:r>
+                      <a:r>
+                        <a:rPr lang="de-DE" dirty="0"/>
+                        <a:t> </a:t>
+                      </a:r>
+                      <a:r>
+                        <a:rPr lang="de-DE" dirty="0" err="1"/>
+                        <a:t>are</a:t>
+                      </a:r>
+                      <a:r>
+                        <a:rPr lang="de-DE" dirty="0"/>
+                        <a:t> </a:t>
+                      </a:r>
+                      <a:r>
+                        <a:rPr lang="de-DE" dirty="0" err="1"/>
+                        <a:t>you</a:t>
+                      </a:r>
+                      <a:endParaRPr lang="de-DE" dirty="0"/>
+                    </a:p>
+                  </a:txBody>
+                  <a:tcPr/>
+                </a:tc>
+                <a:tc>
+                  <a:txBody>
+                    <a:bodyPr/>
+                    <a:lstStyle/>
+                    <a:p>
+                      <a:r>
+                        <a:rPr lang="de-DE" dirty="0"/>
+                        <a:t>i am </a:t>
+                      </a:r>
+                      <a:r>
+                        <a:rPr lang="de-DE" dirty="0" err="1"/>
+                        <a:t>fine</a:t>
+                      </a:r>
+                      <a:endParaRPr lang="de-DE" dirty="0"/>
+                    </a:p>
+                  </a:txBody>
+                  <a:tcPr/>
+                </a:tc>
+                <a:extLst>
+                  <a:ext uri="{0D108BD9-81ED-4DB2-BD59-A6C34878D82A}">
+                    <a16:rowId xmlns:a16="http://schemas.microsoft.com/office/drawing/2014/main" val="3828760073"/>
+                  </a:ext>
+                </a:extLst>
+              </a:tr>
+              <a:tr h="335011">
+                <a:tc>
+                  <a:txBody>
+                    <a:bodyPr/>
+                    <a:lstStyle/>
+                    <a:p>
+                      <a:pPr marL="0" marR="0" lvl="0" indent="0" algn="l" defTabSz="914400" rtl="0" eaLnBrk="1" fontAlgn="auto" latinLnBrk="0" hangingPunct="1">
+                        <a:lnSpc>
+                          <a:spcPct val="100000"/>
+                        </a:lnSpc>
+                        <a:spcBef>
+                          <a:spcPts val="0"/>
+                        </a:spcBef>
+                        <a:spcAft>
+                          <a:spcPts val="0"/>
+                        </a:spcAft>
+                        <a:buClrTx/>
+                        <a:buSzTx/>
+                        <a:buFontTx/>
+                        <a:buNone/>
+                        <a:tabLst/>
+                        <a:defRPr/>
+                      </a:pPr>
+                      <a:r>
+                        <a:rPr lang="de-DE" dirty="0"/>
+                        <a:t>2</a:t>
+                      </a:r>
+                    </a:p>
+                  </a:txBody>
+                  <a:tcPr/>
+                </a:tc>
+                <a:tc>
+                  <a:txBody>
+                    <a:bodyPr/>
+                    <a:lstStyle/>
+                    <a:p>
+                      <a:pPr marL="0" marR="0" lvl="0" indent="0" algn="l" defTabSz="914400" rtl="0" eaLnBrk="1" fontAlgn="auto" latinLnBrk="0" hangingPunct="1">
+                        <a:lnSpc>
+                          <a:spcPct val="100000"/>
+                        </a:lnSpc>
+                        <a:spcBef>
+                          <a:spcPts val="0"/>
+                        </a:spcBef>
+                        <a:spcAft>
+                          <a:spcPts val="0"/>
+                        </a:spcAft>
+                        <a:buClrTx/>
+                        <a:buSzTx/>
+                        <a:buFontTx/>
+                        <a:buNone/>
+                        <a:tabLst/>
+                        <a:defRPr/>
+                      </a:pPr>
+                      <a:r>
+                        <a:rPr lang="de-DE" dirty="0"/>
+                        <a:t>i am </a:t>
+                      </a:r>
+                      <a:r>
+                        <a:rPr lang="de-DE" dirty="0" err="1"/>
+                        <a:t>fine</a:t>
+                      </a:r>
+                      <a:endParaRPr lang="de-DE" dirty="0"/>
+                    </a:p>
+                  </a:txBody>
+                  <a:tcPr/>
+                </a:tc>
+                <a:tc>
+                  <a:txBody>
+                    <a:bodyPr/>
+                    <a:lstStyle/>
+                    <a:p>
+                      <a:r>
+                        <a:rPr lang="de-DE" dirty="0"/>
+                        <a:t>i am </a:t>
+                      </a:r>
+                      <a:r>
+                        <a:rPr lang="de-DE" dirty="0" err="1"/>
+                        <a:t>fine</a:t>
+                      </a:r>
+                      <a:r>
+                        <a:rPr lang="de-DE" dirty="0"/>
+                        <a:t> </a:t>
+                      </a:r>
+                      <a:r>
+                        <a:rPr lang="de-DE" dirty="0" err="1"/>
+                        <a:t>too</a:t>
+                      </a:r>
+                      <a:endParaRPr lang="de-DE" dirty="0"/>
+                    </a:p>
+                  </a:txBody>
+                  <a:tcPr/>
+                </a:tc>
+                <a:extLst>
+                  <a:ext uri="{0D108BD9-81ED-4DB2-BD59-A6C34878D82A}">
+                    <a16:rowId xmlns:a16="http://schemas.microsoft.com/office/drawing/2014/main" val="1885178541"/>
+                  </a:ext>
+                </a:extLst>
+              </a:tr>
+            </a:tbl>
+          </a:graphicData>
+        </a:graphic>
+      </p:graphicFrame>
+      <p:graphicFrame>
+        <p:nvGraphicFramePr>
+          <p:cNvPr id="30" name="Tabelle 4">
+            <a:extLst>
+              <a:ext uri="{FF2B5EF4-FFF2-40B4-BE49-F238E27FC236}">
+                <a16:creationId xmlns:a16="http://schemas.microsoft.com/office/drawing/2014/main" id="{355A7492-2B18-5535-89D4-78744D3ABDBF}"/>
+              </a:ext>
+            </a:extLst>
+          </p:cNvPr>
+          <p:cNvGraphicFramePr>
+            <a:graphicFrameLocks noGrp="1"/>
+          </p:cNvGraphicFramePr>
+          <p:nvPr>
+            <p:extLst>
+              <p:ext uri="{D42A27DB-BD31-4B8C-83A1-F6EECF244321}">
+                <p14:modId xmlns:p14="http://schemas.microsoft.com/office/powerpoint/2010/main" val="1674856482"/>
+              </p:ext>
+            </p:extLst>
+          </p:nvPr>
+        </p:nvGraphicFramePr>
+        <p:xfrm>
+          <a:off x="5722068" y="330584"/>
+          <a:ext cx="3739660" cy="1854200"/>
+        </p:xfrm>
+        <a:graphic>
+          <a:graphicData uri="http://schemas.openxmlformats.org/drawingml/2006/table">
+            <a:tbl>
+              <a:tblPr firstRow="1" bandRow="1">
+                <a:tableStyleId>{5C22544A-7EE6-4342-B048-85BDC9FD1C3A}</a:tableStyleId>
+              </a:tblPr>
+              <a:tblGrid>
+                <a:gridCol w="3739660">
+                  <a:extLst>
+                    <a:ext uri="{9D8B030D-6E8A-4147-A177-3AD203B41FA5}">
+                      <a16:colId xmlns:a16="http://schemas.microsoft.com/office/drawing/2014/main" val="3552424295"/>
                     </a:ext>
                   </a:extLst>
                 </a:gridCol>
@@ -12275,20 +13881,7 @@
                     <a:p>
                       <a:r>
                         <a:rPr lang="de-DE" dirty="0"/>
-                        <a:t>Fragen</a:t>
-                      </a:r>
-                    </a:p>
-                  </a:txBody>
-                  <a:tcPr/>
-                </a:tc>
-                <a:tc>
-                  <a:txBody>
-                    <a:bodyPr/>
-                    <a:lstStyle/>
-                    <a:p>
-                      <a:r>
-                        <a:rPr lang="de-DE" dirty="0"/>
-                        <a:t>Antworten</a:t>
+                        <a:t>Konversation</a:t>
                       </a:r>
                     </a:p>
                   </a:txBody>
@@ -12308,42 +13901,8 @@
                     <a:p>
                       <a:r>
                         <a:rPr lang="de-DE" dirty="0"/>
-                        <a:t>hi</a:t>
-                      </a:r>
-                    </a:p>
-                  </a:txBody>
-                  <a:tcPr/>
-                </a:tc>
-                <a:tc>
-                  <a:txBody>
-                    <a:bodyPr/>
-                    <a:lstStyle/>
-                    <a:p>
-                      <a:r>
-                        <a:rPr lang="de-DE" dirty="0"/>
-                        <a:t>hey </a:t>
-                      </a:r>
-                      <a:r>
-                        <a:rPr lang="de-DE" dirty="0" err="1"/>
-                        <a:t>how</a:t>
-                      </a:r>
-                      <a:r>
-                        <a:rPr lang="de-DE" dirty="0"/>
-                        <a:t> </a:t>
-                      </a:r>
-                      <a:r>
-                        <a:rPr lang="de-DE" dirty="0" err="1"/>
-                        <a:t>are</a:t>
-                      </a:r>
-                      <a:r>
-                        <a:rPr lang="de-DE" dirty="0"/>
-                        <a:t> </a:t>
-                      </a:r>
-                      <a:r>
-                        <a:rPr lang="de-DE" dirty="0" err="1"/>
-                        <a:t>you</a:t>
-                      </a:r>
-                      <a:endParaRPr lang="de-DE" dirty="0"/>
+                        <a:t>A: Hi!</a:t>
+                      </a:r>
                     </a:p>
                   </a:txBody>
                   <a:tcPr/>
@@ -12362,11 +13921,11 @@
                     <a:p>
                       <a:r>
                         <a:rPr lang="de-DE" dirty="0"/>
-                        <a:t>hey </a:t>
+                        <a:t>B: Hey </a:t>
                       </a:r>
                       <a:r>
                         <a:rPr lang="de-DE" dirty="0" err="1"/>
-                        <a:t>how</a:t>
+                        <a:t>how´re</a:t>
                       </a:r>
                       <a:r>
                         <a:rPr lang="de-DE" dirty="0"/>
@@ -12374,33 +13933,248 @@
                       </a:r>
                       <a:r>
                         <a:rPr lang="de-DE" dirty="0" err="1"/>
-                        <a:t>are</a:t>
+                        <a:t>you</a:t>
                       </a:r>
                       <a:r>
                         <a:rPr lang="de-DE" dirty="0"/>
-                        <a:t> </a:t>
-                      </a:r>
-                      <a:r>
-                        <a:rPr lang="de-DE" dirty="0" err="1"/>
-                        <a:t>you</a:t>
-                      </a:r>
-                      <a:endParaRPr lang="de-DE" dirty="0"/>
+                        <a:t>?</a:t>
+                      </a:r>
                     </a:p>
                   </a:txBody>
                   <a:tcPr/>
                 </a:tc>
+                <a:extLst>
+                  <a:ext uri="{0D108BD9-81ED-4DB2-BD59-A6C34878D82A}">
+                    <a16:rowId xmlns:a16="http://schemas.microsoft.com/office/drawing/2014/main" val="3828760073"/>
+                  </a:ext>
+                </a:extLst>
+              </a:tr>
+              <a:tr h="370840">
                 <a:tc>
                   <a:txBody>
                     <a:bodyPr/>
                     <a:lstStyle/>
                     <a:p>
+                      <a:pPr marL="0" marR="0" lvl="0" indent="0" algn="l" defTabSz="914400" rtl="0" eaLnBrk="1" fontAlgn="auto" latinLnBrk="0" hangingPunct="1">
+                        <a:lnSpc>
+                          <a:spcPct val="100000"/>
+                        </a:lnSpc>
+                        <a:spcBef>
+                          <a:spcPts val="0"/>
+                        </a:spcBef>
+                        <a:spcAft>
+                          <a:spcPts val="0"/>
+                        </a:spcAft>
+                        <a:buClrTx/>
+                        <a:buSzTx/>
+                        <a:buFontTx/>
+                        <a:buNone/>
+                        <a:tabLst/>
+                        <a:defRPr/>
+                      </a:pPr>
                       <a:r>
                         <a:rPr lang="de-DE" dirty="0"/>
-                        <a:t>i am </a:t>
+                        <a:t>A: </a:t>
+                      </a:r>
+                      <a:r>
+                        <a:rPr lang="de-DE" dirty="0" err="1"/>
+                        <a:t>I´m</a:t>
+                      </a:r>
+                      <a:r>
+                        <a:rPr lang="de-DE" dirty="0"/>
+                        <a:t> </a:t>
                       </a:r>
                       <a:r>
                         <a:rPr lang="de-DE" dirty="0" err="1"/>
                         <a:t>fine</a:t>
+                      </a:r>
+                      <a:r>
+                        <a:rPr lang="de-DE" dirty="0"/>
+                        <a:t>.</a:t>
+                      </a:r>
+                    </a:p>
+                  </a:txBody>
+                  <a:tcPr/>
+                </a:tc>
+                <a:extLst>
+                  <a:ext uri="{0D108BD9-81ED-4DB2-BD59-A6C34878D82A}">
+                    <a16:rowId xmlns:a16="http://schemas.microsoft.com/office/drawing/2014/main" val="1885178541"/>
+                  </a:ext>
+                </a:extLst>
+              </a:tr>
+              <a:tr h="370840">
+                <a:tc>
+                  <a:txBody>
+                    <a:bodyPr/>
+                    <a:lstStyle/>
+                    <a:p>
+                      <a:pPr marL="0" marR="0" lvl="0" indent="0" algn="l" defTabSz="914400" rtl="0" eaLnBrk="1" fontAlgn="auto" latinLnBrk="0" hangingPunct="1">
+                        <a:lnSpc>
+                          <a:spcPct val="100000"/>
+                        </a:lnSpc>
+                        <a:spcBef>
+                          <a:spcPts val="0"/>
+                        </a:spcBef>
+                        <a:spcAft>
+                          <a:spcPts val="0"/>
+                        </a:spcAft>
+                        <a:buClrTx/>
+                        <a:buSzTx/>
+                        <a:buFontTx/>
+                        <a:buNone/>
+                        <a:tabLst/>
+                        <a:defRPr/>
+                      </a:pPr>
+                      <a:r>
+                        <a:rPr lang="de-DE" dirty="0"/>
+                        <a:t>B: </a:t>
+                      </a:r>
+                      <a:r>
+                        <a:rPr lang="de-DE" dirty="0" err="1"/>
+                        <a:t>I'm</a:t>
+                      </a:r>
+                      <a:r>
+                        <a:rPr lang="de-DE" dirty="0"/>
+                        <a:t> </a:t>
+                      </a:r>
+                      <a:r>
+                        <a:rPr lang="de-DE" dirty="0" err="1"/>
+                        <a:t>fine</a:t>
+                      </a:r>
+                      <a:r>
+                        <a:rPr lang="de-DE" dirty="0"/>
+                        <a:t> </a:t>
+                      </a:r>
+                      <a:r>
+                        <a:rPr lang="de-DE" dirty="0" err="1"/>
+                        <a:t>too</a:t>
+                      </a:r>
+                      <a:r>
+                        <a:rPr lang="de-DE" dirty="0"/>
+                        <a:t>.</a:t>
+                      </a:r>
+                    </a:p>
+                  </a:txBody>
+                  <a:tcPr/>
+                </a:tc>
+                <a:extLst>
+                  <a:ext uri="{0D108BD9-81ED-4DB2-BD59-A6C34878D82A}">
+                    <a16:rowId xmlns:a16="http://schemas.microsoft.com/office/drawing/2014/main" val="629237646"/>
+                  </a:ext>
+                </a:extLst>
+              </a:tr>
+            </a:tbl>
+          </a:graphicData>
+        </a:graphic>
+      </p:graphicFrame>
+      <p:graphicFrame>
+        <p:nvGraphicFramePr>
+          <p:cNvPr id="31" name="Tabelle 4">
+            <a:extLst>
+              <a:ext uri="{FF2B5EF4-FFF2-40B4-BE49-F238E27FC236}">
+                <a16:creationId xmlns:a16="http://schemas.microsoft.com/office/drawing/2014/main" id="{6299CADD-697D-8774-0D6D-89A7B26D268B}"/>
+              </a:ext>
+            </a:extLst>
+          </p:cNvPr>
+          <p:cNvGraphicFramePr>
+            <a:graphicFrameLocks noGrp="1"/>
+          </p:cNvGraphicFramePr>
+          <p:nvPr>
+            <p:extLst>
+              <p:ext uri="{D42A27DB-BD31-4B8C-83A1-F6EECF244321}">
+                <p14:modId xmlns:p14="http://schemas.microsoft.com/office/powerpoint/2010/main" val="192161204"/>
+              </p:ext>
+            </p:extLst>
+          </p:nvPr>
+        </p:nvGraphicFramePr>
+        <p:xfrm>
+          <a:off x="5722068" y="2515752"/>
+          <a:ext cx="3739660" cy="1854200"/>
+        </p:xfrm>
+        <a:graphic>
+          <a:graphicData uri="http://schemas.openxmlformats.org/drawingml/2006/table">
+            <a:tbl>
+              <a:tblPr firstRow="1" bandRow="1">
+                <a:tableStyleId>{5C22544A-7EE6-4342-B048-85BDC9FD1C3A}</a:tableStyleId>
+              </a:tblPr>
+              <a:tblGrid>
+                <a:gridCol w="3739660">
+                  <a:extLst>
+                    <a:ext uri="{9D8B030D-6E8A-4147-A177-3AD203B41FA5}">
+                      <a16:colId xmlns:a16="http://schemas.microsoft.com/office/drawing/2014/main" val="3552424295"/>
+                    </a:ext>
+                  </a:extLst>
+                </a:gridCol>
+              </a:tblGrid>
+              <a:tr h="370840">
+                <a:tc>
+                  <a:txBody>
+                    <a:bodyPr/>
+                    <a:lstStyle/>
+                    <a:p>
+                      <a:r>
+                        <a:rPr lang="de-DE" dirty="0"/>
+                        <a:t>Konversation</a:t>
+                      </a:r>
+                    </a:p>
+                  </a:txBody>
+                  <a:tcPr/>
+                </a:tc>
+                <a:extLst>
+                  <a:ext uri="{0D108BD9-81ED-4DB2-BD59-A6C34878D82A}">
+                    <a16:rowId xmlns:a16="http://schemas.microsoft.com/office/drawing/2014/main" val="2384756661"/>
+                  </a:ext>
+                </a:extLst>
+              </a:tr>
+              <a:tr h="370840">
+                <a:tc>
+                  <a:txBody>
+                    <a:bodyPr/>
+                    <a:lstStyle/>
+                    <a:p>
+                      <a:r>
+                        <a:rPr lang="de-DE" dirty="0"/>
+                        <a:t>A: hi</a:t>
+                      </a:r>
+                    </a:p>
+                  </a:txBody>
+                  <a:tcPr/>
+                </a:tc>
+                <a:extLst>
+                  <a:ext uri="{0D108BD9-81ED-4DB2-BD59-A6C34878D82A}">
+                    <a16:rowId xmlns:a16="http://schemas.microsoft.com/office/drawing/2014/main" val="2840057128"/>
+                  </a:ext>
+                </a:extLst>
+              </a:tr>
+              <a:tr h="370840">
+                <a:tc>
+                  <a:txBody>
+                    <a:bodyPr/>
+                    <a:lstStyle/>
+                    <a:p>
+                      <a:r>
+                        <a:rPr lang="de-DE" dirty="0"/>
+                        <a:t>B: hey </a:t>
+                      </a:r>
+                      <a:r>
+                        <a:rPr lang="de-DE" dirty="0" err="1"/>
+                        <a:t>how</a:t>
+                      </a:r>
+                      <a:r>
+                        <a:rPr lang="de-DE" dirty="0"/>
+                        <a:t> </a:t>
+                      </a:r>
+                      <a:r>
+                        <a:rPr lang="de-DE" dirty="0" err="1"/>
+                        <a:t>are</a:t>
+                      </a:r>
+                      <a:r>
+                        <a:rPr lang="de-DE" dirty="0"/>
+                        <a:t> </a:t>
+                      </a:r>
+                      <a:r>
+                        <a:rPr lang="de-DE" dirty="0" err="1"/>
+                        <a:t>you</a:t>
                       </a:r>
                       <a:endParaRPr lang="de-DE" dirty="0"/>
                     </a:p>
@@ -12438,431 +14212,6 @@
                       </a:pPr>
                       <a:r>
                         <a:rPr lang="de-DE" dirty="0"/>
-                        <a:t>i am </a:t>
-                      </a:r>
-                      <a:r>
-                        <a:rPr lang="de-DE" dirty="0" err="1"/>
-                        <a:t>fine</a:t>
-                      </a:r>
-                      <a:endParaRPr lang="de-DE" dirty="0"/>
-                    </a:p>
-                  </a:txBody>
-                  <a:tcPr/>
-                </a:tc>
-                <a:tc>
-                  <a:txBody>
-                    <a:bodyPr/>
-                    <a:lstStyle/>
-                    <a:p>
-                      <a:r>
-                        <a:rPr lang="de-DE" dirty="0"/>
-                        <a:t>i am </a:t>
-                      </a:r>
-                      <a:r>
-                        <a:rPr lang="de-DE" dirty="0" err="1"/>
-                        <a:t>fine</a:t>
-                      </a:r>
-                      <a:r>
-                        <a:rPr lang="de-DE" dirty="0"/>
-                        <a:t> </a:t>
-                      </a:r>
-                      <a:r>
-                        <a:rPr lang="de-DE" dirty="0" err="1"/>
-                        <a:t>too</a:t>
-                      </a:r>
-                      <a:endParaRPr lang="de-DE" dirty="0"/>
-                    </a:p>
-                  </a:txBody>
-                  <a:tcPr/>
-                </a:tc>
-                <a:extLst>
-                  <a:ext uri="{0D108BD9-81ED-4DB2-BD59-A6C34878D82A}">
-                    <a16:rowId xmlns:a16="http://schemas.microsoft.com/office/drawing/2014/main" val="1885178541"/>
-                  </a:ext>
-                </a:extLst>
-              </a:tr>
-            </a:tbl>
-          </a:graphicData>
-        </a:graphic>
-      </p:graphicFrame>
-      <p:graphicFrame>
-        <p:nvGraphicFramePr>
-          <p:cNvPr id="30" name="Tabelle 4">
-            <a:extLst>
-              <a:ext uri="{FF2B5EF4-FFF2-40B4-BE49-F238E27FC236}">
-                <a16:creationId xmlns:a16="http://schemas.microsoft.com/office/drawing/2014/main" id="{355A7492-2B18-5535-89D4-78744D3ABDBF}"/>
-              </a:ext>
-            </a:extLst>
-          </p:cNvPr>
-          <p:cNvGraphicFramePr>
-            <a:graphicFrameLocks noGrp="1"/>
-          </p:cNvGraphicFramePr>
-          <p:nvPr>
-            <p:extLst>
-              <p:ext uri="{D42A27DB-BD31-4B8C-83A1-F6EECF244321}">
-                <p14:modId xmlns:p14="http://schemas.microsoft.com/office/powerpoint/2010/main" val="2546868812"/>
-              </p:ext>
-            </p:extLst>
-          </p:nvPr>
-        </p:nvGraphicFramePr>
-        <p:xfrm>
-          <a:off x="6238903" y="330584"/>
-          <a:ext cx="3739660" cy="1854200"/>
-        </p:xfrm>
-        <a:graphic>
-          <a:graphicData uri="http://schemas.openxmlformats.org/drawingml/2006/table">
-            <a:tbl>
-              <a:tblPr firstRow="1" bandRow="1">
-                <a:tableStyleId>{5C22544A-7EE6-4342-B048-85BDC9FD1C3A}</a:tableStyleId>
-              </a:tblPr>
-              <a:tblGrid>
-                <a:gridCol w="3739660">
-                  <a:extLst>
-                    <a:ext uri="{9D8B030D-6E8A-4147-A177-3AD203B41FA5}">
-                      <a16:colId xmlns:a16="http://schemas.microsoft.com/office/drawing/2014/main" val="3552424295"/>
-                    </a:ext>
-                  </a:extLst>
-                </a:gridCol>
-              </a:tblGrid>
-              <a:tr h="370840">
-                <a:tc>
-                  <a:txBody>
-                    <a:bodyPr/>
-                    <a:lstStyle/>
-                    <a:p>
-                      <a:r>
-                        <a:rPr lang="de-DE" dirty="0"/>
-                        <a:t>Konversation</a:t>
-                      </a:r>
-                    </a:p>
-                  </a:txBody>
-                  <a:tcPr/>
-                </a:tc>
-                <a:extLst>
-                  <a:ext uri="{0D108BD9-81ED-4DB2-BD59-A6C34878D82A}">
-                    <a16:rowId xmlns:a16="http://schemas.microsoft.com/office/drawing/2014/main" val="2384756661"/>
-                  </a:ext>
-                </a:extLst>
-              </a:tr>
-              <a:tr h="370840">
-                <a:tc>
-                  <a:txBody>
-                    <a:bodyPr/>
-                    <a:lstStyle/>
-                    <a:p>
-                      <a:r>
-                        <a:rPr lang="de-DE" dirty="0"/>
-                        <a:t>A: Hi!</a:t>
-                      </a:r>
-                    </a:p>
-                  </a:txBody>
-                  <a:tcPr/>
-                </a:tc>
-                <a:extLst>
-                  <a:ext uri="{0D108BD9-81ED-4DB2-BD59-A6C34878D82A}">
-                    <a16:rowId xmlns:a16="http://schemas.microsoft.com/office/drawing/2014/main" val="2840057128"/>
-                  </a:ext>
-                </a:extLst>
-              </a:tr>
-              <a:tr h="370840">
-                <a:tc>
-                  <a:txBody>
-                    <a:bodyPr/>
-                    <a:lstStyle/>
-                    <a:p>
-                      <a:r>
-                        <a:rPr lang="de-DE" dirty="0"/>
-                        <a:t>B: Hey </a:t>
-                      </a:r>
-                      <a:r>
-                        <a:rPr lang="de-DE" dirty="0" err="1"/>
-                        <a:t>how´re</a:t>
-                      </a:r>
-                      <a:r>
-                        <a:rPr lang="de-DE" dirty="0"/>
-                        <a:t> </a:t>
-                      </a:r>
-                      <a:r>
-                        <a:rPr lang="de-DE" dirty="0" err="1"/>
-                        <a:t>you</a:t>
-                      </a:r>
-                      <a:r>
-                        <a:rPr lang="de-DE" dirty="0"/>
-                        <a:t>?</a:t>
-                      </a:r>
-                    </a:p>
-                  </a:txBody>
-                  <a:tcPr/>
-                </a:tc>
-                <a:extLst>
-                  <a:ext uri="{0D108BD9-81ED-4DB2-BD59-A6C34878D82A}">
-                    <a16:rowId xmlns:a16="http://schemas.microsoft.com/office/drawing/2014/main" val="3828760073"/>
-                  </a:ext>
-                </a:extLst>
-              </a:tr>
-              <a:tr h="370840">
-                <a:tc>
-                  <a:txBody>
-                    <a:bodyPr/>
-                    <a:lstStyle/>
-                    <a:p>
-                      <a:pPr marL="0" marR="0" lvl="0" indent="0" algn="l" defTabSz="914400" rtl="0" eaLnBrk="1" fontAlgn="auto" latinLnBrk="0" hangingPunct="1">
-                        <a:lnSpc>
-                          <a:spcPct val="100000"/>
-                        </a:lnSpc>
-                        <a:spcBef>
-                          <a:spcPts val="0"/>
-                        </a:spcBef>
-                        <a:spcAft>
-                          <a:spcPts val="0"/>
-                        </a:spcAft>
-                        <a:buClrTx/>
-                        <a:buSzTx/>
-                        <a:buFontTx/>
-                        <a:buNone/>
-                        <a:tabLst/>
-                        <a:defRPr/>
-                      </a:pPr>
-                      <a:r>
-                        <a:rPr lang="de-DE" dirty="0"/>
-                        <a:t>A: </a:t>
-                      </a:r>
-                      <a:r>
-                        <a:rPr lang="de-DE" dirty="0" err="1"/>
-                        <a:t>I´m</a:t>
-                      </a:r>
-                      <a:r>
-                        <a:rPr lang="de-DE" dirty="0"/>
-                        <a:t> </a:t>
-                      </a:r>
-                      <a:r>
-                        <a:rPr lang="de-DE" dirty="0" err="1"/>
-                        <a:t>fine</a:t>
-                      </a:r>
-                      <a:r>
-                        <a:rPr lang="de-DE" dirty="0"/>
-                        <a:t>.</a:t>
-                      </a:r>
-                    </a:p>
-                  </a:txBody>
-                  <a:tcPr/>
-                </a:tc>
-                <a:extLst>
-                  <a:ext uri="{0D108BD9-81ED-4DB2-BD59-A6C34878D82A}">
-                    <a16:rowId xmlns:a16="http://schemas.microsoft.com/office/drawing/2014/main" val="1885178541"/>
-                  </a:ext>
-                </a:extLst>
-              </a:tr>
-              <a:tr h="370840">
-                <a:tc>
-                  <a:txBody>
-                    <a:bodyPr/>
-                    <a:lstStyle/>
-                    <a:p>
-                      <a:pPr marL="0" marR="0" lvl="0" indent="0" algn="l" defTabSz="914400" rtl="0" eaLnBrk="1" fontAlgn="auto" latinLnBrk="0" hangingPunct="1">
-                        <a:lnSpc>
-                          <a:spcPct val="100000"/>
-                        </a:lnSpc>
-                        <a:spcBef>
-                          <a:spcPts val="0"/>
-                        </a:spcBef>
-                        <a:spcAft>
-                          <a:spcPts val="0"/>
-                        </a:spcAft>
-                        <a:buClrTx/>
-                        <a:buSzTx/>
-                        <a:buFontTx/>
-                        <a:buNone/>
-                        <a:tabLst/>
-                        <a:defRPr/>
-                      </a:pPr>
-                      <a:r>
-                        <a:rPr lang="de-DE" dirty="0"/>
-                        <a:t>B: </a:t>
-                      </a:r>
-                      <a:r>
-                        <a:rPr lang="de-DE" dirty="0" err="1"/>
-                        <a:t>I'm</a:t>
-                      </a:r>
-                      <a:r>
-                        <a:rPr lang="de-DE" dirty="0"/>
-                        <a:t> </a:t>
-                      </a:r>
-                      <a:r>
-                        <a:rPr lang="de-DE" dirty="0" err="1"/>
-                        <a:t>fine</a:t>
-                      </a:r>
-                      <a:r>
-                        <a:rPr lang="de-DE" dirty="0"/>
-                        <a:t> </a:t>
-                      </a:r>
-                      <a:r>
-                        <a:rPr lang="de-DE" dirty="0" err="1"/>
-                        <a:t>too</a:t>
-                      </a:r>
-                      <a:r>
-                        <a:rPr lang="de-DE" dirty="0"/>
-                        <a:t>.</a:t>
-                      </a:r>
-                    </a:p>
-                  </a:txBody>
-                  <a:tcPr/>
-                </a:tc>
-                <a:extLst>
-                  <a:ext uri="{0D108BD9-81ED-4DB2-BD59-A6C34878D82A}">
-                    <a16:rowId xmlns:a16="http://schemas.microsoft.com/office/drawing/2014/main" val="629237646"/>
-                  </a:ext>
-                </a:extLst>
-              </a:tr>
-            </a:tbl>
-          </a:graphicData>
-        </a:graphic>
-      </p:graphicFrame>
-      <p:graphicFrame>
-        <p:nvGraphicFramePr>
-          <p:cNvPr id="31" name="Tabelle 4">
-            <a:extLst>
-              <a:ext uri="{FF2B5EF4-FFF2-40B4-BE49-F238E27FC236}">
-                <a16:creationId xmlns:a16="http://schemas.microsoft.com/office/drawing/2014/main" id="{6299CADD-697D-8774-0D6D-89A7B26D268B}"/>
-              </a:ext>
-            </a:extLst>
-          </p:cNvPr>
-          <p:cNvGraphicFramePr>
-            <a:graphicFrameLocks noGrp="1"/>
-          </p:cNvGraphicFramePr>
-          <p:nvPr>
-            <p:extLst>
-              <p:ext uri="{D42A27DB-BD31-4B8C-83A1-F6EECF244321}">
-                <p14:modId xmlns:p14="http://schemas.microsoft.com/office/powerpoint/2010/main" val="4174139693"/>
-              </p:ext>
-            </p:extLst>
-          </p:nvPr>
-        </p:nvGraphicFramePr>
-        <p:xfrm>
-          <a:off x="6238903" y="2515752"/>
-          <a:ext cx="3739660" cy="1854200"/>
-        </p:xfrm>
-        <a:graphic>
-          <a:graphicData uri="http://schemas.openxmlformats.org/drawingml/2006/table">
-            <a:tbl>
-              <a:tblPr firstRow="1" bandRow="1">
-                <a:tableStyleId>{5C22544A-7EE6-4342-B048-85BDC9FD1C3A}</a:tableStyleId>
-              </a:tblPr>
-              <a:tblGrid>
-                <a:gridCol w="3739660">
-                  <a:extLst>
-                    <a:ext uri="{9D8B030D-6E8A-4147-A177-3AD203B41FA5}">
-                      <a16:colId xmlns:a16="http://schemas.microsoft.com/office/drawing/2014/main" val="3552424295"/>
-                    </a:ext>
-                  </a:extLst>
-                </a:gridCol>
-              </a:tblGrid>
-              <a:tr h="370840">
-                <a:tc>
-                  <a:txBody>
-                    <a:bodyPr/>
-                    <a:lstStyle/>
-                    <a:p>
-                      <a:r>
-                        <a:rPr lang="de-DE" dirty="0"/>
-                        <a:t>Konversation</a:t>
-                      </a:r>
-                    </a:p>
-                  </a:txBody>
-                  <a:tcPr/>
-                </a:tc>
-                <a:extLst>
-                  <a:ext uri="{0D108BD9-81ED-4DB2-BD59-A6C34878D82A}">
-                    <a16:rowId xmlns:a16="http://schemas.microsoft.com/office/drawing/2014/main" val="2384756661"/>
-                  </a:ext>
-                </a:extLst>
-              </a:tr>
-              <a:tr h="370840">
-                <a:tc>
-                  <a:txBody>
-                    <a:bodyPr/>
-                    <a:lstStyle/>
-                    <a:p>
-                      <a:r>
-                        <a:rPr lang="de-DE" dirty="0"/>
-                        <a:t>A: hi</a:t>
-                      </a:r>
-                    </a:p>
-                  </a:txBody>
-                  <a:tcPr/>
-                </a:tc>
-                <a:extLst>
-                  <a:ext uri="{0D108BD9-81ED-4DB2-BD59-A6C34878D82A}">
-                    <a16:rowId xmlns:a16="http://schemas.microsoft.com/office/drawing/2014/main" val="2840057128"/>
-                  </a:ext>
-                </a:extLst>
-              </a:tr>
-              <a:tr h="370840">
-                <a:tc>
-                  <a:txBody>
-                    <a:bodyPr/>
-                    <a:lstStyle/>
-                    <a:p>
-                      <a:r>
-                        <a:rPr lang="de-DE" dirty="0"/>
-                        <a:t>B: hey </a:t>
-                      </a:r>
-                      <a:r>
-                        <a:rPr lang="de-DE" dirty="0" err="1"/>
-                        <a:t>how</a:t>
-                      </a:r>
-                      <a:r>
-                        <a:rPr lang="de-DE" dirty="0"/>
-                        <a:t> </a:t>
-                      </a:r>
-                      <a:r>
-                        <a:rPr lang="de-DE" dirty="0" err="1"/>
-                        <a:t>are</a:t>
-                      </a:r>
-                      <a:r>
-                        <a:rPr lang="de-DE" dirty="0"/>
-                        <a:t> </a:t>
-                      </a:r>
-                      <a:r>
-                        <a:rPr lang="de-DE" dirty="0" err="1"/>
-                        <a:t>you</a:t>
-                      </a:r>
-                      <a:endParaRPr lang="de-DE" dirty="0"/>
-                    </a:p>
-                  </a:txBody>
-                  <a:tcPr/>
-                </a:tc>
-                <a:extLst>
-                  <a:ext uri="{0D108BD9-81ED-4DB2-BD59-A6C34878D82A}">
-                    <a16:rowId xmlns:a16="http://schemas.microsoft.com/office/drawing/2014/main" val="3828760073"/>
-                  </a:ext>
-                </a:extLst>
-              </a:tr>
-              <a:tr h="370840">
-                <a:tc>
-                  <a:txBody>
-                    <a:bodyPr/>
-                    <a:lstStyle/>
-                    <a:p>
-                      <a:pPr marL="0" marR="0" lvl="0" indent="0" algn="l" defTabSz="914400" rtl="0" eaLnBrk="1" fontAlgn="auto" latinLnBrk="0" hangingPunct="1">
-                        <a:lnSpc>
-                          <a:spcPct val="100000"/>
-                        </a:lnSpc>
-                        <a:spcBef>
-                          <a:spcPts val="0"/>
-                        </a:spcBef>
-                        <a:spcAft>
-                          <a:spcPts val="0"/>
-                        </a:spcAft>
-                        <a:buClrTx/>
-                        <a:buSzTx/>
-                        <a:buFontTx/>
-                        <a:buNone/>
-                        <a:tabLst/>
-                        <a:defRPr/>
-                      </a:pPr>
-                      <a:r>
-                        <a:rPr lang="de-DE" dirty="0"/>
                         <a:t>A: i am </a:t>
                       </a:r>
                       <a:r>
@@ -12948,7 +14297,7 @@
         </p:nvSpPr>
         <p:spPr>
           <a:xfrm>
-            <a:off x="5712522" y="2184784"/>
+            <a:off x="5195687" y="2184784"/>
             <a:ext cx="313267" cy="414866"/>
           </a:xfrm>
           <a:prstGeom prst="downArrow">
@@ -12994,7 +14343,7 @@
         </p:nvSpPr>
         <p:spPr>
           <a:xfrm>
-            <a:off x="5712522" y="4356016"/>
+            <a:off x="5195687" y="4356016"/>
             <a:ext cx="313267" cy="414866"/>
           </a:xfrm>
           <a:prstGeom prst="downArrow">
@@ -13040,7 +14389,7 @@
         </p:nvSpPr>
         <p:spPr>
           <a:xfrm>
-            <a:off x="4884014" y="2182574"/>
+            <a:off x="4367179" y="2182574"/>
             <a:ext cx="1057117" cy="307777"/>
           </a:xfrm>
           <a:prstGeom prst="rect">
@@ -13078,7 +14427,7 @@
         </p:nvSpPr>
         <p:spPr>
           <a:xfrm>
-            <a:off x="5712523" y="2184784"/>
+            <a:off x="5195688" y="2184784"/>
             <a:ext cx="313267" cy="414866"/>
           </a:xfrm>
           <a:prstGeom prst="downArrow">
@@ -13124,7 +14473,7 @@
         </p:nvSpPr>
         <p:spPr>
           <a:xfrm>
-            <a:off x="4961651" y="4314286"/>
+            <a:off x="4444816" y="4314286"/>
             <a:ext cx="1057117" cy="307777"/>
           </a:xfrm>
           <a:prstGeom prst="rect">

--- a/Chatbot.pptx
+++ b/Chatbot.pptx
@@ -14,10 +14,11 @@
     <p:sldId id="264" r:id="rId8"/>
     <p:sldId id="268" r:id="rId9"/>
     <p:sldId id="271" r:id="rId10"/>
-    <p:sldId id="269" r:id="rId11"/>
-    <p:sldId id="270" r:id="rId12"/>
-    <p:sldId id="272" r:id="rId13"/>
-    <p:sldId id="273" r:id="rId14"/>
+    <p:sldId id="274" r:id="rId11"/>
+    <p:sldId id="269" r:id="rId12"/>
+    <p:sldId id="270" r:id="rId13"/>
+    <p:sldId id="272" r:id="rId14"/>
+    <p:sldId id="273" r:id="rId15"/>
   </p:sldIdLst>
   <p:sldSz cx="12192000" cy="6858000"/>
   <p:notesSz cx="6858000" cy="9144000"/>
@@ -893,8 +894,8 @@
         <a:lstStyle/>
         <a:p>
           <a:r>
-            <a:rPr lang="de-DE" sz="1600" dirty="0"/>
-            <a:t>Begrenzung</a:t>
+            <a:rPr lang="de-DE" sz="1600" dirty="0" err="1"/>
+            <a:t>Begren-zung</a:t>
           </a:r>
           <a:endParaRPr lang="de-DE" sz="2100" dirty="0"/>
         </a:p>
@@ -1002,8 +1003,8 @@
         <a:lstStyle/>
         <a:p>
           <a:r>
-            <a:rPr lang="de-DE" sz="1600" dirty="0"/>
-            <a:t>Tokenisierung</a:t>
+            <a:rPr lang="de-DE" sz="1600" dirty="0" err="1"/>
+            <a:t>Tokeni-sierung</a:t>
           </a:r>
           <a:endParaRPr lang="de-DE" sz="2300" dirty="0"/>
         </a:p>
@@ -1292,6 +1293,119 @@
         </a:p>
       </dgm:t>
     </dgm:pt>
+    <dgm:pt modelId="{26A54F9A-0AAF-F042-A685-4ADCF0E32386}">
+      <dgm:prSet custT="1"/>
+      <dgm:spPr/>
+      <dgm:t>
+        <a:bodyPr/>
+        <a:lstStyle/>
+        <a:p>
+          <a:r>
+            <a:rPr lang="de-DE" sz="1600" dirty="0"/>
+            <a:t>Decoder Output</a:t>
+          </a:r>
+          <a:endParaRPr lang="de-DE" sz="1800" dirty="0"/>
+        </a:p>
+      </dgm:t>
+    </dgm:pt>
+    <dgm:pt modelId="{527D692F-71B4-2149-BB8F-7061B9B9F802}" type="parTrans" cxnId="{7B1D110A-6249-6649-846A-AC84674F10E5}">
+      <dgm:prSet/>
+      <dgm:spPr/>
+      <dgm:t>
+        <a:bodyPr/>
+        <a:lstStyle/>
+        <a:p>
+          <a:endParaRPr lang="de-DE"/>
+        </a:p>
+      </dgm:t>
+    </dgm:pt>
+    <dgm:pt modelId="{24FE8FFF-DF83-EB4E-927D-4E25892515AE}" type="sibTrans" cxnId="{7B1D110A-6249-6649-846A-AC84674F10E5}">
+      <dgm:prSet/>
+      <dgm:spPr/>
+      <dgm:t>
+        <a:bodyPr/>
+        <a:lstStyle/>
+        <a:p>
+          <a:endParaRPr lang="de-DE"/>
+        </a:p>
+      </dgm:t>
+    </dgm:pt>
+    <dgm:pt modelId="{70C26CDA-5936-3A48-9D8D-E650781CE5BF}">
+      <dgm:prSet/>
+      <dgm:spPr/>
+      <dgm:t>
+        <a:bodyPr/>
+        <a:lstStyle/>
+        <a:p>
+          <a:r>
+            <a:rPr lang="de-DE" dirty="0"/>
+            <a:t>Entfernen des Start-Tokens</a:t>
+          </a:r>
+        </a:p>
+      </dgm:t>
+    </dgm:pt>
+    <dgm:pt modelId="{20D8718F-B741-CA42-8501-DE03C64A765A}" type="parTrans" cxnId="{67D6AAFF-8AC5-4645-A601-6499A0F8E21F}">
+      <dgm:prSet/>
+      <dgm:spPr/>
+      <dgm:t>
+        <a:bodyPr/>
+        <a:lstStyle/>
+        <a:p>
+          <a:endParaRPr lang="de-DE"/>
+        </a:p>
+      </dgm:t>
+    </dgm:pt>
+    <dgm:pt modelId="{3D096E2C-BF55-1C41-86CE-5F1F2D6F8DE1}" type="sibTrans" cxnId="{67D6AAFF-8AC5-4645-A601-6499A0F8E21F}">
+      <dgm:prSet/>
+      <dgm:spPr/>
+      <dgm:t>
+        <a:bodyPr/>
+        <a:lstStyle/>
+        <a:p>
+          <a:endParaRPr lang="de-DE"/>
+        </a:p>
+      </dgm:t>
+    </dgm:pt>
+    <dgm:pt modelId="{D532C0AA-1917-B04B-A183-01833A045BA2}">
+      <dgm:prSet/>
+      <dgm:spPr/>
+      <dgm:t>
+        <a:bodyPr/>
+        <a:lstStyle/>
+        <a:p>
+          <a:r>
+            <a:rPr lang="de-DE" dirty="0" err="1"/>
+            <a:t>One</a:t>
+          </a:r>
+          <a:r>
+            <a:rPr lang="de-DE" dirty="0"/>
+            <a:t>-Hot Codierung</a:t>
+          </a:r>
+        </a:p>
+      </dgm:t>
+    </dgm:pt>
+    <dgm:pt modelId="{39916C0F-8760-FE48-8BDB-CD1752736293}" type="parTrans" cxnId="{F30DF06E-F288-194F-A13B-C291A06DBB47}">
+      <dgm:prSet/>
+      <dgm:spPr/>
+      <dgm:t>
+        <a:bodyPr/>
+        <a:lstStyle/>
+        <a:p>
+          <a:endParaRPr lang="de-DE"/>
+        </a:p>
+      </dgm:t>
+    </dgm:pt>
+    <dgm:pt modelId="{1650D795-93DC-B44A-AFF3-67D86546516A}" type="sibTrans" cxnId="{F30DF06E-F288-194F-A13B-C291A06DBB47}">
+      <dgm:prSet/>
+      <dgm:spPr/>
+      <dgm:t>
+        <a:bodyPr/>
+        <a:lstStyle/>
+        <a:p>
+          <a:endParaRPr lang="de-DE"/>
+        </a:p>
+      </dgm:t>
+    </dgm:pt>
     <dgm:pt modelId="{5A96D96E-9C71-8345-A8B2-CF95069E6482}" type="pres">
       <dgm:prSet presAssocID="{2F146616-9C7F-934F-B417-7544E0883927}" presName="linearFlow" presStyleCnt="0">
         <dgm:presLayoutVars>
@@ -1307,7 +1421,7 @@
       <dgm:spPr/>
     </dgm:pt>
     <dgm:pt modelId="{CDDA841D-1B23-7E41-84E0-23D158F0BD2C}" type="pres">
-      <dgm:prSet presAssocID="{15F76063-0EA6-F84A-AD1E-5D236D5A1FA3}" presName="parentText" presStyleLbl="alignNode1" presStyleIdx="0" presStyleCnt="4">
+      <dgm:prSet presAssocID="{15F76063-0EA6-F84A-AD1E-5D236D5A1FA3}" presName="parentText" presStyleLbl="alignNode1" presStyleIdx="0" presStyleCnt="5">
         <dgm:presLayoutVars>
           <dgm:chMax val="1"/>
           <dgm:bulletEnabled val="1"/>
@@ -1316,7 +1430,7 @@
       <dgm:spPr/>
     </dgm:pt>
     <dgm:pt modelId="{0B70B154-E684-C141-8441-32484884CFCB}" type="pres">
-      <dgm:prSet presAssocID="{15F76063-0EA6-F84A-AD1E-5D236D5A1FA3}" presName="descendantText" presStyleLbl="alignAcc1" presStyleIdx="0" presStyleCnt="4">
+      <dgm:prSet presAssocID="{15F76063-0EA6-F84A-AD1E-5D236D5A1FA3}" presName="descendantText" presStyleLbl="alignAcc1" presStyleIdx="0" presStyleCnt="5">
         <dgm:presLayoutVars>
           <dgm:bulletEnabled val="1"/>
         </dgm:presLayoutVars>
@@ -1332,7 +1446,7 @@
       <dgm:spPr/>
     </dgm:pt>
     <dgm:pt modelId="{8B6B2436-F812-DD4A-AD5A-D2CF5F9C148A}" type="pres">
-      <dgm:prSet presAssocID="{C8135734-799F-934D-AD06-FF4F32A52039}" presName="parentText" presStyleLbl="alignNode1" presStyleIdx="1" presStyleCnt="4">
+      <dgm:prSet presAssocID="{C8135734-799F-934D-AD06-FF4F32A52039}" presName="parentText" presStyleLbl="alignNode1" presStyleIdx="1" presStyleCnt="5">
         <dgm:presLayoutVars>
           <dgm:chMax val="1"/>
           <dgm:bulletEnabled val="1"/>
@@ -1341,7 +1455,7 @@
       <dgm:spPr/>
     </dgm:pt>
     <dgm:pt modelId="{32ED8714-D730-D249-8173-27C1B202B3EF}" type="pres">
-      <dgm:prSet presAssocID="{C8135734-799F-934D-AD06-FF4F32A52039}" presName="descendantText" presStyleLbl="alignAcc1" presStyleIdx="1" presStyleCnt="4">
+      <dgm:prSet presAssocID="{C8135734-799F-934D-AD06-FF4F32A52039}" presName="descendantText" presStyleLbl="alignAcc1" presStyleIdx="1" presStyleCnt="5">
         <dgm:presLayoutVars>
           <dgm:bulletEnabled val="1"/>
         </dgm:presLayoutVars>
@@ -1357,7 +1471,7 @@
       <dgm:spPr/>
     </dgm:pt>
     <dgm:pt modelId="{15B5A412-1E1C-6C44-BDC0-0BA0260EA162}" type="pres">
-      <dgm:prSet presAssocID="{D7CD70FD-D2D0-CE47-BF4B-252750DA92B3}" presName="parentText" presStyleLbl="alignNode1" presStyleIdx="2" presStyleCnt="4">
+      <dgm:prSet presAssocID="{D7CD70FD-D2D0-CE47-BF4B-252750DA92B3}" presName="parentText" presStyleLbl="alignNode1" presStyleIdx="2" presStyleCnt="5">
         <dgm:presLayoutVars>
           <dgm:chMax val="1"/>
           <dgm:bulletEnabled val="1"/>
@@ -1366,7 +1480,7 @@
       <dgm:spPr/>
     </dgm:pt>
     <dgm:pt modelId="{2BD0E6C1-B98E-174B-B936-E136A056BD43}" type="pres">
-      <dgm:prSet presAssocID="{D7CD70FD-D2D0-CE47-BF4B-252750DA92B3}" presName="descendantText" presStyleLbl="alignAcc1" presStyleIdx="2" presStyleCnt="4">
+      <dgm:prSet presAssocID="{D7CD70FD-D2D0-CE47-BF4B-252750DA92B3}" presName="descendantText" presStyleLbl="alignAcc1" presStyleIdx="2" presStyleCnt="5">
         <dgm:presLayoutVars>
           <dgm:bulletEnabled val="1"/>
         </dgm:presLayoutVars>
@@ -1382,7 +1496,7 @@
       <dgm:spPr/>
     </dgm:pt>
     <dgm:pt modelId="{777B3AA9-A2D7-C84B-BDF9-ECD37207C068}" type="pres">
-      <dgm:prSet presAssocID="{06A02F2F-D120-EC4D-88CA-222DA3E08D2C}" presName="parentText" presStyleLbl="alignNode1" presStyleIdx="3" presStyleCnt="4">
+      <dgm:prSet presAssocID="{06A02F2F-D120-EC4D-88CA-222DA3E08D2C}" presName="parentText" presStyleLbl="alignNode1" presStyleIdx="3" presStyleCnt="5">
         <dgm:presLayoutVars>
           <dgm:chMax val="1"/>
           <dgm:bulletEnabled val="1"/>
@@ -1391,7 +1505,32 @@
       <dgm:spPr/>
     </dgm:pt>
     <dgm:pt modelId="{A34514F7-3850-1349-B855-F8DD85A7BE38}" type="pres">
-      <dgm:prSet presAssocID="{06A02F2F-D120-EC4D-88CA-222DA3E08D2C}" presName="descendantText" presStyleLbl="alignAcc1" presStyleIdx="3" presStyleCnt="4">
+      <dgm:prSet presAssocID="{06A02F2F-D120-EC4D-88CA-222DA3E08D2C}" presName="descendantText" presStyleLbl="alignAcc1" presStyleIdx="3" presStyleCnt="5">
+        <dgm:presLayoutVars>
+          <dgm:bulletEnabled val="1"/>
+        </dgm:presLayoutVars>
+      </dgm:prSet>
+      <dgm:spPr/>
+    </dgm:pt>
+    <dgm:pt modelId="{73A3231A-5EE8-F541-95A5-D6844796D2A7}" type="pres">
+      <dgm:prSet presAssocID="{29BF9F90-0425-EF4A-9EC1-34AF58CD656C}" presName="sp" presStyleCnt="0"/>
+      <dgm:spPr/>
+    </dgm:pt>
+    <dgm:pt modelId="{97239129-70C0-4143-BB48-EB4AB759A98F}" type="pres">
+      <dgm:prSet presAssocID="{26A54F9A-0AAF-F042-A685-4ADCF0E32386}" presName="composite" presStyleCnt="0"/>
+      <dgm:spPr/>
+    </dgm:pt>
+    <dgm:pt modelId="{41CDFF60-98AA-5948-942D-61EBF247901A}" type="pres">
+      <dgm:prSet presAssocID="{26A54F9A-0AAF-F042-A685-4ADCF0E32386}" presName="parentText" presStyleLbl="alignNode1" presStyleIdx="4" presStyleCnt="5">
+        <dgm:presLayoutVars>
+          <dgm:chMax val="1"/>
+          <dgm:bulletEnabled val="1"/>
+        </dgm:presLayoutVars>
+      </dgm:prSet>
+      <dgm:spPr/>
+    </dgm:pt>
+    <dgm:pt modelId="{3EFE30A2-5F9F-8B44-B4C8-88AB4D082D6E}" type="pres">
+      <dgm:prSet presAssocID="{26A54F9A-0AAF-F042-A685-4ADCF0E32386}" presName="descendantText" presStyleLbl="alignAcc1" presStyleIdx="4" presStyleCnt="5">
         <dgm:presLayoutVars>
           <dgm:bulletEnabled val="1"/>
         </dgm:presLayoutVars>
@@ -1400,14 +1539,19 @@
     </dgm:pt>
   </dgm:ptLst>
   <dgm:cxnLst>
+    <dgm:cxn modelId="{7B1D110A-6249-6649-846A-AC84674F10E5}" srcId="{2F146616-9C7F-934F-B417-7544E0883927}" destId="{26A54F9A-0AAF-F042-A685-4ADCF0E32386}" srcOrd="4" destOrd="0" parTransId="{527D692F-71B4-2149-BB8F-7061B9B9F802}" sibTransId="{24FE8FFF-DF83-EB4E-927D-4E25892515AE}"/>
     <dgm:cxn modelId="{3435F20E-2631-154F-B1B9-2387A2786026}" srcId="{C8135734-799F-934D-AD06-FF4F32A52039}" destId="{F7D9643F-0ED3-AA4B-A990-0A06F72BCCB9}" srcOrd="0" destOrd="0" parTransId="{A92E602F-62A2-B546-ACB5-71A86C831C6E}" sibTransId="{DFD88696-D1B8-404F-A7E0-25A5A2ADF4B1}"/>
     <dgm:cxn modelId="{D3224016-834D-C345-A914-7CF0C8D2E820}" srcId="{C8135734-799F-934D-AD06-FF4F32A52039}" destId="{C386FEC9-1C89-3F40-A8B7-520BAF470794}" srcOrd="1" destOrd="0" parTransId="{1C4550F5-AD17-8942-BD86-2FEEFE2C9950}" sibTransId="{970D1AA9-869C-E84A-9398-1BD89C6968BA}"/>
     <dgm:cxn modelId="{ECB11117-7900-4544-B287-0F5730C3D347}" srcId="{2F146616-9C7F-934F-B417-7544E0883927}" destId="{15F76063-0EA6-F84A-AD1E-5D236D5A1FA3}" srcOrd="0" destOrd="0" parTransId="{61281277-19C4-004C-88A8-14A622496EB2}" sibTransId="{858BAA5D-E8E4-5E47-88EA-B42D48B022A7}"/>
     <dgm:cxn modelId="{668FA91E-BFE5-B34D-844D-C403CFC6558E}" srcId="{15F76063-0EA6-F84A-AD1E-5D236D5A1FA3}" destId="{24AD2F7E-579C-2744-A8DB-EF602E60E47E}" srcOrd="1" destOrd="0" parTransId="{3C6B130A-EDB4-6B44-B1DD-A5E577748690}" sibTransId="{8D47E320-30F6-0D4E-B477-711F9DF9A762}"/>
+    <dgm:cxn modelId="{ECB9B91F-F477-A044-A443-36722096AF8E}" type="presOf" srcId="{D532C0AA-1917-B04B-A183-01833A045BA2}" destId="{3EFE30A2-5F9F-8B44-B4C8-88AB4D082D6E}" srcOrd="0" destOrd="1" presId="urn:microsoft.com/office/officeart/2005/8/layout/chevron2"/>
     <dgm:cxn modelId="{94807E2A-3F97-BD40-94F0-3B7FB6349255}" srcId="{06A02F2F-D120-EC4D-88CA-222DA3E08D2C}" destId="{EF3A41E5-ABF6-C548-A2F3-3573E968CBD8}" srcOrd="1" destOrd="0" parTransId="{DBC7C7A0-5CC1-D74A-B1EC-62267D30A22A}" sibTransId="{1999E955-AB98-D547-96DE-2BA70308546F}"/>
     <dgm:cxn modelId="{A1254D3E-FD25-7C40-8344-0C299072A829}" type="presOf" srcId="{2F146616-9C7F-934F-B417-7544E0883927}" destId="{5A96D96E-9C71-8345-A8B2-CF95069E6482}" srcOrd="0" destOrd="0" presId="urn:microsoft.com/office/officeart/2005/8/layout/chevron2"/>
     <dgm:cxn modelId="{882CF753-DECB-B348-A8EA-1EA98D783D7A}" srcId="{D7CD70FD-D2D0-CE47-BF4B-252750DA92B3}" destId="{41A88598-477F-0646-A1E5-513B4FA1C044}" srcOrd="0" destOrd="0" parTransId="{9FD63201-1995-5248-9132-8B49961C5E4D}" sibTransId="{3FC53403-6189-CD42-8F32-E868AAB9CACD}"/>
+    <dgm:cxn modelId="{5E6C905A-CBD1-5345-AF3B-674B36D419E4}" type="presOf" srcId="{26A54F9A-0AAF-F042-A685-4ADCF0E32386}" destId="{41CDFF60-98AA-5948-942D-61EBF247901A}" srcOrd="0" destOrd="0" presId="urn:microsoft.com/office/officeart/2005/8/layout/chevron2"/>
+    <dgm:cxn modelId="{F30DF06E-F288-194F-A13B-C291A06DBB47}" srcId="{26A54F9A-0AAF-F042-A685-4ADCF0E32386}" destId="{D532C0AA-1917-B04B-A183-01833A045BA2}" srcOrd="1" destOrd="0" parTransId="{39916C0F-8760-FE48-8BDB-CD1752736293}" sibTransId="{1650D795-93DC-B44A-AFF3-67D86546516A}"/>
     <dgm:cxn modelId="{ED52086F-526C-C045-A2CF-45AB5288A83D}" srcId="{2F146616-9C7F-934F-B417-7544E0883927}" destId="{D7CD70FD-D2D0-CE47-BF4B-252750DA92B3}" srcOrd="2" destOrd="0" parTransId="{3A34F833-B9BF-0548-85E2-A81E65FDC44E}" sibTransId="{C9E02A38-FB62-AA43-BF7B-52FCC0F8282C}"/>
+    <dgm:cxn modelId="{11968A73-88E9-EA4F-856C-8C9DAFCFDBFA}" type="presOf" srcId="{70C26CDA-5936-3A48-9D8D-E650781CE5BF}" destId="{3EFE30A2-5F9F-8B44-B4C8-88AB4D082D6E}" srcOrd="0" destOrd="0" presId="urn:microsoft.com/office/officeart/2005/8/layout/chevron2"/>
     <dgm:cxn modelId="{239A0286-61E6-5E40-B73D-02D73B85013E}" type="presOf" srcId="{BA22BA89-2F82-4F46-AC57-89038086C37E}" destId="{A34514F7-3850-1349-B855-F8DD85A7BE38}" srcOrd="0" destOrd="0" presId="urn:microsoft.com/office/officeart/2005/8/layout/chevron2"/>
     <dgm:cxn modelId="{0414D68D-66B5-D94D-9854-ECC0F2F60E46}" type="presOf" srcId="{EF3A41E5-ABF6-C548-A2F3-3573E968CBD8}" destId="{A34514F7-3850-1349-B855-F8DD85A7BE38}" srcOrd="0" destOrd="1" presId="urn:microsoft.com/office/officeart/2005/8/layout/chevron2"/>
     <dgm:cxn modelId="{AFA99492-8080-1B41-BD96-455477FF8689}" type="presOf" srcId="{EC584581-9ED3-7A47-A09A-7CCD705B43A4}" destId="{0B70B154-E684-C141-8441-32484884CFCB}" srcOrd="0" destOrd="0" presId="urn:microsoft.com/office/officeart/2005/8/layout/chevron2"/>
@@ -1423,6 +1567,7 @@
     <dgm:cxn modelId="{EC746EE4-B6BE-424B-85F4-9BAA456ACCEA}" type="presOf" srcId="{C8135734-799F-934D-AD06-FF4F32A52039}" destId="{8B6B2436-F812-DD4A-AD5A-D2CF5F9C148A}" srcOrd="0" destOrd="0" presId="urn:microsoft.com/office/officeart/2005/8/layout/chevron2"/>
     <dgm:cxn modelId="{9D4B9EEB-8C7E-3C4F-A107-E0BD95AF9315}" type="presOf" srcId="{D7CD70FD-D2D0-CE47-BF4B-252750DA92B3}" destId="{15B5A412-1E1C-6C44-BDC0-0BA0260EA162}" srcOrd="0" destOrd="0" presId="urn:microsoft.com/office/officeart/2005/8/layout/chevron2"/>
     <dgm:cxn modelId="{E61121F0-FA6A-0749-A9A0-4FBE2D0DB96A}" type="presOf" srcId="{24AD2F7E-579C-2744-A8DB-EF602E60E47E}" destId="{0B70B154-E684-C141-8441-32484884CFCB}" srcOrd="0" destOrd="1" presId="urn:microsoft.com/office/officeart/2005/8/layout/chevron2"/>
+    <dgm:cxn modelId="{67D6AAFF-8AC5-4645-A601-6499A0F8E21F}" srcId="{26A54F9A-0AAF-F042-A685-4ADCF0E32386}" destId="{70C26CDA-5936-3A48-9D8D-E650781CE5BF}" srcOrd="0" destOrd="0" parTransId="{20D8718F-B741-CA42-8501-DE03C64A765A}" sibTransId="{3D096E2C-BF55-1C41-86CE-5F1F2D6F8DE1}"/>
     <dgm:cxn modelId="{125C9F37-E868-3B44-AD69-58C933ED5192}" type="presParOf" srcId="{5A96D96E-9C71-8345-A8B2-CF95069E6482}" destId="{1A80BAE9-7494-1442-9261-95E22B198A66}" srcOrd="0" destOrd="0" presId="urn:microsoft.com/office/officeart/2005/8/layout/chevron2"/>
     <dgm:cxn modelId="{0296F0DC-C4C5-5B47-BCFF-1A94799A76BB}" type="presParOf" srcId="{1A80BAE9-7494-1442-9261-95E22B198A66}" destId="{CDDA841D-1B23-7E41-84E0-23D158F0BD2C}" srcOrd="0" destOrd="0" presId="urn:microsoft.com/office/officeart/2005/8/layout/chevron2"/>
     <dgm:cxn modelId="{2F7B7FB9-D40B-DA4D-9FA4-CF379C334DB2}" type="presParOf" srcId="{1A80BAE9-7494-1442-9261-95E22B198A66}" destId="{0B70B154-E684-C141-8441-32484884CFCB}" srcOrd="1" destOrd="0" presId="urn:microsoft.com/office/officeart/2005/8/layout/chevron2"/>
@@ -1438,6 +1583,10 @@
     <dgm:cxn modelId="{5B71D31F-5AA5-424C-AE7D-52B259F6E88F}" type="presParOf" srcId="{5A96D96E-9C71-8345-A8B2-CF95069E6482}" destId="{AC1E7F2B-F244-754C-A0BE-0CC6CC9B1B81}" srcOrd="6" destOrd="0" presId="urn:microsoft.com/office/officeart/2005/8/layout/chevron2"/>
     <dgm:cxn modelId="{BC3574AA-E1C5-4141-A6B1-2B3F8B9FA7C6}" type="presParOf" srcId="{AC1E7F2B-F244-754C-A0BE-0CC6CC9B1B81}" destId="{777B3AA9-A2D7-C84B-BDF9-ECD37207C068}" srcOrd="0" destOrd="0" presId="urn:microsoft.com/office/officeart/2005/8/layout/chevron2"/>
     <dgm:cxn modelId="{08653FF5-73BF-D04B-A773-49C55592814D}" type="presParOf" srcId="{AC1E7F2B-F244-754C-A0BE-0CC6CC9B1B81}" destId="{A34514F7-3850-1349-B855-F8DD85A7BE38}" srcOrd="1" destOrd="0" presId="urn:microsoft.com/office/officeart/2005/8/layout/chevron2"/>
+    <dgm:cxn modelId="{0D7A82D7-A180-A541-A268-8529909DB0B1}" type="presParOf" srcId="{5A96D96E-9C71-8345-A8B2-CF95069E6482}" destId="{73A3231A-5EE8-F541-95A5-D6844796D2A7}" srcOrd="7" destOrd="0" presId="urn:microsoft.com/office/officeart/2005/8/layout/chevron2"/>
+    <dgm:cxn modelId="{5B2C42E7-B1B0-2348-8054-DB8BFB33B03C}" type="presParOf" srcId="{5A96D96E-9C71-8345-A8B2-CF95069E6482}" destId="{97239129-70C0-4143-BB48-EB4AB759A98F}" srcOrd="8" destOrd="0" presId="urn:microsoft.com/office/officeart/2005/8/layout/chevron2"/>
+    <dgm:cxn modelId="{19CCB9A7-6582-8F46-9C51-5270E5CD63AA}" type="presParOf" srcId="{97239129-70C0-4143-BB48-EB4AB759A98F}" destId="{41CDFF60-98AA-5948-942D-61EBF247901A}" srcOrd="0" destOrd="0" presId="urn:microsoft.com/office/officeart/2005/8/layout/chevron2"/>
+    <dgm:cxn modelId="{ACDCCF06-175A-D348-A00F-C1EA24520B92}" type="presParOf" srcId="{97239129-70C0-4143-BB48-EB4AB759A98F}" destId="{3EFE30A2-5F9F-8B44-B4C8-88AB4D082D6E}" srcOrd="1" destOrd="0" presId="urn:microsoft.com/office/officeart/2005/8/layout/chevron2"/>
   </dgm:cxnLst>
   <dgm:bg/>
   <dgm:whole/>
@@ -1464,8 +1613,8 @@
       </dsp:nvSpPr>
       <dsp:spPr>
         <a:xfrm rot="5400000">
-          <a:off x="-219918" y="225127"/>
-          <a:ext cx="1466122" cy="1026285"/>
+          <a:off x="-193995" y="198139"/>
+          <a:ext cx="1293306" cy="905314"/>
         </a:xfrm>
         <a:prstGeom prst="chevron">
           <a:avLst/>
@@ -1525,15 +1674,15 @@
             <a:buNone/>
           </a:pPr>
           <a:r>
-            <a:rPr lang="de-DE" sz="1600" kern="1200" dirty="0"/>
-            <a:t>Begrenzung</a:t>
+            <a:rPr lang="de-DE" sz="1600" kern="1200" dirty="0" err="1"/>
+            <a:t>Begren-zung</a:t>
           </a:r>
           <a:endParaRPr lang="de-DE" sz="2100" kern="1200" dirty="0"/>
         </a:p>
       </dsp:txBody>
       <dsp:txXfrm rot="-5400000">
-        <a:off x="1" y="518352"/>
-        <a:ext cx="1026285" cy="439837"/>
+        <a:off x="1" y="456800"/>
+        <a:ext cx="905314" cy="387992"/>
       </dsp:txXfrm>
     </dsp:sp>
     <dsp:sp modelId="{0B70B154-E684-C141-8441-32484884CFCB}">
@@ -1543,8 +1692,8 @@
       </dsp:nvSpPr>
       <dsp:spPr>
         <a:xfrm rot="5400000">
-          <a:off x="2188396" y="-1156901"/>
-          <a:ext cx="952979" cy="3277200"/>
+          <a:off x="2405259" y="-1495801"/>
+          <a:ext cx="841091" cy="3840981"/>
         </a:xfrm>
         <a:prstGeom prst="round2SameRect">
           <a:avLst/>
@@ -1585,12 +1734,12 @@
         <a:fontRef idx="minor"/>
       </dsp:style>
       <dsp:txBody>
-        <a:bodyPr spcFirstLastPara="0" vert="horz" wrap="square" lIns="99568" tIns="8890" rIns="8890" bIns="8890" numCol="1" spcCol="1270" anchor="ctr" anchorCtr="0">
+        <a:bodyPr spcFirstLastPara="0" vert="horz" wrap="square" lIns="106680" tIns="9525" rIns="9525" bIns="9525" numCol="1" spcCol="1270" anchor="ctr" anchorCtr="0">
           <a:noAutofit/>
         </a:bodyPr>
         <a:lstStyle/>
         <a:p>
-          <a:pPr marL="114300" lvl="1" indent="-114300" algn="l" defTabSz="622300">
+          <a:pPr marL="114300" lvl="1" indent="-114300" algn="l" defTabSz="666750">
             <a:lnSpc>
               <a:spcPct val="90000"/>
             </a:lnSpc>
@@ -1603,12 +1752,12 @@
             <a:buChar char="•"/>
           </a:pPr>
           <a:r>
-            <a:rPr lang="de-DE" sz="1400" kern="1200" dirty="0"/>
+            <a:rPr lang="de-DE" sz="1500" kern="1200" dirty="0"/>
             <a:t>Sätze mit &lt;= 10 Wörtern</a:t>
           </a:r>
         </a:p>
         <a:p>
-          <a:pPr marL="114300" lvl="1" indent="-114300" algn="l" defTabSz="622300">
+          <a:pPr marL="114300" lvl="1" indent="-114300" algn="l" defTabSz="666750">
             <a:lnSpc>
               <a:spcPct val="90000"/>
             </a:lnSpc>
@@ -1621,14 +1770,14 @@
             <a:buChar char="•"/>
           </a:pPr>
           <a:r>
-            <a:rPr lang="de-DE" sz="1400" kern="1200" dirty="0"/>
+            <a:rPr lang="de-DE" sz="1500" kern="1200" dirty="0"/>
             <a:t>Begrenzung auf 30.000 Paare</a:t>
           </a:r>
         </a:p>
       </dsp:txBody>
       <dsp:txXfrm rot="-5400000">
-        <a:off x="1026286" y="51730"/>
-        <a:ext cx="3230679" cy="859937"/>
+        <a:off x="905315" y="45202"/>
+        <a:ext cx="3799922" cy="758973"/>
       </dsp:txXfrm>
     </dsp:sp>
     <dsp:sp modelId="{8B6B2436-F812-DD4A-AD5A-D2CF5F9C148A}">
@@ -1638,8 +1787,8 @@
       </dsp:nvSpPr>
       <dsp:spPr>
         <a:xfrm rot="5400000">
-          <a:off x="-219918" y="1539169"/>
-          <a:ext cx="1466122" cy="1026285"/>
+          <a:off x="-193995" y="1369807"/>
+          <a:ext cx="1293306" cy="905314"/>
         </a:xfrm>
         <a:prstGeom prst="chevron">
           <a:avLst/>
@@ -1699,15 +1848,15 @@
             <a:buNone/>
           </a:pPr>
           <a:r>
-            <a:rPr lang="de-DE" sz="1600" kern="1200" dirty="0"/>
-            <a:t>Tokenisierung</a:t>
+            <a:rPr lang="de-DE" sz="1600" kern="1200" dirty="0" err="1"/>
+            <a:t>Tokeni-sierung</a:t>
           </a:r>
           <a:endParaRPr lang="de-DE" sz="2300" kern="1200" dirty="0"/>
         </a:p>
       </dsp:txBody>
       <dsp:txXfrm rot="-5400000">
-        <a:off x="1" y="1832394"/>
-        <a:ext cx="1026285" cy="439837"/>
+        <a:off x="1" y="1628468"/>
+        <a:ext cx="905314" cy="387992"/>
       </dsp:txXfrm>
     </dsp:sp>
     <dsp:sp modelId="{32ED8714-D730-D249-8173-27C1B202B3EF}">
@@ -1717,8 +1866,8 @@
       </dsp:nvSpPr>
       <dsp:spPr>
         <a:xfrm rot="5400000">
-          <a:off x="2188145" y="157391"/>
-          <a:ext cx="953480" cy="3277200"/>
+          <a:off x="2405480" y="-324354"/>
+          <a:ext cx="840649" cy="3840981"/>
         </a:xfrm>
         <a:prstGeom prst="round2SameRect">
           <a:avLst/>
@@ -1759,12 +1908,12 @@
         <a:fontRef idx="minor"/>
       </dsp:style>
       <dsp:txBody>
-        <a:bodyPr spcFirstLastPara="0" vert="horz" wrap="square" lIns="99568" tIns="8890" rIns="8890" bIns="8890" numCol="1" spcCol="1270" anchor="ctr" anchorCtr="0">
+        <a:bodyPr spcFirstLastPara="0" vert="horz" wrap="square" lIns="106680" tIns="9525" rIns="9525" bIns="9525" numCol="1" spcCol="1270" anchor="ctr" anchorCtr="0">
           <a:noAutofit/>
         </a:bodyPr>
         <a:lstStyle/>
         <a:p>
-          <a:pPr marL="114300" lvl="1" indent="-114300" algn="l" defTabSz="622300">
+          <a:pPr marL="114300" lvl="1" indent="-114300" algn="l" defTabSz="666750">
             <a:lnSpc>
               <a:spcPct val="90000"/>
             </a:lnSpc>
@@ -1777,12 +1926,12 @@
             <a:buChar char="•"/>
           </a:pPr>
           <a:r>
-            <a:rPr lang="de-DE" sz="1400" kern="1200" dirty="0"/>
+            <a:rPr lang="de-DE" sz="1500" kern="1200" dirty="0"/>
             <a:t>Erweiterung der Antworten mit &lt;S&gt; und &lt;E&gt;</a:t>
           </a:r>
         </a:p>
         <a:p>
-          <a:pPr marL="114300" lvl="1" indent="-114300" algn="l" defTabSz="622300">
+          <a:pPr marL="114300" lvl="1" indent="-114300" algn="l" defTabSz="666750">
             <a:lnSpc>
               <a:spcPct val="90000"/>
             </a:lnSpc>
@@ -1795,21 +1944,21 @@
             <a:buChar char="•"/>
           </a:pPr>
           <a:r>
-            <a:rPr lang="de-DE" sz="1400" kern="1200" dirty="0"/>
+            <a:rPr lang="de-DE" sz="1500" kern="1200" dirty="0"/>
             <a:t>Tokenisierung mit max. Anzahl </a:t>
           </a:r>
           <a:r>
-            <a:rPr lang="de-DE" sz="1400" kern="1200" dirty="0">
+            <a:rPr lang="de-DE" sz="1500" kern="1200" dirty="0">
               <a:sym typeface="Wingdings" pitchFamily="2" charset="2"/>
             </a:rPr>
             <a:t> &lt;U&gt; Token</a:t>
           </a:r>
-          <a:endParaRPr lang="de-DE" sz="1400" kern="1200" dirty="0"/>
+          <a:endParaRPr lang="de-DE" sz="1500" kern="1200" dirty="0"/>
         </a:p>
       </dsp:txBody>
       <dsp:txXfrm rot="-5400000">
-        <a:off x="1026286" y="1365796"/>
-        <a:ext cx="3230655" cy="860390"/>
+        <a:off x="905315" y="1216848"/>
+        <a:ext cx="3799944" cy="758575"/>
       </dsp:txXfrm>
     </dsp:sp>
     <dsp:sp modelId="{15B5A412-1E1C-6C44-BDC0-0BA0260EA162}">
@@ -1819,8 +1968,8 @@
       </dsp:nvSpPr>
       <dsp:spPr>
         <a:xfrm rot="5400000">
-          <a:off x="-219918" y="2853211"/>
-          <a:ext cx="1466122" cy="1026285"/>
+          <a:off x="-193995" y="2541475"/>
+          <a:ext cx="1293306" cy="905314"/>
         </a:xfrm>
         <a:prstGeom prst="chevron">
           <a:avLst/>
@@ -1887,8 +2036,8 @@
         </a:p>
       </dsp:txBody>
       <dsp:txXfrm rot="-5400000">
-        <a:off x="1" y="3146436"/>
-        <a:ext cx="1026285" cy="439837"/>
+        <a:off x="1" y="2800136"/>
+        <a:ext cx="905314" cy="387992"/>
       </dsp:txXfrm>
     </dsp:sp>
     <dsp:sp modelId="{2BD0E6C1-B98E-174B-B936-E136A056BD43}">
@@ -1898,8 +2047,8 @@
       </dsp:nvSpPr>
       <dsp:spPr>
         <a:xfrm rot="5400000">
-          <a:off x="2188396" y="1471183"/>
-          <a:ext cx="952979" cy="3277200"/>
+          <a:off x="2405480" y="847313"/>
+          <a:ext cx="840649" cy="3840981"/>
         </a:xfrm>
         <a:prstGeom prst="round2SameRect">
           <a:avLst/>
@@ -1940,12 +2089,12 @@
         <a:fontRef idx="minor"/>
       </dsp:style>
       <dsp:txBody>
-        <a:bodyPr spcFirstLastPara="0" vert="horz" wrap="square" lIns="99568" tIns="8890" rIns="8890" bIns="8890" numCol="1" spcCol="1270" anchor="ctr" anchorCtr="0">
+        <a:bodyPr spcFirstLastPara="0" vert="horz" wrap="square" lIns="106680" tIns="9525" rIns="9525" bIns="9525" numCol="1" spcCol="1270" anchor="ctr" anchorCtr="0">
           <a:noAutofit/>
         </a:bodyPr>
         <a:lstStyle/>
         <a:p>
-          <a:pPr marL="114300" lvl="1" indent="-114300" algn="l" defTabSz="622300">
+          <a:pPr marL="114300" lvl="1" indent="-114300" algn="l" defTabSz="666750">
             <a:lnSpc>
               <a:spcPct val="90000"/>
             </a:lnSpc>
@@ -1958,14 +2107,14 @@
             <a:buChar char="•"/>
           </a:pPr>
           <a:r>
-            <a:rPr lang="de-DE" sz="1400" kern="1200" dirty="0"/>
+            <a:rPr lang="de-DE" sz="1500" kern="1200" dirty="0"/>
             <a:t>Padding auf einheitliche Länge von 12</a:t>
           </a:r>
         </a:p>
       </dsp:txBody>
       <dsp:txXfrm rot="-5400000">
-        <a:off x="1026286" y="2679815"/>
-        <a:ext cx="3230679" cy="859937"/>
+        <a:off x="905315" y="2388516"/>
+        <a:ext cx="3799944" cy="758575"/>
       </dsp:txXfrm>
     </dsp:sp>
     <dsp:sp modelId="{777B3AA9-A2D7-C84B-BDF9-ECD37207C068}">
@@ -1975,8 +2124,8 @@
       </dsp:nvSpPr>
       <dsp:spPr>
         <a:xfrm rot="5400000">
-          <a:off x="-219918" y="4167253"/>
-          <a:ext cx="1466122" cy="1026285"/>
+          <a:off x="-193995" y="3713143"/>
+          <a:ext cx="1293306" cy="905314"/>
         </a:xfrm>
         <a:prstGeom prst="chevron">
           <a:avLst/>
@@ -2043,8 +2192,8 @@
         </a:p>
       </dsp:txBody>
       <dsp:txXfrm rot="-5400000">
-        <a:off x="1" y="4460478"/>
-        <a:ext cx="1026285" cy="439837"/>
+        <a:off x="1" y="3971804"/>
+        <a:ext cx="905314" cy="387992"/>
       </dsp:txXfrm>
     </dsp:sp>
     <dsp:sp modelId="{A34514F7-3850-1349-B855-F8DD85A7BE38}">
@@ -2054,8 +2203,8 @@
       </dsp:nvSpPr>
       <dsp:spPr>
         <a:xfrm rot="5400000">
-          <a:off x="2188396" y="2785225"/>
-          <a:ext cx="952979" cy="3277200"/>
+          <a:off x="2405480" y="2018981"/>
+          <a:ext cx="840649" cy="3840981"/>
         </a:xfrm>
         <a:prstGeom prst="round2SameRect">
           <a:avLst/>
@@ -2096,12 +2245,12 @@
         <a:fontRef idx="minor"/>
       </dsp:style>
       <dsp:txBody>
-        <a:bodyPr spcFirstLastPara="0" vert="horz" wrap="square" lIns="99568" tIns="8890" rIns="8890" bIns="8890" numCol="1" spcCol="1270" anchor="ctr" anchorCtr="0">
+        <a:bodyPr spcFirstLastPara="0" vert="horz" wrap="square" lIns="106680" tIns="9525" rIns="9525" bIns="9525" numCol="1" spcCol="1270" anchor="ctr" anchorCtr="0">
           <a:noAutofit/>
         </a:bodyPr>
         <a:lstStyle/>
         <a:p>
-          <a:pPr marL="114300" lvl="1" indent="-114300" algn="l" defTabSz="622300">
+          <a:pPr marL="114300" lvl="1" indent="-114300" algn="l" defTabSz="666750">
             <a:lnSpc>
               <a:spcPct val="90000"/>
             </a:lnSpc>
@@ -2114,12 +2263,12 @@
             <a:buChar char="•"/>
           </a:pPr>
           <a:r>
-            <a:rPr lang="de-DE" sz="1400" kern="1200" dirty="0"/>
+            <a:rPr lang="de-DE" sz="1500" kern="1200" dirty="0"/>
             <a:t>Teilen in Test- und Validierungsdaten</a:t>
           </a:r>
         </a:p>
         <a:p>
-          <a:pPr marL="114300" lvl="1" indent="-114300" algn="l" defTabSz="622300">
+          <a:pPr marL="114300" lvl="1" indent="-114300" algn="l" defTabSz="666750">
             <a:lnSpc>
               <a:spcPct val="90000"/>
             </a:lnSpc>
@@ -2132,14 +2281,192 @@
             <a:buChar char="•"/>
           </a:pPr>
           <a:r>
-            <a:rPr lang="de-DE" sz="1400" kern="1200" dirty="0"/>
+            <a:rPr lang="de-DE" sz="1500" kern="1200" dirty="0"/>
             <a:t>Verhältnis von 80:20</a:t>
           </a:r>
         </a:p>
       </dsp:txBody>
       <dsp:txXfrm rot="-5400000">
-        <a:off x="1026286" y="3993857"/>
-        <a:ext cx="3230679" cy="859937"/>
+        <a:off x="905315" y="3560184"/>
+        <a:ext cx="3799944" cy="758575"/>
+      </dsp:txXfrm>
+    </dsp:sp>
+    <dsp:sp modelId="{41CDFF60-98AA-5948-942D-61EBF247901A}">
+      <dsp:nvSpPr>
+        <dsp:cNvPr id="0" name=""/>
+        <dsp:cNvSpPr/>
+      </dsp:nvSpPr>
+      <dsp:spPr>
+        <a:xfrm rot="5400000">
+          <a:off x="-193995" y="4884811"/>
+          <a:ext cx="1293306" cy="905314"/>
+        </a:xfrm>
+        <a:prstGeom prst="chevron">
+          <a:avLst/>
+        </a:prstGeom>
+        <a:solidFill>
+          <a:schemeClr val="accent1">
+            <a:hueOff val="0"/>
+            <a:satOff val="0"/>
+            <a:lumOff val="0"/>
+            <a:alphaOff val="0"/>
+          </a:schemeClr>
+        </a:solidFill>
+        <a:ln w="12700" cap="flat" cmpd="sng" algn="ctr">
+          <a:solidFill>
+            <a:schemeClr val="accent1">
+              <a:hueOff val="0"/>
+              <a:satOff val="0"/>
+              <a:lumOff val="0"/>
+              <a:alphaOff val="0"/>
+            </a:schemeClr>
+          </a:solidFill>
+          <a:prstDash val="solid"/>
+          <a:miter lim="800000"/>
+        </a:ln>
+        <a:effectLst/>
+      </dsp:spPr>
+      <dsp:style>
+        <a:lnRef idx="2">
+          <a:scrgbClr r="0" g="0" b="0"/>
+        </a:lnRef>
+        <a:fillRef idx="1">
+          <a:scrgbClr r="0" g="0" b="0"/>
+        </a:fillRef>
+        <a:effectRef idx="0">
+          <a:scrgbClr r="0" g="0" b="0"/>
+        </a:effectRef>
+        <a:fontRef idx="minor">
+          <a:schemeClr val="lt1"/>
+        </a:fontRef>
+      </dsp:style>
+      <dsp:txBody>
+        <a:bodyPr spcFirstLastPara="0" vert="horz" wrap="square" lIns="10160" tIns="10160" rIns="10160" bIns="10160" numCol="1" spcCol="1270" anchor="ctr" anchorCtr="0">
+          <a:noAutofit/>
+        </a:bodyPr>
+        <a:lstStyle/>
+        <a:p>
+          <a:pPr marL="0" lvl="0" indent="0" algn="ctr" defTabSz="711200">
+            <a:lnSpc>
+              <a:spcPct val="90000"/>
+            </a:lnSpc>
+            <a:spcBef>
+              <a:spcPct val="0"/>
+            </a:spcBef>
+            <a:spcAft>
+              <a:spcPct val="35000"/>
+            </a:spcAft>
+            <a:buNone/>
+          </a:pPr>
+          <a:r>
+            <a:rPr lang="de-DE" sz="1600" kern="1200" dirty="0"/>
+            <a:t>Decoder Output</a:t>
+          </a:r>
+          <a:endParaRPr lang="de-DE" sz="1800" kern="1200" dirty="0"/>
+        </a:p>
+      </dsp:txBody>
+      <dsp:txXfrm rot="-5400000">
+        <a:off x="1" y="5143472"/>
+        <a:ext cx="905314" cy="387992"/>
+      </dsp:txXfrm>
+    </dsp:sp>
+    <dsp:sp modelId="{3EFE30A2-5F9F-8B44-B4C8-88AB4D082D6E}">
+      <dsp:nvSpPr>
+        <dsp:cNvPr id="0" name=""/>
+        <dsp:cNvSpPr/>
+      </dsp:nvSpPr>
+      <dsp:spPr>
+        <a:xfrm rot="5400000">
+          <a:off x="2405480" y="3190649"/>
+          <a:ext cx="840649" cy="3840981"/>
+        </a:xfrm>
+        <a:prstGeom prst="round2SameRect">
+          <a:avLst/>
+        </a:prstGeom>
+        <a:solidFill>
+          <a:schemeClr val="lt1">
+            <a:alpha val="90000"/>
+            <a:hueOff val="0"/>
+            <a:satOff val="0"/>
+            <a:lumOff val="0"/>
+            <a:alphaOff val="0"/>
+          </a:schemeClr>
+        </a:solidFill>
+        <a:ln w="12700" cap="flat" cmpd="sng" algn="ctr">
+          <a:solidFill>
+            <a:schemeClr val="accent1">
+              <a:hueOff val="0"/>
+              <a:satOff val="0"/>
+              <a:lumOff val="0"/>
+              <a:alphaOff val="0"/>
+            </a:schemeClr>
+          </a:solidFill>
+          <a:prstDash val="solid"/>
+          <a:miter lim="800000"/>
+        </a:ln>
+        <a:effectLst/>
+      </dsp:spPr>
+      <dsp:style>
+        <a:lnRef idx="2">
+          <a:scrgbClr r="0" g="0" b="0"/>
+        </a:lnRef>
+        <a:fillRef idx="1">
+          <a:scrgbClr r="0" g="0" b="0"/>
+        </a:fillRef>
+        <a:effectRef idx="0">
+          <a:scrgbClr r="0" g="0" b="0"/>
+        </a:effectRef>
+        <a:fontRef idx="minor"/>
+      </dsp:style>
+      <dsp:txBody>
+        <a:bodyPr spcFirstLastPara="0" vert="horz" wrap="square" lIns="106680" tIns="9525" rIns="9525" bIns="9525" numCol="1" spcCol="1270" anchor="ctr" anchorCtr="0">
+          <a:noAutofit/>
+        </a:bodyPr>
+        <a:lstStyle/>
+        <a:p>
+          <a:pPr marL="114300" lvl="1" indent="-114300" algn="l" defTabSz="666750">
+            <a:lnSpc>
+              <a:spcPct val="90000"/>
+            </a:lnSpc>
+            <a:spcBef>
+              <a:spcPct val="0"/>
+            </a:spcBef>
+            <a:spcAft>
+              <a:spcPct val="15000"/>
+            </a:spcAft>
+            <a:buChar char="•"/>
+          </a:pPr>
+          <a:r>
+            <a:rPr lang="de-DE" sz="1500" kern="1200" dirty="0"/>
+            <a:t>Entfernen des Start-Tokens</a:t>
+          </a:r>
+        </a:p>
+        <a:p>
+          <a:pPr marL="114300" lvl="1" indent="-114300" algn="l" defTabSz="666750">
+            <a:lnSpc>
+              <a:spcPct val="90000"/>
+            </a:lnSpc>
+            <a:spcBef>
+              <a:spcPct val="0"/>
+            </a:spcBef>
+            <a:spcAft>
+              <a:spcPct val="15000"/>
+            </a:spcAft>
+            <a:buChar char="•"/>
+          </a:pPr>
+          <a:r>
+            <a:rPr lang="de-DE" sz="1500" kern="1200" dirty="0" err="1"/>
+            <a:t>One</a:t>
+          </a:r>
+          <a:r>
+            <a:rPr lang="de-DE" sz="1500" kern="1200" dirty="0"/>
+            <a:t>-Hot Codierung</a:t>
+          </a:r>
+        </a:p>
+      </dsp:txBody>
+      <dsp:txXfrm rot="-5400000">
+        <a:off x="905315" y="4731852"/>
+        <a:ext cx="3799944" cy="758575"/>
       </dsp:txXfrm>
     </dsp:sp>
   </dsp:spTree>
@@ -3583,7 +3910,7 @@
           <a:p>
             <a:fld id="{CDAA09F4-0734-7A45-B051-6480ABCF1C37}" type="datetimeFigureOut">
               <a:rPr lang="de-DE" smtClean="0"/>
-              <a:t>20.03.23</a:t>
+              <a:t>21.03.23</a:t>
             </a:fld>
             <a:endParaRPr lang="de-DE"/>
           </a:p>
@@ -3781,7 +4108,7 @@
           <a:p>
             <a:fld id="{CDAA09F4-0734-7A45-B051-6480ABCF1C37}" type="datetimeFigureOut">
               <a:rPr lang="de-DE" smtClean="0"/>
-              <a:t>20.03.23</a:t>
+              <a:t>21.03.23</a:t>
             </a:fld>
             <a:endParaRPr lang="de-DE"/>
           </a:p>
@@ -3989,7 +4316,7 @@
           <a:p>
             <a:fld id="{CDAA09F4-0734-7A45-B051-6480ABCF1C37}" type="datetimeFigureOut">
               <a:rPr lang="de-DE" smtClean="0"/>
-              <a:t>20.03.23</a:t>
+              <a:t>21.03.23</a:t>
             </a:fld>
             <a:endParaRPr lang="de-DE"/>
           </a:p>
@@ -4187,7 +4514,7 @@
           <a:p>
             <a:fld id="{CDAA09F4-0734-7A45-B051-6480ABCF1C37}" type="datetimeFigureOut">
               <a:rPr lang="de-DE" smtClean="0"/>
-              <a:t>20.03.23</a:t>
+              <a:t>21.03.23</a:t>
             </a:fld>
             <a:endParaRPr lang="de-DE"/>
           </a:p>
@@ -4462,7 +4789,7 @@
           <a:p>
             <a:fld id="{CDAA09F4-0734-7A45-B051-6480ABCF1C37}" type="datetimeFigureOut">
               <a:rPr lang="de-DE" smtClean="0"/>
-              <a:t>20.03.23</a:t>
+              <a:t>21.03.23</a:t>
             </a:fld>
             <a:endParaRPr lang="de-DE"/>
           </a:p>
@@ -4727,7 +5054,7 @@
           <a:p>
             <a:fld id="{CDAA09F4-0734-7A45-B051-6480ABCF1C37}" type="datetimeFigureOut">
               <a:rPr lang="de-DE" smtClean="0"/>
-              <a:t>20.03.23</a:t>
+              <a:t>21.03.23</a:t>
             </a:fld>
             <a:endParaRPr lang="de-DE"/>
           </a:p>
@@ -5139,7 +5466,7 @@
           <a:p>
             <a:fld id="{CDAA09F4-0734-7A45-B051-6480ABCF1C37}" type="datetimeFigureOut">
               <a:rPr lang="de-DE" smtClean="0"/>
-              <a:t>20.03.23</a:t>
+              <a:t>21.03.23</a:t>
             </a:fld>
             <a:endParaRPr lang="de-DE"/>
           </a:p>
@@ -5280,7 +5607,7 @@
           <a:p>
             <a:fld id="{CDAA09F4-0734-7A45-B051-6480ABCF1C37}" type="datetimeFigureOut">
               <a:rPr lang="de-DE" smtClean="0"/>
-              <a:t>20.03.23</a:t>
+              <a:t>21.03.23</a:t>
             </a:fld>
             <a:endParaRPr lang="de-DE"/>
           </a:p>
@@ -5393,7 +5720,7 @@
           <a:p>
             <a:fld id="{CDAA09F4-0734-7A45-B051-6480ABCF1C37}" type="datetimeFigureOut">
               <a:rPr lang="de-DE" smtClean="0"/>
-              <a:t>20.03.23</a:t>
+              <a:t>21.03.23</a:t>
             </a:fld>
             <a:endParaRPr lang="de-DE"/>
           </a:p>
@@ -5704,7 +6031,7 @@
           <a:p>
             <a:fld id="{CDAA09F4-0734-7A45-B051-6480ABCF1C37}" type="datetimeFigureOut">
               <a:rPr lang="de-DE" smtClean="0"/>
-              <a:t>20.03.23</a:t>
+              <a:t>21.03.23</a:t>
             </a:fld>
             <a:endParaRPr lang="de-DE"/>
           </a:p>
@@ -5992,7 +6319,7 @@
           <a:p>
             <a:fld id="{CDAA09F4-0734-7A45-B051-6480ABCF1C37}" type="datetimeFigureOut">
               <a:rPr lang="de-DE" smtClean="0"/>
-              <a:t>20.03.23</a:t>
+              <a:t>21.03.23</a:t>
             </a:fld>
             <a:endParaRPr lang="de-DE"/>
           </a:p>
@@ -6233,7 +6560,7 @@
           <a:p>
             <a:fld id="{CDAA09F4-0734-7A45-B051-6480ABCF1C37}" type="datetimeFigureOut">
               <a:rPr lang="de-DE" smtClean="0"/>
-              <a:t>20.03.23</a:t>
+              <a:t>21.03.23</a:t>
             </a:fld>
             <a:endParaRPr lang="de-DE"/>
           </a:p>
@@ -7767,86 +8094,173 @@
           <a:p>
             <a:pPr algn="r"/>
             <a:r>
-              <a:rPr lang="en-US" sz="3200" kern="1200" dirty="0" err="1">
+              <a:rPr lang="de-DE" sz="3100" dirty="0">
                 <a:solidFill>
                   <a:srgbClr val="FFFFFF"/>
                 </a:solidFill>
-                <a:latin typeface="+mj-lt"/>
-                <a:ea typeface="+mj-ea"/>
-                <a:cs typeface="+mj-cs"/>
               </a:rPr>
-              <a:t>Lernkurven</a:t>
+              <a:t>Hyperparameter &amp; Training</a:t>
             </a:r>
-            <a:endParaRPr lang="de-DE" sz="3100" dirty="0">
-              <a:solidFill>
-                <a:srgbClr val="FFFFFF"/>
-              </a:solidFill>
-            </a:endParaRPr>
           </a:p>
         </p:txBody>
       </p:sp>
-      <p:pic>
-        <p:nvPicPr>
-          <p:cNvPr id="5" name="Grafik 4" descr="Ein Bild, das Diagramm enthält.&#10;&#10;Automatisch generierte Beschreibung">
-            <a:extLst>
-              <a:ext uri="{FF2B5EF4-FFF2-40B4-BE49-F238E27FC236}">
-                <a16:creationId xmlns:a16="http://schemas.microsoft.com/office/drawing/2014/main" id="{0C768583-D64C-4A06-9C0A-C5FC4E1C1DE9}"/>
-              </a:ext>
-            </a:extLst>
-          </p:cNvPr>
-          <p:cNvPicPr>
-            <a:picLocks noChangeAspect="1"/>
-          </p:cNvPicPr>
+      <p:sp>
+        <p:nvSpPr>
+          <p:cNvPr id="2" name="Textfeld 1">
+            <a:extLst>
+              <a:ext uri="{FF2B5EF4-FFF2-40B4-BE49-F238E27FC236}">
+                <a16:creationId xmlns:a16="http://schemas.microsoft.com/office/drawing/2014/main" id="{D9962923-C452-23D7-0176-5161CE61F2F8}"/>
+              </a:ext>
+            </a:extLst>
+          </p:cNvPr>
+          <p:cNvSpPr txBox="1"/>
           <p:nvPr/>
-        </p:nvPicPr>
-        <p:blipFill rotWithShape="1">
-          <a:blip r:embed="rId2"/>
-          <a:srcRect l="2357" t="6274" r="6919" b="156"/>
-          <a:stretch/>
-        </p:blipFill>
+        </p:nvSpPr>
         <p:spPr>
           <a:xfrm>
-            <a:off x="6019063" y="199138"/>
-            <a:ext cx="4188643" cy="3240000"/>
+            <a:off x="4899991" y="1113183"/>
+            <a:ext cx="6778487" cy="3416320"/>
           </a:xfrm>
           <a:prstGeom prst="rect">
             <a:avLst/>
           </a:prstGeom>
+          <a:noFill/>
         </p:spPr>
-      </p:pic>
-      <p:pic>
-        <p:nvPicPr>
-          <p:cNvPr id="7" name="Grafik 6" descr="Ein Bild, das Diagramm enthält.&#10;&#10;Automatisch generierte Beschreibung">
-            <a:extLst>
-              <a:ext uri="{FF2B5EF4-FFF2-40B4-BE49-F238E27FC236}">
-                <a16:creationId xmlns:a16="http://schemas.microsoft.com/office/drawing/2014/main" id="{9FCAEF9B-3719-458F-A5C7-20F576C77BDC}"/>
-              </a:ext>
-            </a:extLst>
-          </p:cNvPr>
-          <p:cNvPicPr>
-            <a:picLocks noChangeAspect="1"/>
-          </p:cNvPicPr>
-          <p:nvPr/>
-        </p:nvPicPr>
-        <p:blipFill rotWithShape="1">
-          <a:blip r:embed="rId3"/>
-          <a:srcRect l="4022" t="6431" r="5256"/>
-          <a:stretch/>
-        </p:blipFill>
-        <p:spPr>
-          <a:xfrm>
-            <a:off x="6096000" y="3429000"/>
-            <a:ext cx="4188642" cy="3240000"/>
-          </a:xfrm>
-          <a:prstGeom prst="rect">
-            <a:avLst/>
-          </a:prstGeom>
-        </p:spPr>
-      </p:pic>
+        <p:txBody>
+          <a:bodyPr wrap="square" rtlCol="0">
+            <a:spAutoFit/>
+          </a:bodyPr>
+          <a:lstStyle/>
+          <a:p>
+            <a:r>
+              <a:rPr lang="de-DE" b="1" dirty="0"/>
+              <a:t>Hyperparameter:</a:t>
+            </a:r>
+          </a:p>
+          <a:p>
+            <a:pPr marL="285750" indent="-285750">
+              <a:buFont typeface="Arial" panose="020B0604020202020204" pitchFamily="34" charset="0"/>
+              <a:buChar char="•"/>
+            </a:pPr>
+            <a:r>
+              <a:rPr lang="de-DE" dirty="0" err="1"/>
+              <a:t>outputDimension</a:t>
+            </a:r>
+            <a:r>
+              <a:rPr lang="de-DE" dirty="0"/>
+              <a:t> = 50</a:t>
+            </a:r>
+          </a:p>
+          <a:p>
+            <a:pPr marL="285750" indent="-285750">
+              <a:buFont typeface="Arial" panose="020B0604020202020204" pitchFamily="34" charset="0"/>
+              <a:buChar char="•"/>
+            </a:pPr>
+            <a:r>
+              <a:rPr lang="de-DE" dirty="0" err="1"/>
+              <a:t>lstm_units</a:t>
+            </a:r>
+            <a:r>
+              <a:rPr lang="de-DE" dirty="0"/>
+              <a:t> = 400</a:t>
+            </a:r>
+          </a:p>
+          <a:p>
+            <a:endParaRPr lang="de-DE" dirty="0"/>
+          </a:p>
+          <a:p>
+            <a:endParaRPr lang="de-DE" dirty="0"/>
+          </a:p>
+          <a:p>
+            <a:r>
+              <a:rPr lang="de-DE" b="1" dirty="0"/>
+              <a:t>Training:</a:t>
+            </a:r>
+          </a:p>
+          <a:p>
+            <a:pPr marL="285750" indent="-285750">
+              <a:buFont typeface="Arial" panose="020B0604020202020204" pitchFamily="34" charset="0"/>
+              <a:buChar char="•"/>
+            </a:pPr>
+            <a:r>
+              <a:rPr lang="de-DE" dirty="0"/>
+              <a:t>Erstellung eines Basis-Modells</a:t>
+            </a:r>
+          </a:p>
+          <a:p>
+            <a:pPr marL="285750" indent="-285750">
+              <a:buFont typeface="Arial" panose="020B0604020202020204" pitchFamily="34" charset="0"/>
+              <a:buChar char="•"/>
+            </a:pPr>
+            <a:r>
+              <a:rPr lang="de-DE" dirty="0"/>
+              <a:t>Genre </a:t>
+            </a:r>
+            <a:r>
+              <a:rPr lang="de-DE" dirty="0" err="1"/>
+              <a:t>Spezifikaiton</a:t>
+            </a:r>
+            <a:r>
+              <a:rPr lang="de-DE" dirty="0"/>
+              <a:t> „on top“</a:t>
+            </a:r>
+          </a:p>
+          <a:p>
+            <a:pPr marL="285750" indent="-285750">
+              <a:buFont typeface="Arial" panose="020B0604020202020204" pitchFamily="34" charset="0"/>
+              <a:buChar char="•"/>
+            </a:pPr>
+            <a:r>
+              <a:rPr lang="de-DE" dirty="0"/>
+              <a:t>Early </a:t>
+            </a:r>
+            <a:r>
+              <a:rPr lang="de-DE" dirty="0" err="1"/>
+              <a:t>Stopping</a:t>
+            </a:r>
+            <a:r>
+              <a:rPr lang="de-DE" dirty="0"/>
+              <a:t> als Callback</a:t>
+            </a:r>
+          </a:p>
+          <a:p>
+            <a:pPr marL="285750" indent="-285750">
+              <a:buFont typeface="Arial" panose="020B0604020202020204" pitchFamily="34" charset="0"/>
+              <a:buChar char="•"/>
+            </a:pPr>
+            <a:r>
+              <a:rPr lang="de-DE" dirty="0"/>
+              <a:t>Trainingszeit: ca. </a:t>
+            </a:r>
+            <a:r>
+              <a:rPr lang="de-DE"/>
+              <a:t>5 Stunden</a:t>
+            </a:r>
+            <a:endParaRPr lang="de-DE" dirty="0"/>
+          </a:p>
+          <a:p>
+            <a:pPr marL="285750" indent="-285750">
+              <a:buFont typeface="Arial" panose="020B0604020202020204" pitchFamily="34" charset="0"/>
+              <a:buChar char="•"/>
+            </a:pPr>
+            <a:r>
+              <a:rPr lang="de-DE" dirty="0"/>
+              <a:t>96MB groß </a:t>
+            </a:r>
+          </a:p>
+          <a:p>
+            <a:pPr marL="285750" indent="-285750">
+              <a:buFont typeface="Arial" panose="020B0604020202020204" pitchFamily="34" charset="0"/>
+              <a:buChar char="•"/>
+            </a:pPr>
+            <a:endParaRPr lang="de-DE" dirty="0"/>
+          </a:p>
+        </p:txBody>
+      </p:sp>
     </p:spTree>
     <p:extLst>
       <p:ext uri="{BB962C8B-B14F-4D97-AF65-F5344CB8AC3E}">
-        <p14:creationId xmlns:p14="http://schemas.microsoft.com/office/powerpoint/2010/main" val="28215606"/>
+        <p14:creationId xmlns:p14="http://schemas.microsoft.com/office/powerpoint/2010/main" val="2906719369"/>
       </p:ext>
     </p:extLst>
   </p:cSld>
@@ -8533,7 +8947,7 @@
           <a:p>
             <a:pPr algn="r"/>
             <a:r>
-              <a:rPr lang="en-US" sz="3200" kern="1200" dirty="0">
+              <a:rPr lang="en-US" sz="3200" kern="1200" dirty="0" err="1">
                 <a:solidFill>
                   <a:srgbClr val="FFFFFF"/>
                 </a:solidFill>
@@ -8541,15 +8955,7 @@
                 <a:ea typeface="+mj-ea"/>
                 <a:cs typeface="+mj-cs"/>
               </a:rPr>
-              <a:t>Attentio</a:t>
-            </a:r>
-            <a:r>
-              <a:rPr lang="en-US" sz="3200" dirty="0">
-                <a:solidFill>
-                  <a:srgbClr val="FFFFFF"/>
-                </a:solidFill>
-              </a:rPr>
-              <a:t>n Layer</a:t>
+              <a:t>Lernkurven</a:t>
             </a:r>
             <a:endParaRPr lang="de-DE" sz="3100" dirty="0">
               <a:solidFill>
@@ -8561,10 +8967,10 @@
       </p:sp>
       <p:pic>
         <p:nvPicPr>
-          <p:cNvPr id="4" name="Grafik 3" descr="Ein Bild, das Diagramm enthält.&#10;&#10;Automatisch generierte Beschreibung">
-            <a:extLst>
-              <a:ext uri="{FF2B5EF4-FFF2-40B4-BE49-F238E27FC236}">
-                <a16:creationId xmlns:a16="http://schemas.microsoft.com/office/drawing/2014/main" id="{267738C0-2013-C5B7-B19E-025AF3CECE62}"/>
+          <p:cNvPr id="5" name="Grafik 4" descr="Ein Bild, das Diagramm enthält.&#10;&#10;Automatisch generierte Beschreibung">
+            <a:extLst>
+              <a:ext uri="{FF2B5EF4-FFF2-40B4-BE49-F238E27FC236}">
+                <a16:creationId xmlns:a16="http://schemas.microsoft.com/office/drawing/2014/main" id="{0C768583-D64C-4A06-9C0A-C5FC4E1C1DE9}"/>
               </a:ext>
             </a:extLst>
           </p:cNvPr>
@@ -8573,16 +8979,44 @@
           </p:cNvPicPr>
           <p:nvPr/>
         </p:nvPicPr>
-        <p:blipFill>
+        <p:blipFill rotWithShape="1">
           <a:blip r:embed="rId2"/>
-          <a:stretch>
-            <a:fillRect/>
-          </a:stretch>
+          <a:srcRect l="2357" t="6274" r="6919" b="156"/>
+          <a:stretch/>
         </p:blipFill>
         <p:spPr>
           <a:xfrm>
-            <a:off x="4795791" y="586855"/>
-            <a:ext cx="6716754" cy="5500274"/>
+            <a:off x="6019063" y="199138"/>
+            <a:ext cx="4188643" cy="3240000"/>
+          </a:xfrm>
+          <a:prstGeom prst="rect">
+            <a:avLst/>
+          </a:prstGeom>
+        </p:spPr>
+      </p:pic>
+      <p:pic>
+        <p:nvPicPr>
+          <p:cNvPr id="7" name="Grafik 6" descr="Ein Bild, das Diagramm enthält.&#10;&#10;Automatisch generierte Beschreibung">
+            <a:extLst>
+              <a:ext uri="{FF2B5EF4-FFF2-40B4-BE49-F238E27FC236}">
+                <a16:creationId xmlns:a16="http://schemas.microsoft.com/office/drawing/2014/main" id="{9FCAEF9B-3719-458F-A5C7-20F576C77BDC}"/>
+              </a:ext>
+            </a:extLst>
+          </p:cNvPr>
+          <p:cNvPicPr>
+            <a:picLocks noChangeAspect="1"/>
+          </p:cNvPicPr>
+          <p:nvPr/>
+        </p:nvPicPr>
+        <p:blipFill rotWithShape="1">
+          <a:blip r:embed="rId3"/>
+          <a:srcRect l="4022" t="6431" r="5256"/>
+          <a:stretch/>
+        </p:blipFill>
+        <p:spPr>
+          <a:xfrm>
+            <a:off x="6096000" y="3429000"/>
+            <a:ext cx="4188642" cy="3240000"/>
           </a:xfrm>
           <a:prstGeom prst="rect">
             <a:avLst/>
@@ -8592,7 +9026,7 @@
     </p:spTree>
     <p:extLst>
       <p:ext uri="{BB962C8B-B14F-4D97-AF65-F5344CB8AC3E}">
-        <p14:creationId xmlns:p14="http://schemas.microsoft.com/office/powerpoint/2010/main" val="770821901"/>
+        <p14:creationId xmlns:p14="http://schemas.microsoft.com/office/powerpoint/2010/main" val="28215606"/>
       </p:ext>
     </p:extLst>
   </p:cSld>
@@ -9279,12 +9713,23 @@
           <a:p>
             <a:pPr algn="r"/>
             <a:r>
-              <a:rPr lang="en-US" sz="3200" dirty="0" err="1">
+              <a:rPr lang="en-US" sz="3200" kern="1200" dirty="0">
+                <a:solidFill>
+                  <a:srgbClr val="FFFFFF"/>
+                </a:solidFill>
+                <a:latin typeface="+mj-lt"/>
+                <a:ea typeface="+mj-ea"/>
+                <a:cs typeface="+mj-cs"/>
+              </a:rPr>
+              <a:t>Attentio</a:t>
+            </a:r>
+            <a:r>
+              <a:rPr lang="en-US" sz="3200" dirty="0">
                 <a:solidFill>
                   <a:srgbClr val="FFFFFF"/>
                 </a:solidFill>
               </a:rPr>
-              <a:t>Ausblick</a:t>
+              <a:t>n Layer</a:t>
             </a:r>
             <a:endParaRPr lang="de-DE" sz="3100" dirty="0">
               <a:solidFill>
@@ -9294,77 +9739,40 @@
           </a:p>
         </p:txBody>
       </p:sp>
-      <p:sp>
-        <p:nvSpPr>
-          <p:cNvPr id="3" name="Textfeld 2">
-            <a:extLst>
-              <a:ext uri="{FF2B5EF4-FFF2-40B4-BE49-F238E27FC236}">
-                <a16:creationId xmlns:a16="http://schemas.microsoft.com/office/drawing/2014/main" id="{8ABE6ABB-4B80-8EA7-CDA7-76E1DC9A7083}"/>
-              </a:ext>
-            </a:extLst>
-          </p:cNvPr>
-          <p:cNvSpPr txBox="1"/>
+      <p:pic>
+        <p:nvPicPr>
+          <p:cNvPr id="4" name="Grafik 3" descr="Ein Bild, das Diagramm enthält.&#10;&#10;Automatisch generierte Beschreibung">
+            <a:extLst>
+              <a:ext uri="{FF2B5EF4-FFF2-40B4-BE49-F238E27FC236}">
+                <a16:creationId xmlns:a16="http://schemas.microsoft.com/office/drawing/2014/main" id="{267738C0-2013-C5B7-B19E-025AF3CECE62}"/>
+              </a:ext>
+            </a:extLst>
+          </p:cNvPr>
+          <p:cNvPicPr>
+            <a:picLocks noChangeAspect="1"/>
+          </p:cNvPicPr>
           <p:nvPr/>
-        </p:nvSpPr>
+        </p:nvPicPr>
+        <p:blipFill>
+          <a:blip r:embed="rId2"/>
+          <a:stretch>
+            <a:fillRect/>
+          </a:stretch>
+        </p:blipFill>
         <p:spPr>
           <a:xfrm>
-            <a:off x="4582701" y="2603252"/>
-            <a:ext cx="6787661" cy="1631216"/>
+            <a:off x="4795791" y="586855"/>
+            <a:ext cx="6716754" cy="5500274"/>
           </a:xfrm>
           <a:prstGeom prst="rect">
             <a:avLst/>
           </a:prstGeom>
-          <a:noFill/>
         </p:spPr>
-        <p:txBody>
-          <a:bodyPr wrap="square" rtlCol="0">
-            <a:spAutoFit/>
-          </a:bodyPr>
-          <a:lstStyle/>
-          <a:p>
-            <a:pPr marL="285750" indent="-285750">
-              <a:buFont typeface="Arial" panose="020B0604020202020204" pitchFamily="34" charset="0"/>
-              <a:buChar char="•"/>
-            </a:pPr>
-            <a:r>
-              <a:rPr lang="de-DE" sz="2000" dirty="0"/>
-              <a:t>Einbinden des Attention-</a:t>
-            </a:r>
-            <a:r>
-              <a:rPr lang="de-DE" sz="2000" dirty="0" err="1"/>
-              <a:t>Layers</a:t>
-            </a:r>
-            <a:r>
-              <a:rPr lang="de-DE" sz="2000" dirty="0"/>
-              <a:t> und optimieren der Hyperparameter</a:t>
-            </a:r>
-          </a:p>
-          <a:p>
-            <a:pPr marL="285750" indent="-285750">
-              <a:buFont typeface="Arial" panose="020B0604020202020204" pitchFamily="34" charset="0"/>
-              <a:buChar char="•"/>
-            </a:pPr>
-            <a:r>
-              <a:rPr lang="de-DE" sz="2000" dirty="0"/>
-              <a:t>Mehr Trainingsdaten und längere Sätze</a:t>
-            </a:r>
-          </a:p>
-          <a:p>
-            <a:pPr marL="285750" indent="-285750">
-              <a:buFont typeface="Arial" panose="020B0604020202020204" pitchFamily="34" charset="0"/>
-              <a:buChar char="•"/>
-            </a:pPr>
-            <a:r>
-              <a:rPr lang="de-DE" sz="2000" dirty="0"/>
-              <a:t>Erstellen eines Modells zur Feststellung in welchem Genre geantwortet werden soll</a:t>
-            </a:r>
-          </a:p>
-        </p:txBody>
-      </p:sp>
+      </p:pic>
     </p:spTree>
     <p:extLst>
       <p:ext uri="{BB962C8B-B14F-4D97-AF65-F5344CB8AC3E}">
-        <p14:creationId xmlns:p14="http://schemas.microsoft.com/office/powerpoint/2010/main" val="2548991735"/>
+        <p14:creationId xmlns:p14="http://schemas.microsoft.com/office/powerpoint/2010/main" val="770821901"/>
       </p:ext>
     </p:extLst>
   </p:cSld>
@@ -9375,1278 +9783,6 @@
 </file>
 
 <file path=ppt/slides/slide13.xml><?xml version="1.0" encoding="utf-8"?>
-<p:sld xmlns:a="http://schemas.openxmlformats.org/drawingml/2006/main" xmlns:r="http://schemas.openxmlformats.org/officeDocument/2006/relationships" xmlns:p="http://schemas.openxmlformats.org/presentationml/2006/main">
-  <p:cSld>
-    <p:bg>
-      <p:bgPr>
-        <a:solidFill>
-          <a:schemeClr val="bg1"/>
-        </a:solidFill>
-        <a:effectLst/>
-      </p:bgPr>
-    </p:bg>
-    <p:spTree>
-      <p:nvGrpSpPr>
-        <p:cNvPr id="1" name=""/>
-        <p:cNvGrpSpPr/>
-        <p:nvPr/>
-      </p:nvGrpSpPr>
-      <p:grpSpPr>
-        <a:xfrm>
-          <a:off x="0" y="0"/>
-          <a:ext cx="0" cy="0"/>
-          <a:chOff x="0" y="0"/>
-          <a:chExt cx="0" cy="0"/>
-        </a:xfrm>
-      </p:grpSpPr>
-      <p:sp useBgFill="1">
-        <p:nvSpPr>
-          <p:cNvPr id="28" name="Rectangle 27">
-            <a:extLst>
-              <a:ext uri="{FF2B5EF4-FFF2-40B4-BE49-F238E27FC236}">
-                <a16:creationId xmlns:a16="http://schemas.microsoft.com/office/drawing/2014/main" id="{A8384FB5-9ADC-4DDC-881B-597D56F5B15D}"/>
-              </a:ext>
-              <a:ext uri="{C183D7F6-B498-43B3-948B-1728B52AA6E4}">
-                <adec:decorative xmlns:adec="http://schemas.microsoft.com/office/drawing/2017/decorative" val="1"/>
-              </a:ext>
-            </a:extLst>
-          </p:cNvPr>
-          <p:cNvSpPr>
-            <a:spLocks noGrp="1" noRot="1" noChangeAspect="1" noMove="1" noResize="1" noEditPoints="1" noAdjustHandles="1" noChangeArrowheads="1" noChangeShapeType="1" noTextEdit="1"/>
-          </p:cNvSpPr>
-          <p:nvPr>
-            <p:extLst>
-              <p:ext uri="{386F3935-93C4-4BCD-93E2-E3B085C9AB24}">
-                <p16:designElem xmlns:p16="http://schemas.microsoft.com/office/powerpoint/2015/main" val="1"/>
-              </p:ext>
-            </p:extLst>
-          </p:nvPr>
-        </p:nvSpPr>
-        <p:spPr>
-          <a:xfrm>
-            <a:off x="0" y="0"/>
-            <a:ext cx="12192000" cy="6858000"/>
-          </a:xfrm>
-          <a:prstGeom prst="rect">
-            <a:avLst/>
-          </a:prstGeom>
-          <a:ln w="12700" cap="flat" cmpd="sng" algn="ctr">
-            <a:noFill/>
-            <a:prstDash val="solid"/>
-            <a:miter lim="800000"/>
-          </a:ln>
-          <a:effectLst/>
-          <a:extLst>
-            <a:ext uri="{91240B29-F687-4F45-9708-019B960494DF}">
-              <a14:hiddenLine xmlns:a14="http://schemas.microsoft.com/office/drawing/2010/main" w="12700" cap="flat" cmpd="sng" algn="ctr">
-                <a:solidFill>
-                  <a:schemeClr val="accent1">
-                    <a:shade val="50000"/>
-                  </a:schemeClr>
-                </a:solidFill>
-                <a:prstDash val="solid"/>
-                <a:miter lim="800000"/>
-              </a14:hiddenLine>
-            </a:ext>
-          </a:extLst>
-        </p:spPr>
-        <p:style>
-          <a:lnRef idx="2">
-            <a:schemeClr val="accent1">
-              <a:shade val="50000"/>
-            </a:schemeClr>
-          </a:lnRef>
-          <a:fillRef idx="1">
-            <a:schemeClr val="accent1"/>
-          </a:fillRef>
-          <a:effectRef idx="0">
-            <a:schemeClr val="accent1"/>
-          </a:effectRef>
-          <a:fontRef idx="minor">
-            <a:schemeClr val="lt1"/>
-          </a:fontRef>
-        </p:style>
-        <p:txBody>
-          <a:bodyPr rtlCol="0" anchor="ctr"/>
-          <a:lstStyle/>
-          <a:p>
-            <a:pPr algn="ctr"/>
-            <a:endParaRPr lang="en-US"/>
-          </a:p>
-        </p:txBody>
-      </p:sp>
-      <p:sp>
-        <p:nvSpPr>
-          <p:cNvPr id="30" name="Rectangle 29">
-            <a:extLst>
-              <a:ext uri="{FF2B5EF4-FFF2-40B4-BE49-F238E27FC236}">
-                <a16:creationId xmlns:a16="http://schemas.microsoft.com/office/drawing/2014/main" id="{1199E1B1-A8C0-4FE8-A5A8-1CB41D69F857}"/>
-              </a:ext>
-              <a:ext uri="{C183D7F6-B498-43B3-948B-1728B52AA6E4}">
-                <adec:decorative xmlns:adec="http://schemas.microsoft.com/office/drawing/2017/decorative" val="1"/>
-              </a:ext>
-            </a:extLst>
-          </p:cNvPr>
-          <p:cNvSpPr>
-            <a:spLocks noGrp="1" noRot="1" noChangeAspect="1" noMove="1" noResize="1" noEditPoints="1" noAdjustHandles="1" noChangeArrowheads="1" noChangeShapeType="1" noTextEdit="1"/>
-          </p:cNvSpPr>
-          <p:nvPr>
-            <p:extLst>
-              <p:ext uri="{386F3935-93C4-4BCD-93E2-E3B085C9AB24}">
-                <p16:designElem xmlns:p16="http://schemas.microsoft.com/office/powerpoint/2015/main" val="1"/>
-              </p:ext>
-            </p:extLst>
-          </p:nvPr>
-        </p:nvSpPr>
-        <p:spPr>
-          <a:xfrm rot="10800000" flipH="1">
-            <a:off x="2" y="0"/>
-            <a:ext cx="12191998" cy="1575955"/>
-          </a:xfrm>
-          <a:prstGeom prst="rect">
-            <a:avLst/>
-          </a:prstGeom>
-          <a:gradFill>
-            <a:gsLst>
-              <a:gs pos="0">
-                <a:srgbClr val="000000">
-                  <a:alpha val="96000"/>
-                </a:srgbClr>
-              </a:gs>
-              <a:gs pos="100000">
-                <a:schemeClr val="accent1">
-                  <a:lumMod val="75000"/>
-                </a:schemeClr>
-              </a:gs>
-            </a:gsLst>
-            <a:lin ang="6000000" scaled="0"/>
-          </a:gradFill>
-          <a:ln>
-            <a:noFill/>
-          </a:ln>
-        </p:spPr>
-        <p:style>
-          <a:lnRef idx="2">
-            <a:schemeClr val="accent1">
-              <a:shade val="50000"/>
-            </a:schemeClr>
-          </a:lnRef>
-          <a:fillRef idx="1">
-            <a:schemeClr val="accent1"/>
-          </a:fillRef>
-          <a:effectRef idx="0">
-            <a:schemeClr val="accent1"/>
-          </a:effectRef>
-          <a:fontRef idx="minor">
-            <a:schemeClr val="lt1"/>
-          </a:fontRef>
-        </p:style>
-        <p:txBody>
-          <a:bodyPr rtlCol="0" anchor="ctr"/>
-          <a:lstStyle/>
-          <a:p>
-            <a:pPr algn="ctr"/>
-            <a:endParaRPr lang="en-US"/>
-          </a:p>
-        </p:txBody>
-      </p:sp>
-      <p:sp>
-        <p:nvSpPr>
-          <p:cNvPr id="32" name="Rectangle 31">
-            <a:extLst>
-              <a:ext uri="{FF2B5EF4-FFF2-40B4-BE49-F238E27FC236}">
-                <a16:creationId xmlns:a16="http://schemas.microsoft.com/office/drawing/2014/main" id="{84A8DE83-DE75-4B41-9DB4-A7EC0B0DEC0B}"/>
-              </a:ext>
-              <a:ext uri="{C183D7F6-B498-43B3-948B-1728B52AA6E4}">
-                <adec:decorative xmlns:adec="http://schemas.microsoft.com/office/drawing/2017/decorative" val="1"/>
-              </a:ext>
-            </a:extLst>
-          </p:cNvPr>
-          <p:cNvSpPr>
-            <a:spLocks noGrp="1" noRot="1" noChangeAspect="1" noMove="1" noResize="1" noEditPoints="1" noAdjustHandles="1" noChangeArrowheads="1" noChangeShapeType="1" noTextEdit="1"/>
-          </p:cNvSpPr>
-          <p:nvPr>
-            <p:extLst>
-              <p:ext uri="{386F3935-93C4-4BCD-93E2-E3B085C9AB24}">
-                <p16:designElem xmlns:p16="http://schemas.microsoft.com/office/powerpoint/2015/main" val="1"/>
-              </p:ext>
-            </p:extLst>
-          </p:nvPr>
-        </p:nvSpPr>
-        <p:spPr>
-          <a:xfrm>
-            <a:off x="0" y="0"/>
-            <a:ext cx="8128856" cy="1575461"/>
-          </a:xfrm>
-          <a:prstGeom prst="rect">
-            <a:avLst/>
-          </a:prstGeom>
-          <a:gradFill>
-            <a:gsLst>
-              <a:gs pos="0">
-                <a:schemeClr val="accent1">
-                  <a:alpha val="41000"/>
-                </a:schemeClr>
-              </a:gs>
-              <a:gs pos="74000">
-                <a:schemeClr val="accent1">
-                  <a:lumMod val="60000"/>
-                  <a:lumOff val="40000"/>
-                  <a:alpha val="0"/>
-                </a:schemeClr>
-              </a:gs>
-            </a:gsLst>
-            <a:lin ang="8400000" scaled="0"/>
-          </a:gradFill>
-          <a:ln>
-            <a:noFill/>
-          </a:ln>
-        </p:spPr>
-        <p:style>
-          <a:lnRef idx="2">
-            <a:schemeClr val="accent1">
-              <a:shade val="50000"/>
-            </a:schemeClr>
-          </a:lnRef>
-          <a:fillRef idx="1">
-            <a:schemeClr val="accent1"/>
-          </a:fillRef>
-          <a:effectRef idx="0">
-            <a:schemeClr val="accent1"/>
-          </a:effectRef>
-          <a:fontRef idx="minor">
-            <a:schemeClr val="lt1"/>
-          </a:fontRef>
-        </p:style>
-        <p:txBody>
-          <a:bodyPr rtlCol="0" anchor="ctr"/>
-          <a:lstStyle/>
-          <a:p>
-            <a:pPr algn="ctr"/>
-            <a:endParaRPr lang="en-US"/>
-          </a:p>
-        </p:txBody>
-      </p:sp>
-      <p:sp>
-        <p:nvSpPr>
-          <p:cNvPr id="34" name="Rectangle 33">
-            <a:extLst>
-              <a:ext uri="{FF2B5EF4-FFF2-40B4-BE49-F238E27FC236}">
-                <a16:creationId xmlns:a16="http://schemas.microsoft.com/office/drawing/2014/main" id="{A7009A0A-BEF5-4EAC-AF15-E4F9F002E239}"/>
-              </a:ext>
-              <a:ext uri="{C183D7F6-B498-43B3-948B-1728B52AA6E4}">
-                <adec:decorative xmlns:adec="http://schemas.microsoft.com/office/drawing/2017/decorative" val="1"/>
-              </a:ext>
-            </a:extLst>
-          </p:cNvPr>
-          <p:cNvSpPr>
-            <a:spLocks noGrp="1" noRot="1" noChangeAspect="1" noMove="1" noResize="1" noEditPoints="1" noAdjustHandles="1" noChangeArrowheads="1" noChangeShapeType="1" noTextEdit="1"/>
-          </p:cNvSpPr>
-          <p:nvPr>
-            <p:extLst>
-              <p:ext uri="{386F3935-93C4-4BCD-93E2-E3B085C9AB24}">
-                <p16:designElem xmlns:p16="http://schemas.microsoft.com/office/powerpoint/2015/main" val="1"/>
-              </p:ext>
-            </p:extLst>
-          </p:nvPr>
-        </p:nvSpPr>
-        <p:spPr>
-          <a:xfrm flipH="1">
-            <a:off x="-3" y="-1"/>
-            <a:ext cx="12192002" cy="1574311"/>
-          </a:xfrm>
-          <a:prstGeom prst="rect">
-            <a:avLst/>
-          </a:prstGeom>
-          <a:gradFill>
-            <a:gsLst>
-              <a:gs pos="0">
-                <a:srgbClr val="000000">
-                  <a:alpha val="63000"/>
-                </a:srgbClr>
-              </a:gs>
-              <a:gs pos="78000">
-                <a:schemeClr val="accent1">
-                  <a:alpha val="15000"/>
-                </a:schemeClr>
-              </a:gs>
-            </a:gsLst>
-            <a:lin ang="15600000" scaled="0"/>
-          </a:gradFill>
-          <a:ln>
-            <a:noFill/>
-          </a:ln>
-        </p:spPr>
-        <p:style>
-          <a:lnRef idx="2">
-            <a:schemeClr val="accent1">
-              <a:shade val="50000"/>
-            </a:schemeClr>
-          </a:lnRef>
-          <a:fillRef idx="1">
-            <a:schemeClr val="accent1"/>
-          </a:fillRef>
-          <a:effectRef idx="0">
-            <a:schemeClr val="accent1"/>
-          </a:effectRef>
-          <a:fontRef idx="minor">
-            <a:schemeClr val="lt1"/>
-          </a:fontRef>
-        </p:style>
-        <p:txBody>
-          <a:bodyPr rtlCol="0" anchor="ctr"/>
-          <a:lstStyle/>
-          <a:p>
-            <a:pPr algn="ctr"/>
-            <a:endParaRPr lang="en-US"/>
-          </a:p>
-        </p:txBody>
-      </p:sp>
-      <p:sp>
-        <p:nvSpPr>
-          <p:cNvPr id="23" name="Titel 1">
-            <a:extLst>
-              <a:ext uri="{FF2B5EF4-FFF2-40B4-BE49-F238E27FC236}">
-                <a16:creationId xmlns:a16="http://schemas.microsoft.com/office/drawing/2014/main" id="{863F3A40-CA48-AE6D-EF44-DC2804EF6823}"/>
-              </a:ext>
-            </a:extLst>
-          </p:cNvPr>
-          <p:cNvSpPr>
-            <a:spLocks noGrp="1"/>
-          </p:cNvSpPr>
-          <p:nvPr>
-            <p:ph type="title"/>
-          </p:nvPr>
-        </p:nvSpPr>
-        <p:spPr>
-          <a:xfrm>
-            <a:off x="699713" y="248038"/>
-            <a:ext cx="7063721" cy="1159200"/>
-          </a:xfrm>
-        </p:spPr>
-        <p:txBody>
-          <a:bodyPr vert="horz" lIns="91440" tIns="45720" rIns="91440" bIns="45720" rtlCol="0" anchor="ctr">
-            <a:normAutofit/>
-          </a:bodyPr>
-          <a:lstStyle/>
-          <a:p>
-            <a:r>
-              <a:rPr lang="en-US" sz="4000" kern="1200" dirty="0" err="1">
-                <a:solidFill>
-                  <a:srgbClr val="FFFFFF"/>
-                </a:solidFill>
-                <a:latin typeface="+mj-lt"/>
-                <a:ea typeface="+mj-ea"/>
-                <a:cs typeface="+mj-cs"/>
-              </a:rPr>
-              <a:t>Übersicht</a:t>
-            </a:r>
-            <a:endParaRPr lang="en-US" sz="4000" kern="1200" dirty="0">
-              <a:solidFill>
-                <a:srgbClr val="FFFFFF"/>
-              </a:solidFill>
-              <a:latin typeface="+mj-lt"/>
-              <a:ea typeface="+mj-ea"/>
-              <a:cs typeface="+mj-cs"/>
-            </a:endParaRPr>
-          </a:p>
-        </p:txBody>
-      </p:sp>
-      <p:graphicFrame>
-        <p:nvGraphicFramePr>
-          <p:cNvPr id="3" name="Tabelle 3">
-            <a:extLst>
-              <a:ext uri="{FF2B5EF4-FFF2-40B4-BE49-F238E27FC236}">
-                <a16:creationId xmlns:a16="http://schemas.microsoft.com/office/drawing/2014/main" id="{C5090319-5FAB-6DD2-4F1A-C34F3FFCA348}"/>
-              </a:ext>
-            </a:extLst>
-          </p:cNvPr>
-          <p:cNvGraphicFramePr>
-            <a:graphicFrameLocks noGrp="1"/>
-          </p:cNvGraphicFramePr>
-          <p:nvPr>
-            <p:extLst>
-              <p:ext uri="{D42A27DB-BD31-4B8C-83A1-F6EECF244321}">
-                <p14:modId xmlns:p14="http://schemas.microsoft.com/office/powerpoint/2010/main" val="4234951720"/>
-              </p:ext>
-            </p:extLst>
-          </p:nvPr>
-        </p:nvGraphicFramePr>
-        <p:xfrm>
-          <a:off x="2031998" y="2627979"/>
-          <a:ext cx="8128000" cy="3307080"/>
-        </p:xfrm>
-        <a:graphic>
-          <a:graphicData uri="http://schemas.openxmlformats.org/drawingml/2006/table">
-            <a:tbl>
-              <a:tblPr firstRow="1" bandRow="1">
-                <a:tableStyleId>{5C22544A-7EE6-4342-B048-85BDC9FD1C3A}</a:tableStyleId>
-              </a:tblPr>
-              <a:tblGrid>
-                <a:gridCol w="2032000">
-                  <a:extLst>
-                    <a:ext uri="{9D8B030D-6E8A-4147-A177-3AD203B41FA5}">
-                      <a16:colId xmlns:a16="http://schemas.microsoft.com/office/drawing/2014/main" val="970905035"/>
-                    </a:ext>
-                  </a:extLst>
-                </a:gridCol>
-                <a:gridCol w="2032000">
-                  <a:extLst>
-                    <a:ext uri="{9D8B030D-6E8A-4147-A177-3AD203B41FA5}">
-                      <a16:colId xmlns:a16="http://schemas.microsoft.com/office/drawing/2014/main" val="2214714320"/>
-                    </a:ext>
-                  </a:extLst>
-                </a:gridCol>
-                <a:gridCol w="2032000">
-                  <a:extLst>
-                    <a:ext uri="{9D8B030D-6E8A-4147-A177-3AD203B41FA5}">
-                      <a16:colId xmlns:a16="http://schemas.microsoft.com/office/drawing/2014/main" val="2923256234"/>
-                    </a:ext>
-                  </a:extLst>
-                </a:gridCol>
-                <a:gridCol w="2032000">
-                  <a:extLst>
-                    <a:ext uri="{9D8B030D-6E8A-4147-A177-3AD203B41FA5}">
-                      <a16:colId xmlns:a16="http://schemas.microsoft.com/office/drawing/2014/main" val="1201536397"/>
-                    </a:ext>
-                  </a:extLst>
-                </a:gridCol>
-              </a:tblGrid>
-              <a:tr h="370840">
-                <a:tc>
-                  <a:txBody>
-                    <a:bodyPr/>
-                    <a:lstStyle/>
-                    <a:p>
-                      <a:r>
-                        <a:rPr lang="de-DE" dirty="0"/>
-                        <a:t>Frage</a:t>
-                      </a:r>
-                    </a:p>
-                  </a:txBody>
-                  <a:tcPr/>
-                </a:tc>
-                <a:tc>
-                  <a:txBody>
-                    <a:bodyPr/>
-                    <a:lstStyle/>
-                    <a:p>
-                      <a:r>
-                        <a:rPr lang="de-DE" dirty="0"/>
-                        <a:t>General</a:t>
-                      </a:r>
-                    </a:p>
-                  </a:txBody>
-                  <a:tcPr/>
-                </a:tc>
-                <a:tc>
-                  <a:txBody>
-                    <a:bodyPr/>
-                    <a:lstStyle/>
-                    <a:p>
-                      <a:r>
-                        <a:rPr lang="de-DE" dirty="0" err="1"/>
-                        <a:t>Romance</a:t>
-                      </a:r>
-                      <a:endParaRPr lang="de-DE" dirty="0"/>
-                    </a:p>
-                  </a:txBody>
-                  <a:tcPr/>
-                </a:tc>
-                <a:tc>
-                  <a:txBody>
-                    <a:bodyPr/>
-                    <a:lstStyle/>
-                    <a:p>
-                      <a:r>
-                        <a:rPr lang="de-DE" dirty="0"/>
-                        <a:t>Action</a:t>
-                      </a:r>
-                    </a:p>
-                  </a:txBody>
-                  <a:tcPr/>
-                </a:tc>
-                <a:extLst>
-                  <a:ext uri="{0D108BD9-81ED-4DB2-BD59-A6C34878D82A}">
-                    <a16:rowId xmlns:a16="http://schemas.microsoft.com/office/drawing/2014/main" val="1091606911"/>
-                  </a:ext>
-                </a:extLst>
-              </a:tr>
-              <a:tr h="370840">
-                <a:tc>
-                  <a:txBody>
-                    <a:bodyPr/>
-                    <a:lstStyle/>
-                    <a:p>
-                      <a:r>
-                        <a:rPr lang="de-DE" dirty="0"/>
-                        <a:t>Hello</a:t>
-                      </a:r>
-                    </a:p>
-                  </a:txBody>
-                  <a:tcPr/>
-                </a:tc>
-                <a:tc>
-                  <a:txBody>
-                    <a:bodyPr/>
-                    <a:lstStyle/>
-                    <a:p>
-                      <a:r>
-                        <a:rPr lang="de-DE" dirty="0" err="1"/>
-                        <a:t>hello</a:t>
-                      </a:r>
-                      <a:endParaRPr lang="de-DE" dirty="0"/>
-                    </a:p>
-                  </a:txBody>
-                  <a:tcPr/>
-                </a:tc>
-                <a:tc>
-                  <a:txBody>
-                    <a:bodyPr/>
-                    <a:lstStyle/>
-                    <a:p>
-                      <a:r>
-                        <a:rPr lang="de-DE" dirty="0" err="1"/>
-                        <a:t>it</a:t>
-                      </a:r>
-                      <a:r>
-                        <a:rPr lang="de-DE" dirty="0"/>
-                        <a:t> </a:t>
-                      </a:r>
-                      <a:r>
-                        <a:rPr lang="de-DE" dirty="0" err="1"/>
-                        <a:t>is</a:t>
-                      </a:r>
-                      <a:r>
-                        <a:rPr lang="de-DE" dirty="0"/>
-                        <a:t> </a:t>
-                      </a:r>
-                      <a:r>
-                        <a:rPr lang="de-DE" dirty="0" err="1"/>
-                        <a:t>me</a:t>
-                      </a:r>
-                      <a:r>
-                        <a:rPr lang="de-DE" dirty="0"/>
-                        <a:t> </a:t>
-                      </a:r>
-                      <a:r>
-                        <a:rPr lang="de-DE" dirty="0" err="1"/>
-                        <a:t>again</a:t>
-                      </a:r>
-                      <a:endParaRPr lang="de-DE" dirty="0"/>
-                    </a:p>
-                  </a:txBody>
-                  <a:tcPr/>
-                </a:tc>
-                <a:tc>
-                  <a:txBody>
-                    <a:bodyPr/>
-                    <a:lstStyle/>
-                    <a:p>
-                      <a:r>
-                        <a:rPr lang="de-DE" dirty="0"/>
-                        <a:t>hey </a:t>
-                      </a:r>
-                      <a:r>
-                        <a:rPr lang="de-DE" dirty="0" err="1"/>
-                        <a:t>it</a:t>
-                      </a:r>
-                      <a:r>
-                        <a:rPr lang="de-DE" dirty="0"/>
-                        <a:t> </a:t>
-                      </a:r>
-                      <a:r>
-                        <a:rPr lang="de-DE" dirty="0" err="1"/>
-                        <a:t>is</a:t>
-                      </a:r>
-                      <a:r>
-                        <a:rPr lang="de-DE" dirty="0"/>
-                        <a:t> </a:t>
-                      </a:r>
-                      <a:r>
-                        <a:rPr lang="de-DE" dirty="0" err="1"/>
-                        <a:t>me</a:t>
-                      </a:r>
-                      <a:endParaRPr lang="de-DE" dirty="0"/>
-                    </a:p>
-                  </a:txBody>
-                  <a:tcPr/>
-                </a:tc>
-                <a:extLst>
-                  <a:ext uri="{0D108BD9-81ED-4DB2-BD59-A6C34878D82A}">
-                    <a16:rowId xmlns:a16="http://schemas.microsoft.com/office/drawing/2014/main" val="147281870"/>
-                  </a:ext>
-                </a:extLst>
-              </a:tr>
-              <a:tr h="370840">
-                <a:tc>
-                  <a:txBody>
-                    <a:bodyPr/>
-                    <a:lstStyle/>
-                    <a:p>
-                      <a:r>
-                        <a:rPr lang="de-DE" dirty="0" err="1"/>
-                        <a:t>How</a:t>
-                      </a:r>
-                      <a:r>
-                        <a:rPr lang="de-DE" dirty="0"/>
-                        <a:t> </a:t>
-                      </a:r>
-                      <a:r>
-                        <a:rPr lang="de-DE" dirty="0" err="1"/>
-                        <a:t>are</a:t>
-                      </a:r>
-                      <a:r>
-                        <a:rPr lang="de-DE" dirty="0"/>
-                        <a:t> </a:t>
-                      </a:r>
-                      <a:r>
-                        <a:rPr lang="de-DE" dirty="0" err="1"/>
-                        <a:t>you</a:t>
-                      </a:r>
-                      <a:r>
-                        <a:rPr lang="de-DE" dirty="0"/>
-                        <a:t> </a:t>
-                      </a:r>
-                      <a:r>
-                        <a:rPr lang="de-DE" dirty="0" err="1"/>
-                        <a:t>feeling</a:t>
-                      </a:r>
-                      <a:r>
-                        <a:rPr lang="de-DE" dirty="0"/>
-                        <a:t> </a:t>
-                      </a:r>
-                      <a:r>
-                        <a:rPr lang="de-DE" dirty="0" err="1"/>
-                        <a:t>today</a:t>
-                      </a:r>
-                      <a:r>
-                        <a:rPr lang="de-DE" dirty="0"/>
-                        <a:t>?</a:t>
-                      </a:r>
-                    </a:p>
-                  </a:txBody>
-                  <a:tcPr/>
-                </a:tc>
-                <a:tc>
-                  <a:txBody>
-                    <a:bodyPr/>
-                    <a:lstStyle/>
-                    <a:p>
-                      <a:r>
-                        <a:rPr lang="de-DE" dirty="0"/>
-                        <a:t>i </a:t>
-                      </a:r>
-                      <a:r>
-                        <a:rPr lang="de-DE" dirty="0" err="1"/>
-                        <a:t>feel</a:t>
-                      </a:r>
-                      <a:r>
-                        <a:rPr lang="de-DE" dirty="0"/>
-                        <a:t> </a:t>
-                      </a:r>
-                      <a:r>
-                        <a:rPr lang="de-DE" dirty="0" err="1"/>
-                        <a:t>much</a:t>
-                      </a:r>
-                      <a:r>
-                        <a:rPr lang="de-DE" dirty="0"/>
-                        <a:t> </a:t>
-                      </a:r>
-                      <a:r>
-                        <a:rPr lang="de-DE" dirty="0" err="1"/>
-                        <a:t>better</a:t>
-                      </a:r>
-                      <a:r>
-                        <a:rPr lang="de-DE" dirty="0"/>
-                        <a:t> </a:t>
-                      </a:r>
-                      <a:r>
-                        <a:rPr lang="de-DE" dirty="0" err="1"/>
-                        <a:t>thank</a:t>
-                      </a:r>
-                      <a:r>
-                        <a:rPr lang="de-DE" dirty="0"/>
-                        <a:t> </a:t>
-                      </a:r>
-                      <a:r>
-                        <a:rPr lang="de-DE" dirty="0" err="1"/>
-                        <a:t>you</a:t>
-                      </a:r>
-                      <a:r>
-                        <a:rPr lang="de-DE" dirty="0"/>
-                        <a:t> </a:t>
-                      </a:r>
-                      <a:r>
-                        <a:rPr lang="de-DE" dirty="0" err="1"/>
-                        <a:t>for</a:t>
-                      </a:r>
-                      <a:r>
-                        <a:rPr lang="de-DE" dirty="0"/>
-                        <a:t> </a:t>
-                      </a:r>
-                      <a:r>
-                        <a:rPr lang="de-DE" dirty="0" err="1"/>
-                        <a:t>asking</a:t>
-                      </a:r>
-                      <a:r>
-                        <a:rPr lang="de-DE" dirty="0"/>
-                        <a:t> and </a:t>
-                      </a:r>
-                      <a:r>
-                        <a:rPr lang="de-DE" dirty="0" err="1"/>
-                        <a:t>you</a:t>
-                      </a:r>
-                      <a:endParaRPr lang="de-DE" dirty="0"/>
-                    </a:p>
-                  </a:txBody>
-                  <a:tcPr/>
-                </a:tc>
-                <a:tc>
-                  <a:txBody>
-                    <a:bodyPr/>
-                    <a:lstStyle/>
-                    <a:p>
-                      <a:r>
-                        <a:rPr lang="de-DE" dirty="0"/>
-                        <a:t>i </a:t>
-                      </a:r>
-                      <a:r>
-                        <a:rPr lang="de-DE" dirty="0" err="1"/>
-                        <a:t>dont</a:t>
-                      </a:r>
-                      <a:r>
-                        <a:rPr lang="de-DE" dirty="0"/>
-                        <a:t> </a:t>
-                      </a:r>
-                      <a:r>
-                        <a:rPr lang="de-DE" dirty="0" err="1"/>
-                        <a:t>know</a:t>
-                      </a:r>
-                      <a:endParaRPr lang="de-DE" dirty="0"/>
-                    </a:p>
-                  </a:txBody>
-                  <a:tcPr/>
-                </a:tc>
-                <a:tc>
-                  <a:txBody>
-                    <a:bodyPr/>
-                    <a:lstStyle/>
-                    <a:p>
-                      <a:r>
-                        <a:rPr lang="de-DE" dirty="0" err="1"/>
-                        <a:t>head</a:t>
-                      </a:r>
-                      <a:r>
-                        <a:rPr lang="de-DE" dirty="0"/>
-                        <a:t> still </a:t>
-                      </a:r>
-                      <a:r>
-                        <a:rPr lang="de-DE" dirty="0" err="1"/>
-                        <a:t>secure</a:t>
-                      </a:r>
-                      <a:r>
-                        <a:rPr lang="de-DE" dirty="0"/>
-                        <a:t> </a:t>
-                      </a:r>
-                      <a:r>
-                        <a:rPr lang="de-DE" dirty="0" err="1"/>
-                        <a:t>to</a:t>
-                      </a:r>
-                      <a:r>
-                        <a:rPr lang="de-DE" dirty="0"/>
-                        <a:t> </a:t>
-                      </a:r>
-                      <a:r>
-                        <a:rPr lang="de-DE" dirty="0" err="1"/>
-                        <a:t>the</a:t>
-                      </a:r>
-                      <a:r>
-                        <a:rPr lang="de-DE" dirty="0"/>
-                        <a:t> neck</a:t>
-                      </a:r>
-                    </a:p>
-                  </a:txBody>
-                  <a:tcPr/>
-                </a:tc>
-                <a:extLst>
-                  <a:ext uri="{0D108BD9-81ED-4DB2-BD59-A6C34878D82A}">
-                    <a16:rowId xmlns:a16="http://schemas.microsoft.com/office/drawing/2014/main" val="2903131653"/>
-                  </a:ext>
-                </a:extLst>
-              </a:tr>
-              <a:tr h="370840">
-                <a:tc>
-                  <a:txBody>
-                    <a:bodyPr/>
-                    <a:lstStyle/>
-                    <a:p>
-                      <a:r>
-                        <a:rPr lang="de-DE" dirty="0" err="1"/>
-                        <a:t>What</a:t>
-                      </a:r>
-                      <a:r>
-                        <a:rPr lang="de-DE" dirty="0"/>
-                        <a:t> time </a:t>
-                      </a:r>
-                      <a:r>
-                        <a:rPr lang="de-DE" dirty="0" err="1"/>
-                        <a:t>is</a:t>
-                      </a:r>
-                      <a:r>
-                        <a:rPr lang="de-DE" dirty="0"/>
-                        <a:t> </a:t>
-                      </a:r>
-                      <a:r>
-                        <a:rPr lang="de-DE" dirty="0" err="1"/>
-                        <a:t>it</a:t>
-                      </a:r>
-                      <a:r>
-                        <a:rPr lang="de-DE" dirty="0"/>
-                        <a:t>?</a:t>
-                      </a:r>
-                    </a:p>
-                  </a:txBody>
-                  <a:tcPr/>
-                </a:tc>
-                <a:tc>
-                  <a:txBody>
-                    <a:bodyPr/>
-                    <a:lstStyle/>
-                    <a:p>
-                      <a:r>
-                        <a:rPr lang="de-DE" dirty="0" err="1"/>
-                        <a:t>quarter</a:t>
-                      </a:r>
-                      <a:r>
-                        <a:rPr lang="de-DE" dirty="0"/>
-                        <a:t> after </a:t>
-                      </a:r>
-                      <a:r>
-                        <a:rPr lang="de-DE" dirty="0" err="1"/>
-                        <a:t>one</a:t>
-                      </a:r>
-                      <a:r>
-                        <a:rPr lang="de-DE" dirty="0"/>
-                        <a:t> </a:t>
-                      </a:r>
-                      <a:r>
-                        <a:rPr lang="de-DE" dirty="0" err="1"/>
-                        <a:t>why</a:t>
-                      </a:r>
-                      <a:endParaRPr lang="de-DE" dirty="0"/>
-                    </a:p>
-                  </a:txBody>
-                  <a:tcPr/>
-                </a:tc>
-                <a:tc>
-                  <a:txBody>
-                    <a:bodyPr/>
-                    <a:lstStyle/>
-                    <a:p>
-                      <a:r>
-                        <a:rPr lang="de-DE" dirty="0" err="1"/>
-                        <a:t>eight</a:t>
-                      </a:r>
-                      <a:r>
-                        <a:rPr lang="de-DE" dirty="0"/>
-                        <a:t> </a:t>
-                      </a:r>
-                      <a:r>
-                        <a:rPr lang="de-DE" dirty="0" err="1"/>
-                        <a:t>oclock</a:t>
-                      </a:r>
-                      <a:r>
-                        <a:rPr lang="de-DE" dirty="0"/>
-                        <a:t> </a:t>
-                      </a:r>
-                      <a:r>
-                        <a:rPr lang="de-DE" dirty="0" err="1"/>
-                        <a:t>you</a:t>
-                      </a:r>
-                      <a:r>
-                        <a:rPr lang="de-DE" dirty="0"/>
-                        <a:t> </a:t>
-                      </a:r>
-                      <a:r>
-                        <a:rPr lang="de-DE" dirty="0" err="1"/>
-                        <a:t>got</a:t>
-                      </a:r>
-                      <a:r>
-                        <a:rPr lang="de-DE" dirty="0"/>
-                        <a:t> </a:t>
-                      </a:r>
-                      <a:r>
-                        <a:rPr lang="de-DE" dirty="0" err="1"/>
-                        <a:t>to</a:t>
-                      </a:r>
-                      <a:r>
-                        <a:rPr lang="de-DE" dirty="0"/>
-                        <a:t> </a:t>
-                      </a:r>
-                      <a:r>
-                        <a:rPr lang="de-DE" dirty="0" err="1"/>
-                        <a:t>go</a:t>
-                      </a:r>
-                      <a:endParaRPr lang="de-DE" dirty="0"/>
-                    </a:p>
-                  </a:txBody>
-                  <a:tcPr/>
-                </a:tc>
-                <a:tc>
-                  <a:txBody>
-                    <a:bodyPr/>
-                    <a:lstStyle/>
-                    <a:p>
-                      <a:r>
-                        <a:rPr lang="de-DE" dirty="0" err="1"/>
-                        <a:t>why</a:t>
-                      </a:r>
-                      <a:endParaRPr lang="de-DE" dirty="0"/>
-                    </a:p>
-                  </a:txBody>
-                  <a:tcPr/>
-                </a:tc>
-                <a:extLst>
-                  <a:ext uri="{0D108BD9-81ED-4DB2-BD59-A6C34878D82A}">
-                    <a16:rowId xmlns:a16="http://schemas.microsoft.com/office/drawing/2014/main" val="3345736242"/>
-                  </a:ext>
-                </a:extLst>
-              </a:tr>
-              <a:tr h="370840">
-                <a:tc>
-                  <a:txBody>
-                    <a:bodyPr/>
-                    <a:lstStyle/>
-                    <a:p>
-                      <a:r>
-                        <a:rPr lang="de-DE" dirty="0" err="1"/>
-                        <a:t>What</a:t>
-                      </a:r>
-                      <a:r>
-                        <a:rPr lang="de-DE" dirty="0"/>
-                        <a:t> </a:t>
-                      </a:r>
-                      <a:r>
-                        <a:rPr lang="de-DE" dirty="0" err="1"/>
-                        <a:t>are</a:t>
-                      </a:r>
-                      <a:r>
-                        <a:rPr lang="de-DE" dirty="0"/>
-                        <a:t> </a:t>
-                      </a:r>
-                      <a:r>
-                        <a:rPr lang="de-DE" dirty="0" err="1"/>
-                        <a:t>you</a:t>
-                      </a:r>
-                      <a:r>
-                        <a:rPr lang="de-DE" dirty="0"/>
-                        <a:t> </a:t>
-                      </a:r>
-                      <a:r>
-                        <a:rPr lang="de-DE" dirty="0" err="1"/>
-                        <a:t>doing</a:t>
-                      </a:r>
-                      <a:r>
-                        <a:rPr lang="de-DE" dirty="0"/>
-                        <a:t>?</a:t>
-                      </a:r>
-                    </a:p>
-                  </a:txBody>
-                  <a:tcPr/>
-                </a:tc>
-                <a:tc>
-                  <a:txBody>
-                    <a:bodyPr/>
-                    <a:lstStyle/>
-                    <a:p>
-                      <a:r>
-                        <a:rPr lang="de-DE" dirty="0"/>
-                        <a:t>I am </a:t>
-                      </a:r>
-                      <a:r>
-                        <a:rPr lang="de-DE" dirty="0" err="1"/>
-                        <a:t>looking</a:t>
-                      </a:r>
-                      <a:r>
-                        <a:rPr lang="de-DE" dirty="0"/>
-                        <a:t> </a:t>
-                      </a:r>
-                      <a:r>
-                        <a:rPr lang="de-DE" dirty="0" err="1"/>
-                        <a:t>for</a:t>
-                      </a:r>
-                      <a:r>
-                        <a:rPr lang="de-DE" dirty="0"/>
-                        <a:t> </a:t>
-                      </a:r>
-                      <a:r>
-                        <a:rPr lang="de-DE" dirty="0" err="1"/>
-                        <a:t>someone</a:t>
-                      </a:r>
-                      <a:endParaRPr lang="de-DE" dirty="0"/>
-                    </a:p>
-                  </a:txBody>
-                  <a:tcPr/>
-                </a:tc>
-                <a:tc>
-                  <a:txBody>
-                    <a:bodyPr/>
-                    <a:lstStyle/>
-                    <a:p>
-                      <a:r>
-                        <a:rPr lang="de-DE" dirty="0"/>
-                        <a:t>i am </a:t>
-                      </a:r>
-                      <a:r>
-                        <a:rPr lang="de-DE" dirty="0" err="1"/>
-                        <a:t>getting</a:t>
-                      </a:r>
-                      <a:r>
-                        <a:rPr lang="de-DE" dirty="0"/>
-                        <a:t> </a:t>
-                      </a:r>
-                      <a:r>
-                        <a:rPr lang="de-DE" dirty="0" err="1"/>
-                        <a:t>dressed</a:t>
-                      </a:r>
-                      <a:endParaRPr lang="de-DE" dirty="0"/>
-                    </a:p>
-                  </a:txBody>
-                  <a:tcPr/>
-                </a:tc>
-                <a:tc>
-                  <a:txBody>
-                    <a:bodyPr/>
-                    <a:lstStyle/>
-                    <a:p>
-                      <a:r>
-                        <a:rPr lang="de-DE" dirty="0" err="1"/>
-                        <a:t>sis</a:t>
-                      </a:r>
-                      <a:r>
-                        <a:rPr lang="de-DE" dirty="0"/>
-                        <a:t> </a:t>
-                      </a:r>
-                      <a:r>
-                        <a:rPr lang="de-DE" dirty="0" err="1"/>
-                        <a:t>let</a:t>
-                      </a:r>
-                      <a:r>
-                        <a:rPr lang="de-DE" dirty="0"/>
-                        <a:t> </a:t>
-                      </a:r>
-                      <a:r>
-                        <a:rPr lang="de-DE" dirty="0" err="1"/>
-                        <a:t>me</a:t>
-                      </a:r>
-                      <a:r>
-                        <a:rPr lang="de-DE" dirty="0"/>
-                        <a:t> </a:t>
-                      </a:r>
-                      <a:r>
-                        <a:rPr lang="de-DE" dirty="0" err="1"/>
-                        <a:t>take</a:t>
-                      </a:r>
-                      <a:r>
-                        <a:rPr lang="de-DE" dirty="0"/>
-                        <a:t> care </a:t>
-                      </a:r>
-                      <a:r>
-                        <a:rPr lang="de-DE" dirty="0" err="1"/>
-                        <a:t>of</a:t>
-                      </a:r>
-                      <a:r>
-                        <a:rPr lang="de-DE" dirty="0"/>
-                        <a:t> </a:t>
-                      </a:r>
-                      <a:r>
-                        <a:rPr lang="de-DE" dirty="0" err="1"/>
-                        <a:t>you</a:t>
-                      </a:r>
-                      <a:r>
-                        <a:rPr lang="de-DE" dirty="0"/>
-                        <a:t> </a:t>
-                      </a:r>
-                      <a:r>
-                        <a:rPr lang="de-DE" dirty="0" err="1"/>
-                        <a:t>for</a:t>
-                      </a:r>
-                      <a:r>
-                        <a:rPr lang="de-DE" dirty="0"/>
-                        <a:t> </a:t>
-                      </a:r>
-                      <a:r>
-                        <a:rPr lang="de-DE" dirty="0" err="1"/>
-                        <a:t>once</a:t>
-                      </a:r>
-                      <a:endParaRPr lang="de-DE" dirty="0"/>
-                    </a:p>
-                  </a:txBody>
-                  <a:tcPr/>
-                </a:tc>
-                <a:extLst>
-                  <a:ext uri="{0D108BD9-81ED-4DB2-BD59-A6C34878D82A}">
-                    <a16:rowId xmlns:a16="http://schemas.microsoft.com/office/drawing/2014/main" val="2805852494"/>
-                  </a:ext>
-                </a:extLst>
-              </a:tr>
-              <a:tr h="370840">
-                <a:tc>
-                  <a:txBody>
-                    <a:bodyPr/>
-                    <a:lstStyle/>
-                    <a:p>
-                      <a:r>
-                        <a:rPr lang="de-DE" dirty="0" err="1"/>
-                        <a:t>We</a:t>
-                      </a:r>
-                      <a:r>
-                        <a:rPr lang="de-DE" dirty="0"/>
-                        <a:t> </a:t>
-                      </a:r>
-                      <a:r>
-                        <a:rPr lang="de-DE" dirty="0" err="1"/>
-                        <a:t>have</a:t>
-                      </a:r>
-                      <a:r>
-                        <a:rPr lang="de-DE" dirty="0"/>
-                        <a:t> </a:t>
-                      </a:r>
-                      <a:r>
-                        <a:rPr lang="de-DE" dirty="0" err="1"/>
-                        <a:t>to</a:t>
-                      </a:r>
-                      <a:r>
-                        <a:rPr lang="de-DE" dirty="0"/>
-                        <a:t> </a:t>
-                      </a:r>
-                      <a:r>
-                        <a:rPr lang="de-DE" dirty="0" err="1"/>
-                        <a:t>go</a:t>
-                      </a:r>
-                      <a:r>
-                        <a:rPr lang="de-DE" dirty="0"/>
-                        <a:t>!</a:t>
-                      </a:r>
-                    </a:p>
-                  </a:txBody>
-                  <a:tcPr/>
-                </a:tc>
-                <a:tc>
-                  <a:txBody>
-                    <a:bodyPr/>
-                    <a:lstStyle/>
-                    <a:p>
-                      <a:r>
-                        <a:rPr lang="de-DE" dirty="0" err="1"/>
-                        <a:t>no</a:t>
-                      </a:r>
-                      <a:r>
-                        <a:rPr lang="de-DE" dirty="0"/>
-                        <a:t> i </a:t>
-                      </a:r>
-                      <a:r>
-                        <a:rPr lang="de-DE" dirty="0" err="1"/>
-                        <a:t>dont</a:t>
-                      </a:r>
-                      <a:endParaRPr lang="de-DE" dirty="0"/>
-                    </a:p>
-                  </a:txBody>
-                  <a:tcPr/>
-                </a:tc>
-                <a:tc>
-                  <a:txBody>
-                    <a:bodyPr/>
-                    <a:lstStyle/>
-                    <a:p>
-                      <a:r>
-                        <a:rPr lang="de-DE" dirty="0" err="1"/>
-                        <a:t>no</a:t>
-                      </a:r>
-                      <a:r>
-                        <a:rPr lang="de-DE" dirty="0"/>
-                        <a:t> i </a:t>
-                      </a:r>
-                      <a:r>
-                        <a:rPr lang="de-DE" dirty="0" err="1"/>
-                        <a:t>got</a:t>
-                      </a:r>
-                      <a:r>
-                        <a:rPr lang="de-DE" dirty="0"/>
-                        <a:t> </a:t>
-                      </a:r>
-                      <a:r>
-                        <a:rPr lang="de-DE" dirty="0" err="1"/>
-                        <a:t>to</a:t>
-                      </a:r>
-                      <a:r>
-                        <a:rPr lang="de-DE" dirty="0"/>
-                        <a:t> find </a:t>
-                      </a:r>
-                      <a:r>
-                        <a:rPr lang="de-DE" dirty="0" err="1"/>
-                        <a:t>him</a:t>
-                      </a:r>
-                      <a:endParaRPr lang="de-DE" dirty="0"/>
-                    </a:p>
-                  </a:txBody>
-                  <a:tcPr/>
-                </a:tc>
-                <a:tc>
-                  <a:txBody>
-                    <a:bodyPr/>
-                    <a:lstStyle/>
-                    <a:p>
-                      <a:r>
-                        <a:rPr lang="de-DE" dirty="0" err="1"/>
-                        <a:t>daddy</a:t>
-                      </a:r>
-                      <a:r>
-                        <a:rPr lang="de-DE" dirty="0"/>
-                        <a:t> </a:t>
-                      </a:r>
-                      <a:r>
-                        <a:rPr lang="de-DE" dirty="0" err="1"/>
-                        <a:t>is</a:t>
-                      </a:r>
-                      <a:r>
-                        <a:rPr lang="de-DE" dirty="0"/>
-                        <a:t> </a:t>
-                      </a:r>
-                      <a:r>
-                        <a:rPr lang="de-DE" dirty="0" err="1"/>
-                        <a:t>dead</a:t>
-                      </a:r>
-                      <a:endParaRPr lang="de-DE" dirty="0"/>
-                    </a:p>
-                  </a:txBody>
-                  <a:tcPr/>
-                </a:tc>
-                <a:extLst>
-                  <a:ext uri="{0D108BD9-81ED-4DB2-BD59-A6C34878D82A}">
-                    <a16:rowId xmlns:a16="http://schemas.microsoft.com/office/drawing/2014/main" val="145248023"/>
-                  </a:ext>
-                </a:extLst>
-              </a:tr>
-            </a:tbl>
-          </a:graphicData>
-        </a:graphic>
-      </p:graphicFrame>
-    </p:spTree>
-    <p:extLst>
-      <p:ext uri="{BB962C8B-B14F-4D97-AF65-F5344CB8AC3E}">
-        <p14:creationId xmlns:p14="http://schemas.microsoft.com/office/powerpoint/2010/main" val="4126201586"/>
-      </p:ext>
-    </p:extLst>
-  </p:cSld>
-  <p:clrMapOvr>
-    <a:masterClrMapping/>
-  </p:clrMapOvr>
-</p:sld>
-</file>
-
-<file path=ppt/slides/slide2.xml><?xml version="1.0" encoding="utf-8"?>
 <p:sld xmlns:a="http://schemas.openxmlformats.org/drawingml/2006/main" xmlns:r="http://schemas.openxmlformats.org/officeDocument/2006/relationships" xmlns:p="http://schemas.openxmlformats.org/presentationml/2006/main">
   <p:cSld>
     <p:bg>
@@ -11295,10 +10431,10 @@
       </p:sp>
       <p:sp>
         <p:nvSpPr>
-          <p:cNvPr id="2" name="Titel 1">
-            <a:extLst>
-              <a:ext uri="{FF2B5EF4-FFF2-40B4-BE49-F238E27FC236}">
-                <a16:creationId xmlns:a16="http://schemas.microsoft.com/office/drawing/2014/main" id="{DF54C3C9-DF28-E38A-67EA-8C3C91F72C39}"/>
+          <p:cNvPr id="23" name="Titel 1">
+            <a:extLst>
+              <a:ext uri="{FF2B5EF4-FFF2-40B4-BE49-F238E27FC236}">
+                <a16:creationId xmlns:a16="http://schemas.microsoft.com/office/drawing/2014/main" id="{863F3A40-CA48-AE6D-EF44-DC2804EF6823}"/>
               </a:ext>
             </a:extLst>
           </p:cNvPr>
@@ -11323,90 +10459,92 @@
           <a:p>
             <a:pPr algn="r"/>
             <a:r>
-              <a:rPr lang="de-DE" sz="3100">
+              <a:rPr lang="en-US" sz="3200" dirty="0" err="1">
                 <a:solidFill>
                   <a:srgbClr val="FFFFFF"/>
                 </a:solidFill>
               </a:rPr>
-              <a:t>Aufgabenstellung</a:t>
+              <a:t>Ausblick</a:t>
             </a:r>
+            <a:endParaRPr lang="de-DE" sz="3100" dirty="0">
+              <a:solidFill>
+                <a:srgbClr val="FFFFFF"/>
+              </a:solidFill>
+            </a:endParaRPr>
           </a:p>
         </p:txBody>
       </p:sp>
       <p:sp>
         <p:nvSpPr>
-          <p:cNvPr id="3" name="Inhaltsplatzhalter 2">
-            <a:extLst>
-              <a:ext uri="{FF2B5EF4-FFF2-40B4-BE49-F238E27FC236}">
-                <a16:creationId xmlns:a16="http://schemas.microsoft.com/office/drawing/2014/main" id="{3B36C125-05D9-DA8D-DF6A-DC47BC2BA219}"/>
-              </a:ext>
-            </a:extLst>
-          </p:cNvPr>
-          <p:cNvSpPr>
-            <a:spLocks noGrp="1"/>
-          </p:cNvSpPr>
-          <p:nvPr>
-            <p:ph idx="1"/>
-          </p:nvPr>
+          <p:cNvPr id="3" name="Textfeld 2">
+            <a:extLst>
+              <a:ext uri="{FF2B5EF4-FFF2-40B4-BE49-F238E27FC236}">
+                <a16:creationId xmlns:a16="http://schemas.microsoft.com/office/drawing/2014/main" id="{8ABE6ABB-4B80-8EA7-CDA7-76E1DC9A7083}"/>
+              </a:ext>
+            </a:extLst>
+          </p:cNvPr>
+          <p:cNvSpPr txBox="1"/>
+          <p:nvPr/>
         </p:nvSpPr>
         <p:spPr>
           <a:xfrm>
-            <a:off x="4810259" y="649480"/>
-            <a:ext cx="6555347" cy="5546047"/>
+            <a:off x="4582701" y="2603252"/>
+            <a:ext cx="6787661" cy="1631216"/>
           </a:xfrm>
+          <a:prstGeom prst="rect">
+            <a:avLst/>
+          </a:prstGeom>
+          <a:noFill/>
         </p:spPr>
         <p:txBody>
-          <a:bodyPr anchor="ctr">
-            <a:normAutofit/>
+          <a:bodyPr wrap="square" rtlCol="0">
+            <a:spAutoFit/>
           </a:bodyPr>
           <a:lstStyle/>
           <a:p>
-            <a:r>
-              <a:rPr lang="de-DE" sz="2000" b="0" i="0" u="none" strike="noStrike" dirty="0">
-                <a:effectLst/>
-                <a:latin typeface="-apple-system"/>
-              </a:rPr>
-              <a:t>Erstellung eines Chatbot, der auf eine Frage mit einer Antwort im "Filmjargon" antwortet</a:t>
-            </a:r>
-          </a:p>
-          <a:p>
-            <a:pPr>
+            <a:pPr marL="285750" indent="-285750">
               <a:buFont typeface="Arial" panose="020B0604020202020204" pitchFamily="34" charset="0"/>
               <a:buChar char="•"/>
             </a:pPr>
             <a:r>
-              <a:rPr lang="de-DE" sz="2000" b="0" i="0" u="none" strike="noStrike" dirty="0">
-                <a:effectLst/>
-                <a:latin typeface="-apple-system"/>
-              </a:rPr>
-              <a:t>Verwendung eines tiefen neuronalen Netzes</a:t>
+              <a:rPr lang="de-DE" sz="2000" dirty="0"/>
+              <a:t>Einbinden des Attention-</a:t>
             </a:r>
-          </a:p>
-          <a:p>
-            <a:pPr>
+            <a:r>
+              <a:rPr lang="de-DE" sz="2000" dirty="0" err="1"/>
+              <a:t>Layers</a:t>
+            </a:r>
+            <a:r>
+              <a:rPr lang="de-DE" sz="2000" dirty="0"/>
+              <a:t> und optimieren der Hyperparameter</a:t>
+            </a:r>
+          </a:p>
+          <a:p>
+            <a:pPr marL="285750" indent="-285750">
               <a:buFont typeface="Arial" panose="020B0604020202020204" pitchFamily="34" charset="0"/>
               <a:buChar char="•"/>
             </a:pPr>
             <a:r>
-              <a:rPr lang="de-DE" sz="2000" dirty="0">
-                <a:latin typeface="-apple-system"/>
-              </a:rPr>
-              <a:t>Antwort abhängig von Film-Genre</a:t>
+              <a:rPr lang="de-DE" sz="2000" dirty="0"/>
+              <a:t>Mehr Trainingsdaten und längere Sätze</a:t>
             </a:r>
-            <a:endParaRPr lang="de-DE" sz="2000" b="0" i="0" u="none" strike="noStrike" dirty="0">
-              <a:effectLst/>
-              <a:latin typeface="-apple-system"/>
-            </a:endParaRPr>
-          </a:p>
-          <a:p>
-            <a:endParaRPr lang="de-DE" sz="2000" dirty="0"/>
+          </a:p>
+          <a:p>
+            <a:pPr marL="285750" indent="-285750">
+              <a:buFont typeface="Arial" panose="020B0604020202020204" pitchFamily="34" charset="0"/>
+              <a:buChar char="•"/>
+            </a:pPr>
+            <a:r>
+              <a:rPr lang="de-DE" sz="2000" dirty="0"/>
+              <a:t>Erstellen eines Modells zur Feststellung in welchem Genre geantwortet werden soll</a:t>
+            </a:r>
           </a:p>
         </p:txBody>
       </p:sp>
     </p:spTree>
     <p:extLst>
       <p:ext uri="{BB962C8B-B14F-4D97-AF65-F5344CB8AC3E}">
-        <p14:creationId xmlns:p14="http://schemas.microsoft.com/office/powerpoint/2010/main" val="2895611882"/>
+        <p14:creationId xmlns:p14="http://schemas.microsoft.com/office/powerpoint/2010/main" val="2548991735"/>
       </p:ext>
     </p:extLst>
   </p:cSld>
@@ -11416,7 +10554,1279 @@
 </p:sld>
 </file>
 
-<file path=ppt/slides/slide3.xml><?xml version="1.0" encoding="utf-8"?>
+<file path=ppt/slides/slide14.xml><?xml version="1.0" encoding="utf-8"?>
+<p:sld xmlns:a="http://schemas.openxmlformats.org/drawingml/2006/main" xmlns:r="http://schemas.openxmlformats.org/officeDocument/2006/relationships" xmlns:p="http://schemas.openxmlformats.org/presentationml/2006/main">
+  <p:cSld>
+    <p:bg>
+      <p:bgPr>
+        <a:solidFill>
+          <a:schemeClr val="bg1"/>
+        </a:solidFill>
+        <a:effectLst/>
+      </p:bgPr>
+    </p:bg>
+    <p:spTree>
+      <p:nvGrpSpPr>
+        <p:cNvPr id="1" name=""/>
+        <p:cNvGrpSpPr/>
+        <p:nvPr/>
+      </p:nvGrpSpPr>
+      <p:grpSpPr>
+        <a:xfrm>
+          <a:off x="0" y="0"/>
+          <a:ext cx="0" cy="0"/>
+          <a:chOff x="0" y="0"/>
+          <a:chExt cx="0" cy="0"/>
+        </a:xfrm>
+      </p:grpSpPr>
+      <p:sp useBgFill="1">
+        <p:nvSpPr>
+          <p:cNvPr id="28" name="Rectangle 27">
+            <a:extLst>
+              <a:ext uri="{FF2B5EF4-FFF2-40B4-BE49-F238E27FC236}">
+                <a16:creationId xmlns:a16="http://schemas.microsoft.com/office/drawing/2014/main" id="{A8384FB5-9ADC-4DDC-881B-597D56F5B15D}"/>
+              </a:ext>
+              <a:ext uri="{C183D7F6-B498-43B3-948B-1728B52AA6E4}">
+                <adec:decorative xmlns:adec="http://schemas.microsoft.com/office/drawing/2017/decorative" val="1"/>
+              </a:ext>
+            </a:extLst>
+          </p:cNvPr>
+          <p:cNvSpPr>
+            <a:spLocks noGrp="1" noRot="1" noChangeAspect="1" noMove="1" noResize="1" noEditPoints="1" noAdjustHandles="1" noChangeArrowheads="1" noChangeShapeType="1" noTextEdit="1"/>
+          </p:cNvSpPr>
+          <p:nvPr>
+            <p:extLst>
+              <p:ext uri="{386F3935-93C4-4BCD-93E2-E3B085C9AB24}">
+                <p16:designElem xmlns:p16="http://schemas.microsoft.com/office/powerpoint/2015/main" val="1"/>
+              </p:ext>
+            </p:extLst>
+          </p:nvPr>
+        </p:nvSpPr>
+        <p:spPr>
+          <a:xfrm>
+            <a:off x="0" y="0"/>
+            <a:ext cx="12192000" cy="6858000"/>
+          </a:xfrm>
+          <a:prstGeom prst="rect">
+            <a:avLst/>
+          </a:prstGeom>
+          <a:ln w="12700" cap="flat" cmpd="sng" algn="ctr">
+            <a:noFill/>
+            <a:prstDash val="solid"/>
+            <a:miter lim="800000"/>
+          </a:ln>
+          <a:effectLst/>
+          <a:extLst>
+            <a:ext uri="{91240B29-F687-4F45-9708-019B960494DF}">
+              <a14:hiddenLine xmlns:a14="http://schemas.microsoft.com/office/drawing/2010/main" w="12700" cap="flat" cmpd="sng" algn="ctr">
+                <a:solidFill>
+                  <a:schemeClr val="accent1">
+                    <a:shade val="50000"/>
+                  </a:schemeClr>
+                </a:solidFill>
+                <a:prstDash val="solid"/>
+                <a:miter lim="800000"/>
+              </a14:hiddenLine>
+            </a:ext>
+          </a:extLst>
+        </p:spPr>
+        <p:style>
+          <a:lnRef idx="2">
+            <a:schemeClr val="accent1">
+              <a:shade val="50000"/>
+            </a:schemeClr>
+          </a:lnRef>
+          <a:fillRef idx="1">
+            <a:schemeClr val="accent1"/>
+          </a:fillRef>
+          <a:effectRef idx="0">
+            <a:schemeClr val="accent1"/>
+          </a:effectRef>
+          <a:fontRef idx="minor">
+            <a:schemeClr val="lt1"/>
+          </a:fontRef>
+        </p:style>
+        <p:txBody>
+          <a:bodyPr rtlCol="0" anchor="ctr"/>
+          <a:lstStyle/>
+          <a:p>
+            <a:pPr algn="ctr"/>
+            <a:endParaRPr lang="en-US"/>
+          </a:p>
+        </p:txBody>
+      </p:sp>
+      <p:sp>
+        <p:nvSpPr>
+          <p:cNvPr id="30" name="Rectangle 29">
+            <a:extLst>
+              <a:ext uri="{FF2B5EF4-FFF2-40B4-BE49-F238E27FC236}">
+                <a16:creationId xmlns:a16="http://schemas.microsoft.com/office/drawing/2014/main" id="{1199E1B1-A8C0-4FE8-A5A8-1CB41D69F857}"/>
+              </a:ext>
+              <a:ext uri="{C183D7F6-B498-43B3-948B-1728B52AA6E4}">
+                <adec:decorative xmlns:adec="http://schemas.microsoft.com/office/drawing/2017/decorative" val="1"/>
+              </a:ext>
+            </a:extLst>
+          </p:cNvPr>
+          <p:cNvSpPr>
+            <a:spLocks noGrp="1" noRot="1" noChangeAspect="1" noMove="1" noResize="1" noEditPoints="1" noAdjustHandles="1" noChangeArrowheads="1" noChangeShapeType="1" noTextEdit="1"/>
+          </p:cNvSpPr>
+          <p:nvPr>
+            <p:extLst>
+              <p:ext uri="{386F3935-93C4-4BCD-93E2-E3B085C9AB24}">
+                <p16:designElem xmlns:p16="http://schemas.microsoft.com/office/powerpoint/2015/main" val="1"/>
+              </p:ext>
+            </p:extLst>
+          </p:nvPr>
+        </p:nvSpPr>
+        <p:spPr>
+          <a:xfrm rot="10800000" flipH="1">
+            <a:off x="2" y="0"/>
+            <a:ext cx="12191998" cy="1575955"/>
+          </a:xfrm>
+          <a:prstGeom prst="rect">
+            <a:avLst/>
+          </a:prstGeom>
+          <a:gradFill>
+            <a:gsLst>
+              <a:gs pos="0">
+                <a:srgbClr val="000000">
+                  <a:alpha val="96000"/>
+                </a:srgbClr>
+              </a:gs>
+              <a:gs pos="100000">
+                <a:schemeClr val="accent1">
+                  <a:lumMod val="75000"/>
+                </a:schemeClr>
+              </a:gs>
+            </a:gsLst>
+            <a:lin ang="6000000" scaled="0"/>
+          </a:gradFill>
+          <a:ln>
+            <a:noFill/>
+          </a:ln>
+        </p:spPr>
+        <p:style>
+          <a:lnRef idx="2">
+            <a:schemeClr val="accent1">
+              <a:shade val="50000"/>
+            </a:schemeClr>
+          </a:lnRef>
+          <a:fillRef idx="1">
+            <a:schemeClr val="accent1"/>
+          </a:fillRef>
+          <a:effectRef idx="0">
+            <a:schemeClr val="accent1"/>
+          </a:effectRef>
+          <a:fontRef idx="minor">
+            <a:schemeClr val="lt1"/>
+          </a:fontRef>
+        </p:style>
+        <p:txBody>
+          <a:bodyPr rtlCol="0" anchor="ctr"/>
+          <a:lstStyle/>
+          <a:p>
+            <a:pPr algn="ctr"/>
+            <a:endParaRPr lang="en-US"/>
+          </a:p>
+        </p:txBody>
+      </p:sp>
+      <p:sp>
+        <p:nvSpPr>
+          <p:cNvPr id="32" name="Rectangle 31">
+            <a:extLst>
+              <a:ext uri="{FF2B5EF4-FFF2-40B4-BE49-F238E27FC236}">
+                <a16:creationId xmlns:a16="http://schemas.microsoft.com/office/drawing/2014/main" id="{84A8DE83-DE75-4B41-9DB4-A7EC0B0DEC0B}"/>
+              </a:ext>
+              <a:ext uri="{C183D7F6-B498-43B3-948B-1728B52AA6E4}">
+                <adec:decorative xmlns:adec="http://schemas.microsoft.com/office/drawing/2017/decorative" val="1"/>
+              </a:ext>
+            </a:extLst>
+          </p:cNvPr>
+          <p:cNvSpPr>
+            <a:spLocks noGrp="1" noRot="1" noChangeAspect="1" noMove="1" noResize="1" noEditPoints="1" noAdjustHandles="1" noChangeArrowheads="1" noChangeShapeType="1" noTextEdit="1"/>
+          </p:cNvSpPr>
+          <p:nvPr>
+            <p:extLst>
+              <p:ext uri="{386F3935-93C4-4BCD-93E2-E3B085C9AB24}">
+                <p16:designElem xmlns:p16="http://schemas.microsoft.com/office/powerpoint/2015/main" val="1"/>
+              </p:ext>
+            </p:extLst>
+          </p:nvPr>
+        </p:nvSpPr>
+        <p:spPr>
+          <a:xfrm>
+            <a:off x="0" y="0"/>
+            <a:ext cx="8128856" cy="1575461"/>
+          </a:xfrm>
+          <a:prstGeom prst="rect">
+            <a:avLst/>
+          </a:prstGeom>
+          <a:gradFill>
+            <a:gsLst>
+              <a:gs pos="0">
+                <a:schemeClr val="accent1">
+                  <a:alpha val="41000"/>
+                </a:schemeClr>
+              </a:gs>
+              <a:gs pos="74000">
+                <a:schemeClr val="accent1">
+                  <a:lumMod val="60000"/>
+                  <a:lumOff val="40000"/>
+                  <a:alpha val="0"/>
+                </a:schemeClr>
+              </a:gs>
+            </a:gsLst>
+            <a:lin ang="8400000" scaled="0"/>
+          </a:gradFill>
+          <a:ln>
+            <a:noFill/>
+          </a:ln>
+        </p:spPr>
+        <p:style>
+          <a:lnRef idx="2">
+            <a:schemeClr val="accent1">
+              <a:shade val="50000"/>
+            </a:schemeClr>
+          </a:lnRef>
+          <a:fillRef idx="1">
+            <a:schemeClr val="accent1"/>
+          </a:fillRef>
+          <a:effectRef idx="0">
+            <a:schemeClr val="accent1"/>
+          </a:effectRef>
+          <a:fontRef idx="minor">
+            <a:schemeClr val="lt1"/>
+          </a:fontRef>
+        </p:style>
+        <p:txBody>
+          <a:bodyPr rtlCol="0" anchor="ctr"/>
+          <a:lstStyle/>
+          <a:p>
+            <a:pPr algn="ctr"/>
+            <a:endParaRPr lang="en-US"/>
+          </a:p>
+        </p:txBody>
+      </p:sp>
+      <p:sp>
+        <p:nvSpPr>
+          <p:cNvPr id="34" name="Rectangle 33">
+            <a:extLst>
+              <a:ext uri="{FF2B5EF4-FFF2-40B4-BE49-F238E27FC236}">
+                <a16:creationId xmlns:a16="http://schemas.microsoft.com/office/drawing/2014/main" id="{A7009A0A-BEF5-4EAC-AF15-E4F9F002E239}"/>
+              </a:ext>
+              <a:ext uri="{C183D7F6-B498-43B3-948B-1728B52AA6E4}">
+                <adec:decorative xmlns:adec="http://schemas.microsoft.com/office/drawing/2017/decorative" val="1"/>
+              </a:ext>
+            </a:extLst>
+          </p:cNvPr>
+          <p:cNvSpPr>
+            <a:spLocks noGrp="1" noRot="1" noChangeAspect="1" noMove="1" noResize="1" noEditPoints="1" noAdjustHandles="1" noChangeArrowheads="1" noChangeShapeType="1" noTextEdit="1"/>
+          </p:cNvSpPr>
+          <p:nvPr>
+            <p:extLst>
+              <p:ext uri="{386F3935-93C4-4BCD-93E2-E3B085C9AB24}">
+                <p16:designElem xmlns:p16="http://schemas.microsoft.com/office/powerpoint/2015/main" val="1"/>
+              </p:ext>
+            </p:extLst>
+          </p:nvPr>
+        </p:nvSpPr>
+        <p:spPr>
+          <a:xfrm flipH="1">
+            <a:off x="-3" y="-1"/>
+            <a:ext cx="12192002" cy="1574311"/>
+          </a:xfrm>
+          <a:prstGeom prst="rect">
+            <a:avLst/>
+          </a:prstGeom>
+          <a:gradFill>
+            <a:gsLst>
+              <a:gs pos="0">
+                <a:srgbClr val="000000">
+                  <a:alpha val="63000"/>
+                </a:srgbClr>
+              </a:gs>
+              <a:gs pos="78000">
+                <a:schemeClr val="accent1">
+                  <a:alpha val="15000"/>
+                </a:schemeClr>
+              </a:gs>
+            </a:gsLst>
+            <a:lin ang="15600000" scaled="0"/>
+          </a:gradFill>
+          <a:ln>
+            <a:noFill/>
+          </a:ln>
+        </p:spPr>
+        <p:style>
+          <a:lnRef idx="2">
+            <a:schemeClr val="accent1">
+              <a:shade val="50000"/>
+            </a:schemeClr>
+          </a:lnRef>
+          <a:fillRef idx="1">
+            <a:schemeClr val="accent1"/>
+          </a:fillRef>
+          <a:effectRef idx="0">
+            <a:schemeClr val="accent1"/>
+          </a:effectRef>
+          <a:fontRef idx="minor">
+            <a:schemeClr val="lt1"/>
+          </a:fontRef>
+        </p:style>
+        <p:txBody>
+          <a:bodyPr rtlCol="0" anchor="ctr"/>
+          <a:lstStyle/>
+          <a:p>
+            <a:pPr algn="ctr"/>
+            <a:endParaRPr lang="en-US"/>
+          </a:p>
+        </p:txBody>
+      </p:sp>
+      <p:sp>
+        <p:nvSpPr>
+          <p:cNvPr id="23" name="Titel 1">
+            <a:extLst>
+              <a:ext uri="{FF2B5EF4-FFF2-40B4-BE49-F238E27FC236}">
+                <a16:creationId xmlns:a16="http://schemas.microsoft.com/office/drawing/2014/main" id="{863F3A40-CA48-AE6D-EF44-DC2804EF6823}"/>
+              </a:ext>
+            </a:extLst>
+          </p:cNvPr>
+          <p:cNvSpPr>
+            <a:spLocks noGrp="1"/>
+          </p:cNvSpPr>
+          <p:nvPr>
+            <p:ph type="title"/>
+          </p:nvPr>
+        </p:nvSpPr>
+        <p:spPr>
+          <a:xfrm>
+            <a:off x="699713" y="248038"/>
+            <a:ext cx="7063721" cy="1159200"/>
+          </a:xfrm>
+        </p:spPr>
+        <p:txBody>
+          <a:bodyPr vert="horz" lIns="91440" tIns="45720" rIns="91440" bIns="45720" rtlCol="0" anchor="ctr">
+            <a:normAutofit/>
+          </a:bodyPr>
+          <a:lstStyle/>
+          <a:p>
+            <a:r>
+              <a:rPr lang="en-US" sz="4000" kern="1200" dirty="0" err="1">
+                <a:solidFill>
+                  <a:srgbClr val="FFFFFF"/>
+                </a:solidFill>
+                <a:latin typeface="+mj-lt"/>
+                <a:ea typeface="+mj-ea"/>
+                <a:cs typeface="+mj-cs"/>
+              </a:rPr>
+              <a:t>Übersicht</a:t>
+            </a:r>
+            <a:endParaRPr lang="en-US" sz="4000" kern="1200" dirty="0">
+              <a:solidFill>
+                <a:srgbClr val="FFFFFF"/>
+              </a:solidFill>
+              <a:latin typeface="+mj-lt"/>
+              <a:ea typeface="+mj-ea"/>
+              <a:cs typeface="+mj-cs"/>
+            </a:endParaRPr>
+          </a:p>
+        </p:txBody>
+      </p:sp>
+      <p:graphicFrame>
+        <p:nvGraphicFramePr>
+          <p:cNvPr id="3" name="Tabelle 3">
+            <a:extLst>
+              <a:ext uri="{FF2B5EF4-FFF2-40B4-BE49-F238E27FC236}">
+                <a16:creationId xmlns:a16="http://schemas.microsoft.com/office/drawing/2014/main" id="{C5090319-5FAB-6DD2-4F1A-C34F3FFCA348}"/>
+              </a:ext>
+            </a:extLst>
+          </p:cNvPr>
+          <p:cNvGraphicFramePr>
+            <a:graphicFrameLocks noGrp="1"/>
+          </p:cNvGraphicFramePr>
+          <p:nvPr>
+            <p:extLst>
+              <p:ext uri="{D42A27DB-BD31-4B8C-83A1-F6EECF244321}">
+                <p14:modId xmlns:p14="http://schemas.microsoft.com/office/powerpoint/2010/main" val="4234951720"/>
+              </p:ext>
+            </p:extLst>
+          </p:nvPr>
+        </p:nvGraphicFramePr>
+        <p:xfrm>
+          <a:off x="2031998" y="2627979"/>
+          <a:ext cx="8128000" cy="3307080"/>
+        </p:xfrm>
+        <a:graphic>
+          <a:graphicData uri="http://schemas.openxmlformats.org/drawingml/2006/table">
+            <a:tbl>
+              <a:tblPr firstRow="1" bandRow="1">
+                <a:tableStyleId>{5C22544A-7EE6-4342-B048-85BDC9FD1C3A}</a:tableStyleId>
+              </a:tblPr>
+              <a:tblGrid>
+                <a:gridCol w="2032000">
+                  <a:extLst>
+                    <a:ext uri="{9D8B030D-6E8A-4147-A177-3AD203B41FA5}">
+                      <a16:colId xmlns:a16="http://schemas.microsoft.com/office/drawing/2014/main" val="970905035"/>
+                    </a:ext>
+                  </a:extLst>
+                </a:gridCol>
+                <a:gridCol w="2032000">
+                  <a:extLst>
+                    <a:ext uri="{9D8B030D-6E8A-4147-A177-3AD203B41FA5}">
+                      <a16:colId xmlns:a16="http://schemas.microsoft.com/office/drawing/2014/main" val="2214714320"/>
+                    </a:ext>
+                  </a:extLst>
+                </a:gridCol>
+                <a:gridCol w="2032000">
+                  <a:extLst>
+                    <a:ext uri="{9D8B030D-6E8A-4147-A177-3AD203B41FA5}">
+                      <a16:colId xmlns:a16="http://schemas.microsoft.com/office/drawing/2014/main" val="2923256234"/>
+                    </a:ext>
+                  </a:extLst>
+                </a:gridCol>
+                <a:gridCol w="2032000">
+                  <a:extLst>
+                    <a:ext uri="{9D8B030D-6E8A-4147-A177-3AD203B41FA5}">
+                      <a16:colId xmlns:a16="http://schemas.microsoft.com/office/drawing/2014/main" val="1201536397"/>
+                    </a:ext>
+                  </a:extLst>
+                </a:gridCol>
+              </a:tblGrid>
+              <a:tr h="370840">
+                <a:tc>
+                  <a:txBody>
+                    <a:bodyPr/>
+                    <a:lstStyle/>
+                    <a:p>
+                      <a:r>
+                        <a:rPr lang="de-DE" dirty="0"/>
+                        <a:t>Frage</a:t>
+                      </a:r>
+                    </a:p>
+                  </a:txBody>
+                  <a:tcPr/>
+                </a:tc>
+                <a:tc>
+                  <a:txBody>
+                    <a:bodyPr/>
+                    <a:lstStyle/>
+                    <a:p>
+                      <a:r>
+                        <a:rPr lang="de-DE" dirty="0"/>
+                        <a:t>General</a:t>
+                      </a:r>
+                    </a:p>
+                  </a:txBody>
+                  <a:tcPr/>
+                </a:tc>
+                <a:tc>
+                  <a:txBody>
+                    <a:bodyPr/>
+                    <a:lstStyle/>
+                    <a:p>
+                      <a:r>
+                        <a:rPr lang="de-DE" dirty="0" err="1"/>
+                        <a:t>Romance</a:t>
+                      </a:r>
+                      <a:endParaRPr lang="de-DE" dirty="0"/>
+                    </a:p>
+                  </a:txBody>
+                  <a:tcPr/>
+                </a:tc>
+                <a:tc>
+                  <a:txBody>
+                    <a:bodyPr/>
+                    <a:lstStyle/>
+                    <a:p>
+                      <a:r>
+                        <a:rPr lang="de-DE" dirty="0"/>
+                        <a:t>Action</a:t>
+                      </a:r>
+                    </a:p>
+                  </a:txBody>
+                  <a:tcPr/>
+                </a:tc>
+                <a:extLst>
+                  <a:ext uri="{0D108BD9-81ED-4DB2-BD59-A6C34878D82A}">
+                    <a16:rowId xmlns:a16="http://schemas.microsoft.com/office/drawing/2014/main" val="1091606911"/>
+                  </a:ext>
+                </a:extLst>
+              </a:tr>
+              <a:tr h="370840">
+                <a:tc>
+                  <a:txBody>
+                    <a:bodyPr/>
+                    <a:lstStyle/>
+                    <a:p>
+                      <a:r>
+                        <a:rPr lang="de-DE" dirty="0"/>
+                        <a:t>Hello</a:t>
+                      </a:r>
+                    </a:p>
+                  </a:txBody>
+                  <a:tcPr/>
+                </a:tc>
+                <a:tc>
+                  <a:txBody>
+                    <a:bodyPr/>
+                    <a:lstStyle/>
+                    <a:p>
+                      <a:r>
+                        <a:rPr lang="de-DE" dirty="0" err="1"/>
+                        <a:t>hello</a:t>
+                      </a:r>
+                      <a:endParaRPr lang="de-DE" dirty="0"/>
+                    </a:p>
+                  </a:txBody>
+                  <a:tcPr/>
+                </a:tc>
+                <a:tc>
+                  <a:txBody>
+                    <a:bodyPr/>
+                    <a:lstStyle/>
+                    <a:p>
+                      <a:r>
+                        <a:rPr lang="de-DE" dirty="0" err="1"/>
+                        <a:t>it</a:t>
+                      </a:r>
+                      <a:r>
+                        <a:rPr lang="de-DE" dirty="0"/>
+                        <a:t> </a:t>
+                      </a:r>
+                      <a:r>
+                        <a:rPr lang="de-DE" dirty="0" err="1"/>
+                        <a:t>is</a:t>
+                      </a:r>
+                      <a:r>
+                        <a:rPr lang="de-DE" dirty="0"/>
+                        <a:t> </a:t>
+                      </a:r>
+                      <a:r>
+                        <a:rPr lang="de-DE" dirty="0" err="1"/>
+                        <a:t>me</a:t>
+                      </a:r>
+                      <a:r>
+                        <a:rPr lang="de-DE" dirty="0"/>
+                        <a:t> </a:t>
+                      </a:r>
+                      <a:r>
+                        <a:rPr lang="de-DE" dirty="0" err="1"/>
+                        <a:t>again</a:t>
+                      </a:r>
+                      <a:endParaRPr lang="de-DE" dirty="0"/>
+                    </a:p>
+                  </a:txBody>
+                  <a:tcPr/>
+                </a:tc>
+                <a:tc>
+                  <a:txBody>
+                    <a:bodyPr/>
+                    <a:lstStyle/>
+                    <a:p>
+                      <a:r>
+                        <a:rPr lang="de-DE" dirty="0"/>
+                        <a:t>hey </a:t>
+                      </a:r>
+                      <a:r>
+                        <a:rPr lang="de-DE" dirty="0" err="1"/>
+                        <a:t>it</a:t>
+                      </a:r>
+                      <a:r>
+                        <a:rPr lang="de-DE" dirty="0"/>
+                        <a:t> </a:t>
+                      </a:r>
+                      <a:r>
+                        <a:rPr lang="de-DE" dirty="0" err="1"/>
+                        <a:t>is</a:t>
+                      </a:r>
+                      <a:r>
+                        <a:rPr lang="de-DE" dirty="0"/>
+                        <a:t> </a:t>
+                      </a:r>
+                      <a:r>
+                        <a:rPr lang="de-DE" dirty="0" err="1"/>
+                        <a:t>me</a:t>
+                      </a:r>
+                      <a:endParaRPr lang="de-DE" dirty="0"/>
+                    </a:p>
+                  </a:txBody>
+                  <a:tcPr/>
+                </a:tc>
+                <a:extLst>
+                  <a:ext uri="{0D108BD9-81ED-4DB2-BD59-A6C34878D82A}">
+                    <a16:rowId xmlns:a16="http://schemas.microsoft.com/office/drawing/2014/main" val="147281870"/>
+                  </a:ext>
+                </a:extLst>
+              </a:tr>
+              <a:tr h="370840">
+                <a:tc>
+                  <a:txBody>
+                    <a:bodyPr/>
+                    <a:lstStyle/>
+                    <a:p>
+                      <a:r>
+                        <a:rPr lang="de-DE" dirty="0" err="1"/>
+                        <a:t>How</a:t>
+                      </a:r>
+                      <a:r>
+                        <a:rPr lang="de-DE" dirty="0"/>
+                        <a:t> </a:t>
+                      </a:r>
+                      <a:r>
+                        <a:rPr lang="de-DE" dirty="0" err="1"/>
+                        <a:t>are</a:t>
+                      </a:r>
+                      <a:r>
+                        <a:rPr lang="de-DE" dirty="0"/>
+                        <a:t> </a:t>
+                      </a:r>
+                      <a:r>
+                        <a:rPr lang="de-DE" dirty="0" err="1"/>
+                        <a:t>you</a:t>
+                      </a:r>
+                      <a:r>
+                        <a:rPr lang="de-DE" dirty="0"/>
+                        <a:t> </a:t>
+                      </a:r>
+                      <a:r>
+                        <a:rPr lang="de-DE" dirty="0" err="1"/>
+                        <a:t>feeling</a:t>
+                      </a:r>
+                      <a:r>
+                        <a:rPr lang="de-DE" dirty="0"/>
+                        <a:t> </a:t>
+                      </a:r>
+                      <a:r>
+                        <a:rPr lang="de-DE" dirty="0" err="1"/>
+                        <a:t>today</a:t>
+                      </a:r>
+                      <a:r>
+                        <a:rPr lang="de-DE" dirty="0"/>
+                        <a:t>?</a:t>
+                      </a:r>
+                    </a:p>
+                  </a:txBody>
+                  <a:tcPr/>
+                </a:tc>
+                <a:tc>
+                  <a:txBody>
+                    <a:bodyPr/>
+                    <a:lstStyle/>
+                    <a:p>
+                      <a:r>
+                        <a:rPr lang="de-DE" dirty="0"/>
+                        <a:t>i </a:t>
+                      </a:r>
+                      <a:r>
+                        <a:rPr lang="de-DE" dirty="0" err="1"/>
+                        <a:t>feel</a:t>
+                      </a:r>
+                      <a:r>
+                        <a:rPr lang="de-DE" dirty="0"/>
+                        <a:t> </a:t>
+                      </a:r>
+                      <a:r>
+                        <a:rPr lang="de-DE" dirty="0" err="1"/>
+                        <a:t>much</a:t>
+                      </a:r>
+                      <a:r>
+                        <a:rPr lang="de-DE" dirty="0"/>
+                        <a:t> </a:t>
+                      </a:r>
+                      <a:r>
+                        <a:rPr lang="de-DE" dirty="0" err="1"/>
+                        <a:t>better</a:t>
+                      </a:r>
+                      <a:r>
+                        <a:rPr lang="de-DE" dirty="0"/>
+                        <a:t> </a:t>
+                      </a:r>
+                      <a:r>
+                        <a:rPr lang="de-DE" dirty="0" err="1"/>
+                        <a:t>thank</a:t>
+                      </a:r>
+                      <a:r>
+                        <a:rPr lang="de-DE" dirty="0"/>
+                        <a:t> </a:t>
+                      </a:r>
+                      <a:r>
+                        <a:rPr lang="de-DE" dirty="0" err="1"/>
+                        <a:t>you</a:t>
+                      </a:r>
+                      <a:r>
+                        <a:rPr lang="de-DE" dirty="0"/>
+                        <a:t> </a:t>
+                      </a:r>
+                      <a:r>
+                        <a:rPr lang="de-DE" dirty="0" err="1"/>
+                        <a:t>for</a:t>
+                      </a:r>
+                      <a:r>
+                        <a:rPr lang="de-DE" dirty="0"/>
+                        <a:t> </a:t>
+                      </a:r>
+                      <a:r>
+                        <a:rPr lang="de-DE" dirty="0" err="1"/>
+                        <a:t>asking</a:t>
+                      </a:r>
+                      <a:r>
+                        <a:rPr lang="de-DE" dirty="0"/>
+                        <a:t> and </a:t>
+                      </a:r>
+                      <a:r>
+                        <a:rPr lang="de-DE" dirty="0" err="1"/>
+                        <a:t>you</a:t>
+                      </a:r>
+                      <a:endParaRPr lang="de-DE" dirty="0"/>
+                    </a:p>
+                  </a:txBody>
+                  <a:tcPr/>
+                </a:tc>
+                <a:tc>
+                  <a:txBody>
+                    <a:bodyPr/>
+                    <a:lstStyle/>
+                    <a:p>
+                      <a:r>
+                        <a:rPr lang="de-DE" dirty="0"/>
+                        <a:t>i </a:t>
+                      </a:r>
+                      <a:r>
+                        <a:rPr lang="de-DE" dirty="0" err="1"/>
+                        <a:t>dont</a:t>
+                      </a:r>
+                      <a:r>
+                        <a:rPr lang="de-DE" dirty="0"/>
+                        <a:t> </a:t>
+                      </a:r>
+                      <a:r>
+                        <a:rPr lang="de-DE" dirty="0" err="1"/>
+                        <a:t>know</a:t>
+                      </a:r>
+                      <a:endParaRPr lang="de-DE" dirty="0"/>
+                    </a:p>
+                  </a:txBody>
+                  <a:tcPr/>
+                </a:tc>
+                <a:tc>
+                  <a:txBody>
+                    <a:bodyPr/>
+                    <a:lstStyle/>
+                    <a:p>
+                      <a:r>
+                        <a:rPr lang="de-DE" dirty="0" err="1"/>
+                        <a:t>head</a:t>
+                      </a:r>
+                      <a:r>
+                        <a:rPr lang="de-DE" dirty="0"/>
+                        <a:t> still </a:t>
+                      </a:r>
+                      <a:r>
+                        <a:rPr lang="de-DE" dirty="0" err="1"/>
+                        <a:t>secure</a:t>
+                      </a:r>
+                      <a:r>
+                        <a:rPr lang="de-DE" dirty="0"/>
+                        <a:t> </a:t>
+                      </a:r>
+                      <a:r>
+                        <a:rPr lang="de-DE" dirty="0" err="1"/>
+                        <a:t>to</a:t>
+                      </a:r>
+                      <a:r>
+                        <a:rPr lang="de-DE" dirty="0"/>
+                        <a:t> </a:t>
+                      </a:r>
+                      <a:r>
+                        <a:rPr lang="de-DE" dirty="0" err="1"/>
+                        <a:t>the</a:t>
+                      </a:r>
+                      <a:r>
+                        <a:rPr lang="de-DE" dirty="0"/>
+                        <a:t> neck</a:t>
+                      </a:r>
+                    </a:p>
+                  </a:txBody>
+                  <a:tcPr/>
+                </a:tc>
+                <a:extLst>
+                  <a:ext uri="{0D108BD9-81ED-4DB2-BD59-A6C34878D82A}">
+                    <a16:rowId xmlns:a16="http://schemas.microsoft.com/office/drawing/2014/main" val="2903131653"/>
+                  </a:ext>
+                </a:extLst>
+              </a:tr>
+              <a:tr h="370840">
+                <a:tc>
+                  <a:txBody>
+                    <a:bodyPr/>
+                    <a:lstStyle/>
+                    <a:p>
+                      <a:r>
+                        <a:rPr lang="de-DE" dirty="0" err="1"/>
+                        <a:t>What</a:t>
+                      </a:r>
+                      <a:r>
+                        <a:rPr lang="de-DE" dirty="0"/>
+                        <a:t> time </a:t>
+                      </a:r>
+                      <a:r>
+                        <a:rPr lang="de-DE" dirty="0" err="1"/>
+                        <a:t>is</a:t>
+                      </a:r>
+                      <a:r>
+                        <a:rPr lang="de-DE" dirty="0"/>
+                        <a:t> </a:t>
+                      </a:r>
+                      <a:r>
+                        <a:rPr lang="de-DE" dirty="0" err="1"/>
+                        <a:t>it</a:t>
+                      </a:r>
+                      <a:r>
+                        <a:rPr lang="de-DE" dirty="0"/>
+                        <a:t>?</a:t>
+                      </a:r>
+                    </a:p>
+                  </a:txBody>
+                  <a:tcPr/>
+                </a:tc>
+                <a:tc>
+                  <a:txBody>
+                    <a:bodyPr/>
+                    <a:lstStyle/>
+                    <a:p>
+                      <a:r>
+                        <a:rPr lang="de-DE" dirty="0" err="1"/>
+                        <a:t>quarter</a:t>
+                      </a:r>
+                      <a:r>
+                        <a:rPr lang="de-DE" dirty="0"/>
+                        <a:t> after </a:t>
+                      </a:r>
+                      <a:r>
+                        <a:rPr lang="de-DE" dirty="0" err="1"/>
+                        <a:t>one</a:t>
+                      </a:r>
+                      <a:r>
+                        <a:rPr lang="de-DE" dirty="0"/>
+                        <a:t> </a:t>
+                      </a:r>
+                      <a:r>
+                        <a:rPr lang="de-DE" dirty="0" err="1"/>
+                        <a:t>why</a:t>
+                      </a:r>
+                      <a:endParaRPr lang="de-DE" dirty="0"/>
+                    </a:p>
+                  </a:txBody>
+                  <a:tcPr/>
+                </a:tc>
+                <a:tc>
+                  <a:txBody>
+                    <a:bodyPr/>
+                    <a:lstStyle/>
+                    <a:p>
+                      <a:r>
+                        <a:rPr lang="de-DE" dirty="0" err="1"/>
+                        <a:t>eight</a:t>
+                      </a:r>
+                      <a:r>
+                        <a:rPr lang="de-DE" dirty="0"/>
+                        <a:t> </a:t>
+                      </a:r>
+                      <a:r>
+                        <a:rPr lang="de-DE" dirty="0" err="1"/>
+                        <a:t>oclock</a:t>
+                      </a:r>
+                      <a:r>
+                        <a:rPr lang="de-DE" dirty="0"/>
+                        <a:t> </a:t>
+                      </a:r>
+                      <a:r>
+                        <a:rPr lang="de-DE" dirty="0" err="1"/>
+                        <a:t>you</a:t>
+                      </a:r>
+                      <a:r>
+                        <a:rPr lang="de-DE" dirty="0"/>
+                        <a:t> </a:t>
+                      </a:r>
+                      <a:r>
+                        <a:rPr lang="de-DE" dirty="0" err="1"/>
+                        <a:t>got</a:t>
+                      </a:r>
+                      <a:r>
+                        <a:rPr lang="de-DE" dirty="0"/>
+                        <a:t> </a:t>
+                      </a:r>
+                      <a:r>
+                        <a:rPr lang="de-DE" dirty="0" err="1"/>
+                        <a:t>to</a:t>
+                      </a:r>
+                      <a:r>
+                        <a:rPr lang="de-DE" dirty="0"/>
+                        <a:t> </a:t>
+                      </a:r>
+                      <a:r>
+                        <a:rPr lang="de-DE" dirty="0" err="1"/>
+                        <a:t>go</a:t>
+                      </a:r>
+                      <a:endParaRPr lang="de-DE" dirty="0"/>
+                    </a:p>
+                  </a:txBody>
+                  <a:tcPr/>
+                </a:tc>
+                <a:tc>
+                  <a:txBody>
+                    <a:bodyPr/>
+                    <a:lstStyle/>
+                    <a:p>
+                      <a:r>
+                        <a:rPr lang="de-DE" dirty="0" err="1"/>
+                        <a:t>why</a:t>
+                      </a:r>
+                      <a:endParaRPr lang="de-DE" dirty="0"/>
+                    </a:p>
+                  </a:txBody>
+                  <a:tcPr/>
+                </a:tc>
+                <a:extLst>
+                  <a:ext uri="{0D108BD9-81ED-4DB2-BD59-A6C34878D82A}">
+                    <a16:rowId xmlns:a16="http://schemas.microsoft.com/office/drawing/2014/main" val="3345736242"/>
+                  </a:ext>
+                </a:extLst>
+              </a:tr>
+              <a:tr h="370840">
+                <a:tc>
+                  <a:txBody>
+                    <a:bodyPr/>
+                    <a:lstStyle/>
+                    <a:p>
+                      <a:r>
+                        <a:rPr lang="de-DE" dirty="0" err="1"/>
+                        <a:t>What</a:t>
+                      </a:r>
+                      <a:r>
+                        <a:rPr lang="de-DE" dirty="0"/>
+                        <a:t> </a:t>
+                      </a:r>
+                      <a:r>
+                        <a:rPr lang="de-DE" dirty="0" err="1"/>
+                        <a:t>are</a:t>
+                      </a:r>
+                      <a:r>
+                        <a:rPr lang="de-DE" dirty="0"/>
+                        <a:t> </a:t>
+                      </a:r>
+                      <a:r>
+                        <a:rPr lang="de-DE" dirty="0" err="1"/>
+                        <a:t>you</a:t>
+                      </a:r>
+                      <a:r>
+                        <a:rPr lang="de-DE" dirty="0"/>
+                        <a:t> </a:t>
+                      </a:r>
+                      <a:r>
+                        <a:rPr lang="de-DE" dirty="0" err="1"/>
+                        <a:t>doing</a:t>
+                      </a:r>
+                      <a:r>
+                        <a:rPr lang="de-DE" dirty="0"/>
+                        <a:t>?</a:t>
+                      </a:r>
+                    </a:p>
+                  </a:txBody>
+                  <a:tcPr/>
+                </a:tc>
+                <a:tc>
+                  <a:txBody>
+                    <a:bodyPr/>
+                    <a:lstStyle/>
+                    <a:p>
+                      <a:r>
+                        <a:rPr lang="de-DE" dirty="0"/>
+                        <a:t>I am </a:t>
+                      </a:r>
+                      <a:r>
+                        <a:rPr lang="de-DE" dirty="0" err="1"/>
+                        <a:t>looking</a:t>
+                      </a:r>
+                      <a:r>
+                        <a:rPr lang="de-DE" dirty="0"/>
+                        <a:t> </a:t>
+                      </a:r>
+                      <a:r>
+                        <a:rPr lang="de-DE" dirty="0" err="1"/>
+                        <a:t>for</a:t>
+                      </a:r>
+                      <a:r>
+                        <a:rPr lang="de-DE" dirty="0"/>
+                        <a:t> </a:t>
+                      </a:r>
+                      <a:r>
+                        <a:rPr lang="de-DE" dirty="0" err="1"/>
+                        <a:t>someone</a:t>
+                      </a:r>
+                      <a:endParaRPr lang="de-DE" dirty="0"/>
+                    </a:p>
+                  </a:txBody>
+                  <a:tcPr/>
+                </a:tc>
+                <a:tc>
+                  <a:txBody>
+                    <a:bodyPr/>
+                    <a:lstStyle/>
+                    <a:p>
+                      <a:r>
+                        <a:rPr lang="de-DE" dirty="0"/>
+                        <a:t>i am </a:t>
+                      </a:r>
+                      <a:r>
+                        <a:rPr lang="de-DE" dirty="0" err="1"/>
+                        <a:t>getting</a:t>
+                      </a:r>
+                      <a:r>
+                        <a:rPr lang="de-DE" dirty="0"/>
+                        <a:t> </a:t>
+                      </a:r>
+                      <a:r>
+                        <a:rPr lang="de-DE" dirty="0" err="1"/>
+                        <a:t>dressed</a:t>
+                      </a:r>
+                      <a:endParaRPr lang="de-DE" dirty="0"/>
+                    </a:p>
+                  </a:txBody>
+                  <a:tcPr/>
+                </a:tc>
+                <a:tc>
+                  <a:txBody>
+                    <a:bodyPr/>
+                    <a:lstStyle/>
+                    <a:p>
+                      <a:r>
+                        <a:rPr lang="de-DE" dirty="0" err="1"/>
+                        <a:t>sis</a:t>
+                      </a:r>
+                      <a:r>
+                        <a:rPr lang="de-DE" dirty="0"/>
+                        <a:t> </a:t>
+                      </a:r>
+                      <a:r>
+                        <a:rPr lang="de-DE" dirty="0" err="1"/>
+                        <a:t>let</a:t>
+                      </a:r>
+                      <a:r>
+                        <a:rPr lang="de-DE" dirty="0"/>
+                        <a:t> </a:t>
+                      </a:r>
+                      <a:r>
+                        <a:rPr lang="de-DE" dirty="0" err="1"/>
+                        <a:t>me</a:t>
+                      </a:r>
+                      <a:r>
+                        <a:rPr lang="de-DE" dirty="0"/>
+                        <a:t> </a:t>
+                      </a:r>
+                      <a:r>
+                        <a:rPr lang="de-DE" dirty="0" err="1"/>
+                        <a:t>take</a:t>
+                      </a:r>
+                      <a:r>
+                        <a:rPr lang="de-DE" dirty="0"/>
+                        <a:t> care </a:t>
+                      </a:r>
+                      <a:r>
+                        <a:rPr lang="de-DE" dirty="0" err="1"/>
+                        <a:t>of</a:t>
+                      </a:r>
+                      <a:r>
+                        <a:rPr lang="de-DE" dirty="0"/>
+                        <a:t> </a:t>
+                      </a:r>
+                      <a:r>
+                        <a:rPr lang="de-DE" dirty="0" err="1"/>
+                        <a:t>you</a:t>
+                      </a:r>
+                      <a:r>
+                        <a:rPr lang="de-DE" dirty="0"/>
+                        <a:t> </a:t>
+                      </a:r>
+                      <a:r>
+                        <a:rPr lang="de-DE" dirty="0" err="1"/>
+                        <a:t>for</a:t>
+                      </a:r>
+                      <a:r>
+                        <a:rPr lang="de-DE" dirty="0"/>
+                        <a:t> </a:t>
+                      </a:r>
+                      <a:r>
+                        <a:rPr lang="de-DE" dirty="0" err="1"/>
+                        <a:t>once</a:t>
+                      </a:r>
+                      <a:endParaRPr lang="de-DE" dirty="0"/>
+                    </a:p>
+                  </a:txBody>
+                  <a:tcPr/>
+                </a:tc>
+                <a:extLst>
+                  <a:ext uri="{0D108BD9-81ED-4DB2-BD59-A6C34878D82A}">
+                    <a16:rowId xmlns:a16="http://schemas.microsoft.com/office/drawing/2014/main" val="2805852494"/>
+                  </a:ext>
+                </a:extLst>
+              </a:tr>
+              <a:tr h="370840">
+                <a:tc>
+                  <a:txBody>
+                    <a:bodyPr/>
+                    <a:lstStyle/>
+                    <a:p>
+                      <a:r>
+                        <a:rPr lang="de-DE" dirty="0" err="1"/>
+                        <a:t>We</a:t>
+                      </a:r>
+                      <a:r>
+                        <a:rPr lang="de-DE" dirty="0"/>
+                        <a:t> </a:t>
+                      </a:r>
+                      <a:r>
+                        <a:rPr lang="de-DE" dirty="0" err="1"/>
+                        <a:t>have</a:t>
+                      </a:r>
+                      <a:r>
+                        <a:rPr lang="de-DE" dirty="0"/>
+                        <a:t> </a:t>
+                      </a:r>
+                      <a:r>
+                        <a:rPr lang="de-DE" dirty="0" err="1"/>
+                        <a:t>to</a:t>
+                      </a:r>
+                      <a:r>
+                        <a:rPr lang="de-DE" dirty="0"/>
+                        <a:t> </a:t>
+                      </a:r>
+                      <a:r>
+                        <a:rPr lang="de-DE" dirty="0" err="1"/>
+                        <a:t>go</a:t>
+                      </a:r>
+                      <a:r>
+                        <a:rPr lang="de-DE" dirty="0"/>
+                        <a:t>!</a:t>
+                      </a:r>
+                    </a:p>
+                  </a:txBody>
+                  <a:tcPr/>
+                </a:tc>
+                <a:tc>
+                  <a:txBody>
+                    <a:bodyPr/>
+                    <a:lstStyle/>
+                    <a:p>
+                      <a:r>
+                        <a:rPr lang="de-DE" dirty="0" err="1"/>
+                        <a:t>no</a:t>
+                      </a:r>
+                      <a:r>
+                        <a:rPr lang="de-DE" dirty="0"/>
+                        <a:t> i </a:t>
+                      </a:r>
+                      <a:r>
+                        <a:rPr lang="de-DE" dirty="0" err="1"/>
+                        <a:t>dont</a:t>
+                      </a:r>
+                      <a:endParaRPr lang="de-DE" dirty="0"/>
+                    </a:p>
+                  </a:txBody>
+                  <a:tcPr/>
+                </a:tc>
+                <a:tc>
+                  <a:txBody>
+                    <a:bodyPr/>
+                    <a:lstStyle/>
+                    <a:p>
+                      <a:r>
+                        <a:rPr lang="de-DE" dirty="0" err="1"/>
+                        <a:t>no</a:t>
+                      </a:r>
+                      <a:r>
+                        <a:rPr lang="de-DE" dirty="0"/>
+                        <a:t> i </a:t>
+                      </a:r>
+                      <a:r>
+                        <a:rPr lang="de-DE" dirty="0" err="1"/>
+                        <a:t>got</a:t>
+                      </a:r>
+                      <a:r>
+                        <a:rPr lang="de-DE" dirty="0"/>
+                        <a:t> </a:t>
+                      </a:r>
+                      <a:r>
+                        <a:rPr lang="de-DE" dirty="0" err="1"/>
+                        <a:t>to</a:t>
+                      </a:r>
+                      <a:r>
+                        <a:rPr lang="de-DE" dirty="0"/>
+                        <a:t> find </a:t>
+                      </a:r>
+                      <a:r>
+                        <a:rPr lang="de-DE" dirty="0" err="1"/>
+                        <a:t>him</a:t>
+                      </a:r>
+                      <a:endParaRPr lang="de-DE" dirty="0"/>
+                    </a:p>
+                  </a:txBody>
+                  <a:tcPr/>
+                </a:tc>
+                <a:tc>
+                  <a:txBody>
+                    <a:bodyPr/>
+                    <a:lstStyle/>
+                    <a:p>
+                      <a:r>
+                        <a:rPr lang="de-DE" dirty="0" err="1"/>
+                        <a:t>daddy</a:t>
+                      </a:r>
+                      <a:r>
+                        <a:rPr lang="de-DE" dirty="0"/>
+                        <a:t> </a:t>
+                      </a:r>
+                      <a:r>
+                        <a:rPr lang="de-DE" dirty="0" err="1"/>
+                        <a:t>is</a:t>
+                      </a:r>
+                      <a:r>
+                        <a:rPr lang="de-DE" dirty="0"/>
+                        <a:t> </a:t>
+                      </a:r>
+                      <a:r>
+                        <a:rPr lang="de-DE" dirty="0" err="1"/>
+                        <a:t>dead</a:t>
+                      </a:r>
+                      <a:endParaRPr lang="de-DE" dirty="0"/>
+                    </a:p>
+                  </a:txBody>
+                  <a:tcPr/>
+                </a:tc>
+                <a:extLst>
+                  <a:ext uri="{0D108BD9-81ED-4DB2-BD59-A6C34878D82A}">
+                    <a16:rowId xmlns:a16="http://schemas.microsoft.com/office/drawing/2014/main" val="145248023"/>
+                  </a:ext>
+                </a:extLst>
+              </a:tr>
+            </a:tbl>
+          </a:graphicData>
+        </a:graphic>
+      </p:graphicFrame>
+    </p:spTree>
+    <p:extLst>
+      <p:ext uri="{BB962C8B-B14F-4D97-AF65-F5344CB8AC3E}">
+        <p14:creationId xmlns:p14="http://schemas.microsoft.com/office/powerpoint/2010/main" val="4126201586"/>
+      </p:ext>
+    </p:extLst>
+  </p:cSld>
+  <p:clrMapOvr>
+    <a:masterClrMapping/>
+  </p:clrMapOvr>
+</p:sld>
+</file>
+
+<file path=ppt/slides/slide2.xml><?xml version="1.0" encoding="utf-8"?>
 <p:sld xmlns:a="http://schemas.openxmlformats.org/drawingml/2006/main" xmlns:r="http://schemas.openxmlformats.org/officeDocument/2006/relationships" xmlns:p="http://schemas.openxmlformats.org/presentationml/2006/main">
   <p:cSld>
     <p:bg>
@@ -12093,12 +12503,12 @@
           <a:p>
             <a:pPr algn="r"/>
             <a:r>
-              <a:rPr lang="de-DE" sz="3100" dirty="0">
+              <a:rPr lang="de-DE" sz="3100">
                 <a:solidFill>
                   <a:srgbClr val="FFFFFF"/>
                 </a:solidFill>
               </a:rPr>
-              <a:t>Datengrundlage</a:t>
+              <a:t>Aufgabenstellung</a:t>
             </a:r>
           </a:p>
         </p:txBody>
@@ -12132,52 +12542,51 @@
           <a:lstStyle/>
           <a:p>
             <a:r>
-              <a:rPr lang="de-DE" sz="2000" dirty="0"/>
-              <a:t>Datengrundlage: Cornell Movie-Dialogs Corpus</a:t>
+              <a:rPr lang="de-DE" sz="2000" b="0" i="0" u="none" strike="noStrike" dirty="0">
+                <a:effectLst/>
+                <a:latin typeface="-apple-system"/>
+              </a:rPr>
+              <a:t>Erstellung eines Chatbot, der auf eine Frage mit einer Antwort im "Filmjargon" antwortet</a:t>
             </a:r>
           </a:p>
           <a:p>
-            <a:pPr lvl="1"/>
+            <a:pPr>
+              <a:buFont typeface="Arial" panose="020B0604020202020204" pitchFamily="34" charset="0"/>
+              <a:buChar char="•"/>
+            </a:pPr>
             <a:r>
-              <a:rPr lang="de-DE" sz="2000" dirty="0"/>
-              <a:t>Datenbank mit Filmdialogen</a:t>
+              <a:rPr lang="de-DE" sz="2000" b="0" i="0" u="none" strike="noStrike" dirty="0">
+                <a:effectLst/>
+                <a:latin typeface="-apple-system"/>
+              </a:rPr>
+              <a:t>Verwendung eines tiefen neuronalen Netzes</a:t>
             </a:r>
           </a:p>
           <a:p>
-            <a:pPr lvl="1"/>
+            <a:pPr>
+              <a:buFont typeface="Arial" panose="020B0604020202020204" pitchFamily="34" charset="0"/>
+              <a:buChar char="•"/>
+            </a:pPr>
             <a:r>
-              <a:rPr lang="de-DE" sz="2000" dirty="0"/>
-              <a:t>Ca. </a:t>
+              <a:rPr lang="de-DE" sz="2000" dirty="0">
+                <a:latin typeface="-apple-system"/>
+              </a:rPr>
+              <a:t>Antwort abhängig von Film-Genre</a:t>
             </a:r>
-            <a:r>
-              <a:rPr lang="de-DE" sz="2000"/>
-              <a:t>83.000 </a:t>
-            </a:r>
-            <a:r>
-              <a:rPr lang="de-DE" sz="2000" dirty="0"/>
-              <a:t>Konversationen zwischen ca. 10.000 Paaren aus Filmcharakteren</a:t>
-            </a:r>
-          </a:p>
-          <a:p>
-            <a:pPr lvl="1"/>
-            <a:r>
-              <a:rPr lang="de-DE" sz="2000" dirty="0"/>
-              <a:t>9.000 Charaktere aus 617 Filmen</a:t>
-            </a:r>
-          </a:p>
-          <a:p>
-            <a:pPr lvl="1"/>
-            <a:r>
-              <a:rPr lang="de-DE" sz="2000" dirty="0"/>
-              <a:t>Ca. 300.000 Zitate</a:t>
-            </a:r>
+            <a:endParaRPr lang="de-DE" sz="2000" b="0" i="0" u="none" strike="noStrike" dirty="0">
+              <a:effectLst/>
+              <a:latin typeface="-apple-system"/>
+            </a:endParaRPr>
+          </a:p>
+          <a:p>
+            <a:endParaRPr lang="de-DE" sz="2000" dirty="0"/>
           </a:p>
         </p:txBody>
       </p:sp>
     </p:spTree>
     <p:extLst>
       <p:ext uri="{BB962C8B-B14F-4D97-AF65-F5344CB8AC3E}">
-        <p14:creationId xmlns:p14="http://schemas.microsoft.com/office/powerpoint/2010/main" val="4096060827"/>
+        <p14:creationId xmlns:p14="http://schemas.microsoft.com/office/powerpoint/2010/main" val="2895611882"/>
       </p:ext>
     </p:extLst>
   </p:cSld>
@@ -12187,627 +12596,7 @@
 </p:sld>
 </file>
 
-<file path=ppt/slides/slide4.xml><?xml version="1.0" encoding="utf-8"?>
-<p:sld xmlns:a="http://schemas.openxmlformats.org/drawingml/2006/main" xmlns:r="http://schemas.openxmlformats.org/officeDocument/2006/relationships" xmlns:p="http://schemas.openxmlformats.org/presentationml/2006/main">
-  <p:cSld>
-    <p:bg>
-      <p:bgPr>
-        <a:solidFill>
-          <a:schemeClr val="bg1"/>
-        </a:solidFill>
-        <a:effectLst/>
-      </p:bgPr>
-    </p:bg>
-    <p:spTree>
-      <p:nvGrpSpPr>
-        <p:cNvPr id="1" name=""/>
-        <p:cNvGrpSpPr/>
-        <p:nvPr/>
-      </p:nvGrpSpPr>
-      <p:grpSpPr>
-        <a:xfrm>
-          <a:off x="0" y="0"/>
-          <a:ext cx="0" cy="0"/>
-          <a:chOff x="0" y="0"/>
-          <a:chExt cx="0" cy="0"/>
-        </a:xfrm>
-      </p:grpSpPr>
-      <p:sp useBgFill="1">
-        <p:nvSpPr>
-          <p:cNvPr id="28" name="Rectangle 27">
-            <a:extLst>
-              <a:ext uri="{FF2B5EF4-FFF2-40B4-BE49-F238E27FC236}">
-                <a16:creationId xmlns:a16="http://schemas.microsoft.com/office/drawing/2014/main" id="{A8384FB5-9ADC-4DDC-881B-597D56F5B15D}"/>
-              </a:ext>
-              <a:ext uri="{C183D7F6-B498-43B3-948B-1728B52AA6E4}">
-                <adec:decorative xmlns:adec="http://schemas.microsoft.com/office/drawing/2017/decorative" val="1"/>
-              </a:ext>
-            </a:extLst>
-          </p:cNvPr>
-          <p:cNvSpPr>
-            <a:spLocks noGrp="1" noRot="1" noChangeAspect="1" noMove="1" noResize="1" noEditPoints="1" noAdjustHandles="1" noChangeArrowheads="1" noChangeShapeType="1" noTextEdit="1"/>
-          </p:cNvSpPr>
-          <p:nvPr>
-            <p:extLst>
-              <p:ext uri="{386F3935-93C4-4BCD-93E2-E3B085C9AB24}">
-                <p16:designElem xmlns:p16="http://schemas.microsoft.com/office/powerpoint/2015/main" val="1"/>
-              </p:ext>
-            </p:extLst>
-          </p:nvPr>
-        </p:nvSpPr>
-        <p:spPr>
-          <a:xfrm>
-            <a:off x="0" y="0"/>
-            <a:ext cx="12192000" cy="6858000"/>
-          </a:xfrm>
-          <a:prstGeom prst="rect">
-            <a:avLst/>
-          </a:prstGeom>
-          <a:ln w="12700" cap="flat" cmpd="sng" algn="ctr">
-            <a:noFill/>
-            <a:prstDash val="solid"/>
-            <a:miter lim="800000"/>
-          </a:ln>
-          <a:effectLst/>
-          <a:extLst>
-            <a:ext uri="{91240B29-F687-4F45-9708-019B960494DF}">
-              <a14:hiddenLine xmlns:a14="http://schemas.microsoft.com/office/drawing/2010/main" w="12700" cap="flat" cmpd="sng" algn="ctr">
-                <a:solidFill>
-                  <a:schemeClr val="accent1">
-                    <a:shade val="50000"/>
-                  </a:schemeClr>
-                </a:solidFill>
-                <a:prstDash val="solid"/>
-                <a:miter lim="800000"/>
-              </a14:hiddenLine>
-            </a:ext>
-          </a:extLst>
-        </p:spPr>
-        <p:style>
-          <a:lnRef idx="2">
-            <a:schemeClr val="accent1">
-              <a:shade val="50000"/>
-            </a:schemeClr>
-          </a:lnRef>
-          <a:fillRef idx="1">
-            <a:schemeClr val="accent1"/>
-          </a:fillRef>
-          <a:effectRef idx="0">
-            <a:schemeClr val="accent1"/>
-          </a:effectRef>
-          <a:fontRef idx="minor">
-            <a:schemeClr val="lt1"/>
-          </a:fontRef>
-        </p:style>
-        <p:txBody>
-          <a:bodyPr rtlCol="0" anchor="ctr"/>
-          <a:lstStyle/>
-          <a:p>
-            <a:pPr algn="ctr"/>
-            <a:endParaRPr lang="en-US"/>
-          </a:p>
-        </p:txBody>
-      </p:sp>
-      <p:sp>
-        <p:nvSpPr>
-          <p:cNvPr id="30" name="Rectangle 29">
-            <a:extLst>
-              <a:ext uri="{FF2B5EF4-FFF2-40B4-BE49-F238E27FC236}">
-                <a16:creationId xmlns:a16="http://schemas.microsoft.com/office/drawing/2014/main" id="{1199E1B1-A8C0-4FE8-A5A8-1CB41D69F857}"/>
-              </a:ext>
-              <a:ext uri="{C183D7F6-B498-43B3-948B-1728B52AA6E4}">
-                <adec:decorative xmlns:adec="http://schemas.microsoft.com/office/drawing/2017/decorative" val="1"/>
-              </a:ext>
-            </a:extLst>
-          </p:cNvPr>
-          <p:cNvSpPr>
-            <a:spLocks noGrp="1" noRot="1" noChangeAspect="1" noMove="1" noResize="1" noEditPoints="1" noAdjustHandles="1" noChangeArrowheads="1" noChangeShapeType="1" noTextEdit="1"/>
-          </p:cNvSpPr>
-          <p:nvPr>
-            <p:extLst>
-              <p:ext uri="{386F3935-93C4-4BCD-93E2-E3B085C9AB24}">
-                <p16:designElem xmlns:p16="http://schemas.microsoft.com/office/powerpoint/2015/main" val="1"/>
-              </p:ext>
-            </p:extLst>
-          </p:nvPr>
-        </p:nvSpPr>
-        <p:spPr>
-          <a:xfrm rot="10800000" flipH="1">
-            <a:off x="2" y="0"/>
-            <a:ext cx="12191998" cy="1575955"/>
-          </a:xfrm>
-          <a:prstGeom prst="rect">
-            <a:avLst/>
-          </a:prstGeom>
-          <a:gradFill>
-            <a:gsLst>
-              <a:gs pos="0">
-                <a:srgbClr val="000000">
-                  <a:alpha val="96000"/>
-                </a:srgbClr>
-              </a:gs>
-              <a:gs pos="100000">
-                <a:schemeClr val="accent1">
-                  <a:lumMod val="75000"/>
-                </a:schemeClr>
-              </a:gs>
-            </a:gsLst>
-            <a:lin ang="6000000" scaled="0"/>
-          </a:gradFill>
-          <a:ln>
-            <a:noFill/>
-          </a:ln>
-        </p:spPr>
-        <p:style>
-          <a:lnRef idx="2">
-            <a:schemeClr val="accent1">
-              <a:shade val="50000"/>
-            </a:schemeClr>
-          </a:lnRef>
-          <a:fillRef idx="1">
-            <a:schemeClr val="accent1"/>
-          </a:fillRef>
-          <a:effectRef idx="0">
-            <a:schemeClr val="accent1"/>
-          </a:effectRef>
-          <a:fontRef idx="minor">
-            <a:schemeClr val="lt1"/>
-          </a:fontRef>
-        </p:style>
-        <p:txBody>
-          <a:bodyPr rtlCol="0" anchor="ctr"/>
-          <a:lstStyle/>
-          <a:p>
-            <a:pPr algn="ctr"/>
-            <a:endParaRPr lang="en-US"/>
-          </a:p>
-        </p:txBody>
-      </p:sp>
-      <p:sp>
-        <p:nvSpPr>
-          <p:cNvPr id="32" name="Rectangle 31">
-            <a:extLst>
-              <a:ext uri="{FF2B5EF4-FFF2-40B4-BE49-F238E27FC236}">
-                <a16:creationId xmlns:a16="http://schemas.microsoft.com/office/drawing/2014/main" id="{84A8DE83-DE75-4B41-9DB4-A7EC0B0DEC0B}"/>
-              </a:ext>
-              <a:ext uri="{C183D7F6-B498-43B3-948B-1728B52AA6E4}">
-                <adec:decorative xmlns:adec="http://schemas.microsoft.com/office/drawing/2017/decorative" val="1"/>
-              </a:ext>
-            </a:extLst>
-          </p:cNvPr>
-          <p:cNvSpPr>
-            <a:spLocks noGrp="1" noRot="1" noChangeAspect="1" noMove="1" noResize="1" noEditPoints="1" noAdjustHandles="1" noChangeArrowheads="1" noChangeShapeType="1" noTextEdit="1"/>
-          </p:cNvSpPr>
-          <p:nvPr>
-            <p:extLst>
-              <p:ext uri="{386F3935-93C4-4BCD-93E2-E3B085C9AB24}">
-                <p16:designElem xmlns:p16="http://schemas.microsoft.com/office/powerpoint/2015/main" val="1"/>
-              </p:ext>
-            </p:extLst>
-          </p:nvPr>
-        </p:nvSpPr>
-        <p:spPr>
-          <a:xfrm>
-            <a:off x="0" y="0"/>
-            <a:ext cx="8128856" cy="1575461"/>
-          </a:xfrm>
-          <a:prstGeom prst="rect">
-            <a:avLst/>
-          </a:prstGeom>
-          <a:gradFill>
-            <a:gsLst>
-              <a:gs pos="0">
-                <a:schemeClr val="accent1">
-                  <a:alpha val="41000"/>
-                </a:schemeClr>
-              </a:gs>
-              <a:gs pos="74000">
-                <a:schemeClr val="accent1">
-                  <a:lumMod val="60000"/>
-                  <a:lumOff val="40000"/>
-                  <a:alpha val="0"/>
-                </a:schemeClr>
-              </a:gs>
-            </a:gsLst>
-            <a:lin ang="8400000" scaled="0"/>
-          </a:gradFill>
-          <a:ln>
-            <a:noFill/>
-          </a:ln>
-        </p:spPr>
-        <p:style>
-          <a:lnRef idx="2">
-            <a:schemeClr val="accent1">
-              <a:shade val="50000"/>
-            </a:schemeClr>
-          </a:lnRef>
-          <a:fillRef idx="1">
-            <a:schemeClr val="accent1"/>
-          </a:fillRef>
-          <a:effectRef idx="0">
-            <a:schemeClr val="accent1"/>
-          </a:effectRef>
-          <a:fontRef idx="minor">
-            <a:schemeClr val="lt1"/>
-          </a:fontRef>
-        </p:style>
-        <p:txBody>
-          <a:bodyPr rtlCol="0" anchor="ctr"/>
-          <a:lstStyle/>
-          <a:p>
-            <a:pPr algn="ctr"/>
-            <a:endParaRPr lang="en-US"/>
-          </a:p>
-        </p:txBody>
-      </p:sp>
-      <p:sp>
-        <p:nvSpPr>
-          <p:cNvPr id="34" name="Rectangle 33">
-            <a:extLst>
-              <a:ext uri="{FF2B5EF4-FFF2-40B4-BE49-F238E27FC236}">
-                <a16:creationId xmlns:a16="http://schemas.microsoft.com/office/drawing/2014/main" id="{A7009A0A-BEF5-4EAC-AF15-E4F9F002E239}"/>
-              </a:ext>
-              <a:ext uri="{C183D7F6-B498-43B3-948B-1728B52AA6E4}">
-                <adec:decorative xmlns:adec="http://schemas.microsoft.com/office/drawing/2017/decorative" val="1"/>
-              </a:ext>
-            </a:extLst>
-          </p:cNvPr>
-          <p:cNvSpPr>
-            <a:spLocks noGrp="1" noRot="1" noChangeAspect="1" noMove="1" noResize="1" noEditPoints="1" noAdjustHandles="1" noChangeArrowheads="1" noChangeShapeType="1" noTextEdit="1"/>
-          </p:cNvSpPr>
-          <p:nvPr>
-            <p:extLst>
-              <p:ext uri="{386F3935-93C4-4BCD-93E2-E3B085C9AB24}">
-                <p16:designElem xmlns:p16="http://schemas.microsoft.com/office/powerpoint/2015/main" val="1"/>
-              </p:ext>
-            </p:extLst>
-          </p:nvPr>
-        </p:nvSpPr>
-        <p:spPr>
-          <a:xfrm flipH="1">
-            <a:off x="-3" y="-1"/>
-            <a:ext cx="12192002" cy="1574311"/>
-          </a:xfrm>
-          <a:prstGeom prst="rect">
-            <a:avLst/>
-          </a:prstGeom>
-          <a:gradFill>
-            <a:gsLst>
-              <a:gs pos="0">
-                <a:srgbClr val="000000">
-                  <a:alpha val="63000"/>
-                </a:srgbClr>
-              </a:gs>
-              <a:gs pos="78000">
-                <a:schemeClr val="accent1">
-                  <a:alpha val="15000"/>
-                </a:schemeClr>
-              </a:gs>
-            </a:gsLst>
-            <a:lin ang="15600000" scaled="0"/>
-          </a:gradFill>
-          <a:ln>
-            <a:noFill/>
-          </a:ln>
-        </p:spPr>
-        <p:style>
-          <a:lnRef idx="2">
-            <a:schemeClr val="accent1">
-              <a:shade val="50000"/>
-            </a:schemeClr>
-          </a:lnRef>
-          <a:fillRef idx="1">
-            <a:schemeClr val="accent1"/>
-          </a:fillRef>
-          <a:effectRef idx="0">
-            <a:schemeClr val="accent1"/>
-          </a:effectRef>
-          <a:fontRef idx="minor">
-            <a:schemeClr val="lt1"/>
-          </a:fontRef>
-        </p:style>
-        <p:txBody>
-          <a:bodyPr rtlCol="0" anchor="ctr"/>
-          <a:lstStyle/>
-          <a:p>
-            <a:pPr algn="ctr"/>
-            <a:endParaRPr lang="en-US"/>
-          </a:p>
-        </p:txBody>
-      </p:sp>
-      <p:sp>
-        <p:nvSpPr>
-          <p:cNvPr id="23" name="Titel 1">
-            <a:extLst>
-              <a:ext uri="{FF2B5EF4-FFF2-40B4-BE49-F238E27FC236}">
-                <a16:creationId xmlns:a16="http://schemas.microsoft.com/office/drawing/2014/main" id="{863F3A40-CA48-AE6D-EF44-DC2804EF6823}"/>
-              </a:ext>
-            </a:extLst>
-          </p:cNvPr>
-          <p:cNvSpPr>
-            <a:spLocks noGrp="1"/>
-          </p:cNvSpPr>
-          <p:nvPr>
-            <p:ph type="title"/>
-          </p:nvPr>
-        </p:nvSpPr>
-        <p:spPr>
-          <a:xfrm>
-            <a:off x="699713" y="248038"/>
-            <a:ext cx="7063721" cy="1159200"/>
-          </a:xfrm>
-        </p:spPr>
-        <p:txBody>
-          <a:bodyPr vert="horz" lIns="91440" tIns="45720" rIns="91440" bIns="45720" rtlCol="0" anchor="ctr">
-            <a:normAutofit/>
-          </a:bodyPr>
-          <a:lstStyle/>
-          <a:p>
-            <a:r>
-              <a:rPr lang="de-DE" sz="4000" dirty="0">
-                <a:solidFill>
-                  <a:schemeClr val="bg1"/>
-                </a:solidFill>
-              </a:rPr>
-              <a:t>Datenvorbereitung</a:t>
-            </a:r>
-            <a:endParaRPr lang="en-US" sz="4000" kern="1200" dirty="0">
-              <a:solidFill>
-                <a:schemeClr val="bg1"/>
-              </a:solidFill>
-              <a:latin typeface="+mj-lt"/>
-              <a:ea typeface="+mj-ea"/>
-              <a:cs typeface="+mj-cs"/>
-            </a:endParaRPr>
-          </a:p>
-        </p:txBody>
-      </p:sp>
-      <p:pic>
-        <p:nvPicPr>
-          <p:cNvPr id="6" name="Grafik 5">
-            <a:extLst>
-              <a:ext uri="{FF2B5EF4-FFF2-40B4-BE49-F238E27FC236}">
-                <a16:creationId xmlns:a16="http://schemas.microsoft.com/office/drawing/2014/main" id="{56A1C27D-E90A-DAD8-0BC5-B3BDCBE5CF5A}"/>
-              </a:ext>
-            </a:extLst>
-          </p:cNvPr>
-          <p:cNvPicPr>
-            <a:picLocks noChangeAspect="1"/>
-          </p:cNvPicPr>
-          <p:nvPr/>
-        </p:nvPicPr>
-        <p:blipFill>
-          <a:blip r:embed="rId2">
-            <a:extLst>
-              <a:ext uri="{28A0092B-C50C-407E-A947-70E740481C1C}">
-                <a14:useLocalDpi xmlns:a14="http://schemas.microsoft.com/office/drawing/2010/main" val="0"/>
-              </a:ext>
-            </a:extLst>
-          </a:blip>
-          <a:stretch>
-            <a:fillRect/>
-          </a:stretch>
-        </p:blipFill>
-        <p:spPr>
-          <a:xfrm>
-            <a:off x="2540079" y="3028415"/>
-            <a:ext cx="7111842" cy="616264"/>
-          </a:xfrm>
-          <a:prstGeom prst="rect">
-            <a:avLst/>
-          </a:prstGeom>
-        </p:spPr>
-      </p:pic>
-      <p:pic>
-        <p:nvPicPr>
-          <p:cNvPr id="7" name="Grafik 6">
-            <a:extLst>
-              <a:ext uri="{FF2B5EF4-FFF2-40B4-BE49-F238E27FC236}">
-                <a16:creationId xmlns:a16="http://schemas.microsoft.com/office/drawing/2014/main" id="{F5C41D48-EAEE-B883-DBD2-FEFC3C5434E4}"/>
-              </a:ext>
-            </a:extLst>
-          </p:cNvPr>
-          <p:cNvPicPr>
-            <a:picLocks noChangeAspect="1"/>
-          </p:cNvPicPr>
-          <p:nvPr/>
-        </p:nvPicPr>
-        <p:blipFill>
-          <a:blip r:embed="rId3"/>
-          <a:stretch>
-            <a:fillRect/>
-          </a:stretch>
-        </p:blipFill>
-        <p:spPr>
-          <a:xfrm>
-            <a:off x="187252" y="4495022"/>
-            <a:ext cx="11623478" cy="500598"/>
-          </a:xfrm>
-          <a:prstGeom prst="rect">
-            <a:avLst/>
-          </a:prstGeom>
-        </p:spPr>
-      </p:pic>
-      <p:cxnSp>
-        <p:nvCxnSpPr>
-          <p:cNvPr id="8" name="Gerade Verbindung mit Pfeil 7">
-            <a:extLst>
-              <a:ext uri="{FF2B5EF4-FFF2-40B4-BE49-F238E27FC236}">
-                <a16:creationId xmlns:a16="http://schemas.microsoft.com/office/drawing/2014/main" id="{AD024AB6-447B-1E2A-BA16-3EC83E4C4015}"/>
-              </a:ext>
-            </a:extLst>
-          </p:cNvPr>
-          <p:cNvCxnSpPr>
-            <a:cxnSpLocks/>
-          </p:cNvCxnSpPr>
-          <p:nvPr/>
-        </p:nvCxnSpPr>
-        <p:spPr>
-          <a:xfrm flipV="1">
-            <a:off x="364067" y="3684222"/>
-            <a:ext cx="4664931" cy="735372"/>
-          </a:xfrm>
-          <a:prstGeom prst="straightConnector1">
-            <a:avLst/>
-          </a:prstGeom>
-          <a:ln w="12700">
-            <a:solidFill>
-              <a:srgbClr val="FF0000"/>
-            </a:solidFill>
-            <a:tailEnd type="triangle"/>
-          </a:ln>
-        </p:spPr>
-        <p:style>
-          <a:lnRef idx="1">
-            <a:schemeClr val="accent1"/>
-          </a:lnRef>
-          <a:fillRef idx="0">
-            <a:schemeClr val="accent1"/>
-          </a:fillRef>
-          <a:effectRef idx="0">
-            <a:schemeClr val="accent1"/>
-          </a:effectRef>
-          <a:fontRef idx="minor">
-            <a:schemeClr val="tx1"/>
-          </a:fontRef>
-        </p:style>
-      </p:cxnSp>
-      <p:pic>
-        <p:nvPicPr>
-          <p:cNvPr id="9" name="Grafik 8">
-            <a:extLst>
-              <a:ext uri="{FF2B5EF4-FFF2-40B4-BE49-F238E27FC236}">
-                <a16:creationId xmlns:a16="http://schemas.microsoft.com/office/drawing/2014/main" id="{99D33672-BF83-953D-94BB-EB24CB486F98}"/>
-              </a:ext>
-            </a:extLst>
-          </p:cNvPr>
-          <p:cNvPicPr>
-            <a:picLocks noChangeAspect="1"/>
-          </p:cNvPicPr>
-          <p:nvPr/>
-        </p:nvPicPr>
-        <p:blipFill>
-          <a:blip r:embed="rId4"/>
-          <a:stretch>
-            <a:fillRect/>
-          </a:stretch>
-        </p:blipFill>
-        <p:spPr>
-          <a:xfrm>
-            <a:off x="187252" y="5531967"/>
-            <a:ext cx="11623478" cy="580959"/>
-          </a:xfrm>
-          <a:prstGeom prst="rect">
-            <a:avLst/>
-          </a:prstGeom>
-        </p:spPr>
-      </p:pic>
-      <p:cxnSp>
-        <p:nvCxnSpPr>
-          <p:cNvPr id="10" name="Gerade Verbindung mit Pfeil 9">
-            <a:extLst>
-              <a:ext uri="{FF2B5EF4-FFF2-40B4-BE49-F238E27FC236}">
-                <a16:creationId xmlns:a16="http://schemas.microsoft.com/office/drawing/2014/main" id="{03FA0C8C-CF28-8E06-22ED-100654EE3F65}"/>
-              </a:ext>
-            </a:extLst>
-          </p:cNvPr>
-          <p:cNvCxnSpPr>
-            <a:cxnSpLocks/>
-          </p:cNvCxnSpPr>
-          <p:nvPr/>
-        </p:nvCxnSpPr>
-        <p:spPr>
-          <a:xfrm flipV="1">
-            <a:off x="364067" y="3702164"/>
-            <a:ext cx="8788400" cy="1776808"/>
-          </a:xfrm>
-          <a:prstGeom prst="straightConnector1">
-            <a:avLst/>
-          </a:prstGeom>
-          <a:ln w="12700">
-            <a:solidFill>
-              <a:srgbClr val="FF0000"/>
-            </a:solidFill>
-            <a:tailEnd type="triangle"/>
-          </a:ln>
-        </p:spPr>
-        <p:style>
-          <a:lnRef idx="1">
-            <a:schemeClr val="accent1"/>
-          </a:lnRef>
-          <a:fillRef idx="0">
-            <a:schemeClr val="accent1"/>
-          </a:fillRef>
-          <a:effectRef idx="0">
-            <a:schemeClr val="accent1"/>
-          </a:effectRef>
-          <a:fontRef idx="minor">
-            <a:schemeClr val="tx1"/>
-          </a:fontRef>
-        </p:style>
-      </p:cxnSp>
-      <p:sp>
-        <p:nvSpPr>
-          <p:cNvPr id="11" name="Textfeld 10">
-            <a:extLst>
-              <a:ext uri="{FF2B5EF4-FFF2-40B4-BE49-F238E27FC236}">
-                <a16:creationId xmlns:a16="http://schemas.microsoft.com/office/drawing/2014/main" id="{73D72093-B49D-87A8-70AC-73F515EFB4E2}"/>
-              </a:ext>
-            </a:extLst>
-          </p:cNvPr>
-          <p:cNvSpPr txBox="1"/>
-          <p:nvPr/>
-        </p:nvSpPr>
-        <p:spPr>
-          <a:xfrm>
-            <a:off x="745337" y="1103848"/>
-            <a:ext cx="11446663" cy="369332"/>
-          </a:xfrm>
-          <a:prstGeom prst="rect">
-            <a:avLst/>
-          </a:prstGeom>
-          <a:noFill/>
-        </p:spPr>
-        <p:txBody>
-          <a:bodyPr wrap="square" rtlCol="0">
-            <a:spAutoFit/>
-          </a:bodyPr>
-          <a:lstStyle/>
-          <a:p>
-            <a:r>
-              <a:rPr lang="de-DE" dirty="0">
-                <a:solidFill>
-                  <a:schemeClr val="bg1"/>
-                </a:solidFill>
-                <a:sym typeface="Wingdings" pitchFamily="2" charset="2"/>
-              </a:rPr>
-              <a:t> </a:t>
-            </a:r>
-            <a:r>
-              <a:rPr lang="de-DE" dirty="0">
-                <a:solidFill>
-                  <a:schemeClr val="bg1"/>
-                </a:solidFill>
-              </a:rPr>
-              <a:t>Filtern der Konversationen nach Genre</a:t>
-            </a:r>
-          </a:p>
-        </p:txBody>
-      </p:sp>
-    </p:spTree>
-    <p:extLst>
-      <p:ext uri="{BB962C8B-B14F-4D97-AF65-F5344CB8AC3E}">
-        <p14:creationId xmlns:p14="http://schemas.microsoft.com/office/powerpoint/2010/main" val="914728822"/>
-      </p:ext>
-    </p:extLst>
-  </p:cSld>
-  <p:clrMapOvr>
-    <a:masterClrMapping/>
-  </p:clrMapOvr>
-</p:sld>
-</file>
-
-<file path=ppt/slides/slide5.xml><?xml version="1.0" encoding="utf-8"?>
+<file path=ppt/slides/slide3.xml><?xml version="1.0" encoding="utf-8"?>
 <p:sld xmlns:a="http://schemas.openxmlformats.org/drawingml/2006/main" xmlns:r="http://schemas.openxmlformats.org/officeDocument/2006/relationships" xmlns:p="http://schemas.openxmlformats.org/presentationml/2006/main">
   <p:cSld>
     <p:bg>
@@ -13456,10 +13245,10 @@
       </p:sp>
       <p:sp>
         <p:nvSpPr>
-          <p:cNvPr id="23" name="Titel 1">
-            <a:extLst>
-              <a:ext uri="{FF2B5EF4-FFF2-40B4-BE49-F238E27FC236}">
-                <a16:creationId xmlns:a16="http://schemas.microsoft.com/office/drawing/2014/main" id="{863F3A40-CA48-AE6D-EF44-DC2804EF6823}"/>
+          <p:cNvPr id="2" name="Titel 1">
+            <a:extLst>
+              <a:ext uri="{FF2B5EF4-FFF2-40B4-BE49-F238E27FC236}">
+                <a16:creationId xmlns:a16="http://schemas.microsoft.com/office/drawing/2014/main" id="{DF54C3C9-DF28-E38A-67EA-8C3C91F72C39}"/>
               </a:ext>
             </a:extLst>
           </p:cNvPr>
@@ -13489,1010 +13278,70 @@
                   <a:srgbClr val="FFFFFF"/>
                 </a:solidFill>
               </a:rPr>
-              <a:t>Datenvorbereitung</a:t>
+              <a:t>Datengrundlage</a:t>
             </a:r>
-          </a:p>
-        </p:txBody>
-      </p:sp>
-      <p:graphicFrame>
-        <p:nvGraphicFramePr>
-          <p:cNvPr id="26" name="Tabelle 4">
-            <a:extLst>
-              <a:ext uri="{FF2B5EF4-FFF2-40B4-BE49-F238E27FC236}">
-                <a16:creationId xmlns:a16="http://schemas.microsoft.com/office/drawing/2014/main" id="{C091519E-335F-4DF1-B9CA-744B0F6F0B75}"/>
-              </a:ext>
-            </a:extLst>
-          </p:cNvPr>
-          <p:cNvGraphicFramePr>
-            <a:graphicFrameLocks noGrp="1"/>
-          </p:cNvGraphicFramePr>
-          <p:nvPr>
-            <p:extLst>
-              <p:ext uri="{D42A27DB-BD31-4B8C-83A1-F6EECF244321}">
-                <p14:modId xmlns:p14="http://schemas.microsoft.com/office/powerpoint/2010/main" val="3875572900"/>
-              </p:ext>
-            </p:extLst>
-          </p:nvPr>
-        </p:nvGraphicFramePr>
-        <p:xfrm>
-          <a:off x="5722067" y="4700920"/>
-          <a:ext cx="5807324" cy="1887994"/>
-        </p:xfrm>
-        <a:graphic>
-          <a:graphicData uri="http://schemas.openxmlformats.org/drawingml/2006/table">
-            <a:tbl>
-              <a:tblPr firstRow="1" bandRow="1">
-                <a:tableStyleId>{5C22544A-7EE6-4342-B048-85BDC9FD1C3A}</a:tableStyleId>
-              </a:tblPr>
-              <a:tblGrid>
-                <a:gridCol w="1931725">
-                  <a:extLst>
-                    <a:ext uri="{9D8B030D-6E8A-4147-A177-3AD203B41FA5}">
-                      <a16:colId xmlns:a16="http://schemas.microsoft.com/office/drawing/2014/main" val="611631800"/>
-                    </a:ext>
-                  </a:extLst>
-                </a:gridCol>
-                <a:gridCol w="1931725">
-                  <a:extLst>
-                    <a:ext uri="{9D8B030D-6E8A-4147-A177-3AD203B41FA5}">
-                      <a16:colId xmlns:a16="http://schemas.microsoft.com/office/drawing/2014/main" val="3552424295"/>
-                    </a:ext>
-                  </a:extLst>
-                </a:gridCol>
-                <a:gridCol w="1943874">
-                  <a:extLst>
-                    <a:ext uri="{9D8B030D-6E8A-4147-A177-3AD203B41FA5}">
-                      <a16:colId xmlns:a16="http://schemas.microsoft.com/office/drawing/2014/main" val="3322447718"/>
-                    </a:ext>
-                  </a:extLst>
-                </a:gridCol>
-              </a:tblGrid>
-              <a:tr h="335011">
-                <a:tc>
-                  <a:txBody>
-                    <a:bodyPr/>
-                    <a:lstStyle/>
-                    <a:p>
-                      <a:r>
-                        <a:rPr lang="de-DE" dirty="0"/>
-                        <a:t>Index</a:t>
-                      </a:r>
-                    </a:p>
-                  </a:txBody>
-                  <a:tcPr/>
-                </a:tc>
-                <a:tc>
-                  <a:txBody>
-                    <a:bodyPr/>
-                    <a:lstStyle/>
-                    <a:p>
-                      <a:r>
-                        <a:rPr lang="de-DE" dirty="0"/>
-                        <a:t>Fragen</a:t>
-                      </a:r>
-                    </a:p>
-                  </a:txBody>
-                  <a:tcPr/>
-                </a:tc>
-                <a:tc>
-                  <a:txBody>
-                    <a:bodyPr/>
-                    <a:lstStyle/>
-                    <a:p>
-                      <a:r>
-                        <a:rPr lang="de-DE" dirty="0"/>
-                        <a:t>Antworten</a:t>
-                      </a:r>
-                    </a:p>
-                  </a:txBody>
-                  <a:tcPr/>
-                </a:tc>
-                <a:extLst>
-                  <a:ext uri="{0D108BD9-81ED-4DB2-BD59-A6C34878D82A}">
-                    <a16:rowId xmlns:a16="http://schemas.microsoft.com/office/drawing/2014/main" val="2384756661"/>
-                  </a:ext>
-                </a:extLst>
-              </a:tr>
-              <a:tr h="578237">
-                <a:tc>
-                  <a:txBody>
-                    <a:bodyPr/>
-                    <a:lstStyle/>
-                    <a:p>
-                      <a:r>
-                        <a:rPr lang="de-DE" dirty="0"/>
-                        <a:t>0</a:t>
-                      </a:r>
-                    </a:p>
-                  </a:txBody>
-                  <a:tcPr/>
-                </a:tc>
-                <a:tc>
-                  <a:txBody>
-                    <a:bodyPr/>
-                    <a:lstStyle/>
-                    <a:p>
-                      <a:r>
-                        <a:rPr lang="de-DE" dirty="0"/>
-                        <a:t>hi</a:t>
-                      </a:r>
-                    </a:p>
-                  </a:txBody>
-                  <a:tcPr/>
-                </a:tc>
-                <a:tc>
-                  <a:txBody>
-                    <a:bodyPr/>
-                    <a:lstStyle/>
-                    <a:p>
-                      <a:r>
-                        <a:rPr lang="de-DE" dirty="0"/>
-                        <a:t>hey </a:t>
-                      </a:r>
-                      <a:r>
-                        <a:rPr lang="de-DE" dirty="0" err="1"/>
-                        <a:t>how</a:t>
-                      </a:r>
-                      <a:r>
-                        <a:rPr lang="de-DE" dirty="0"/>
-                        <a:t> </a:t>
-                      </a:r>
-                      <a:r>
-                        <a:rPr lang="de-DE" dirty="0" err="1"/>
-                        <a:t>are</a:t>
-                      </a:r>
-                      <a:r>
-                        <a:rPr lang="de-DE" dirty="0"/>
-                        <a:t> </a:t>
-                      </a:r>
-                      <a:r>
-                        <a:rPr lang="de-DE" dirty="0" err="1"/>
-                        <a:t>you</a:t>
-                      </a:r>
-                      <a:endParaRPr lang="de-DE" dirty="0"/>
-                    </a:p>
-                  </a:txBody>
-                  <a:tcPr/>
-                </a:tc>
-                <a:extLst>
-                  <a:ext uri="{0D108BD9-81ED-4DB2-BD59-A6C34878D82A}">
-                    <a16:rowId xmlns:a16="http://schemas.microsoft.com/office/drawing/2014/main" val="2840057128"/>
-                  </a:ext>
-                </a:extLst>
-              </a:tr>
-              <a:tr h="578237">
-                <a:tc>
-                  <a:txBody>
-                    <a:bodyPr/>
-                    <a:lstStyle/>
-                    <a:p>
-                      <a:r>
-                        <a:rPr lang="de-DE" dirty="0"/>
-                        <a:t>1</a:t>
-                      </a:r>
-                    </a:p>
-                  </a:txBody>
-                  <a:tcPr/>
-                </a:tc>
-                <a:tc>
-                  <a:txBody>
-                    <a:bodyPr/>
-                    <a:lstStyle/>
-                    <a:p>
-                      <a:r>
-                        <a:rPr lang="de-DE" dirty="0"/>
-                        <a:t>hey </a:t>
-                      </a:r>
-                      <a:r>
-                        <a:rPr lang="de-DE" dirty="0" err="1"/>
-                        <a:t>how</a:t>
-                      </a:r>
-                      <a:r>
-                        <a:rPr lang="de-DE" dirty="0"/>
-                        <a:t> </a:t>
-                      </a:r>
-                      <a:r>
-                        <a:rPr lang="de-DE" dirty="0" err="1"/>
-                        <a:t>are</a:t>
-                      </a:r>
-                      <a:r>
-                        <a:rPr lang="de-DE" dirty="0"/>
-                        <a:t> </a:t>
-                      </a:r>
-                      <a:r>
-                        <a:rPr lang="de-DE" dirty="0" err="1"/>
-                        <a:t>you</a:t>
-                      </a:r>
-                      <a:endParaRPr lang="de-DE" dirty="0"/>
-                    </a:p>
-                  </a:txBody>
-                  <a:tcPr/>
-                </a:tc>
-                <a:tc>
-                  <a:txBody>
-                    <a:bodyPr/>
-                    <a:lstStyle/>
-                    <a:p>
-                      <a:r>
-                        <a:rPr lang="de-DE" dirty="0"/>
-                        <a:t>i am </a:t>
-                      </a:r>
-                      <a:r>
-                        <a:rPr lang="de-DE" dirty="0" err="1"/>
-                        <a:t>fine</a:t>
-                      </a:r>
-                      <a:endParaRPr lang="de-DE" dirty="0"/>
-                    </a:p>
-                  </a:txBody>
-                  <a:tcPr/>
-                </a:tc>
-                <a:extLst>
-                  <a:ext uri="{0D108BD9-81ED-4DB2-BD59-A6C34878D82A}">
-                    <a16:rowId xmlns:a16="http://schemas.microsoft.com/office/drawing/2014/main" val="3828760073"/>
-                  </a:ext>
-                </a:extLst>
-              </a:tr>
-              <a:tr h="335011">
-                <a:tc>
-                  <a:txBody>
-                    <a:bodyPr/>
-                    <a:lstStyle/>
-                    <a:p>
-                      <a:pPr marL="0" marR="0" lvl="0" indent="0" algn="l" defTabSz="914400" rtl="0" eaLnBrk="1" fontAlgn="auto" latinLnBrk="0" hangingPunct="1">
-                        <a:lnSpc>
-                          <a:spcPct val="100000"/>
-                        </a:lnSpc>
-                        <a:spcBef>
-                          <a:spcPts val="0"/>
-                        </a:spcBef>
-                        <a:spcAft>
-                          <a:spcPts val="0"/>
-                        </a:spcAft>
-                        <a:buClrTx/>
-                        <a:buSzTx/>
-                        <a:buFontTx/>
-                        <a:buNone/>
-                        <a:tabLst/>
-                        <a:defRPr/>
-                      </a:pPr>
-                      <a:r>
-                        <a:rPr lang="de-DE" dirty="0"/>
-                        <a:t>2</a:t>
-                      </a:r>
-                    </a:p>
-                  </a:txBody>
-                  <a:tcPr/>
-                </a:tc>
-                <a:tc>
-                  <a:txBody>
-                    <a:bodyPr/>
-                    <a:lstStyle/>
-                    <a:p>
-                      <a:pPr marL="0" marR="0" lvl="0" indent="0" algn="l" defTabSz="914400" rtl="0" eaLnBrk="1" fontAlgn="auto" latinLnBrk="0" hangingPunct="1">
-                        <a:lnSpc>
-                          <a:spcPct val="100000"/>
-                        </a:lnSpc>
-                        <a:spcBef>
-                          <a:spcPts val="0"/>
-                        </a:spcBef>
-                        <a:spcAft>
-                          <a:spcPts val="0"/>
-                        </a:spcAft>
-                        <a:buClrTx/>
-                        <a:buSzTx/>
-                        <a:buFontTx/>
-                        <a:buNone/>
-                        <a:tabLst/>
-                        <a:defRPr/>
-                      </a:pPr>
-                      <a:r>
-                        <a:rPr lang="de-DE" dirty="0"/>
-                        <a:t>i am </a:t>
-                      </a:r>
-                      <a:r>
-                        <a:rPr lang="de-DE" dirty="0" err="1"/>
-                        <a:t>fine</a:t>
-                      </a:r>
-                      <a:endParaRPr lang="de-DE" dirty="0"/>
-                    </a:p>
-                  </a:txBody>
-                  <a:tcPr/>
-                </a:tc>
-                <a:tc>
-                  <a:txBody>
-                    <a:bodyPr/>
-                    <a:lstStyle/>
-                    <a:p>
-                      <a:r>
-                        <a:rPr lang="de-DE" dirty="0"/>
-                        <a:t>i am </a:t>
-                      </a:r>
-                      <a:r>
-                        <a:rPr lang="de-DE" dirty="0" err="1"/>
-                        <a:t>fine</a:t>
-                      </a:r>
-                      <a:r>
-                        <a:rPr lang="de-DE" dirty="0"/>
-                        <a:t> </a:t>
-                      </a:r>
-                      <a:r>
-                        <a:rPr lang="de-DE" dirty="0" err="1"/>
-                        <a:t>too</a:t>
-                      </a:r>
-                      <a:endParaRPr lang="de-DE" dirty="0"/>
-                    </a:p>
-                  </a:txBody>
-                  <a:tcPr/>
-                </a:tc>
-                <a:extLst>
-                  <a:ext uri="{0D108BD9-81ED-4DB2-BD59-A6C34878D82A}">
-                    <a16:rowId xmlns:a16="http://schemas.microsoft.com/office/drawing/2014/main" val="1885178541"/>
-                  </a:ext>
-                </a:extLst>
-              </a:tr>
-            </a:tbl>
-          </a:graphicData>
-        </a:graphic>
-      </p:graphicFrame>
-      <p:graphicFrame>
-        <p:nvGraphicFramePr>
-          <p:cNvPr id="30" name="Tabelle 4">
-            <a:extLst>
-              <a:ext uri="{FF2B5EF4-FFF2-40B4-BE49-F238E27FC236}">
-                <a16:creationId xmlns:a16="http://schemas.microsoft.com/office/drawing/2014/main" id="{355A7492-2B18-5535-89D4-78744D3ABDBF}"/>
-              </a:ext>
-            </a:extLst>
-          </p:cNvPr>
-          <p:cNvGraphicFramePr>
-            <a:graphicFrameLocks noGrp="1"/>
-          </p:cNvGraphicFramePr>
-          <p:nvPr>
-            <p:extLst>
-              <p:ext uri="{D42A27DB-BD31-4B8C-83A1-F6EECF244321}">
-                <p14:modId xmlns:p14="http://schemas.microsoft.com/office/powerpoint/2010/main" val="1674856482"/>
-              </p:ext>
-            </p:extLst>
-          </p:nvPr>
-        </p:nvGraphicFramePr>
-        <p:xfrm>
-          <a:off x="5722068" y="330584"/>
-          <a:ext cx="3739660" cy="1854200"/>
-        </p:xfrm>
-        <a:graphic>
-          <a:graphicData uri="http://schemas.openxmlformats.org/drawingml/2006/table">
-            <a:tbl>
-              <a:tblPr firstRow="1" bandRow="1">
-                <a:tableStyleId>{5C22544A-7EE6-4342-B048-85BDC9FD1C3A}</a:tableStyleId>
-              </a:tblPr>
-              <a:tblGrid>
-                <a:gridCol w="3739660">
-                  <a:extLst>
-                    <a:ext uri="{9D8B030D-6E8A-4147-A177-3AD203B41FA5}">
-                      <a16:colId xmlns:a16="http://schemas.microsoft.com/office/drawing/2014/main" val="3552424295"/>
-                    </a:ext>
-                  </a:extLst>
-                </a:gridCol>
-              </a:tblGrid>
-              <a:tr h="370840">
-                <a:tc>
-                  <a:txBody>
-                    <a:bodyPr/>
-                    <a:lstStyle/>
-                    <a:p>
-                      <a:r>
-                        <a:rPr lang="de-DE" dirty="0"/>
-                        <a:t>Konversation</a:t>
-                      </a:r>
-                    </a:p>
-                  </a:txBody>
-                  <a:tcPr/>
-                </a:tc>
-                <a:extLst>
-                  <a:ext uri="{0D108BD9-81ED-4DB2-BD59-A6C34878D82A}">
-                    <a16:rowId xmlns:a16="http://schemas.microsoft.com/office/drawing/2014/main" val="2384756661"/>
-                  </a:ext>
-                </a:extLst>
-              </a:tr>
-              <a:tr h="370840">
-                <a:tc>
-                  <a:txBody>
-                    <a:bodyPr/>
-                    <a:lstStyle/>
-                    <a:p>
-                      <a:r>
-                        <a:rPr lang="de-DE" dirty="0"/>
-                        <a:t>A: Hi!</a:t>
-                      </a:r>
-                    </a:p>
-                  </a:txBody>
-                  <a:tcPr/>
-                </a:tc>
-                <a:extLst>
-                  <a:ext uri="{0D108BD9-81ED-4DB2-BD59-A6C34878D82A}">
-                    <a16:rowId xmlns:a16="http://schemas.microsoft.com/office/drawing/2014/main" val="2840057128"/>
-                  </a:ext>
-                </a:extLst>
-              </a:tr>
-              <a:tr h="370840">
-                <a:tc>
-                  <a:txBody>
-                    <a:bodyPr/>
-                    <a:lstStyle/>
-                    <a:p>
-                      <a:r>
-                        <a:rPr lang="de-DE" dirty="0"/>
-                        <a:t>B: Hey </a:t>
-                      </a:r>
-                      <a:r>
-                        <a:rPr lang="de-DE" dirty="0" err="1"/>
-                        <a:t>how´re</a:t>
-                      </a:r>
-                      <a:r>
-                        <a:rPr lang="de-DE" dirty="0"/>
-                        <a:t> </a:t>
-                      </a:r>
-                      <a:r>
-                        <a:rPr lang="de-DE" dirty="0" err="1"/>
-                        <a:t>you</a:t>
-                      </a:r>
-                      <a:r>
-                        <a:rPr lang="de-DE" dirty="0"/>
-                        <a:t>?</a:t>
-                      </a:r>
-                    </a:p>
-                  </a:txBody>
-                  <a:tcPr/>
-                </a:tc>
-                <a:extLst>
-                  <a:ext uri="{0D108BD9-81ED-4DB2-BD59-A6C34878D82A}">
-                    <a16:rowId xmlns:a16="http://schemas.microsoft.com/office/drawing/2014/main" val="3828760073"/>
-                  </a:ext>
-                </a:extLst>
-              </a:tr>
-              <a:tr h="370840">
-                <a:tc>
-                  <a:txBody>
-                    <a:bodyPr/>
-                    <a:lstStyle/>
-                    <a:p>
-                      <a:pPr marL="0" marR="0" lvl="0" indent="0" algn="l" defTabSz="914400" rtl="0" eaLnBrk="1" fontAlgn="auto" latinLnBrk="0" hangingPunct="1">
-                        <a:lnSpc>
-                          <a:spcPct val="100000"/>
-                        </a:lnSpc>
-                        <a:spcBef>
-                          <a:spcPts val="0"/>
-                        </a:spcBef>
-                        <a:spcAft>
-                          <a:spcPts val="0"/>
-                        </a:spcAft>
-                        <a:buClrTx/>
-                        <a:buSzTx/>
-                        <a:buFontTx/>
-                        <a:buNone/>
-                        <a:tabLst/>
-                        <a:defRPr/>
-                      </a:pPr>
-                      <a:r>
-                        <a:rPr lang="de-DE" dirty="0"/>
-                        <a:t>A: </a:t>
-                      </a:r>
-                      <a:r>
-                        <a:rPr lang="de-DE" dirty="0" err="1"/>
-                        <a:t>I´m</a:t>
-                      </a:r>
-                      <a:r>
-                        <a:rPr lang="de-DE" dirty="0"/>
-                        <a:t> </a:t>
-                      </a:r>
-                      <a:r>
-                        <a:rPr lang="de-DE" dirty="0" err="1"/>
-                        <a:t>fine</a:t>
-                      </a:r>
-                      <a:r>
-                        <a:rPr lang="de-DE" dirty="0"/>
-                        <a:t>.</a:t>
-                      </a:r>
-                    </a:p>
-                  </a:txBody>
-                  <a:tcPr/>
-                </a:tc>
-                <a:extLst>
-                  <a:ext uri="{0D108BD9-81ED-4DB2-BD59-A6C34878D82A}">
-                    <a16:rowId xmlns:a16="http://schemas.microsoft.com/office/drawing/2014/main" val="1885178541"/>
-                  </a:ext>
-                </a:extLst>
-              </a:tr>
-              <a:tr h="370840">
-                <a:tc>
-                  <a:txBody>
-                    <a:bodyPr/>
-                    <a:lstStyle/>
-                    <a:p>
-                      <a:pPr marL="0" marR="0" lvl="0" indent="0" algn="l" defTabSz="914400" rtl="0" eaLnBrk="1" fontAlgn="auto" latinLnBrk="0" hangingPunct="1">
-                        <a:lnSpc>
-                          <a:spcPct val="100000"/>
-                        </a:lnSpc>
-                        <a:spcBef>
-                          <a:spcPts val="0"/>
-                        </a:spcBef>
-                        <a:spcAft>
-                          <a:spcPts val="0"/>
-                        </a:spcAft>
-                        <a:buClrTx/>
-                        <a:buSzTx/>
-                        <a:buFontTx/>
-                        <a:buNone/>
-                        <a:tabLst/>
-                        <a:defRPr/>
-                      </a:pPr>
-                      <a:r>
-                        <a:rPr lang="de-DE" dirty="0"/>
-                        <a:t>B: </a:t>
-                      </a:r>
-                      <a:r>
-                        <a:rPr lang="de-DE" dirty="0" err="1"/>
-                        <a:t>I'm</a:t>
-                      </a:r>
-                      <a:r>
-                        <a:rPr lang="de-DE" dirty="0"/>
-                        <a:t> </a:t>
-                      </a:r>
-                      <a:r>
-                        <a:rPr lang="de-DE" dirty="0" err="1"/>
-                        <a:t>fine</a:t>
-                      </a:r>
-                      <a:r>
-                        <a:rPr lang="de-DE" dirty="0"/>
-                        <a:t> </a:t>
-                      </a:r>
-                      <a:r>
-                        <a:rPr lang="de-DE" dirty="0" err="1"/>
-                        <a:t>too</a:t>
-                      </a:r>
-                      <a:r>
-                        <a:rPr lang="de-DE" dirty="0"/>
-                        <a:t>.</a:t>
-                      </a:r>
-                    </a:p>
-                  </a:txBody>
-                  <a:tcPr/>
-                </a:tc>
-                <a:extLst>
-                  <a:ext uri="{0D108BD9-81ED-4DB2-BD59-A6C34878D82A}">
-                    <a16:rowId xmlns:a16="http://schemas.microsoft.com/office/drawing/2014/main" val="629237646"/>
-                  </a:ext>
-                </a:extLst>
-              </a:tr>
-            </a:tbl>
-          </a:graphicData>
-        </a:graphic>
-      </p:graphicFrame>
-      <p:graphicFrame>
-        <p:nvGraphicFramePr>
-          <p:cNvPr id="31" name="Tabelle 4">
-            <a:extLst>
-              <a:ext uri="{FF2B5EF4-FFF2-40B4-BE49-F238E27FC236}">
-                <a16:creationId xmlns:a16="http://schemas.microsoft.com/office/drawing/2014/main" id="{6299CADD-697D-8774-0D6D-89A7B26D268B}"/>
-              </a:ext>
-            </a:extLst>
-          </p:cNvPr>
-          <p:cNvGraphicFramePr>
-            <a:graphicFrameLocks noGrp="1"/>
-          </p:cNvGraphicFramePr>
-          <p:nvPr>
-            <p:extLst>
-              <p:ext uri="{D42A27DB-BD31-4B8C-83A1-F6EECF244321}">
-                <p14:modId xmlns:p14="http://schemas.microsoft.com/office/powerpoint/2010/main" val="192161204"/>
-              </p:ext>
-            </p:extLst>
-          </p:nvPr>
-        </p:nvGraphicFramePr>
-        <p:xfrm>
-          <a:off x="5722068" y="2515752"/>
-          <a:ext cx="3739660" cy="1854200"/>
-        </p:xfrm>
-        <a:graphic>
-          <a:graphicData uri="http://schemas.openxmlformats.org/drawingml/2006/table">
-            <a:tbl>
-              <a:tblPr firstRow="1" bandRow="1">
-                <a:tableStyleId>{5C22544A-7EE6-4342-B048-85BDC9FD1C3A}</a:tableStyleId>
-              </a:tblPr>
-              <a:tblGrid>
-                <a:gridCol w="3739660">
-                  <a:extLst>
-                    <a:ext uri="{9D8B030D-6E8A-4147-A177-3AD203B41FA5}">
-                      <a16:colId xmlns:a16="http://schemas.microsoft.com/office/drawing/2014/main" val="3552424295"/>
-                    </a:ext>
-                  </a:extLst>
-                </a:gridCol>
-              </a:tblGrid>
-              <a:tr h="370840">
-                <a:tc>
-                  <a:txBody>
-                    <a:bodyPr/>
-                    <a:lstStyle/>
-                    <a:p>
-                      <a:r>
-                        <a:rPr lang="de-DE" dirty="0"/>
-                        <a:t>Konversation</a:t>
-                      </a:r>
-                    </a:p>
-                  </a:txBody>
-                  <a:tcPr/>
-                </a:tc>
-                <a:extLst>
-                  <a:ext uri="{0D108BD9-81ED-4DB2-BD59-A6C34878D82A}">
-                    <a16:rowId xmlns:a16="http://schemas.microsoft.com/office/drawing/2014/main" val="2384756661"/>
-                  </a:ext>
-                </a:extLst>
-              </a:tr>
-              <a:tr h="370840">
-                <a:tc>
-                  <a:txBody>
-                    <a:bodyPr/>
-                    <a:lstStyle/>
-                    <a:p>
-                      <a:r>
-                        <a:rPr lang="de-DE" dirty="0"/>
-                        <a:t>A: hi</a:t>
-                      </a:r>
-                    </a:p>
-                  </a:txBody>
-                  <a:tcPr/>
-                </a:tc>
-                <a:extLst>
-                  <a:ext uri="{0D108BD9-81ED-4DB2-BD59-A6C34878D82A}">
-                    <a16:rowId xmlns:a16="http://schemas.microsoft.com/office/drawing/2014/main" val="2840057128"/>
-                  </a:ext>
-                </a:extLst>
-              </a:tr>
-              <a:tr h="370840">
-                <a:tc>
-                  <a:txBody>
-                    <a:bodyPr/>
-                    <a:lstStyle/>
-                    <a:p>
-                      <a:r>
-                        <a:rPr lang="de-DE" dirty="0"/>
-                        <a:t>B: hey </a:t>
-                      </a:r>
-                      <a:r>
-                        <a:rPr lang="de-DE" dirty="0" err="1"/>
-                        <a:t>how</a:t>
-                      </a:r>
-                      <a:r>
-                        <a:rPr lang="de-DE" dirty="0"/>
-                        <a:t> </a:t>
-                      </a:r>
-                      <a:r>
-                        <a:rPr lang="de-DE" dirty="0" err="1"/>
-                        <a:t>are</a:t>
-                      </a:r>
-                      <a:r>
-                        <a:rPr lang="de-DE" dirty="0"/>
-                        <a:t> </a:t>
-                      </a:r>
-                      <a:r>
-                        <a:rPr lang="de-DE" dirty="0" err="1"/>
-                        <a:t>you</a:t>
-                      </a:r>
-                      <a:endParaRPr lang="de-DE" dirty="0"/>
-                    </a:p>
-                  </a:txBody>
-                  <a:tcPr/>
-                </a:tc>
-                <a:extLst>
-                  <a:ext uri="{0D108BD9-81ED-4DB2-BD59-A6C34878D82A}">
-                    <a16:rowId xmlns:a16="http://schemas.microsoft.com/office/drawing/2014/main" val="3828760073"/>
-                  </a:ext>
-                </a:extLst>
-              </a:tr>
-              <a:tr h="370840">
-                <a:tc>
-                  <a:txBody>
-                    <a:bodyPr/>
-                    <a:lstStyle/>
-                    <a:p>
-                      <a:pPr marL="0" marR="0" lvl="0" indent="0" algn="l" defTabSz="914400" rtl="0" eaLnBrk="1" fontAlgn="auto" latinLnBrk="0" hangingPunct="1">
-                        <a:lnSpc>
-                          <a:spcPct val="100000"/>
-                        </a:lnSpc>
-                        <a:spcBef>
-                          <a:spcPts val="0"/>
-                        </a:spcBef>
-                        <a:spcAft>
-                          <a:spcPts val="0"/>
-                        </a:spcAft>
-                        <a:buClrTx/>
-                        <a:buSzTx/>
-                        <a:buFontTx/>
-                        <a:buNone/>
-                        <a:tabLst/>
-                        <a:defRPr/>
-                      </a:pPr>
-                      <a:r>
-                        <a:rPr lang="de-DE" dirty="0"/>
-                        <a:t>A: i am </a:t>
-                      </a:r>
-                      <a:r>
-                        <a:rPr lang="de-DE" dirty="0" err="1"/>
-                        <a:t>fine</a:t>
-                      </a:r>
-                      <a:endParaRPr lang="de-DE" dirty="0"/>
-                    </a:p>
-                  </a:txBody>
-                  <a:tcPr/>
-                </a:tc>
-                <a:extLst>
-                  <a:ext uri="{0D108BD9-81ED-4DB2-BD59-A6C34878D82A}">
-                    <a16:rowId xmlns:a16="http://schemas.microsoft.com/office/drawing/2014/main" val="1885178541"/>
-                  </a:ext>
-                </a:extLst>
-              </a:tr>
-              <a:tr h="370840">
-                <a:tc>
-                  <a:txBody>
-                    <a:bodyPr/>
-                    <a:lstStyle/>
-                    <a:p>
-                      <a:pPr marL="0" marR="0" lvl="0" indent="0" algn="l" defTabSz="914400" rtl="0" eaLnBrk="1" fontAlgn="auto" latinLnBrk="0" hangingPunct="1">
-                        <a:lnSpc>
-                          <a:spcPct val="100000"/>
-                        </a:lnSpc>
-                        <a:spcBef>
-                          <a:spcPts val="0"/>
-                        </a:spcBef>
-                        <a:spcAft>
-                          <a:spcPts val="0"/>
-                        </a:spcAft>
-                        <a:buClrTx/>
-                        <a:buSzTx/>
-                        <a:buFontTx/>
-                        <a:buNone/>
-                        <a:tabLst/>
-                        <a:defRPr/>
-                      </a:pPr>
-                      <a:r>
-                        <a:rPr lang="de-DE" dirty="0"/>
-                        <a:t>B: i am </a:t>
-                      </a:r>
-                      <a:r>
-                        <a:rPr lang="de-DE" dirty="0" err="1"/>
-                        <a:t>fine</a:t>
-                      </a:r>
-                      <a:r>
-                        <a:rPr lang="de-DE" dirty="0"/>
-                        <a:t> </a:t>
-                      </a:r>
-                      <a:r>
-                        <a:rPr lang="de-DE" dirty="0" err="1"/>
-                        <a:t>too</a:t>
-                      </a:r>
-                      <a:endParaRPr lang="de-DE" dirty="0"/>
-                    </a:p>
-                  </a:txBody>
-                  <a:tcPr/>
-                </a:tc>
-                <a:extLst>
-                  <a:ext uri="{0D108BD9-81ED-4DB2-BD59-A6C34878D82A}">
-                    <a16:rowId xmlns:a16="http://schemas.microsoft.com/office/drawing/2014/main" val="629237646"/>
-                  </a:ext>
-                </a:extLst>
-              </a:tr>
-            </a:tbl>
-          </a:graphicData>
-        </a:graphic>
-      </p:graphicFrame>
-      <p:sp>
-        <p:nvSpPr>
-          <p:cNvPr id="35" name="Pfeil nach unten 34">
-            <a:extLst>
-              <a:ext uri="{FF2B5EF4-FFF2-40B4-BE49-F238E27FC236}">
-                <a16:creationId xmlns:a16="http://schemas.microsoft.com/office/drawing/2014/main" id="{AEF05EDA-5F03-A251-2BA6-AF235E8F5983}"/>
-              </a:ext>
-            </a:extLst>
-          </p:cNvPr>
-          <p:cNvSpPr/>
-          <p:nvPr/>
-        </p:nvSpPr>
-        <p:spPr>
-          <a:xfrm>
-            <a:off x="5195687" y="2184784"/>
-            <a:ext cx="313267" cy="414866"/>
-          </a:xfrm>
-          <a:prstGeom prst="downArrow">
-            <a:avLst/>
-          </a:prstGeom>
-        </p:spPr>
-        <p:style>
-          <a:lnRef idx="2">
-            <a:schemeClr val="accent1">
-              <a:shade val="50000"/>
-            </a:schemeClr>
-          </a:lnRef>
-          <a:fillRef idx="1">
-            <a:schemeClr val="accent1"/>
-          </a:fillRef>
-          <a:effectRef idx="0">
-            <a:schemeClr val="accent1"/>
-          </a:effectRef>
-          <a:fontRef idx="minor">
-            <a:schemeClr val="lt1"/>
-          </a:fontRef>
-        </p:style>
-        <p:txBody>
-          <a:bodyPr rtlCol="0" anchor="ctr"/>
-          <a:lstStyle/>
-          <a:p>
-            <a:pPr algn="ctr"/>
-            <a:endParaRPr lang="de-DE"/>
           </a:p>
         </p:txBody>
       </p:sp>
       <p:sp>
         <p:nvSpPr>
-          <p:cNvPr id="36" name="Pfeil nach unten 35">
-            <a:extLst>
-              <a:ext uri="{FF2B5EF4-FFF2-40B4-BE49-F238E27FC236}">
-                <a16:creationId xmlns:a16="http://schemas.microsoft.com/office/drawing/2014/main" id="{93FD3C7F-A2C7-AADB-F388-BD4F77590397}"/>
-              </a:ext>
-            </a:extLst>
-          </p:cNvPr>
-          <p:cNvSpPr/>
-          <p:nvPr/>
+          <p:cNvPr id="3" name="Inhaltsplatzhalter 2">
+            <a:extLst>
+              <a:ext uri="{FF2B5EF4-FFF2-40B4-BE49-F238E27FC236}">
+                <a16:creationId xmlns:a16="http://schemas.microsoft.com/office/drawing/2014/main" id="{3B36C125-05D9-DA8D-DF6A-DC47BC2BA219}"/>
+              </a:ext>
+            </a:extLst>
+          </p:cNvPr>
+          <p:cNvSpPr>
+            <a:spLocks noGrp="1"/>
+          </p:cNvSpPr>
+          <p:nvPr>
+            <p:ph idx="1"/>
+          </p:nvPr>
         </p:nvSpPr>
         <p:spPr>
           <a:xfrm>
-            <a:off x="5195687" y="4356016"/>
-            <a:ext cx="313267" cy="414866"/>
+            <a:off x="4810259" y="649480"/>
+            <a:ext cx="6555347" cy="5546047"/>
           </a:xfrm>
-          <a:prstGeom prst="downArrow">
-            <a:avLst/>
-          </a:prstGeom>
-        </p:spPr>
-        <p:style>
-          <a:lnRef idx="2">
-            <a:schemeClr val="accent1">
-              <a:shade val="50000"/>
-            </a:schemeClr>
-          </a:lnRef>
-          <a:fillRef idx="1">
-            <a:schemeClr val="accent1"/>
-          </a:fillRef>
-          <a:effectRef idx="0">
-            <a:schemeClr val="accent1"/>
-          </a:effectRef>
-          <a:fontRef idx="minor">
-            <a:schemeClr val="lt1"/>
-          </a:fontRef>
-        </p:style>
-        <p:txBody>
-          <a:bodyPr rtlCol="0" anchor="ctr"/>
-          <a:lstStyle/>
-          <a:p>
-            <a:pPr algn="ctr"/>
-            <a:endParaRPr lang="de-DE"/>
-          </a:p>
-        </p:txBody>
-      </p:sp>
-      <p:sp>
-        <p:nvSpPr>
-          <p:cNvPr id="37" name="Textfeld 36">
-            <a:extLst>
-              <a:ext uri="{FF2B5EF4-FFF2-40B4-BE49-F238E27FC236}">
-                <a16:creationId xmlns:a16="http://schemas.microsoft.com/office/drawing/2014/main" id="{FE50E6BD-FFFC-4104-D488-2B1C3293B218}"/>
-              </a:ext>
-            </a:extLst>
-          </p:cNvPr>
-          <p:cNvSpPr txBox="1"/>
-          <p:nvPr/>
-        </p:nvSpPr>
-        <p:spPr>
-          <a:xfrm>
-            <a:off x="4367179" y="2182574"/>
-            <a:ext cx="1057117" cy="307777"/>
-          </a:xfrm>
-          <a:prstGeom prst="rect">
-            <a:avLst/>
-          </a:prstGeom>
-          <a:noFill/>
-          <a:ln>
-            <a:noFill/>
-          </a:ln>
         </p:spPr>
         <p:txBody>
-          <a:bodyPr wrap="square" rtlCol="0">
-            <a:spAutoFit/>
+          <a:bodyPr anchor="ctr">
+            <a:normAutofit/>
           </a:bodyPr>
           <a:lstStyle/>
           <a:p>
             <a:r>
-              <a:rPr lang="de-DE" sz="1400" dirty="0"/>
-              <a:t>Filterung</a:t>
+              <a:rPr lang="de-DE" sz="2000" dirty="0"/>
+              <a:t>Datengrundlage: Cornell Movie-Dialogs Corpus</a:t>
             </a:r>
           </a:p>
-        </p:txBody>
-      </p:sp>
-      <p:sp>
-        <p:nvSpPr>
-          <p:cNvPr id="38" name="Pfeil nach unten 37">
-            <a:extLst>
-              <a:ext uri="{FF2B5EF4-FFF2-40B4-BE49-F238E27FC236}">
-                <a16:creationId xmlns:a16="http://schemas.microsoft.com/office/drawing/2014/main" id="{8AA61386-3DA9-FE1F-50B6-8EB72E1653F0}"/>
-              </a:ext>
-            </a:extLst>
-          </p:cNvPr>
-          <p:cNvSpPr/>
-          <p:nvPr/>
-        </p:nvSpPr>
-        <p:spPr>
-          <a:xfrm>
-            <a:off x="5195688" y="2184784"/>
-            <a:ext cx="313267" cy="414866"/>
-          </a:xfrm>
-          <a:prstGeom prst="downArrow">
-            <a:avLst/>
-          </a:prstGeom>
-        </p:spPr>
-        <p:style>
-          <a:lnRef idx="2">
-            <a:schemeClr val="accent1">
-              <a:shade val="50000"/>
-            </a:schemeClr>
-          </a:lnRef>
-          <a:fillRef idx="1">
-            <a:schemeClr val="accent1"/>
-          </a:fillRef>
-          <a:effectRef idx="0">
-            <a:schemeClr val="accent1"/>
-          </a:effectRef>
-          <a:fontRef idx="minor">
-            <a:schemeClr val="lt1"/>
-          </a:fontRef>
-        </p:style>
-        <p:txBody>
-          <a:bodyPr rtlCol="0" anchor="ctr"/>
-          <a:lstStyle/>
-          <a:p>
-            <a:pPr algn="ctr"/>
-            <a:endParaRPr lang="de-DE"/>
-          </a:p>
-        </p:txBody>
-      </p:sp>
-      <p:sp>
-        <p:nvSpPr>
-          <p:cNvPr id="39" name="Textfeld 38">
-            <a:extLst>
-              <a:ext uri="{FF2B5EF4-FFF2-40B4-BE49-F238E27FC236}">
-                <a16:creationId xmlns:a16="http://schemas.microsoft.com/office/drawing/2014/main" id="{74AC29CE-F193-FFC0-E87C-808E1DB66899}"/>
-              </a:ext>
-            </a:extLst>
-          </p:cNvPr>
-          <p:cNvSpPr txBox="1"/>
-          <p:nvPr/>
-        </p:nvSpPr>
-        <p:spPr>
-          <a:xfrm>
-            <a:off x="4444816" y="4314286"/>
-            <a:ext cx="1057117" cy="307777"/>
-          </a:xfrm>
-          <a:prstGeom prst="rect">
-            <a:avLst/>
-          </a:prstGeom>
-          <a:noFill/>
-          <a:ln>
-            <a:noFill/>
-          </a:ln>
-        </p:spPr>
-        <p:txBody>
-          <a:bodyPr wrap="square" rtlCol="0">
-            <a:spAutoFit/>
-          </a:bodyPr>
-          <a:lstStyle/>
-          <a:p>
+          <a:p>
+            <a:pPr lvl="1"/>
             <a:r>
-              <a:rPr lang="de-DE" sz="1400" dirty="0"/>
-              <a:t>Aufteilen</a:t>
+              <a:rPr lang="de-DE" sz="2000" dirty="0"/>
+              <a:t>Datenbank mit Filmdialogen</a:t>
+            </a:r>
+          </a:p>
+          <a:p>
+            <a:pPr lvl="1"/>
+            <a:r>
+              <a:rPr lang="de-DE" sz="2000" dirty="0"/>
+              <a:t>Ca. 83.000 Konversationen zwischen ca. 10.000 Paaren aus Filmcharakteren</a:t>
+            </a:r>
+          </a:p>
+          <a:p>
+            <a:pPr lvl="1"/>
+            <a:r>
+              <a:rPr lang="de-DE" sz="2000" dirty="0"/>
+              <a:t>9.000 Charaktere aus 617 Filmen</a:t>
+            </a:r>
+          </a:p>
+          <a:p>
+            <a:pPr lvl="1"/>
+            <a:r>
+              <a:rPr lang="de-DE" sz="2000" dirty="0"/>
+              <a:t>Ca. 300.000 Zitate</a:t>
             </a:r>
           </a:p>
         </p:txBody>
@@ -14500,7 +13349,7 @@
     </p:spTree>
     <p:extLst>
       <p:ext uri="{BB962C8B-B14F-4D97-AF65-F5344CB8AC3E}">
-        <p14:creationId xmlns:p14="http://schemas.microsoft.com/office/powerpoint/2010/main" val="2461249006"/>
+        <p14:creationId xmlns:p14="http://schemas.microsoft.com/office/powerpoint/2010/main" val="4096060827"/>
       </p:ext>
     </p:extLst>
   </p:cSld>
@@ -14510,7 +13359,627 @@
 </p:sld>
 </file>
 
-<file path=ppt/slides/slide6.xml><?xml version="1.0" encoding="utf-8"?>
+<file path=ppt/slides/slide4.xml><?xml version="1.0" encoding="utf-8"?>
+<p:sld xmlns:a="http://schemas.openxmlformats.org/drawingml/2006/main" xmlns:r="http://schemas.openxmlformats.org/officeDocument/2006/relationships" xmlns:p="http://schemas.openxmlformats.org/presentationml/2006/main">
+  <p:cSld>
+    <p:bg>
+      <p:bgPr>
+        <a:solidFill>
+          <a:schemeClr val="bg1"/>
+        </a:solidFill>
+        <a:effectLst/>
+      </p:bgPr>
+    </p:bg>
+    <p:spTree>
+      <p:nvGrpSpPr>
+        <p:cNvPr id="1" name=""/>
+        <p:cNvGrpSpPr/>
+        <p:nvPr/>
+      </p:nvGrpSpPr>
+      <p:grpSpPr>
+        <a:xfrm>
+          <a:off x="0" y="0"/>
+          <a:ext cx="0" cy="0"/>
+          <a:chOff x="0" y="0"/>
+          <a:chExt cx="0" cy="0"/>
+        </a:xfrm>
+      </p:grpSpPr>
+      <p:sp useBgFill="1">
+        <p:nvSpPr>
+          <p:cNvPr id="28" name="Rectangle 27">
+            <a:extLst>
+              <a:ext uri="{FF2B5EF4-FFF2-40B4-BE49-F238E27FC236}">
+                <a16:creationId xmlns:a16="http://schemas.microsoft.com/office/drawing/2014/main" id="{A8384FB5-9ADC-4DDC-881B-597D56F5B15D}"/>
+              </a:ext>
+              <a:ext uri="{C183D7F6-B498-43B3-948B-1728B52AA6E4}">
+                <adec:decorative xmlns:adec="http://schemas.microsoft.com/office/drawing/2017/decorative" val="1"/>
+              </a:ext>
+            </a:extLst>
+          </p:cNvPr>
+          <p:cNvSpPr>
+            <a:spLocks noGrp="1" noRot="1" noChangeAspect="1" noMove="1" noResize="1" noEditPoints="1" noAdjustHandles="1" noChangeArrowheads="1" noChangeShapeType="1" noTextEdit="1"/>
+          </p:cNvSpPr>
+          <p:nvPr>
+            <p:extLst>
+              <p:ext uri="{386F3935-93C4-4BCD-93E2-E3B085C9AB24}">
+                <p16:designElem xmlns:p16="http://schemas.microsoft.com/office/powerpoint/2015/main" val="1"/>
+              </p:ext>
+            </p:extLst>
+          </p:nvPr>
+        </p:nvSpPr>
+        <p:spPr>
+          <a:xfrm>
+            <a:off x="0" y="0"/>
+            <a:ext cx="12192000" cy="6858000"/>
+          </a:xfrm>
+          <a:prstGeom prst="rect">
+            <a:avLst/>
+          </a:prstGeom>
+          <a:ln w="12700" cap="flat" cmpd="sng" algn="ctr">
+            <a:noFill/>
+            <a:prstDash val="solid"/>
+            <a:miter lim="800000"/>
+          </a:ln>
+          <a:effectLst/>
+          <a:extLst>
+            <a:ext uri="{91240B29-F687-4F45-9708-019B960494DF}">
+              <a14:hiddenLine xmlns:a14="http://schemas.microsoft.com/office/drawing/2010/main" w="12700" cap="flat" cmpd="sng" algn="ctr">
+                <a:solidFill>
+                  <a:schemeClr val="accent1">
+                    <a:shade val="50000"/>
+                  </a:schemeClr>
+                </a:solidFill>
+                <a:prstDash val="solid"/>
+                <a:miter lim="800000"/>
+              </a14:hiddenLine>
+            </a:ext>
+          </a:extLst>
+        </p:spPr>
+        <p:style>
+          <a:lnRef idx="2">
+            <a:schemeClr val="accent1">
+              <a:shade val="50000"/>
+            </a:schemeClr>
+          </a:lnRef>
+          <a:fillRef idx="1">
+            <a:schemeClr val="accent1"/>
+          </a:fillRef>
+          <a:effectRef idx="0">
+            <a:schemeClr val="accent1"/>
+          </a:effectRef>
+          <a:fontRef idx="minor">
+            <a:schemeClr val="lt1"/>
+          </a:fontRef>
+        </p:style>
+        <p:txBody>
+          <a:bodyPr rtlCol="0" anchor="ctr"/>
+          <a:lstStyle/>
+          <a:p>
+            <a:pPr algn="ctr"/>
+            <a:endParaRPr lang="en-US"/>
+          </a:p>
+        </p:txBody>
+      </p:sp>
+      <p:sp>
+        <p:nvSpPr>
+          <p:cNvPr id="30" name="Rectangle 29">
+            <a:extLst>
+              <a:ext uri="{FF2B5EF4-FFF2-40B4-BE49-F238E27FC236}">
+                <a16:creationId xmlns:a16="http://schemas.microsoft.com/office/drawing/2014/main" id="{1199E1B1-A8C0-4FE8-A5A8-1CB41D69F857}"/>
+              </a:ext>
+              <a:ext uri="{C183D7F6-B498-43B3-948B-1728B52AA6E4}">
+                <adec:decorative xmlns:adec="http://schemas.microsoft.com/office/drawing/2017/decorative" val="1"/>
+              </a:ext>
+            </a:extLst>
+          </p:cNvPr>
+          <p:cNvSpPr>
+            <a:spLocks noGrp="1" noRot="1" noChangeAspect="1" noMove="1" noResize="1" noEditPoints="1" noAdjustHandles="1" noChangeArrowheads="1" noChangeShapeType="1" noTextEdit="1"/>
+          </p:cNvSpPr>
+          <p:nvPr>
+            <p:extLst>
+              <p:ext uri="{386F3935-93C4-4BCD-93E2-E3B085C9AB24}">
+                <p16:designElem xmlns:p16="http://schemas.microsoft.com/office/powerpoint/2015/main" val="1"/>
+              </p:ext>
+            </p:extLst>
+          </p:nvPr>
+        </p:nvSpPr>
+        <p:spPr>
+          <a:xfrm rot="10800000" flipH="1">
+            <a:off x="2" y="0"/>
+            <a:ext cx="12191998" cy="1575955"/>
+          </a:xfrm>
+          <a:prstGeom prst="rect">
+            <a:avLst/>
+          </a:prstGeom>
+          <a:gradFill>
+            <a:gsLst>
+              <a:gs pos="0">
+                <a:srgbClr val="000000">
+                  <a:alpha val="96000"/>
+                </a:srgbClr>
+              </a:gs>
+              <a:gs pos="100000">
+                <a:schemeClr val="accent1">
+                  <a:lumMod val="75000"/>
+                </a:schemeClr>
+              </a:gs>
+            </a:gsLst>
+            <a:lin ang="6000000" scaled="0"/>
+          </a:gradFill>
+          <a:ln>
+            <a:noFill/>
+          </a:ln>
+        </p:spPr>
+        <p:style>
+          <a:lnRef idx="2">
+            <a:schemeClr val="accent1">
+              <a:shade val="50000"/>
+            </a:schemeClr>
+          </a:lnRef>
+          <a:fillRef idx="1">
+            <a:schemeClr val="accent1"/>
+          </a:fillRef>
+          <a:effectRef idx="0">
+            <a:schemeClr val="accent1"/>
+          </a:effectRef>
+          <a:fontRef idx="minor">
+            <a:schemeClr val="lt1"/>
+          </a:fontRef>
+        </p:style>
+        <p:txBody>
+          <a:bodyPr rtlCol="0" anchor="ctr"/>
+          <a:lstStyle/>
+          <a:p>
+            <a:pPr algn="ctr"/>
+            <a:endParaRPr lang="en-US"/>
+          </a:p>
+        </p:txBody>
+      </p:sp>
+      <p:sp>
+        <p:nvSpPr>
+          <p:cNvPr id="32" name="Rectangle 31">
+            <a:extLst>
+              <a:ext uri="{FF2B5EF4-FFF2-40B4-BE49-F238E27FC236}">
+                <a16:creationId xmlns:a16="http://schemas.microsoft.com/office/drawing/2014/main" id="{84A8DE83-DE75-4B41-9DB4-A7EC0B0DEC0B}"/>
+              </a:ext>
+              <a:ext uri="{C183D7F6-B498-43B3-948B-1728B52AA6E4}">
+                <adec:decorative xmlns:adec="http://schemas.microsoft.com/office/drawing/2017/decorative" val="1"/>
+              </a:ext>
+            </a:extLst>
+          </p:cNvPr>
+          <p:cNvSpPr>
+            <a:spLocks noGrp="1" noRot="1" noChangeAspect="1" noMove="1" noResize="1" noEditPoints="1" noAdjustHandles="1" noChangeArrowheads="1" noChangeShapeType="1" noTextEdit="1"/>
+          </p:cNvSpPr>
+          <p:nvPr>
+            <p:extLst>
+              <p:ext uri="{386F3935-93C4-4BCD-93E2-E3B085C9AB24}">
+                <p16:designElem xmlns:p16="http://schemas.microsoft.com/office/powerpoint/2015/main" val="1"/>
+              </p:ext>
+            </p:extLst>
+          </p:nvPr>
+        </p:nvSpPr>
+        <p:spPr>
+          <a:xfrm>
+            <a:off x="0" y="0"/>
+            <a:ext cx="8128856" cy="1575461"/>
+          </a:xfrm>
+          <a:prstGeom prst="rect">
+            <a:avLst/>
+          </a:prstGeom>
+          <a:gradFill>
+            <a:gsLst>
+              <a:gs pos="0">
+                <a:schemeClr val="accent1">
+                  <a:alpha val="41000"/>
+                </a:schemeClr>
+              </a:gs>
+              <a:gs pos="74000">
+                <a:schemeClr val="accent1">
+                  <a:lumMod val="60000"/>
+                  <a:lumOff val="40000"/>
+                  <a:alpha val="0"/>
+                </a:schemeClr>
+              </a:gs>
+            </a:gsLst>
+            <a:lin ang="8400000" scaled="0"/>
+          </a:gradFill>
+          <a:ln>
+            <a:noFill/>
+          </a:ln>
+        </p:spPr>
+        <p:style>
+          <a:lnRef idx="2">
+            <a:schemeClr val="accent1">
+              <a:shade val="50000"/>
+            </a:schemeClr>
+          </a:lnRef>
+          <a:fillRef idx="1">
+            <a:schemeClr val="accent1"/>
+          </a:fillRef>
+          <a:effectRef idx="0">
+            <a:schemeClr val="accent1"/>
+          </a:effectRef>
+          <a:fontRef idx="minor">
+            <a:schemeClr val="lt1"/>
+          </a:fontRef>
+        </p:style>
+        <p:txBody>
+          <a:bodyPr rtlCol="0" anchor="ctr"/>
+          <a:lstStyle/>
+          <a:p>
+            <a:pPr algn="ctr"/>
+            <a:endParaRPr lang="en-US"/>
+          </a:p>
+        </p:txBody>
+      </p:sp>
+      <p:sp>
+        <p:nvSpPr>
+          <p:cNvPr id="34" name="Rectangle 33">
+            <a:extLst>
+              <a:ext uri="{FF2B5EF4-FFF2-40B4-BE49-F238E27FC236}">
+                <a16:creationId xmlns:a16="http://schemas.microsoft.com/office/drawing/2014/main" id="{A7009A0A-BEF5-4EAC-AF15-E4F9F002E239}"/>
+              </a:ext>
+              <a:ext uri="{C183D7F6-B498-43B3-948B-1728B52AA6E4}">
+                <adec:decorative xmlns:adec="http://schemas.microsoft.com/office/drawing/2017/decorative" val="1"/>
+              </a:ext>
+            </a:extLst>
+          </p:cNvPr>
+          <p:cNvSpPr>
+            <a:spLocks noGrp="1" noRot="1" noChangeAspect="1" noMove="1" noResize="1" noEditPoints="1" noAdjustHandles="1" noChangeArrowheads="1" noChangeShapeType="1" noTextEdit="1"/>
+          </p:cNvSpPr>
+          <p:nvPr>
+            <p:extLst>
+              <p:ext uri="{386F3935-93C4-4BCD-93E2-E3B085C9AB24}">
+                <p16:designElem xmlns:p16="http://schemas.microsoft.com/office/powerpoint/2015/main" val="1"/>
+              </p:ext>
+            </p:extLst>
+          </p:nvPr>
+        </p:nvSpPr>
+        <p:spPr>
+          <a:xfrm flipH="1">
+            <a:off x="-3" y="-1"/>
+            <a:ext cx="12192002" cy="1574311"/>
+          </a:xfrm>
+          <a:prstGeom prst="rect">
+            <a:avLst/>
+          </a:prstGeom>
+          <a:gradFill>
+            <a:gsLst>
+              <a:gs pos="0">
+                <a:srgbClr val="000000">
+                  <a:alpha val="63000"/>
+                </a:srgbClr>
+              </a:gs>
+              <a:gs pos="78000">
+                <a:schemeClr val="accent1">
+                  <a:alpha val="15000"/>
+                </a:schemeClr>
+              </a:gs>
+            </a:gsLst>
+            <a:lin ang="15600000" scaled="0"/>
+          </a:gradFill>
+          <a:ln>
+            <a:noFill/>
+          </a:ln>
+        </p:spPr>
+        <p:style>
+          <a:lnRef idx="2">
+            <a:schemeClr val="accent1">
+              <a:shade val="50000"/>
+            </a:schemeClr>
+          </a:lnRef>
+          <a:fillRef idx="1">
+            <a:schemeClr val="accent1"/>
+          </a:fillRef>
+          <a:effectRef idx="0">
+            <a:schemeClr val="accent1"/>
+          </a:effectRef>
+          <a:fontRef idx="minor">
+            <a:schemeClr val="lt1"/>
+          </a:fontRef>
+        </p:style>
+        <p:txBody>
+          <a:bodyPr rtlCol="0" anchor="ctr"/>
+          <a:lstStyle/>
+          <a:p>
+            <a:pPr algn="ctr"/>
+            <a:endParaRPr lang="en-US"/>
+          </a:p>
+        </p:txBody>
+      </p:sp>
+      <p:sp>
+        <p:nvSpPr>
+          <p:cNvPr id="23" name="Titel 1">
+            <a:extLst>
+              <a:ext uri="{FF2B5EF4-FFF2-40B4-BE49-F238E27FC236}">
+                <a16:creationId xmlns:a16="http://schemas.microsoft.com/office/drawing/2014/main" id="{863F3A40-CA48-AE6D-EF44-DC2804EF6823}"/>
+              </a:ext>
+            </a:extLst>
+          </p:cNvPr>
+          <p:cNvSpPr>
+            <a:spLocks noGrp="1"/>
+          </p:cNvSpPr>
+          <p:nvPr>
+            <p:ph type="title"/>
+          </p:nvPr>
+        </p:nvSpPr>
+        <p:spPr>
+          <a:xfrm>
+            <a:off x="699713" y="248038"/>
+            <a:ext cx="7063721" cy="1159200"/>
+          </a:xfrm>
+        </p:spPr>
+        <p:txBody>
+          <a:bodyPr vert="horz" lIns="91440" tIns="45720" rIns="91440" bIns="45720" rtlCol="0" anchor="ctr">
+            <a:normAutofit/>
+          </a:bodyPr>
+          <a:lstStyle/>
+          <a:p>
+            <a:r>
+              <a:rPr lang="de-DE" sz="4000" dirty="0">
+                <a:solidFill>
+                  <a:schemeClr val="bg1"/>
+                </a:solidFill>
+              </a:rPr>
+              <a:t>Datenvorbereitung</a:t>
+            </a:r>
+            <a:endParaRPr lang="en-US" sz="4000" kern="1200" dirty="0">
+              <a:solidFill>
+                <a:schemeClr val="bg1"/>
+              </a:solidFill>
+              <a:latin typeface="+mj-lt"/>
+              <a:ea typeface="+mj-ea"/>
+              <a:cs typeface="+mj-cs"/>
+            </a:endParaRPr>
+          </a:p>
+        </p:txBody>
+      </p:sp>
+      <p:pic>
+        <p:nvPicPr>
+          <p:cNvPr id="6" name="Grafik 5">
+            <a:extLst>
+              <a:ext uri="{FF2B5EF4-FFF2-40B4-BE49-F238E27FC236}">
+                <a16:creationId xmlns:a16="http://schemas.microsoft.com/office/drawing/2014/main" id="{56A1C27D-E90A-DAD8-0BC5-B3BDCBE5CF5A}"/>
+              </a:ext>
+            </a:extLst>
+          </p:cNvPr>
+          <p:cNvPicPr>
+            <a:picLocks noChangeAspect="1"/>
+          </p:cNvPicPr>
+          <p:nvPr/>
+        </p:nvPicPr>
+        <p:blipFill>
+          <a:blip r:embed="rId2">
+            <a:extLst>
+              <a:ext uri="{28A0092B-C50C-407E-A947-70E740481C1C}">
+                <a14:useLocalDpi xmlns:a14="http://schemas.microsoft.com/office/drawing/2010/main" val="0"/>
+              </a:ext>
+            </a:extLst>
+          </a:blip>
+          <a:stretch>
+            <a:fillRect/>
+          </a:stretch>
+        </p:blipFill>
+        <p:spPr>
+          <a:xfrm>
+            <a:off x="2540079" y="3028415"/>
+            <a:ext cx="7111842" cy="616264"/>
+          </a:xfrm>
+          <a:prstGeom prst="rect">
+            <a:avLst/>
+          </a:prstGeom>
+        </p:spPr>
+      </p:pic>
+      <p:pic>
+        <p:nvPicPr>
+          <p:cNvPr id="7" name="Grafik 6">
+            <a:extLst>
+              <a:ext uri="{FF2B5EF4-FFF2-40B4-BE49-F238E27FC236}">
+                <a16:creationId xmlns:a16="http://schemas.microsoft.com/office/drawing/2014/main" id="{F5C41D48-EAEE-B883-DBD2-FEFC3C5434E4}"/>
+              </a:ext>
+            </a:extLst>
+          </p:cNvPr>
+          <p:cNvPicPr>
+            <a:picLocks noChangeAspect="1"/>
+          </p:cNvPicPr>
+          <p:nvPr/>
+        </p:nvPicPr>
+        <p:blipFill>
+          <a:blip r:embed="rId3"/>
+          <a:stretch>
+            <a:fillRect/>
+          </a:stretch>
+        </p:blipFill>
+        <p:spPr>
+          <a:xfrm>
+            <a:off x="187252" y="4495022"/>
+            <a:ext cx="11623478" cy="500598"/>
+          </a:xfrm>
+          <a:prstGeom prst="rect">
+            <a:avLst/>
+          </a:prstGeom>
+        </p:spPr>
+      </p:pic>
+      <p:cxnSp>
+        <p:nvCxnSpPr>
+          <p:cNvPr id="8" name="Gerade Verbindung mit Pfeil 7">
+            <a:extLst>
+              <a:ext uri="{FF2B5EF4-FFF2-40B4-BE49-F238E27FC236}">
+                <a16:creationId xmlns:a16="http://schemas.microsoft.com/office/drawing/2014/main" id="{AD024AB6-447B-1E2A-BA16-3EC83E4C4015}"/>
+              </a:ext>
+            </a:extLst>
+          </p:cNvPr>
+          <p:cNvCxnSpPr>
+            <a:cxnSpLocks/>
+          </p:cNvCxnSpPr>
+          <p:nvPr/>
+        </p:nvCxnSpPr>
+        <p:spPr>
+          <a:xfrm flipV="1">
+            <a:off x="364067" y="3684222"/>
+            <a:ext cx="4664931" cy="735372"/>
+          </a:xfrm>
+          <a:prstGeom prst="straightConnector1">
+            <a:avLst/>
+          </a:prstGeom>
+          <a:ln w="12700">
+            <a:solidFill>
+              <a:srgbClr val="FF0000"/>
+            </a:solidFill>
+            <a:tailEnd type="triangle"/>
+          </a:ln>
+        </p:spPr>
+        <p:style>
+          <a:lnRef idx="1">
+            <a:schemeClr val="accent1"/>
+          </a:lnRef>
+          <a:fillRef idx="0">
+            <a:schemeClr val="accent1"/>
+          </a:fillRef>
+          <a:effectRef idx="0">
+            <a:schemeClr val="accent1"/>
+          </a:effectRef>
+          <a:fontRef idx="minor">
+            <a:schemeClr val="tx1"/>
+          </a:fontRef>
+        </p:style>
+      </p:cxnSp>
+      <p:pic>
+        <p:nvPicPr>
+          <p:cNvPr id="9" name="Grafik 8">
+            <a:extLst>
+              <a:ext uri="{FF2B5EF4-FFF2-40B4-BE49-F238E27FC236}">
+                <a16:creationId xmlns:a16="http://schemas.microsoft.com/office/drawing/2014/main" id="{99D33672-BF83-953D-94BB-EB24CB486F98}"/>
+              </a:ext>
+            </a:extLst>
+          </p:cNvPr>
+          <p:cNvPicPr>
+            <a:picLocks noChangeAspect="1"/>
+          </p:cNvPicPr>
+          <p:nvPr/>
+        </p:nvPicPr>
+        <p:blipFill>
+          <a:blip r:embed="rId4"/>
+          <a:stretch>
+            <a:fillRect/>
+          </a:stretch>
+        </p:blipFill>
+        <p:spPr>
+          <a:xfrm>
+            <a:off x="187252" y="5531967"/>
+            <a:ext cx="11623478" cy="580959"/>
+          </a:xfrm>
+          <a:prstGeom prst="rect">
+            <a:avLst/>
+          </a:prstGeom>
+        </p:spPr>
+      </p:pic>
+      <p:cxnSp>
+        <p:nvCxnSpPr>
+          <p:cNvPr id="10" name="Gerade Verbindung mit Pfeil 9">
+            <a:extLst>
+              <a:ext uri="{FF2B5EF4-FFF2-40B4-BE49-F238E27FC236}">
+                <a16:creationId xmlns:a16="http://schemas.microsoft.com/office/drawing/2014/main" id="{03FA0C8C-CF28-8E06-22ED-100654EE3F65}"/>
+              </a:ext>
+            </a:extLst>
+          </p:cNvPr>
+          <p:cNvCxnSpPr>
+            <a:cxnSpLocks/>
+          </p:cNvCxnSpPr>
+          <p:nvPr/>
+        </p:nvCxnSpPr>
+        <p:spPr>
+          <a:xfrm flipV="1">
+            <a:off x="364067" y="3702164"/>
+            <a:ext cx="8788400" cy="1776808"/>
+          </a:xfrm>
+          <a:prstGeom prst="straightConnector1">
+            <a:avLst/>
+          </a:prstGeom>
+          <a:ln w="12700">
+            <a:solidFill>
+              <a:srgbClr val="FF0000"/>
+            </a:solidFill>
+            <a:tailEnd type="triangle"/>
+          </a:ln>
+        </p:spPr>
+        <p:style>
+          <a:lnRef idx="1">
+            <a:schemeClr val="accent1"/>
+          </a:lnRef>
+          <a:fillRef idx="0">
+            <a:schemeClr val="accent1"/>
+          </a:fillRef>
+          <a:effectRef idx="0">
+            <a:schemeClr val="accent1"/>
+          </a:effectRef>
+          <a:fontRef idx="minor">
+            <a:schemeClr val="tx1"/>
+          </a:fontRef>
+        </p:style>
+      </p:cxnSp>
+      <p:sp>
+        <p:nvSpPr>
+          <p:cNvPr id="11" name="Textfeld 10">
+            <a:extLst>
+              <a:ext uri="{FF2B5EF4-FFF2-40B4-BE49-F238E27FC236}">
+                <a16:creationId xmlns:a16="http://schemas.microsoft.com/office/drawing/2014/main" id="{73D72093-B49D-87A8-70AC-73F515EFB4E2}"/>
+              </a:ext>
+            </a:extLst>
+          </p:cNvPr>
+          <p:cNvSpPr txBox="1"/>
+          <p:nvPr/>
+        </p:nvSpPr>
+        <p:spPr>
+          <a:xfrm>
+            <a:off x="745337" y="1103848"/>
+            <a:ext cx="11446663" cy="369332"/>
+          </a:xfrm>
+          <a:prstGeom prst="rect">
+            <a:avLst/>
+          </a:prstGeom>
+          <a:noFill/>
+        </p:spPr>
+        <p:txBody>
+          <a:bodyPr wrap="square" rtlCol="0">
+            <a:spAutoFit/>
+          </a:bodyPr>
+          <a:lstStyle/>
+          <a:p>
+            <a:r>
+              <a:rPr lang="de-DE" dirty="0">
+                <a:solidFill>
+                  <a:schemeClr val="bg1"/>
+                </a:solidFill>
+                <a:sym typeface="Wingdings" pitchFamily="2" charset="2"/>
+              </a:rPr>
+              <a:t> </a:t>
+            </a:r>
+            <a:r>
+              <a:rPr lang="de-DE" dirty="0">
+                <a:solidFill>
+                  <a:schemeClr val="bg1"/>
+                </a:solidFill>
+              </a:rPr>
+              <a:t>Filtern der Konversationen nach Genre</a:t>
+            </a:r>
+          </a:p>
+        </p:txBody>
+      </p:sp>
+    </p:spTree>
+    <p:extLst>
+      <p:ext uri="{BB962C8B-B14F-4D97-AF65-F5344CB8AC3E}">
+        <p14:creationId xmlns:p14="http://schemas.microsoft.com/office/powerpoint/2010/main" val="914728822"/>
+      </p:ext>
+    </p:extLst>
+  </p:cSld>
+  <p:clrMapOvr>
+    <a:masterClrMapping/>
+  </p:clrMapOvr>
+</p:sld>
+</file>
+
+<file path=ppt/slides/slide5.xml><?xml version="1.0" encoding="utf-8"?>
 <p:sld xmlns:a="http://schemas.openxmlformats.org/drawingml/2006/main" xmlns:r="http://schemas.openxmlformats.org/officeDocument/2006/relationships" xmlns:p="http://schemas.openxmlformats.org/presentationml/2006/main">
   <p:cSld>
     <p:bg>
@@ -15197,6 +14666,1709 @@
           </a:p>
         </p:txBody>
       </p:sp>
+      <p:graphicFrame>
+        <p:nvGraphicFramePr>
+          <p:cNvPr id="26" name="Tabelle 4">
+            <a:extLst>
+              <a:ext uri="{FF2B5EF4-FFF2-40B4-BE49-F238E27FC236}">
+                <a16:creationId xmlns:a16="http://schemas.microsoft.com/office/drawing/2014/main" id="{C091519E-335F-4DF1-B9CA-744B0F6F0B75}"/>
+              </a:ext>
+            </a:extLst>
+          </p:cNvPr>
+          <p:cNvGraphicFramePr>
+            <a:graphicFrameLocks noGrp="1"/>
+          </p:cNvGraphicFramePr>
+          <p:nvPr>
+            <p:extLst>
+              <p:ext uri="{D42A27DB-BD31-4B8C-83A1-F6EECF244321}">
+                <p14:modId xmlns:p14="http://schemas.microsoft.com/office/powerpoint/2010/main" val="3875572900"/>
+              </p:ext>
+            </p:extLst>
+          </p:nvPr>
+        </p:nvGraphicFramePr>
+        <p:xfrm>
+          <a:off x="5722067" y="4700920"/>
+          <a:ext cx="5807324" cy="1887994"/>
+        </p:xfrm>
+        <a:graphic>
+          <a:graphicData uri="http://schemas.openxmlformats.org/drawingml/2006/table">
+            <a:tbl>
+              <a:tblPr firstRow="1" bandRow="1">
+                <a:tableStyleId>{5C22544A-7EE6-4342-B048-85BDC9FD1C3A}</a:tableStyleId>
+              </a:tblPr>
+              <a:tblGrid>
+                <a:gridCol w="1931725">
+                  <a:extLst>
+                    <a:ext uri="{9D8B030D-6E8A-4147-A177-3AD203B41FA5}">
+                      <a16:colId xmlns:a16="http://schemas.microsoft.com/office/drawing/2014/main" val="611631800"/>
+                    </a:ext>
+                  </a:extLst>
+                </a:gridCol>
+                <a:gridCol w="1931725">
+                  <a:extLst>
+                    <a:ext uri="{9D8B030D-6E8A-4147-A177-3AD203B41FA5}">
+                      <a16:colId xmlns:a16="http://schemas.microsoft.com/office/drawing/2014/main" val="3552424295"/>
+                    </a:ext>
+                  </a:extLst>
+                </a:gridCol>
+                <a:gridCol w="1943874">
+                  <a:extLst>
+                    <a:ext uri="{9D8B030D-6E8A-4147-A177-3AD203B41FA5}">
+                      <a16:colId xmlns:a16="http://schemas.microsoft.com/office/drawing/2014/main" val="3322447718"/>
+                    </a:ext>
+                  </a:extLst>
+                </a:gridCol>
+              </a:tblGrid>
+              <a:tr h="335011">
+                <a:tc>
+                  <a:txBody>
+                    <a:bodyPr/>
+                    <a:lstStyle/>
+                    <a:p>
+                      <a:r>
+                        <a:rPr lang="de-DE" dirty="0"/>
+                        <a:t>Index</a:t>
+                      </a:r>
+                    </a:p>
+                  </a:txBody>
+                  <a:tcPr/>
+                </a:tc>
+                <a:tc>
+                  <a:txBody>
+                    <a:bodyPr/>
+                    <a:lstStyle/>
+                    <a:p>
+                      <a:r>
+                        <a:rPr lang="de-DE" dirty="0"/>
+                        <a:t>Fragen</a:t>
+                      </a:r>
+                    </a:p>
+                  </a:txBody>
+                  <a:tcPr/>
+                </a:tc>
+                <a:tc>
+                  <a:txBody>
+                    <a:bodyPr/>
+                    <a:lstStyle/>
+                    <a:p>
+                      <a:r>
+                        <a:rPr lang="de-DE" dirty="0"/>
+                        <a:t>Antworten</a:t>
+                      </a:r>
+                    </a:p>
+                  </a:txBody>
+                  <a:tcPr/>
+                </a:tc>
+                <a:extLst>
+                  <a:ext uri="{0D108BD9-81ED-4DB2-BD59-A6C34878D82A}">
+                    <a16:rowId xmlns:a16="http://schemas.microsoft.com/office/drawing/2014/main" val="2384756661"/>
+                  </a:ext>
+                </a:extLst>
+              </a:tr>
+              <a:tr h="578237">
+                <a:tc>
+                  <a:txBody>
+                    <a:bodyPr/>
+                    <a:lstStyle/>
+                    <a:p>
+                      <a:r>
+                        <a:rPr lang="de-DE" dirty="0"/>
+                        <a:t>0</a:t>
+                      </a:r>
+                    </a:p>
+                  </a:txBody>
+                  <a:tcPr/>
+                </a:tc>
+                <a:tc>
+                  <a:txBody>
+                    <a:bodyPr/>
+                    <a:lstStyle/>
+                    <a:p>
+                      <a:r>
+                        <a:rPr lang="de-DE" dirty="0"/>
+                        <a:t>hi</a:t>
+                      </a:r>
+                    </a:p>
+                  </a:txBody>
+                  <a:tcPr/>
+                </a:tc>
+                <a:tc>
+                  <a:txBody>
+                    <a:bodyPr/>
+                    <a:lstStyle/>
+                    <a:p>
+                      <a:r>
+                        <a:rPr lang="de-DE" dirty="0"/>
+                        <a:t>hey </a:t>
+                      </a:r>
+                      <a:r>
+                        <a:rPr lang="de-DE" dirty="0" err="1"/>
+                        <a:t>how</a:t>
+                      </a:r>
+                      <a:r>
+                        <a:rPr lang="de-DE" dirty="0"/>
+                        <a:t> </a:t>
+                      </a:r>
+                      <a:r>
+                        <a:rPr lang="de-DE" dirty="0" err="1"/>
+                        <a:t>are</a:t>
+                      </a:r>
+                      <a:r>
+                        <a:rPr lang="de-DE" dirty="0"/>
+                        <a:t> </a:t>
+                      </a:r>
+                      <a:r>
+                        <a:rPr lang="de-DE" dirty="0" err="1"/>
+                        <a:t>you</a:t>
+                      </a:r>
+                      <a:endParaRPr lang="de-DE" dirty="0"/>
+                    </a:p>
+                  </a:txBody>
+                  <a:tcPr/>
+                </a:tc>
+                <a:extLst>
+                  <a:ext uri="{0D108BD9-81ED-4DB2-BD59-A6C34878D82A}">
+                    <a16:rowId xmlns:a16="http://schemas.microsoft.com/office/drawing/2014/main" val="2840057128"/>
+                  </a:ext>
+                </a:extLst>
+              </a:tr>
+              <a:tr h="578237">
+                <a:tc>
+                  <a:txBody>
+                    <a:bodyPr/>
+                    <a:lstStyle/>
+                    <a:p>
+                      <a:r>
+                        <a:rPr lang="de-DE" dirty="0"/>
+                        <a:t>1</a:t>
+                      </a:r>
+                    </a:p>
+                  </a:txBody>
+                  <a:tcPr/>
+                </a:tc>
+                <a:tc>
+                  <a:txBody>
+                    <a:bodyPr/>
+                    <a:lstStyle/>
+                    <a:p>
+                      <a:r>
+                        <a:rPr lang="de-DE" dirty="0"/>
+                        <a:t>hey </a:t>
+                      </a:r>
+                      <a:r>
+                        <a:rPr lang="de-DE" dirty="0" err="1"/>
+                        <a:t>how</a:t>
+                      </a:r>
+                      <a:r>
+                        <a:rPr lang="de-DE" dirty="0"/>
+                        <a:t> </a:t>
+                      </a:r>
+                      <a:r>
+                        <a:rPr lang="de-DE" dirty="0" err="1"/>
+                        <a:t>are</a:t>
+                      </a:r>
+                      <a:r>
+                        <a:rPr lang="de-DE" dirty="0"/>
+                        <a:t> </a:t>
+                      </a:r>
+                      <a:r>
+                        <a:rPr lang="de-DE" dirty="0" err="1"/>
+                        <a:t>you</a:t>
+                      </a:r>
+                      <a:endParaRPr lang="de-DE" dirty="0"/>
+                    </a:p>
+                  </a:txBody>
+                  <a:tcPr/>
+                </a:tc>
+                <a:tc>
+                  <a:txBody>
+                    <a:bodyPr/>
+                    <a:lstStyle/>
+                    <a:p>
+                      <a:r>
+                        <a:rPr lang="de-DE" dirty="0"/>
+                        <a:t>i am </a:t>
+                      </a:r>
+                      <a:r>
+                        <a:rPr lang="de-DE" dirty="0" err="1"/>
+                        <a:t>fine</a:t>
+                      </a:r>
+                      <a:endParaRPr lang="de-DE" dirty="0"/>
+                    </a:p>
+                  </a:txBody>
+                  <a:tcPr/>
+                </a:tc>
+                <a:extLst>
+                  <a:ext uri="{0D108BD9-81ED-4DB2-BD59-A6C34878D82A}">
+                    <a16:rowId xmlns:a16="http://schemas.microsoft.com/office/drawing/2014/main" val="3828760073"/>
+                  </a:ext>
+                </a:extLst>
+              </a:tr>
+              <a:tr h="335011">
+                <a:tc>
+                  <a:txBody>
+                    <a:bodyPr/>
+                    <a:lstStyle/>
+                    <a:p>
+                      <a:pPr marL="0" marR="0" lvl="0" indent="0" algn="l" defTabSz="914400" rtl="0" eaLnBrk="1" fontAlgn="auto" latinLnBrk="0" hangingPunct="1">
+                        <a:lnSpc>
+                          <a:spcPct val="100000"/>
+                        </a:lnSpc>
+                        <a:spcBef>
+                          <a:spcPts val="0"/>
+                        </a:spcBef>
+                        <a:spcAft>
+                          <a:spcPts val="0"/>
+                        </a:spcAft>
+                        <a:buClrTx/>
+                        <a:buSzTx/>
+                        <a:buFontTx/>
+                        <a:buNone/>
+                        <a:tabLst/>
+                        <a:defRPr/>
+                      </a:pPr>
+                      <a:r>
+                        <a:rPr lang="de-DE" dirty="0"/>
+                        <a:t>2</a:t>
+                      </a:r>
+                    </a:p>
+                  </a:txBody>
+                  <a:tcPr/>
+                </a:tc>
+                <a:tc>
+                  <a:txBody>
+                    <a:bodyPr/>
+                    <a:lstStyle/>
+                    <a:p>
+                      <a:pPr marL="0" marR="0" lvl="0" indent="0" algn="l" defTabSz="914400" rtl="0" eaLnBrk="1" fontAlgn="auto" latinLnBrk="0" hangingPunct="1">
+                        <a:lnSpc>
+                          <a:spcPct val="100000"/>
+                        </a:lnSpc>
+                        <a:spcBef>
+                          <a:spcPts val="0"/>
+                        </a:spcBef>
+                        <a:spcAft>
+                          <a:spcPts val="0"/>
+                        </a:spcAft>
+                        <a:buClrTx/>
+                        <a:buSzTx/>
+                        <a:buFontTx/>
+                        <a:buNone/>
+                        <a:tabLst/>
+                        <a:defRPr/>
+                      </a:pPr>
+                      <a:r>
+                        <a:rPr lang="de-DE" dirty="0"/>
+                        <a:t>i am </a:t>
+                      </a:r>
+                      <a:r>
+                        <a:rPr lang="de-DE" dirty="0" err="1"/>
+                        <a:t>fine</a:t>
+                      </a:r>
+                      <a:endParaRPr lang="de-DE" dirty="0"/>
+                    </a:p>
+                  </a:txBody>
+                  <a:tcPr/>
+                </a:tc>
+                <a:tc>
+                  <a:txBody>
+                    <a:bodyPr/>
+                    <a:lstStyle/>
+                    <a:p>
+                      <a:r>
+                        <a:rPr lang="de-DE" dirty="0"/>
+                        <a:t>i am </a:t>
+                      </a:r>
+                      <a:r>
+                        <a:rPr lang="de-DE" dirty="0" err="1"/>
+                        <a:t>fine</a:t>
+                      </a:r>
+                      <a:r>
+                        <a:rPr lang="de-DE" dirty="0"/>
+                        <a:t> </a:t>
+                      </a:r>
+                      <a:r>
+                        <a:rPr lang="de-DE" dirty="0" err="1"/>
+                        <a:t>too</a:t>
+                      </a:r>
+                      <a:endParaRPr lang="de-DE" dirty="0"/>
+                    </a:p>
+                  </a:txBody>
+                  <a:tcPr/>
+                </a:tc>
+                <a:extLst>
+                  <a:ext uri="{0D108BD9-81ED-4DB2-BD59-A6C34878D82A}">
+                    <a16:rowId xmlns:a16="http://schemas.microsoft.com/office/drawing/2014/main" val="1885178541"/>
+                  </a:ext>
+                </a:extLst>
+              </a:tr>
+            </a:tbl>
+          </a:graphicData>
+        </a:graphic>
+      </p:graphicFrame>
+      <p:graphicFrame>
+        <p:nvGraphicFramePr>
+          <p:cNvPr id="30" name="Tabelle 4">
+            <a:extLst>
+              <a:ext uri="{FF2B5EF4-FFF2-40B4-BE49-F238E27FC236}">
+                <a16:creationId xmlns:a16="http://schemas.microsoft.com/office/drawing/2014/main" id="{355A7492-2B18-5535-89D4-78744D3ABDBF}"/>
+              </a:ext>
+            </a:extLst>
+          </p:cNvPr>
+          <p:cNvGraphicFramePr>
+            <a:graphicFrameLocks noGrp="1"/>
+          </p:cNvGraphicFramePr>
+          <p:nvPr>
+            <p:extLst>
+              <p:ext uri="{D42A27DB-BD31-4B8C-83A1-F6EECF244321}">
+                <p14:modId xmlns:p14="http://schemas.microsoft.com/office/powerpoint/2010/main" val="1674856482"/>
+              </p:ext>
+            </p:extLst>
+          </p:nvPr>
+        </p:nvGraphicFramePr>
+        <p:xfrm>
+          <a:off x="5722068" y="330584"/>
+          <a:ext cx="3739660" cy="1854200"/>
+        </p:xfrm>
+        <a:graphic>
+          <a:graphicData uri="http://schemas.openxmlformats.org/drawingml/2006/table">
+            <a:tbl>
+              <a:tblPr firstRow="1" bandRow="1">
+                <a:tableStyleId>{5C22544A-7EE6-4342-B048-85BDC9FD1C3A}</a:tableStyleId>
+              </a:tblPr>
+              <a:tblGrid>
+                <a:gridCol w="3739660">
+                  <a:extLst>
+                    <a:ext uri="{9D8B030D-6E8A-4147-A177-3AD203B41FA5}">
+                      <a16:colId xmlns:a16="http://schemas.microsoft.com/office/drawing/2014/main" val="3552424295"/>
+                    </a:ext>
+                  </a:extLst>
+                </a:gridCol>
+              </a:tblGrid>
+              <a:tr h="370840">
+                <a:tc>
+                  <a:txBody>
+                    <a:bodyPr/>
+                    <a:lstStyle/>
+                    <a:p>
+                      <a:r>
+                        <a:rPr lang="de-DE" dirty="0"/>
+                        <a:t>Konversation</a:t>
+                      </a:r>
+                    </a:p>
+                  </a:txBody>
+                  <a:tcPr/>
+                </a:tc>
+                <a:extLst>
+                  <a:ext uri="{0D108BD9-81ED-4DB2-BD59-A6C34878D82A}">
+                    <a16:rowId xmlns:a16="http://schemas.microsoft.com/office/drawing/2014/main" val="2384756661"/>
+                  </a:ext>
+                </a:extLst>
+              </a:tr>
+              <a:tr h="370840">
+                <a:tc>
+                  <a:txBody>
+                    <a:bodyPr/>
+                    <a:lstStyle/>
+                    <a:p>
+                      <a:r>
+                        <a:rPr lang="de-DE" dirty="0"/>
+                        <a:t>A: Hi!</a:t>
+                      </a:r>
+                    </a:p>
+                  </a:txBody>
+                  <a:tcPr/>
+                </a:tc>
+                <a:extLst>
+                  <a:ext uri="{0D108BD9-81ED-4DB2-BD59-A6C34878D82A}">
+                    <a16:rowId xmlns:a16="http://schemas.microsoft.com/office/drawing/2014/main" val="2840057128"/>
+                  </a:ext>
+                </a:extLst>
+              </a:tr>
+              <a:tr h="370840">
+                <a:tc>
+                  <a:txBody>
+                    <a:bodyPr/>
+                    <a:lstStyle/>
+                    <a:p>
+                      <a:r>
+                        <a:rPr lang="de-DE" dirty="0"/>
+                        <a:t>B: Hey </a:t>
+                      </a:r>
+                      <a:r>
+                        <a:rPr lang="de-DE" dirty="0" err="1"/>
+                        <a:t>how´re</a:t>
+                      </a:r>
+                      <a:r>
+                        <a:rPr lang="de-DE" dirty="0"/>
+                        <a:t> </a:t>
+                      </a:r>
+                      <a:r>
+                        <a:rPr lang="de-DE" dirty="0" err="1"/>
+                        <a:t>you</a:t>
+                      </a:r>
+                      <a:r>
+                        <a:rPr lang="de-DE" dirty="0"/>
+                        <a:t>?</a:t>
+                      </a:r>
+                    </a:p>
+                  </a:txBody>
+                  <a:tcPr/>
+                </a:tc>
+                <a:extLst>
+                  <a:ext uri="{0D108BD9-81ED-4DB2-BD59-A6C34878D82A}">
+                    <a16:rowId xmlns:a16="http://schemas.microsoft.com/office/drawing/2014/main" val="3828760073"/>
+                  </a:ext>
+                </a:extLst>
+              </a:tr>
+              <a:tr h="370840">
+                <a:tc>
+                  <a:txBody>
+                    <a:bodyPr/>
+                    <a:lstStyle/>
+                    <a:p>
+                      <a:pPr marL="0" marR="0" lvl="0" indent="0" algn="l" defTabSz="914400" rtl="0" eaLnBrk="1" fontAlgn="auto" latinLnBrk="0" hangingPunct="1">
+                        <a:lnSpc>
+                          <a:spcPct val="100000"/>
+                        </a:lnSpc>
+                        <a:spcBef>
+                          <a:spcPts val="0"/>
+                        </a:spcBef>
+                        <a:spcAft>
+                          <a:spcPts val="0"/>
+                        </a:spcAft>
+                        <a:buClrTx/>
+                        <a:buSzTx/>
+                        <a:buFontTx/>
+                        <a:buNone/>
+                        <a:tabLst/>
+                        <a:defRPr/>
+                      </a:pPr>
+                      <a:r>
+                        <a:rPr lang="de-DE" dirty="0"/>
+                        <a:t>A: </a:t>
+                      </a:r>
+                      <a:r>
+                        <a:rPr lang="de-DE" dirty="0" err="1"/>
+                        <a:t>I´m</a:t>
+                      </a:r>
+                      <a:r>
+                        <a:rPr lang="de-DE" dirty="0"/>
+                        <a:t> </a:t>
+                      </a:r>
+                      <a:r>
+                        <a:rPr lang="de-DE" dirty="0" err="1"/>
+                        <a:t>fine</a:t>
+                      </a:r>
+                      <a:r>
+                        <a:rPr lang="de-DE" dirty="0"/>
+                        <a:t>.</a:t>
+                      </a:r>
+                    </a:p>
+                  </a:txBody>
+                  <a:tcPr/>
+                </a:tc>
+                <a:extLst>
+                  <a:ext uri="{0D108BD9-81ED-4DB2-BD59-A6C34878D82A}">
+                    <a16:rowId xmlns:a16="http://schemas.microsoft.com/office/drawing/2014/main" val="1885178541"/>
+                  </a:ext>
+                </a:extLst>
+              </a:tr>
+              <a:tr h="370840">
+                <a:tc>
+                  <a:txBody>
+                    <a:bodyPr/>
+                    <a:lstStyle/>
+                    <a:p>
+                      <a:pPr marL="0" marR="0" lvl="0" indent="0" algn="l" defTabSz="914400" rtl="0" eaLnBrk="1" fontAlgn="auto" latinLnBrk="0" hangingPunct="1">
+                        <a:lnSpc>
+                          <a:spcPct val="100000"/>
+                        </a:lnSpc>
+                        <a:spcBef>
+                          <a:spcPts val="0"/>
+                        </a:spcBef>
+                        <a:spcAft>
+                          <a:spcPts val="0"/>
+                        </a:spcAft>
+                        <a:buClrTx/>
+                        <a:buSzTx/>
+                        <a:buFontTx/>
+                        <a:buNone/>
+                        <a:tabLst/>
+                        <a:defRPr/>
+                      </a:pPr>
+                      <a:r>
+                        <a:rPr lang="de-DE" dirty="0"/>
+                        <a:t>B: </a:t>
+                      </a:r>
+                      <a:r>
+                        <a:rPr lang="de-DE" dirty="0" err="1"/>
+                        <a:t>I'm</a:t>
+                      </a:r>
+                      <a:r>
+                        <a:rPr lang="de-DE" dirty="0"/>
+                        <a:t> </a:t>
+                      </a:r>
+                      <a:r>
+                        <a:rPr lang="de-DE" dirty="0" err="1"/>
+                        <a:t>fine</a:t>
+                      </a:r>
+                      <a:r>
+                        <a:rPr lang="de-DE" dirty="0"/>
+                        <a:t> </a:t>
+                      </a:r>
+                      <a:r>
+                        <a:rPr lang="de-DE" dirty="0" err="1"/>
+                        <a:t>too</a:t>
+                      </a:r>
+                      <a:r>
+                        <a:rPr lang="de-DE" dirty="0"/>
+                        <a:t>.</a:t>
+                      </a:r>
+                    </a:p>
+                  </a:txBody>
+                  <a:tcPr/>
+                </a:tc>
+                <a:extLst>
+                  <a:ext uri="{0D108BD9-81ED-4DB2-BD59-A6C34878D82A}">
+                    <a16:rowId xmlns:a16="http://schemas.microsoft.com/office/drawing/2014/main" val="629237646"/>
+                  </a:ext>
+                </a:extLst>
+              </a:tr>
+            </a:tbl>
+          </a:graphicData>
+        </a:graphic>
+      </p:graphicFrame>
+      <p:graphicFrame>
+        <p:nvGraphicFramePr>
+          <p:cNvPr id="31" name="Tabelle 4">
+            <a:extLst>
+              <a:ext uri="{FF2B5EF4-FFF2-40B4-BE49-F238E27FC236}">
+                <a16:creationId xmlns:a16="http://schemas.microsoft.com/office/drawing/2014/main" id="{6299CADD-697D-8774-0D6D-89A7B26D268B}"/>
+              </a:ext>
+            </a:extLst>
+          </p:cNvPr>
+          <p:cNvGraphicFramePr>
+            <a:graphicFrameLocks noGrp="1"/>
+          </p:cNvGraphicFramePr>
+          <p:nvPr>
+            <p:extLst>
+              <p:ext uri="{D42A27DB-BD31-4B8C-83A1-F6EECF244321}">
+                <p14:modId xmlns:p14="http://schemas.microsoft.com/office/powerpoint/2010/main" val="192161204"/>
+              </p:ext>
+            </p:extLst>
+          </p:nvPr>
+        </p:nvGraphicFramePr>
+        <p:xfrm>
+          <a:off x="5722068" y="2515752"/>
+          <a:ext cx="3739660" cy="1854200"/>
+        </p:xfrm>
+        <a:graphic>
+          <a:graphicData uri="http://schemas.openxmlformats.org/drawingml/2006/table">
+            <a:tbl>
+              <a:tblPr firstRow="1" bandRow="1">
+                <a:tableStyleId>{5C22544A-7EE6-4342-B048-85BDC9FD1C3A}</a:tableStyleId>
+              </a:tblPr>
+              <a:tblGrid>
+                <a:gridCol w="3739660">
+                  <a:extLst>
+                    <a:ext uri="{9D8B030D-6E8A-4147-A177-3AD203B41FA5}">
+                      <a16:colId xmlns:a16="http://schemas.microsoft.com/office/drawing/2014/main" val="3552424295"/>
+                    </a:ext>
+                  </a:extLst>
+                </a:gridCol>
+              </a:tblGrid>
+              <a:tr h="370840">
+                <a:tc>
+                  <a:txBody>
+                    <a:bodyPr/>
+                    <a:lstStyle/>
+                    <a:p>
+                      <a:r>
+                        <a:rPr lang="de-DE" dirty="0"/>
+                        <a:t>Konversation</a:t>
+                      </a:r>
+                    </a:p>
+                  </a:txBody>
+                  <a:tcPr/>
+                </a:tc>
+                <a:extLst>
+                  <a:ext uri="{0D108BD9-81ED-4DB2-BD59-A6C34878D82A}">
+                    <a16:rowId xmlns:a16="http://schemas.microsoft.com/office/drawing/2014/main" val="2384756661"/>
+                  </a:ext>
+                </a:extLst>
+              </a:tr>
+              <a:tr h="370840">
+                <a:tc>
+                  <a:txBody>
+                    <a:bodyPr/>
+                    <a:lstStyle/>
+                    <a:p>
+                      <a:r>
+                        <a:rPr lang="de-DE" dirty="0"/>
+                        <a:t>A: hi</a:t>
+                      </a:r>
+                    </a:p>
+                  </a:txBody>
+                  <a:tcPr/>
+                </a:tc>
+                <a:extLst>
+                  <a:ext uri="{0D108BD9-81ED-4DB2-BD59-A6C34878D82A}">
+                    <a16:rowId xmlns:a16="http://schemas.microsoft.com/office/drawing/2014/main" val="2840057128"/>
+                  </a:ext>
+                </a:extLst>
+              </a:tr>
+              <a:tr h="370840">
+                <a:tc>
+                  <a:txBody>
+                    <a:bodyPr/>
+                    <a:lstStyle/>
+                    <a:p>
+                      <a:r>
+                        <a:rPr lang="de-DE" dirty="0"/>
+                        <a:t>B: hey </a:t>
+                      </a:r>
+                      <a:r>
+                        <a:rPr lang="de-DE" dirty="0" err="1"/>
+                        <a:t>how</a:t>
+                      </a:r>
+                      <a:r>
+                        <a:rPr lang="de-DE" dirty="0"/>
+                        <a:t> </a:t>
+                      </a:r>
+                      <a:r>
+                        <a:rPr lang="de-DE" dirty="0" err="1"/>
+                        <a:t>are</a:t>
+                      </a:r>
+                      <a:r>
+                        <a:rPr lang="de-DE" dirty="0"/>
+                        <a:t> </a:t>
+                      </a:r>
+                      <a:r>
+                        <a:rPr lang="de-DE" dirty="0" err="1"/>
+                        <a:t>you</a:t>
+                      </a:r>
+                      <a:endParaRPr lang="de-DE" dirty="0"/>
+                    </a:p>
+                  </a:txBody>
+                  <a:tcPr/>
+                </a:tc>
+                <a:extLst>
+                  <a:ext uri="{0D108BD9-81ED-4DB2-BD59-A6C34878D82A}">
+                    <a16:rowId xmlns:a16="http://schemas.microsoft.com/office/drawing/2014/main" val="3828760073"/>
+                  </a:ext>
+                </a:extLst>
+              </a:tr>
+              <a:tr h="370840">
+                <a:tc>
+                  <a:txBody>
+                    <a:bodyPr/>
+                    <a:lstStyle/>
+                    <a:p>
+                      <a:pPr marL="0" marR="0" lvl="0" indent="0" algn="l" defTabSz="914400" rtl="0" eaLnBrk="1" fontAlgn="auto" latinLnBrk="0" hangingPunct="1">
+                        <a:lnSpc>
+                          <a:spcPct val="100000"/>
+                        </a:lnSpc>
+                        <a:spcBef>
+                          <a:spcPts val="0"/>
+                        </a:spcBef>
+                        <a:spcAft>
+                          <a:spcPts val="0"/>
+                        </a:spcAft>
+                        <a:buClrTx/>
+                        <a:buSzTx/>
+                        <a:buFontTx/>
+                        <a:buNone/>
+                        <a:tabLst/>
+                        <a:defRPr/>
+                      </a:pPr>
+                      <a:r>
+                        <a:rPr lang="de-DE" dirty="0"/>
+                        <a:t>A: i am </a:t>
+                      </a:r>
+                      <a:r>
+                        <a:rPr lang="de-DE" dirty="0" err="1"/>
+                        <a:t>fine</a:t>
+                      </a:r>
+                      <a:endParaRPr lang="de-DE" dirty="0"/>
+                    </a:p>
+                  </a:txBody>
+                  <a:tcPr/>
+                </a:tc>
+                <a:extLst>
+                  <a:ext uri="{0D108BD9-81ED-4DB2-BD59-A6C34878D82A}">
+                    <a16:rowId xmlns:a16="http://schemas.microsoft.com/office/drawing/2014/main" val="1885178541"/>
+                  </a:ext>
+                </a:extLst>
+              </a:tr>
+              <a:tr h="370840">
+                <a:tc>
+                  <a:txBody>
+                    <a:bodyPr/>
+                    <a:lstStyle/>
+                    <a:p>
+                      <a:pPr marL="0" marR="0" lvl="0" indent="0" algn="l" defTabSz="914400" rtl="0" eaLnBrk="1" fontAlgn="auto" latinLnBrk="0" hangingPunct="1">
+                        <a:lnSpc>
+                          <a:spcPct val="100000"/>
+                        </a:lnSpc>
+                        <a:spcBef>
+                          <a:spcPts val="0"/>
+                        </a:spcBef>
+                        <a:spcAft>
+                          <a:spcPts val="0"/>
+                        </a:spcAft>
+                        <a:buClrTx/>
+                        <a:buSzTx/>
+                        <a:buFontTx/>
+                        <a:buNone/>
+                        <a:tabLst/>
+                        <a:defRPr/>
+                      </a:pPr>
+                      <a:r>
+                        <a:rPr lang="de-DE" dirty="0"/>
+                        <a:t>B: i am </a:t>
+                      </a:r>
+                      <a:r>
+                        <a:rPr lang="de-DE" dirty="0" err="1"/>
+                        <a:t>fine</a:t>
+                      </a:r>
+                      <a:r>
+                        <a:rPr lang="de-DE" dirty="0"/>
+                        <a:t> </a:t>
+                      </a:r>
+                      <a:r>
+                        <a:rPr lang="de-DE" dirty="0" err="1"/>
+                        <a:t>too</a:t>
+                      </a:r>
+                      <a:endParaRPr lang="de-DE" dirty="0"/>
+                    </a:p>
+                  </a:txBody>
+                  <a:tcPr/>
+                </a:tc>
+                <a:extLst>
+                  <a:ext uri="{0D108BD9-81ED-4DB2-BD59-A6C34878D82A}">
+                    <a16:rowId xmlns:a16="http://schemas.microsoft.com/office/drawing/2014/main" val="629237646"/>
+                  </a:ext>
+                </a:extLst>
+              </a:tr>
+            </a:tbl>
+          </a:graphicData>
+        </a:graphic>
+      </p:graphicFrame>
+      <p:sp>
+        <p:nvSpPr>
+          <p:cNvPr id="35" name="Pfeil nach unten 34">
+            <a:extLst>
+              <a:ext uri="{FF2B5EF4-FFF2-40B4-BE49-F238E27FC236}">
+                <a16:creationId xmlns:a16="http://schemas.microsoft.com/office/drawing/2014/main" id="{AEF05EDA-5F03-A251-2BA6-AF235E8F5983}"/>
+              </a:ext>
+            </a:extLst>
+          </p:cNvPr>
+          <p:cNvSpPr/>
+          <p:nvPr/>
+        </p:nvSpPr>
+        <p:spPr>
+          <a:xfrm>
+            <a:off x="5195687" y="2184784"/>
+            <a:ext cx="313267" cy="414866"/>
+          </a:xfrm>
+          <a:prstGeom prst="downArrow">
+            <a:avLst/>
+          </a:prstGeom>
+        </p:spPr>
+        <p:style>
+          <a:lnRef idx="2">
+            <a:schemeClr val="accent1">
+              <a:shade val="50000"/>
+            </a:schemeClr>
+          </a:lnRef>
+          <a:fillRef idx="1">
+            <a:schemeClr val="accent1"/>
+          </a:fillRef>
+          <a:effectRef idx="0">
+            <a:schemeClr val="accent1"/>
+          </a:effectRef>
+          <a:fontRef idx="minor">
+            <a:schemeClr val="lt1"/>
+          </a:fontRef>
+        </p:style>
+        <p:txBody>
+          <a:bodyPr rtlCol="0" anchor="ctr"/>
+          <a:lstStyle/>
+          <a:p>
+            <a:pPr algn="ctr"/>
+            <a:endParaRPr lang="de-DE"/>
+          </a:p>
+        </p:txBody>
+      </p:sp>
+      <p:sp>
+        <p:nvSpPr>
+          <p:cNvPr id="36" name="Pfeil nach unten 35">
+            <a:extLst>
+              <a:ext uri="{FF2B5EF4-FFF2-40B4-BE49-F238E27FC236}">
+                <a16:creationId xmlns:a16="http://schemas.microsoft.com/office/drawing/2014/main" id="{93FD3C7F-A2C7-AADB-F388-BD4F77590397}"/>
+              </a:ext>
+            </a:extLst>
+          </p:cNvPr>
+          <p:cNvSpPr/>
+          <p:nvPr/>
+        </p:nvSpPr>
+        <p:spPr>
+          <a:xfrm>
+            <a:off x="5195687" y="4356016"/>
+            <a:ext cx="313267" cy="414866"/>
+          </a:xfrm>
+          <a:prstGeom prst="downArrow">
+            <a:avLst/>
+          </a:prstGeom>
+        </p:spPr>
+        <p:style>
+          <a:lnRef idx="2">
+            <a:schemeClr val="accent1">
+              <a:shade val="50000"/>
+            </a:schemeClr>
+          </a:lnRef>
+          <a:fillRef idx="1">
+            <a:schemeClr val="accent1"/>
+          </a:fillRef>
+          <a:effectRef idx="0">
+            <a:schemeClr val="accent1"/>
+          </a:effectRef>
+          <a:fontRef idx="minor">
+            <a:schemeClr val="lt1"/>
+          </a:fontRef>
+        </p:style>
+        <p:txBody>
+          <a:bodyPr rtlCol="0" anchor="ctr"/>
+          <a:lstStyle/>
+          <a:p>
+            <a:pPr algn="ctr"/>
+            <a:endParaRPr lang="de-DE"/>
+          </a:p>
+        </p:txBody>
+      </p:sp>
+      <p:sp>
+        <p:nvSpPr>
+          <p:cNvPr id="37" name="Textfeld 36">
+            <a:extLst>
+              <a:ext uri="{FF2B5EF4-FFF2-40B4-BE49-F238E27FC236}">
+                <a16:creationId xmlns:a16="http://schemas.microsoft.com/office/drawing/2014/main" id="{FE50E6BD-FFFC-4104-D488-2B1C3293B218}"/>
+              </a:ext>
+            </a:extLst>
+          </p:cNvPr>
+          <p:cNvSpPr txBox="1"/>
+          <p:nvPr/>
+        </p:nvSpPr>
+        <p:spPr>
+          <a:xfrm>
+            <a:off x="4367179" y="2182574"/>
+            <a:ext cx="1057117" cy="307777"/>
+          </a:xfrm>
+          <a:prstGeom prst="rect">
+            <a:avLst/>
+          </a:prstGeom>
+          <a:noFill/>
+          <a:ln>
+            <a:noFill/>
+          </a:ln>
+        </p:spPr>
+        <p:txBody>
+          <a:bodyPr wrap="square" rtlCol="0">
+            <a:spAutoFit/>
+          </a:bodyPr>
+          <a:lstStyle/>
+          <a:p>
+            <a:r>
+              <a:rPr lang="de-DE" sz="1400" dirty="0"/>
+              <a:t>Filterung</a:t>
+            </a:r>
+          </a:p>
+        </p:txBody>
+      </p:sp>
+      <p:sp>
+        <p:nvSpPr>
+          <p:cNvPr id="38" name="Pfeil nach unten 37">
+            <a:extLst>
+              <a:ext uri="{FF2B5EF4-FFF2-40B4-BE49-F238E27FC236}">
+                <a16:creationId xmlns:a16="http://schemas.microsoft.com/office/drawing/2014/main" id="{8AA61386-3DA9-FE1F-50B6-8EB72E1653F0}"/>
+              </a:ext>
+            </a:extLst>
+          </p:cNvPr>
+          <p:cNvSpPr/>
+          <p:nvPr/>
+        </p:nvSpPr>
+        <p:spPr>
+          <a:xfrm>
+            <a:off x="5195688" y="2184784"/>
+            <a:ext cx="313267" cy="414866"/>
+          </a:xfrm>
+          <a:prstGeom prst="downArrow">
+            <a:avLst/>
+          </a:prstGeom>
+        </p:spPr>
+        <p:style>
+          <a:lnRef idx="2">
+            <a:schemeClr val="accent1">
+              <a:shade val="50000"/>
+            </a:schemeClr>
+          </a:lnRef>
+          <a:fillRef idx="1">
+            <a:schemeClr val="accent1"/>
+          </a:fillRef>
+          <a:effectRef idx="0">
+            <a:schemeClr val="accent1"/>
+          </a:effectRef>
+          <a:fontRef idx="minor">
+            <a:schemeClr val="lt1"/>
+          </a:fontRef>
+        </p:style>
+        <p:txBody>
+          <a:bodyPr rtlCol="0" anchor="ctr"/>
+          <a:lstStyle/>
+          <a:p>
+            <a:pPr algn="ctr"/>
+            <a:endParaRPr lang="de-DE"/>
+          </a:p>
+        </p:txBody>
+      </p:sp>
+      <p:sp>
+        <p:nvSpPr>
+          <p:cNvPr id="39" name="Textfeld 38">
+            <a:extLst>
+              <a:ext uri="{FF2B5EF4-FFF2-40B4-BE49-F238E27FC236}">
+                <a16:creationId xmlns:a16="http://schemas.microsoft.com/office/drawing/2014/main" id="{74AC29CE-F193-FFC0-E87C-808E1DB66899}"/>
+              </a:ext>
+            </a:extLst>
+          </p:cNvPr>
+          <p:cNvSpPr txBox="1"/>
+          <p:nvPr/>
+        </p:nvSpPr>
+        <p:spPr>
+          <a:xfrm>
+            <a:off x="4444816" y="4314286"/>
+            <a:ext cx="1057117" cy="307777"/>
+          </a:xfrm>
+          <a:prstGeom prst="rect">
+            <a:avLst/>
+          </a:prstGeom>
+          <a:noFill/>
+          <a:ln>
+            <a:noFill/>
+          </a:ln>
+        </p:spPr>
+        <p:txBody>
+          <a:bodyPr wrap="square" rtlCol="0">
+            <a:spAutoFit/>
+          </a:bodyPr>
+          <a:lstStyle/>
+          <a:p>
+            <a:r>
+              <a:rPr lang="de-DE" sz="1400" dirty="0"/>
+              <a:t>Aufteilen</a:t>
+            </a:r>
+          </a:p>
+        </p:txBody>
+      </p:sp>
+    </p:spTree>
+    <p:extLst>
+      <p:ext uri="{BB962C8B-B14F-4D97-AF65-F5344CB8AC3E}">
+        <p14:creationId xmlns:p14="http://schemas.microsoft.com/office/powerpoint/2010/main" val="2461249006"/>
+      </p:ext>
+    </p:extLst>
+  </p:cSld>
+  <p:clrMapOvr>
+    <a:masterClrMapping/>
+  </p:clrMapOvr>
+</p:sld>
+</file>
+
+<file path=ppt/slides/slide6.xml><?xml version="1.0" encoding="utf-8"?>
+<p:sld xmlns:a="http://schemas.openxmlformats.org/drawingml/2006/main" xmlns:r="http://schemas.openxmlformats.org/officeDocument/2006/relationships" xmlns:p="http://schemas.openxmlformats.org/presentationml/2006/main">
+  <p:cSld>
+    <p:bg>
+      <p:bgPr>
+        <a:solidFill>
+          <a:schemeClr val="bg1"/>
+        </a:solidFill>
+        <a:effectLst/>
+      </p:bgPr>
+    </p:bg>
+    <p:spTree>
+      <p:nvGrpSpPr>
+        <p:cNvPr id="1" name=""/>
+        <p:cNvGrpSpPr/>
+        <p:nvPr/>
+      </p:nvGrpSpPr>
+      <p:grpSpPr>
+        <a:xfrm>
+          <a:off x="0" y="0"/>
+          <a:ext cx="0" cy="0"/>
+          <a:chOff x="0" y="0"/>
+          <a:chExt cx="0" cy="0"/>
+        </a:xfrm>
+      </p:grpSpPr>
+      <p:sp useBgFill="1">
+        <p:nvSpPr>
+          <p:cNvPr id="8" name="Rectangle 7">
+            <a:extLst>
+              <a:ext uri="{FF2B5EF4-FFF2-40B4-BE49-F238E27FC236}">
+                <a16:creationId xmlns:a16="http://schemas.microsoft.com/office/drawing/2014/main" id="{09588DA8-065E-4F6F-8EFD-43104AB2E0CF}"/>
+              </a:ext>
+              <a:ext uri="{C183D7F6-B498-43B3-948B-1728B52AA6E4}">
+                <adec:decorative xmlns:adec="http://schemas.microsoft.com/office/drawing/2017/decorative" val="1"/>
+              </a:ext>
+            </a:extLst>
+          </p:cNvPr>
+          <p:cNvSpPr>
+            <a:spLocks noGrp="1" noRot="1" noChangeAspect="1" noMove="1" noResize="1" noEditPoints="1" noAdjustHandles="1" noChangeArrowheads="1" noChangeShapeType="1" noTextEdit="1"/>
+          </p:cNvSpPr>
+          <p:nvPr>
+            <p:extLst>
+              <p:ext uri="{386F3935-93C4-4BCD-93E2-E3B085C9AB24}">
+                <p16:designElem xmlns:p16="http://schemas.microsoft.com/office/powerpoint/2015/main" val="1"/>
+              </p:ext>
+            </p:extLst>
+          </p:nvPr>
+        </p:nvSpPr>
+        <p:spPr>
+          <a:xfrm>
+            <a:off x="0" y="0"/>
+            <a:ext cx="12192000" cy="6858000"/>
+          </a:xfrm>
+          <a:prstGeom prst="rect">
+            <a:avLst/>
+          </a:prstGeom>
+          <a:ln w="12700" cap="flat" cmpd="sng" algn="ctr">
+            <a:noFill/>
+            <a:prstDash val="solid"/>
+            <a:miter lim="800000"/>
+          </a:ln>
+          <a:effectLst/>
+          <a:extLst>
+            <a:ext uri="{91240B29-F687-4F45-9708-019B960494DF}">
+              <a14:hiddenLine xmlns:a14="http://schemas.microsoft.com/office/drawing/2010/main" w="12700" cap="flat" cmpd="sng" algn="ctr">
+                <a:solidFill>
+                  <a:schemeClr val="accent1">
+                    <a:shade val="50000"/>
+                  </a:schemeClr>
+                </a:solidFill>
+                <a:prstDash val="solid"/>
+                <a:miter lim="800000"/>
+              </a14:hiddenLine>
+            </a:ext>
+          </a:extLst>
+        </p:spPr>
+        <p:style>
+          <a:lnRef idx="2">
+            <a:schemeClr val="accent1">
+              <a:shade val="50000"/>
+            </a:schemeClr>
+          </a:lnRef>
+          <a:fillRef idx="1">
+            <a:schemeClr val="accent1"/>
+          </a:fillRef>
+          <a:effectRef idx="0">
+            <a:schemeClr val="accent1"/>
+          </a:effectRef>
+          <a:fontRef idx="minor">
+            <a:schemeClr val="lt1"/>
+          </a:fontRef>
+        </p:style>
+        <p:txBody>
+          <a:bodyPr rtlCol="0" anchor="ctr"/>
+          <a:lstStyle/>
+          <a:p>
+            <a:pPr algn="ctr"/>
+            <a:endParaRPr lang="en-US"/>
+          </a:p>
+        </p:txBody>
+      </p:sp>
+      <p:sp useBgFill="1">
+        <p:nvSpPr>
+          <p:cNvPr id="10" name="Rectangle 9">
+            <a:extLst>
+              <a:ext uri="{FF2B5EF4-FFF2-40B4-BE49-F238E27FC236}">
+                <a16:creationId xmlns:a16="http://schemas.microsoft.com/office/drawing/2014/main" id="{C4285719-470E-454C-AF62-8323075F1F5B}"/>
+              </a:ext>
+              <a:ext uri="{C183D7F6-B498-43B3-948B-1728B52AA6E4}">
+                <adec:decorative xmlns:adec="http://schemas.microsoft.com/office/drawing/2017/decorative" val="1"/>
+              </a:ext>
+            </a:extLst>
+          </p:cNvPr>
+          <p:cNvSpPr>
+            <a:spLocks noGrp="1" noRot="1" noChangeAspect="1" noMove="1" noResize="1" noEditPoints="1" noAdjustHandles="1" noChangeArrowheads="1" noChangeShapeType="1" noTextEdit="1"/>
+          </p:cNvSpPr>
+          <p:nvPr>
+            <p:extLst>
+              <p:ext uri="{386F3935-93C4-4BCD-93E2-E3B085C9AB24}">
+                <p16:designElem xmlns:p16="http://schemas.microsoft.com/office/powerpoint/2015/main" val="1"/>
+              </p:ext>
+            </p:extLst>
+          </p:nvPr>
+        </p:nvSpPr>
+        <p:spPr>
+          <a:xfrm>
+            <a:off x="0" y="0"/>
+            <a:ext cx="12188952" cy="6858000"/>
+          </a:xfrm>
+          <a:prstGeom prst="rect">
+            <a:avLst/>
+          </a:prstGeom>
+          <a:ln w="12700" cap="flat" cmpd="sng" algn="ctr">
+            <a:noFill/>
+            <a:prstDash val="solid"/>
+            <a:miter lim="800000"/>
+          </a:ln>
+          <a:effectLst/>
+          <a:extLst>
+            <a:ext uri="{91240B29-F687-4F45-9708-019B960494DF}">
+              <a14:hiddenLine xmlns:a14="http://schemas.microsoft.com/office/drawing/2010/main" w="12700" cap="flat" cmpd="sng" algn="ctr">
+                <a:solidFill>
+                  <a:schemeClr val="accent1">
+                    <a:shade val="50000"/>
+                  </a:schemeClr>
+                </a:solidFill>
+                <a:prstDash val="solid"/>
+                <a:miter lim="800000"/>
+              </a14:hiddenLine>
+            </a:ext>
+          </a:extLst>
+        </p:spPr>
+        <p:style>
+          <a:lnRef idx="2">
+            <a:schemeClr val="accent1">
+              <a:shade val="50000"/>
+            </a:schemeClr>
+          </a:lnRef>
+          <a:fillRef idx="1">
+            <a:schemeClr val="accent1"/>
+          </a:fillRef>
+          <a:effectRef idx="0">
+            <a:schemeClr val="accent1"/>
+          </a:effectRef>
+          <a:fontRef idx="minor">
+            <a:schemeClr val="lt1"/>
+          </a:fontRef>
+        </p:style>
+        <p:txBody>
+          <a:bodyPr rtlCol="0" anchor="ctr"/>
+          <a:lstStyle/>
+          <a:p>
+            <a:pPr algn="ctr"/>
+            <a:endParaRPr lang="en-US"/>
+          </a:p>
+        </p:txBody>
+      </p:sp>
+      <p:sp>
+        <p:nvSpPr>
+          <p:cNvPr id="12" name="Rectangle 11">
+            <a:extLst>
+              <a:ext uri="{FF2B5EF4-FFF2-40B4-BE49-F238E27FC236}">
+                <a16:creationId xmlns:a16="http://schemas.microsoft.com/office/drawing/2014/main" id="{CD9FE4EF-C4D8-49A0-B2FF-81D8DB7D8A24}"/>
+              </a:ext>
+              <a:ext uri="{C183D7F6-B498-43B3-948B-1728B52AA6E4}">
+                <adec:decorative xmlns:adec="http://schemas.microsoft.com/office/drawing/2017/decorative" val="1"/>
+              </a:ext>
+            </a:extLst>
+          </p:cNvPr>
+          <p:cNvSpPr>
+            <a:spLocks noGrp="1" noRot="1" noChangeAspect="1" noMove="1" noResize="1" noEditPoints="1" noAdjustHandles="1" noChangeArrowheads="1" noChangeShapeType="1" noTextEdit="1"/>
+          </p:cNvSpPr>
+          <p:nvPr>
+            <p:extLst>
+              <p:ext uri="{386F3935-93C4-4BCD-93E2-E3B085C9AB24}">
+                <p16:designElem xmlns:p16="http://schemas.microsoft.com/office/powerpoint/2015/main" val="1"/>
+              </p:ext>
+            </p:extLst>
+          </p:nvPr>
+        </p:nvSpPr>
+        <p:spPr>
+          <a:xfrm rot="5400000" flipH="1">
+            <a:off x="-1410084" y="1410082"/>
+            <a:ext cx="6858000" cy="4037836"/>
+          </a:xfrm>
+          <a:prstGeom prst="rect">
+            <a:avLst/>
+          </a:prstGeom>
+          <a:gradFill>
+            <a:gsLst>
+              <a:gs pos="8000">
+                <a:srgbClr val="000000"/>
+              </a:gs>
+              <a:gs pos="100000">
+                <a:schemeClr val="accent1">
+                  <a:lumMod val="75000"/>
+                </a:schemeClr>
+              </a:gs>
+            </a:gsLst>
+            <a:lin ang="3000000" scaled="0"/>
+          </a:gradFill>
+          <a:ln>
+            <a:noFill/>
+          </a:ln>
+        </p:spPr>
+        <p:style>
+          <a:lnRef idx="2">
+            <a:schemeClr val="accent1">
+              <a:shade val="50000"/>
+            </a:schemeClr>
+          </a:lnRef>
+          <a:fillRef idx="1">
+            <a:schemeClr val="accent1"/>
+          </a:fillRef>
+          <a:effectRef idx="0">
+            <a:schemeClr val="accent1"/>
+          </a:effectRef>
+          <a:fontRef idx="minor">
+            <a:schemeClr val="lt1"/>
+          </a:fontRef>
+        </p:style>
+        <p:txBody>
+          <a:bodyPr rtlCol="0" anchor="ctr"/>
+          <a:lstStyle/>
+          <a:p>
+            <a:pPr algn="ctr"/>
+            <a:endParaRPr lang="en-US"/>
+          </a:p>
+        </p:txBody>
+      </p:sp>
+      <p:sp>
+        <p:nvSpPr>
+          <p:cNvPr id="14" name="Rectangle 13">
+            <a:extLst>
+              <a:ext uri="{FF2B5EF4-FFF2-40B4-BE49-F238E27FC236}">
+                <a16:creationId xmlns:a16="http://schemas.microsoft.com/office/drawing/2014/main" id="{4300840D-0A0B-4512-BACA-B439D5B9C57C}"/>
+              </a:ext>
+              <a:ext uri="{C183D7F6-B498-43B3-948B-1728B52AA6E4}">
+                <adec:decorative xmlns:adec="http://schemas.microsoft.com/office/drawing/2017/decorative" val="1"/>
+              </a:ext>
+            </a:extLst>
+          </p:cNvPr>
+          <p:cNvSpPr>
+            <a:spLocks noGrp="1" noRot="1" noChangeAspect="1" noMove="1" noResize="1" noEditPoints="1" noAdjustHandles="1" noChangeArrowheads="1" noChangeShapeType="1" noTextEdit="1"/>
+          </p:cNvSpPr>
+          <p:nvPr>
+            <p:extLst>
+              <p:ext uri="{386F3935-93C4-4BCD-93E2-E3B085C9AB24}">
+                <p16:designElem xmlns:p16="http://schemas.microsoft.com/office/powerpoint/2015/main" val="1"/>
+              </p:ext>
+            </p:extLst>
+          </p:nvPr>
+        </p:nvSpPr>
+        <p:spPr>
+          <a:xfrm rot="5400000" flipH="1">
+            <a:off x="-1410085" y="1420219"/>
+            <a:ext cx="6857999" cy="4037839"/>
+          </a:xfrm>
+          <a:prstGeom prst="rect">
+            <a:avLst/>
+          </a:prstGeom>
+          <a:gradFill>
+            <a:gsLst>
+              <a:gs pos="0">
+                <a:srgbClr val="000000">
+                  <a:alpha val="0"/>
+                </a:srgbClr>
+              </a:gs>
+              <a:gs pos="99000">
+                <a:schemeClr val="accent1">
+                  <a:alpha val="46000"/>
+                </a:schemeClr>
+              </a:gs>
+            </a:gsLst>
+            <a:lin ang="1800000" scaled="0"/>
+          </a:gradFill>
+          <a:ln>
+            <a:noFill/>
+          </a:ln>
+        </p:spPr>
+        <p:style>
+          <a:lnRef idx="2">
+            <a:schemeClr val="accent1">
+              <a:shade val="50000"/>
+            </a:schemeClr>
+          </a:lnRef>
+          <a:fillRef idx="1">
+            <a:schemeClr val="accent1"/>
+          </a:fillRef>
+          <a:effectRef idx="0">
+            <a:schemeClr val="accent1"/>
+          </a:effectRef>
+          <a:fontRef idx="minor">
+            <a:schemeClr val="lt1"/>
+          </a:fontRef>
+        </p:style>
+        <p:txBody>
+          <a:bodyPr rtlCol="0" anchor="ctr"/>
+          <a:lstStyle/>
+          <a:p>
+            <a:pPr algn="ctr"/>
+            <a:endParaRPr lang="en-US"/>
+          </a:p>
+        </p:txBody>
+      </p:sp>
+      <p:sp>
+        <p:nvSpPr>
+          <p:cNvPr id="16" name="Rectangle 15">
+            <a:extLst>
+              <a:ext uri="{FF2B5EF4-FFF2-40B4-BE49-F238E27FC236}">
+                <a16:creationId xmlns:a16="http://schemas.microsoft.com/office/drawing/2014/main" id="{D2B78728-A580-49A7-84F9-6EF6F583ADE0}"/>
+              </a:ext>
+              <a:ext uri="{C183D7F6-B498-43B3-948B-1728B52AA6E4}">
+                <adec:decorative xmlns:adec="http://schemas.microsoft.com/office/drawing/2017/decorative" val="1"/>
+              </a:ext>
+            </a:extLst>
+          </p:cNvPr>
+          <p:cNvSpPr>
+            <a:spLocks noGrp="1" noRot="1" noChangeAspect="1" noMove="1" noResize="1" noEditPoints="1" noAdjustHandles="1" noChangeArrowheads="1" noChangeShapeType="1" noTextEdit="1"/>
+          </p:cNvSpPr>
+          <p:nvPr>
+            <p:extLst>
+              <p:ext uri="{386F3935-93C4-4BCD-93E2-E3B085C9AB24}">
+                <p16:designElem xmlns:p16="http://schemas.microsoft.com/office/powerpoint/2015/main" val="1"/>
+              </p:ext>
+            </p:extLst>
+          </p:nvPr>
+        </p:nvSpPr>
+        <p:spPr>
+          <a:xfrm rot="5400000" flipH="1">
+            <a:off x="767923" y="3588085"/>
+            <a:ext cx="2501979" cy="4037841"/>
+          </a:xfrm>
+          <a:prstGeom prst="rect">
+            <a:avLst/>
+          </a:prstGeom>
+          <a:gradFill>
+            <a:gsLst>
+              <a:gs pos="2000">
+                <a:schemeClr val="accent1">
+                  <a:alpha val="29000"/>
+                </a:schemeClr>
+              </a:gs>
+              <a:gs pos="100000">
+                <a:srgbClr val="000000">
+                  <a:alpha val="30000"/>
+                </a:srgbClr>
+              </a:gs>
+            </a:gsLst>
+            <a:lin ang="7800000" scaled="0"/>
+          </a:gradFill>
+          <a:ln>
+            <a:noFill/>
+          </a:ln>
+        </p:spPr>
+        <p:style>
+          <a:lnRef idx="2">
+            <a:schemeClr val="accent1">
+              <a:shade val="50000"/>
+            </a:schemeClr>
+          </a:lnRef>
+          <a:fillRef idx="1">
+            <a:schemeClr val="accent1"/>
+          </a:fillRef>
+          <a:effectRef idx="0">
+            <a:schemeClr val="accent1"/>
+          </a:effectRef>
+          <a:fontRef idx="minor">
+            <a:schemeClr val="lt1"/>
+          </a:fontRef>
+        </p:style>
+        <p:txBody>
+          <a:bodyPr rtlCol="0" anchor="ctr"/>
+          <a:lstStyle/>
+          <a:p>
+            <a:pPr algn="ctr"/>
+            <a:endParaRPr lang="en-US" dirty="0"/>
+          </a:p>
+        </p:txBody>
+      </p:sp>
+      <p:sp>
+        <p:nvSpPr>
+          <p:cNvPr id="18" name="Freeform: Shape 17">
+            <a:extLst>
+              <a:ext uri="{FF2B5EF4-FFF2-40B4-BE49-F238E27FC236}">
+                <a16:creationId xmlns:a16="http://schemas.microsoft.com/office/drawing/2014/main" id="{38FAA1A1-D861-433F-88FA-1E9D6FD31D11}"/>
+              </a:ext>
+              <a:ext uri="{C183D7F6-B498-43B3-948B-1728B52AA6E4}">
+                <adec:decorative xmlns:adec="http://schemas.microsoft.com/office/drawing/2017/decorative" val="1"/>
+              </a:ext>
+            </a:extLst>
+          </p:cNvPr>
+          <p:cNvSpPr>
+            <a:spLocks noGrp="1" noRot="1" noChangeAspect="1" noMove="1" noResize="1" noEditPoints="1" noAdjustHandles="1" noChangeArrowheads="1" noChangeShapeType="1" noTextEdit="1"/>
+          </p:cNvSpPr>
+          <p:nvPr>
+            <p:extLst>
+              <p:ext uri="{386F3935-93C4-4BCD-93E2-E3B085C9AB24}">
+                <p16:designElem xmlns:p16="http://schemas.microsoft.com/office/powerpoint/2015/main" val="1"/>
+              </p:ext>
+            </p:extLst>
+          </p:nvPr>
+        </p:nvSpPr>
+        <p:spPr>
+          <a:xfrm rot="20635413">
+            <a:off x="-501737" y="969718"/>
+            <a:ext cx="3900357" cy="4178958"/>
+          </a:xfrm>
+          <a:custGeom>
+            <a:avLst/>
+            <a:gdLst>
+              <a:gd name="connsiteX0" fmla="*/ 2432225 w 3900357"/>
+              <a:gd name="connsiteY0" fmla="*/ 93939 h 4178958"/>
+              <a:gd name="connsiteX1" fmla="*/ 3900357 w 3900357"/>
+              <a:gd name="connsiteY1" fmla="*/ 2089479 h 4178958"/>
+              <a:gd name="connsiteX2" fmla="*/ 1810878 w 3900357"/>
+              <a:gd name="connsiteY2" fmla="*/ 4178958 h 4178958"/>
+              <a:gd name="connsiteX3" fmla="*/ 78249 w 3900357"/>
+              <a:gd name="connsiteY3" fmla="*/ 3257727 h 4178958"/>
+              <a:gd name="connsiteX4" fmla="*/ 0 w 3900357"/>
+              <a:gd name="connsiteY4" fmla="*/ 3128923 h 4178958"/>
+              <a:gd name="connsiteX5" fmla="*/ 831324 w 3900357"/>
+              <a:gd name="connsiteY5" fmla="*/ 244281 h 4178958"/>
+              <a:gd name="connsiteX6" fmla="*/ 997559 w 3900357"/>
+              <a:gd name="connsiteY6" fmla="*/ 164202 h 4178958"/>
+              <a:gd name="connsiteX7" fmla="*/ 1810878 w 3900357"/>
+              <a:gd name="connsiteY7" fmla="*/ 0 h 4178958"/>
+              <a:gd name="connsiteX8" fmla="*/ 2432225 w 3900357"/>
+              <a:gd name="connsiteY8" fmla="*/ 93939 h 4178958"/>
+            </a:gdLst>
+            <a:ahLst/>
+            <a:cxnLst>
+              <a:cxn ang="0">
+                <a:pos x="connsiteX0" y="connsiteY0"/>
+              </a:cxn>
+              <a:cxn ang="0">
+                <a:pos x="connsiteX1" y="connsiteY1"/>
+              </a:cxn>
+              <a:cxn ang="0">
+                <a:pos x="connsiteX2" y="connsiteY2"/>
+              </a:cxn>
+              <a:cxn ang="0">
+                <a:pos x="connsiteX3" y="connsiteY3"/>
+              </a:cxn>
+              <a:cxn ang="0">
+                <a:pos x="connsiteX4" y="connsiteY4"/>
+              </a:cxn>
+              <a:cxn ang="0">
+                <a:pos x="connsiteX5" y="connsiteY5"/>
+              </a:cxn>
+              <a:cxn ang="0">
+                <a:pos x="connsiteX6" y="connsiteY6"/>
+              </a:cxn>
+              <a:cxn ang="0">
+                <a:pos x="connsiteX7" y="connsiteY7"/>
+              </a:cxn>
+              <a:cxn ang="0">
+                <a:pos x="connsiteX8" y="connsiteY8"/>
+              </a:cxn>
+            </a:cxnLst>
+            <a:rect l="l" t="t" r="r" b="b"/>
+            <a:pathLst>
+              <a:path w="3900357" h="4178958">
+                <a:moveTo>
+                  <a:pt x="2432225" y="93939"/>
+                </a:moveTo>
+                <a:cubicBezTo>
+                  <a:pt x="3282786" y="358491"/>
+                  <a:pt x="3900357" y="1151865"/>
+                  <a:pt x="3900357" y="2089479"/>
+                </a:cubicBezTo>
+                <a:cubicBezTo>
+                  <a:pt x="3900357" y="3243466"/>
+                  <a:pt x="2964865" y="4178958"/>
+                  <a:pt x="1810878" y="4178958"/>
+                </a:cubicBezTo>
+                <a:cubicBezTo>
+                  <a:pt x="1089636" y="4178958"/>
+                  <a:pt x="453744" y="3813531"/>
+                  <a:pt x="78249" y="3257727"/>
+                </a:cubicBezTo>
+                <a:lnTo>
+                  <a:pt x="0" y="3128923"/>
+                </a:lnTo>
+                <a:lnTo>
+                  <a:pt x="831324" y="244281"/>
+                </a:lnTo>
+                <a:lnTo>
+                  <a:pt x="997559" y="164202"/>
+                </a:lnTo>
+                <a:cubicBezTo>
+                  <a:pt x="1247540" y="58468"/>
+                  <a:pt x="1522381" y="0"/>
+                  <a:pt x="1810878" y="0"/>
+                </a:cubicBezTo>
+                <a:cubicBezTo>
+                  <a:pt x="2027251" y="0"/>
+                  <a:pt x="2235942" y="32888"/>
+                  <a:pt x="2432225" y="93939"/>
+                </a:cubicBezTo>
+                <a:close/>
+              </a:path>
+            </a:pathLst>
+          </a:custGeom>
+          <a:gradFill>
+            <a:gsLst>
+              <a:gs pos="29000">
+                <a:srgbClr val="000000">
+                  <a:alpha val="0"/>
+                </a:srgbClr>
+              </a:gs>
+              <a:gs pos="100000">
+                <a:schemeClr val="accent1">
+                  <a:alpha val="43000"/>
+                </a:schemeClr>
+              </a:gs>
+            </a:gsLst>
+            <a:lin ang="1800000" scaled="0"/>
+          </a:gradFill>
+          <a:ln>
+            <a:noFill/>
+          </a:ln>
+        </p:spPr>
+        <p:style>
+          <a:lnRef idx="2">
+            <a:schemeClr val="accent1">
+              <a:shade val="50000"/>
+            </a:schemeClr>
+          </a:lnRef>
+          <a:fillRef idx="1">
+            <a:schemeClr val="accent1"/>
+          </a:fillRef>
+          <a:effectRef idx="0">
+            <a:schemeClr val="accent1"/>
+          </a:effectRef>
+          <a:fontRef idx="minor">
+            <a:schemeClr val="lt1"/>
+          </a:fontRef>
+        </p:style>
+        <p:txBody>
+          <a:bodyPr wrap="square" rtlCol="0" anchor="ctr">
+            <a:noAutofit/>
+          </a:bodyPr>
+          <a:lstStyle/>
+          <a:p>
+            <a:pPr algn="ctr"/>
+            <a:endParaRPr lang="en-US" dirty="0"/>
+          </a:p>
+        </p:txBody>
+      </p:sp>
+      <p:sp>
+        <p:nvSpPr>
+          <p:cNvPr id="20" name="Rectangle 19">
+            <a:extLst>
+              <a:ext uri="{FF2B5EF4-FFF2-40B4-BE49-F238E27FC236}">
+                <a16:creationId xmlns:a16="http://schemas.microsoft.com/office/drawing/2014/main" id="{8D71EDA1-87BF-4D5D-AB79-F346FD19278A}"/>
+              </a:ext>
+              <a:ext uri="{C183D7F6-B498-43B3-948B-1728B52AA6E4}">
+                <adec:decorative xmlns:adec="http://schemas.microsoft.com/office/drawing/2017/decorative" val="1"/>
+              </a:ext>
+            </a:extLst>
+          </p:cNvPr>
+          <p:cNvSpPr>
+            <a:spLocks noGrp="1" noRot="1" noChangeAspect="1" noMove="1" noResize="1" noEditPoints="1" noAdjustHandles="1" noChangeArrowheads="1" noChangeShapeType="1" noTextEdit="1"/>
+          </p:cNvSpPr>
+          <p:nvPr>
+            <p:extLst>
+              <p:ext uri="{386F3935-93C4-4BCD-93E2-E3B085C9AB24}">
+                <p16:designElem xmlns:p16="http://schemas.microsoft.com/office/powerpoint/2015/main" val="1"/>
+              </p:ext>
+            </p:extLst>
+          </p:nvPr>
+        </p:nvSpPr>
+        <p:spPr>
+          <a:xfrm rot="5400000" flipH="1">
+            <a:off x="-1410093" y="1399943"/>
+            <a:ext cx="6858003" cy="4037835"/>
+          </a:xfrm>
+          <a:prstGeom prst="rect">
+            <a:avLst/>
+          </a:prstGeom>
+          <a:gradFill>
+            <a:gsLst>
+              <a:gs pos="0">
+                <a:srgbClr val="000000">
+                  <a:alpha val="0"/>
+                </a:srgbClr>
+              </a:gs>
+              <a:gs pos="99000">
+                <a:schemeClr val="accent1">
+                  <a:lumMod val="60000"/>
+                  <a:lumOff val="40000"/>
+                  <a:alpha val="11000"/>
+                </a:schemeClr>
+              </a:gs>
+            </a:gsLst>
+            <a:lin ang="7200000" scaled="0"/>
+          </a:gradFill>
+          <a:ln>
+            <a:noFill/>
+          </a:ln>
+        </p:spPr>
+        <p:style>
+          <a:lnRef idx="2">
+            <a:schemeClr val="accent1">
+              <a:shade val="50000"/>
+            </a:schemeClr>
+          </a:lnRef>
+          <a:fillRef idx="1">
+            <a:schemeClr val="accent1"/>
+          </a:fillRef>
+          <a:effectRef idx="0">
+            <a:schemeClr val="accent1"/>
+          </a:effectRef>
+          <a:fontRef idx="minor">
+            <a:schemeClr val="lt1"/>
+          </a:fontRef>
+        </p:style>
+        <p:txBody>
+          <a:bodyPr rtlCol="0" anchor="ctr"/>
+          <a:lstStyle/>
+          <a:p>
+            <a:pPr algn="ctr"/>
+            <a:endParaRPr lang="en-US"/>
+          </a:p>
+        </p:txBody>
+      </p:sp>
+      <p:sp>
+        <p:nvSpPr>
+          <p:cNvPr id="23" name="Titel 1">
+            <a:extLst>
+              <a:ext uri="{FF2B5EF4-FFF2-40B4-BE49-F238E27FC236}">
+                <a16:creationId xmlns:a16="http://schemas.microsoft.com/office/drawing/2014/main" id="{863F3A40-CA48-AE6D-EF44-DC2804EF6823}"/>
+              </a:ext>
+            </a:extLst>
+          </p:cNvPr>
+          <p:cNvSpPr>
+            <a:spLocks noGrp="1"/>
+          </p:cNvSpPr>
+          <p:nvPr>
+            <p:ph type="title"/>
+          </p:nvPr>
+        </p:nvSpPr>
+        <p:spPr>
+          <a:xfrm>
+            <a:off x="466722" y="586855"/>
+            <a:ext cx="3201366" cy="3387497"/>
+          </a:xfrm>
+        </p:spPr>
+        <p:txBody>
+          <a:bodyPr anchor="b">
+            <a:normAutofit/>
+          </a:bodyPr>
+          <a:lstStyle/>
+          <a:p>
+            <a:pPr algn="r"/>
+            <a:r>
+              <a:rPr lang="de-DE" sz="3100" dirty="0">
+                <a:solidFill>
+                  <a:srgbClr val="FFFFFF"/>
+                </a:solidFill>
+              </a:rPr>
+              <a:t>Datenvorbereitung</a:t>
+            </a:r>
+          </a:p>
+        </p:txBody>
+      </p:sp>
       <p:pic>
         <p:nvPicPr>
           <p:cNvPr id="4" name="Grafik 3">
@@ -15240,14 +16412,14 @@
           <p:nvPr>
             <p:extLst>
               <p:ext uri="{D42A27DB-BD31-4B8C-83A1-F6EECF244321}">
-                <p14:modId xmlns:p14="http://schemas.microsoft.com/office/powerpoint/2010/main" val="1797083139"/>
+                <p14:modId xmlns:p14="http://schemas.microsoft.com/office/powerpoint/2010/main" val="953499201"/>
               </p:ext>
             </p:extLst>
           </p:nvPr>
         </p:nvGraphicFramePr>
         <p:xfrm>
-          <a:off x="4383452" y="833361"/>
-          <a:ext cx="4303486" cy="5418667"/>
+          <a:off x="4250725" y="511389"/>
+          <a:ext cx="4746296" cy="5988266"/>
         </p:xfrm>
         <a:graphic>
           <a:graphicData uri="http://schemas.openxmlformats.org/drawingml/2006/diagram">

--- a/Chatbot.pptx
+++ b/Chatbot.pptx
@@ -1374,12 +1374,8 @@
         <a:lstStyle/>
         <a:p>
           <a:r>
-            <a:rPr lang="de-DE" dirty="0" err="1"/>
-            <a:t>One</a:t>
-          </a:r>
-          <a:r>
             <a:rPr lang="de-DE" dirty="0"/>
-            <a:t>-Hot Codierung</a:t>
+            <a:t>Kategoriale Codierung</a:t>
           </a:r>
         </a:p>
       </dgm:t>
@@ -1547,11 +1543,11 @@
     <dgm:cxn modelId="{ECB9B91F-F477-A044-A443-36722096AF8E}" type="presOf" srcId="{D532C0AA-1917-B04B-A183-01833A045BA2}" destId="{3EFE30A2-5F9F-8B44-B4C8-88AB4D082D6E}" srcOrd="0" destOrd="1" presId="urn:microsoft.com/office/officeart/2005/8/layout/chevron2"/>
     <dgm:cxn modelId="{94807E2A-3F97-BD40-94F0-3B7FB6349255}" srcId="{06A02F2F-D120-EC4D-88CA-222DA3E08D2C}" destId="{EF3A41E5-ABF6-C548-A2F3-3573E968CBD8}" srcOrd="1" destOrd="0" parTransId="{DBC7C7A0-5CC1-D74A-B1EC-62267D30A22A}" sibTransId="{1999E955-AB98-D547-96DE-2BA70308546F}"/>
     <dgm:cxn modelId="{A1254D3E-FD25-7C40-8344-0C299072A829}" type="presOf" srcId="{2F146616-9C7F-934F-B417-7544E0883927}" destId="{5A96D96E-9C71-8345-A8B2-CF95069E6482}" srcOrd="0" destOrd="0" presId="urn:microsoft.com/office/officeart/2005/8/layout/chevron2"/>
-    <dgm:cxn modelId="{882CF753-DECB-B348-A8EA-1EA98D783D7A}" srcId="{D7CD70FD-D2D0-CE47-BF4B-252750DA92B3}" destId="{41A88598-477F-0646-A1E5-513B4FA1C044}" srcOrd="0" destOrd="0" parTransId="{9FD63201-1995-5248-9132-8B49961C5E4D}" sibTransId="{3FC53403-6189-CD42-8F32-E868AAB9CACD}"/>
-    <dgm:cxn modelId="{5E6C905A-CBD1-5345-AF3B-674B36D419E4}" type="presOf" srcId="{26A54F9A-0AAF-F042-A685-4ADCF0E32386}" destId="{41CDFF60-98AA-5948-942D-61EBF247901A}" srcOrd="0" destOrd="0" presId="urn:microsoft.com/office/officeart/2005/8/layout/chevron2"/>
     <dgm:cxn modelId="{F30DF06E-F288-194F-A13B-C291A06DBB47}" srcId="{26A54F9A-0AAF-F042-A685-4ADCF0E32386}" destId="{D532C0AA-1917-B04B-A183-01833A045BA2}" srcOrd="1" destOrd="0" parTransId="{39916C0F-8760-FE48-8BDB-CD1752736293}" sibTransId="{1650D795-93DC-B44A-AFF3-67D86546516A}"/>
     <dgm:cxn modelId="{ED52086F-526C-C045-A2CF-45AB5288A83D}" srcId="{2F146616-9C7F-934F-B417-7544E0883927}" destId="{D7CD70FD-D2D0-CE47-BF4B-252750DA92B3}" srcOrd="2" destOrd="0" parTransId="{3A34F833-B9BF-0548-85E2-A81E65FDC44E}" sibTransId="{C9E02A38-FB62-AA43-BF7B-52FCC0F8282C}"/>
     <dgm:cxn modelId="{11968A73-88E9-EA4F-856C-8C9DAFCFDBFA}" type="presOf" srcId="{70C26CDA-5936-3A48-9D8D-E650781CE5BF}" destId="{3EFE30A2-5F9F-8B44-B4C8-88AB4D082D6E}" srcOrd="0" destOrd="0" presId="urn:microsoft.com/office/officeart/2005/8/layout/chevron2"/>
+    <dgm:cxn modelId="{882CF753-DECB-B348-A8EA-1EA98D783D7A}" srcId="{D7CD70FD-D2D0-CE47-BF4B-252750DA92B3}" destId="{41A88598-477F-0646-A1E5-513B4FA1C044}" srcOrd="0" destOrd="0" parTransId="{9FD63201-1995-5248-9132-8B49961C5E4D}" sibTransId="{3FC53403-6189-CD42-8F32-E868AAB9CACD}"/>
+    <dgm:cxn modelId="{5E6C905A-CBD1-5345-AF3B-674B36D419E4}" type="presOf" srcId="{26A54F9A-0AAF-F042-A685-4ADCF0E32386}" destId="{41CDFF60-98AA-5948-942D-61EBF247901A}" srcOrd="0" destOrd="0" presId="urn:microsoft.com/office/officeart/2005/8/layout/chevron2"/>
     <dgm:cxn modelId="{239A0286-61E6-5E40-B73D-02D73B85013E}" type="presOf" srcId="{BA22BA89-2F82-4F46-AC57-89038086C37E}" destId="{A34514F7-3850-1349-B855-F8DD85A7BE38}" srcOrd="0" destOrd="0" presId="urn:microsoft.com/office/officeart/2005/8/layout/chevron2"/>
     <dgm:cxn modelId="{0414D68D-66B5-D94D-9854-ECC0F2F60E46}" type="presOf" srcId="{EF3A41E5-ABF6-C548-A2F3-3573E968CBD8}" destId="{A34514F7-3850-1349-B855-F8DD85A7BE38}" srcOrd="0" destOrd="1" presId="urn:microsoft.com/office/officeart/2005/8/layout/chevron2"/>
     <dgm:cxn modelId="{AFA99492-8080-1B41-BD96-455477FF8689}" type="presOf" srcId="{EC584581-9ED3-7A47-A09A-7CCD705B43A4}" destId="{0B70B154-E684-C141-8441-32484884CFCB}" srcOrd="0" destOrd="0" presId="urn:microsoft.com/office/officeart/2005/8/layout/chevron2"/>
@@ -2455,12 +2451,8 @@
             <a:buChar char="•"/>
           </a:pPr>
           <a:r>
-            <a:rPr lang="de-DE" sz="1500" kern="1200" dirty="0" err="1"/>
-            <a:t>One</a:t>
-          </a:r>
-          <a:r>
             <a:rPr lang="de-DE" sz="1500" kern="1200" dirty="0"/>
-            <a:t>-Hot Codierung</a:t>
+            <a:t>Kategoriale Codierung</a:t>
           </a:r>
         </a:p>
       </dsp:txBody>
@@ -3910,7 +3902,7 @@
           <a:p>
             <a:fld id="{CDAA09F4-0734-7A45-B051-6480ABCF1C37}" type="datetimeFigureOut">
               <a:rPr lang="de-DE" smtClean="0"/>
-              <a:t>21.03.23</a:t>
+              <a:t>21.03.2023</a:t>
             </a:fld>
             <a:endParaRPr lang="de-DE"/>
           </a:p>
@@ -4108,7 +4100,7 @@
           <a:p>
             <a:fld id="{CDAA09F4-0734-7A45-B051-6480ABCF1C37}" type="datetimeFigureOut">
               <a:rPr lang="de-DE" smtClean="0"/>
-              <a:t>21.03.23</a:t>
+              <a:t>21.03.2023</a:t>
             </a:fld>
             <a:endParaRPr lang="de-DE"/>
           </a:p>
@@ -4316,7 +4308,7 @@
           <a:p>
             <a:fld id="{CDAA09F4-0734-7A45-B051-6480ABCF1C37}" type="datetimeFigureOut">
               <a:rPr lang="de-DE" smtClean="0"/>
-              <a:t>21.03.23</a:t>
+              <a:t>21.03.2023</a:t>
             </a:fld>
             <a:endParaRPr lang="de-DE"/>
           </a:p>
@@ -4514,7 +4506,7 @@
           <a:p>
             <a:fld id="{CDAA09F4-0734-7A45-B051-6480ABCF1C37}" type="datetimeFigureOut">
               <a:rPr lang="de-DE" smtClean="0"/>
-              <a:t>21.03.23</a:t>
+              <a:t>21.03.2023</a:t>
             </a:fld>
             <a:endParaRPr lang="de-DE"/>
           </a:p>
@@ -4789,7 +4781,7 @@
           <a:p>
             <a:fld id="{CDAA09F4-0734-7A45-B051-6480ABCF1C37}" type="datetimeFigureOut">
               <a:rPr lang="de-DE" smtClean="0"/>
-              <a:t>21.03.23</a:t>
+              <a:t>21.03.2023</a:t>
             </a:fld>
             <a:endParaRPr lang="de-DE"/>
           </a:p>
@@ -5054,7 +5046,7 @@
           <a:p>
             <a:fld id="{CDAA09F4-0734-7A45-B051-6480ABCF1C37}" type="datetimeFigureOut">
               <a:rPr lang="de-DE" smtClean="0"/>
-              <a:t>21.03.23</a:t>
+              <a:t>21.03.2023</a:t>
             </a:fld>
             <a:endParaRPr lang="de-DE"/>
           </a:p>
@@ -5466,7 +5458,7 @@
           <a:p>
             <a:fld id="{CDAA09F4-0734-7A45-B051-6480ABCF1C37}" type="datetimeFigureOut">
               <a:rPr lang="de-DE" smtClean="0"/>
-              <a:t>21.03.23</a:t>
+              <a:t>21.03.2023</a:t>
             </a:fld>
             <a:endParaRPr lang="de-DE"/>
           </a:p>
@@ -5607,7 +5599,7 @@
           <a:p>
             <a:fld id="{CDAA09F4-0734-7A45-B051-6480ABCF1C37}" type="datetimeFigureOut">
               <a:rPr lang="de-DE" smtClean="0"/>
-              <a:t>21.03.23</a:t>
+              <a:t>21.03.2023</a:t>
             </a:fld>
             <a:endParaRPr lang="de-DE"/>
           </a:p>
@@ -5720,7 +5712,7 @@
           <a:p>
             <a:fld id="{CDAA09F4-0734-7A45-B051-6480ABCF1C37}" type="datetimeFigureOut">
               <a:rPr lang="de-DE" smtClean="0"/>
-              <a:t>21.03.23</a:t>
+              <a:t>21.03.2023</a:t>
             </a:fld>
             <a:endParaRPr lang="de-DE"/>
           </a:p>
@@ -6031,7 +6023,7 @@
           <a:p>
             <a:fld id="{CDAA09F4-0734-7A45-B051-6480ABCF1C37}" type="datetimeFigureOut">
               <a:rPr lang="de-DE" smtClean="0"/>
-              <a:t>21.03.23</a:t>
+              <a:t>21.03.2023</a:t>
             </a:fld>
             <a:endParaRPr lang="de-DE"/>
           </a:p>
@@ -6319,7 +6311,7 @@
           <a:p>
             <a:fld id="{CDAA09F4-0734-7A45-B051-6480ABCF1C37}" type="datetimeFigureOut">
               <a:rPr lang="de-DE" smtClean="0"/>
-              <a:t>21.03.23</a:t>
+              <a:t>21.03.2023</a:t>
             </a:fld>
             <a:endParaRPr lang="de-DE"/>
           </a:p>
@@ -6560,7 +6552,7 @@
           <a:p>
             <a:fld id="{CDAA09F4-0734-7A45-B051-6480ABCF1C37}" type="datetimeFigureOut">
               <a:rPr lang="de-DE" smtClean="0"/>
-              <a:t>21.03.23</a:t>
+              <a:t>21.03.2023</a:t>
             </a:fld>
             <a:endParaRPr lang="de-DE"/>
           </a:p>
@@ -8118,8 +8110,8 @@
         </p:nvSpPr>
         <p:spPr>
           <a:xfrm>
-            <a:off x="4899991" y="1113183"/>
-            <a:ext cx="6778487" cy="3416320"/>
+            <a:off x="4641373" y="392747"/>
+            <a:ext cx="6778487" cy="3447098"/>
           </a:xfrm>
           <a:prstGeom prst="rect">
             <a:avLst/>
@@ -8133,8 +8125,8 @@
           <a:lstStyle/>
           <a:p>
             <a:r>
-              <a:rPr lang="de-DE" b="1" dirty="0"/>
-              <a:t>Hyperparameter:</a:t>
+              <a:rPr lang="de-DE" sz="2000" b="1" dirty="0"/>
+              <a:t>Hyperparameter Intern:</a:t>
             </a:r>
           </a:p>
           <a:p>
@@ -8143,11 +8135,11 @@
               <a:buChar char="•"/>
             </a:pPr>
             <a:r>
-              <a:rPr lang="de-DE" dirty="0" err="1"/>
+              <a:rPr lang="de-DE" sz="2000" dirty="0" err="1"/>
               <a:t>outputDimension</a:t>
             </a:r>
             <a:r>
-              <a:rPr lang="de-DE" dirty="0"/>
+              <a:rPr lang="de-DE" sz="2000" dirty="0"/>
               <a:t> = 50</a:t>
             </a:r>
           </a:p>
@@ -8157,23 +8149,20 @@
               <a:buChar char="•"/>
             </a:pPr>
             <a:r>
-              <a:rPr lang="de-DE" dirty="0" err="1"/>
+              <a:rPr lang="de-DE" sz="2000" dirty="0" err="1"/>
               <a:t>lstm_units</a:t>
             </a:r>
             <a:r>
-              <a:rPr lang="de-DE" dirty="0"/>
+              <a:rPr lang="de-DE" sz="2000" dirty="0"/>
               <a:t> = 400</a:t>
             </a:r>
           </a:p>
           <a:p>
-            <a:endParaRPr lang="de-DE" dirty="0"/>
-          </a:p>
-          <a:p>
-            <a:endParaRPr lang="de-DE" dirty="0"/>
+            <a:endParaRPr lang="de-DE" sz="2000" dirty="0"/>
           </a:p>
           <a:p>
             <a:r>
-              <a:rPr lang="de-DE" b="1" dirty="0"/>
+              <a:rPr lang="de-DE" sz="2000" b="1" dirty="0"/>
               <a:t>Training:</a:t>
             </a:r>
           </a:p>
@@ -8183,7 +8172,7 @@
               <a:buChar char="•"/>
             </a:pPr>
             <a:r>
-              <a:rPr lang="de-DE" dirty="0"/>
+              <a:rPr lang="de-DE" sz="2000" dirty="0"/>
               <a:t>Erstellung eines Basis-Modells</a:t>
             </a:r>
           </a:p>
@@ -8193,16 +8182,8 @@
               <a:buChar char="•"/>
             </a:pPr>
             <a:r>
-              <a:rPr lang="de-DE" dirty="0"/>
-              <a:t>Genre </a:t>
-            </a:r>
-            <a:r>
-              <a:rPr lang="de-DE" dirty="0" err="1"/>
-              <a:t>Spezifikaiton</a:t>
-            </a:r>
-            <a:r>
-              <a:rPr lang="de-DE" dirty="0"/>
-              <a:t> „on top“</a:t>
+              <a:rPr lang="de-DE" sz="2000" dirty="0"/>
+              <a:t>Genre Spezifikation „on top“</a:t>
             </a:r>
           </a:p>
           <a:p>
@@ -8211,16 +8192,24 @@
               <a:buChar char="•"/>
             </a:pPr>
             <a:r>
-              <a:rPr lang="de-DE" dirty="0"/>
+              <a:rPr lang="de-DE" sz="2000" dirty="0"/>
               <a:t>Early </a:t>
             </a:r>
             <a:r>
-              <a:rPr lang="de-DE" dirty="0" err="1"/>
+              <a:rPr lang="de-DE" sz="2000" dirty="0" err="1"/>
               <a:t>Stopping</a:t>
             </a:r>
             <a:r>
-              <a:rPr lang="de-DE" dirty="0"/>
-              <a:t> als Callback</a:t>
+              <a:rPr lang="de-DE" sz="2000" dirty="0"/>
+              <a:t> als Callback (</a:t>
+            </a:r>
+            <a:r>
+              <a:rPr lang="de-DE" sz="2000" dirty="0" err="1"/>
+              <a:t>Accuracy</a:t>
+            </a:r>
+            <a:r>
+              <a:rPr lang="de-DE" sz="2000" dirty="0"/>
+              <a:t>)</a:t>
             </a:r>
           </a:p>
           <a:p>
@@ -8229,14 +8218,9 @@
               <a:buChar char="•"/>
             </a:pPr>
             <a:r>
-              <a:rPr lang="de-DE" dirty="0"/>
-              <a:t>Trainingszeit: ca. </a:t>
+              <a:rPr lang="de-DE" sz="2000" dirty="0"/>
+              <a:t>Trainingszeit: ca. 5 Stunden</a:t>
             </a:r>
-            <a:r>
-              <a:rPr lang="de-DE"/>
-              <a:t>5 Stunden</a:t>
-            </a:r>
-            <a:endParaRPr lang="de-DE" dirty="0"/>
           </a:p>
           <a:p>
             <a:pPr marL="285750" indent="-285750">
@@ -8244,8 +8228,8 @@
               <a:buChar char="•"/>
             </a:pPr>
             <a:r>
-              <a:rPr lang="de-DE" dirty="0"/>
-              <a:t>96MB groß </a:t>
+              <a:rPr lang="de-DE" sz="2000" dirty="0"/>
+              <a:t>Größe v. 96MB je Model</a:t>
             </a:r>
           </a:p>
           <a:p>
@@ -8257,6 +8241,36 @@
           </a:p>
         </p:txBody>
       </p:sp>
+      <p:pic>
+        <p:nvPicPr>
+          <p:cNvPr id="4" name="Grafik 3">
+            <a:extLst>
+              <a:ext uri="{FF2B5EF4-FFF2-40B4-BE49-F238E27FC236}">
+                <a16:creationId xmlns:a16="http://schemas.microsoft.com/office/drawing/2014/main" id="{7AB8F565-DB41-F2B7-44A4-14A368B4E6FD}"/>
+              </a:ext>
+            </a:extLst>
+          </p:cNvPr>
+          <p:cNvPicPr>
+            <a:picLocks noChangeAspect="1"/>
+          </p:cNvPicPr>
+          <p:nvPr/>
+        </p:nvPicPr>
+        <p:blipFill>
+          <a:blip r:embed="rId2"/>
+          <a:stretch>
+            <a:fillRect/>
+          </a:stretch>
+        </p:blipFill>
+        <p:spPr>
+          <a:xfrm>
+            <a:off x="4208123" y="3787988"/>
+            <a:ext cx="7703318" cy="2276273"/>
+          </a:xfrm>
+          <a:prstGeom prst="rect">
+            <a:avLst/>
+          </a:prstGeom>
+        </p:spPr>
+      </p:pic>
     </p:spTree>
     <p:extLst>
       <p:ext uri="{BB962C8B-B14F-4D97-AF65-F5344CB8AC3E}">
@@ -8947,7 +8961,28 @@
           <a:p>
             <a:pPr algn="r"/>
             <a:r>
-              <a:rPr lang="en-US" sz="3200" kern="1200" dirty="0" err="1">
+              <a:rPr lang="en-US" sz="3600" kern="1200" dirty="0">
+                <a:solidFill>
+                  <a:srgbClr val="FFFFFF"/>
+                </a:solidFill>
+                <a:latin typeface="+mj-lt"/>
+                <a:ea typeface="+mj-ea"/>
+                <a:cs typeface="+mj-cs"/>
+              </a:rPr>
+              <a:t>Training +</a:t>
+            </a:r>
+            <a:br>
+              <a:rPr lang="en-US" sz="3600" kern="1200" dirty="0">
+                <a:solidFill>
+                  <a:srgbClr val="FFFFFF"/>
+                </a:solidFill>
+                <a:latin typeface="+mj-lt"/>
+                <a:ea typeface="+mj-ea"/>
+                <a:cs typeface="+mj-cs"/>
+              </a:rPr>
+            </a:br>
+            <a:r>
+              <a:rPr lang="en-US" sz="3600" kern="1200" dirty="0" err="1">
                 <a:solidFill>
                   <a:srgbClr val="FFFFFF"/>
                 </a:solidFill>
@@ -8957,7 +8992,7 @@
               </a:rPr>
               <a:t>Lernkurven</a:t>
             </a:r>
-            <a:endParaRPr lang="de-DE" sz="3100" dirty="0">
+            <a:endParaRPr lang="de-DE" sz="3200" dirty="0">
               <a:solidFill>
                 <a:srgbClr val="FFFFFF"/>
               </a:solidFill>
@@ -8986,8 +9021,8 @@
         </p:blipFill>
         <p:spPr>
           <a:xfrm>
-            <a:off x="6019063" y="199138"/>
-            <a:ext cx="4188643" cy="3240000"/>
+            <a:off x="4066162" y="3268389"/>
+            <a:ext cx="4016100" cy="3106535"/>
           </a:xfrm>
           <a:prstGeom prst="rect">
             <a:avLst/>
@@ -9015,14 +9050,112 @@
         </p:blipFill>
         <p:spPr>
           <a:xfrm>
-            <a:off x="6096000" y="3429000"/>
-            <a:ext cx="4188642" cy="3240000"/>
+            <a:off x="8073073" y="3268671"/>
+            <a:ext cx="4016099" cy="3106534"/>
           </a:xfrm>
           <a:prstGeom prst="rect">
             <a:avLst/>
           </a:prstGeom>
         </p:spPr>
       </p:pic>
+      <p:pic>
+        <p:nvPicPr>
+          <p:cNvPr id="3" name="Grafik 2">
+            <a:extLst>
+              <a:ext uri="{FF2B5EF4-FFF2-40B4-BE49-F238E27FC236}">
+                <a16:creationId xmlns:a16="http://schemas.microsoft.com/office/drawing/2014/main" id="{B6A6D356-580C-4807-D8A8-F8A81BDA6E67}"/>
+              </a:ext>
+            </a:extLst>
+          </p:cNvPr>
+          <p:cNvPicPr>
+            <a:picLocks noChangeAspect="1"/>
+          </p:cNvPicPr>
+          <p:nvPr/>
+        </p:nvPicPr>
+        <p:blipFill>
+          <a:blip r:embed="rId4"/>
+          <a:stretch>
+            <a:fillRect/>
+          </a:stretch>
+        </p:blipFill>
+        <p:spPr>
+          <a:xfrm>
+            <a:off x="4164496" y="551263"/>
+            <a:ext cx="4184374" cy="2118264"/>
+          </a:xfrm>
+          <a:prstGeom prst="rect">
+            <a:avLst/>
+          </a:prstGeom>
+        </p:spPr>
+      </p:pic>
+      <p:sp>
+        <p:nvSpPr>
+          <p:cNvPr id="4" name="Textfeld 3">
+            <a:extLst>
+              <a:ext uri="{FF2B5EF4-FFF2-40B4-BE49-F238E27FC236}">
+                <a16:creationId xmlns:a16="http://schemas.microsoft.com/office/drawing/2014/main" id="{D06BF30F-CEB6-578D-D1A6-4858FB17AC9F}"/>
+              </a:ext>
+            </a:extLst>
+          </p:cNvPr>
+          <p:cNvSpPr txBox="1"/>
+          <p:nvPr/>
+        </p:nvSpPr>
+        <p:spPr>
+          <a:xfrm>
+            <a:off x="8613263" y="1812536"/>
+            <a:ext cx="3578737" cy="1200329"/>
+          </a:xfrm>
+          <a:prstGeom prst="rect">
+            <a:avLst/>
+          </a:prstGeom>
+          <a:noFill/>
+        </p:spPr>
+        <p:txBody>
+          <a:bodyPr wrap="none" rtlCol="0">
+            <a:spAutoFit/>
+          </a:bodyPr>
+          <a:lstStyle/>
+          <a:p>
+            <a:pPr marL="285750" indent="-285750">
+              <a:buFont typeface="Arial" panose="020B0604020202020204" pitchFamily="34" charset="0"/>
+              <a:buChar char="•"/>
+            </a:pPr>
+            <a:r>
+              <a:rPr lang="de-DE" sz="2400" dirty="0"/>
+              <a:t>200 Epochen</a:t>
+            </a:r>
+          </a:p>
+          <a:p>
+            <a:pPr marL="285750" indent="-285750">
+              <a:buFont typeface="Arial" panose="020B0604020202020204" pitchFamily="34" charset="0"/>
+              <a:buChar char="•"/>
+            </a:pPr>
+            <a:r>
+              <a:rPr lang="de-DE" sz="2400" dirty="0"/>
+              <a:t>Adam Optimizer</a:t>
+            </a:r>
+          </a:p>
+          <a:p>
+            <a:pPr marL="285750" indent="-285750">
+              <a:buFont typeface="Arial" panose="020B0604020202020204" pitchFamily="34" charset="0"/>
+              <a:buChar char="•"/>
+            </a:pPr>
+            <a:r>
+              <a:rPr lang="de-DE" sz="2400" dirty="0" err="1"/>
+              <a:t>Categorical</a:t>
+            </a:r>
+            <a:r>
+              <a:rPr lang="de-DE" sz="2400" dirty="0"/>
+              <a:t> </a:t>
+            </a:r>
+            <a:r>
+              <a:rPr lang="de-DE" sz="2400" dirty="0" err="1"/>
+              <a:t>Crossentropy</a:t>
+            </a:r>
+            <a:endParaRPr lang="de-DE" sz="2400" dirty="0"/>
+          </a:p>
+        </p:txBody>
+      </p:sp>
     </p:spTree>
     <p:extLst>
       <p:ext uri="{BB962C8B-B14F-4D97-AF65-F5344CB8AC3E}">
@@ -10459,14 +10592,14 @@
           <a:p>
             <a:pPr algn="r"/>
             <a:r>
-              <a:rPr lang="en-US" sz="3200" dirty="0" err="1">
+              <a:rPr lang="en-US" sz="3600" dirty="0" err="1">
                 <a:solidFill>
                   <a:srgbClr val="FFFFFF"/>
                 </a:solidFill>
               </a:rPr>
               <a:t>Ausblick</a:t>
             </a:r>
-            <a:endParaRPr lang="de-DE" sz="3100" dirty="0">
+            <a:endParaRPr lang="de-DE" sz="3200" dirty="0">
               <a:solidFill>
                 <a:srgbClr val="FFFFFF"/>
               </a:solidFill>
@@ -10489,7 +10622,7 @@
         <p:spPr>
           <a:xfrm>
             <a:off x="4582701" y="2603252"/>
-            <a:ext cx="6787661" cy="1631216"/>
+            <a:ext cx="6787661" cy="1938992"/>
           </a:xfrm>
           <a:prstGeom prst="rect">
             <a:avLst/>
@@ -10507,15 +10640,15 @@
               <a:buChar char="•"/>
             </a:pPr>
             <a:r>
-              <a:rPr lang="de-DE" sz="2000" dirty="0"/>
+              <a:rPr lang="de-DE" sz="2400" dirty="0"/>
               <a:t>Einbinden des Attention-</a:t>
             </a:r>
             <a:r>
-              <a:rPr lang="de-DE" sz="2000" dirty="0" err="1"/>
+              <a:rPr lang="de-DE" sz="2400" dirty="0" err="1"/>
               <a:t>Layers</a:t>
             </a:r>
             <a:r>
-              <a:rPr lang="de-DE" sz="2000" dirty="0"/>
+              <a:rPr lang="de-DE" sz="2400" dirty="0"/>
               <a:t> und optimieren der Hyperparameter</a:t>
             </a:r>
           </a:p>
@@ -10525,7 +10658,7 @@
               <a:buChar char="•"/>
             </a:pPr>
             <a:r>
-              <a:rPr lang="de-DE" sz="2000" dirty="0"/>
+              <a:rPr lang="de-DE" sz="2400" dirty="0"/>
               <a:t>Mehr Trainingsdaten und längere Sätze</a:t>
             </a:r>
           </a:p>
@@ -10535,7 +10668,7 @@
               <a:buChar char="•"/>
             </a:pPr>
             <a:r>
-              <a:rPr lang="de-DE" sz="2000" dirty="0"/>
+              <a:rPr lang="de-DE" sz="2400" dirty="0"/>
               <a:t>Erstellen eines Modells zur Feststellung in welchem Genre geantwortet werden soll</a:t>
             </a:r>
           </a:p>
@@ -16412,7 +16545,7 @@
           <p:nvPr>
             <p:extLst>
               <p:ext uri="{D42A27DB-BD31-4B8C-83A1-F6EECF244321}">
-                <p14:modId xmlns:p14="http://schemas.microsoft.com/office/powerpoint/2010/main" val="953499201"/>
+                <p14:modId xmlns:p14="http://schemas.microsoft.com/office/powerpoint/2010/main" val="1453006589"/>
               </p:ext>
             </p:extLst>
           </p:nvPr>
@@ -17076,6 +17209,14 @@
           <a:lstStyle/>
           <a:p>
             <a:r>
+              <a:rPr lang="en-US" sz="4000" dirty="0">
+                <a:solidFill>
+                  <a:srgbClr val="FFFFFF"/>
+                </a:solidFill>
+              </a:rPr>
+              <a:t>Seq2Seq </a:t>
+            </a:r>
+            <a:r>
               <a:rPr lang="en-US" sz="4000" kern="1200" dirty="0">
                 <a:solidFill>
                   <a:srgbClr val="FFFFFF"/>
@@ -17084,7 +17225,7 @@
                 <a:ea typeface="+mj-ea"/>
                 <a:cs typeface="+mj-cs"/>
               </a:rPr>
-              <a:t>Encoder – Decoder Modell</a:t>
+              <a:t>Modell</a:t>
             </a:r>
           </a:p>
         </p:txBody>
@@ -17823,7 +17964,7 @@
                 <a:ea typeface="+mj-ea"/>
                 <a:cs typeface="+mj-cs"/>
               </a:rPr>
-              <a:t>Encoder-Decoder Modell</a:t>
+              <a:t>Seq2Seq Modell</a:t>
             </a:r>
             <a:endParaRPr lang="de-DE" sz="3100" dirty="0">
               <a:solidFill>
@@ -18541,8 +18682,8 @@
         </p:nvSpPr>
         <p:spPr>
           <a:xfrm>
-            <a:off x="466722" y="586855"/>
-            <a:ext cx="3201366" cy="3387497"/>
+            <a:off x="466721" y="586855"/>
+            <a:ext cx="3458733" cy="3387497"/>
           </a:xfrm>
         </p:spPr>
         <p:txBody>
@@ -18561,7 +18702,40 @@
                 <a:ea typeface="+mj-ea"/>
                 <a:cs typeface="+mj-cs"/>
               </a:rPr>
-              <a:t>Encoder-Decoder Modell</a:t>
+              <a:t>Encoder-Decoder </a:t>
+            </a:r>
+            <a:r>
+              <a:rPr lang="en-US" sz="3200" kern="1200" dirty="0" err="1">
+                <a:solidFill>
+                  <a:srgbClr val="FFFFFF"/>
+                </a:solidFill>
+                <a:latin typeface="+mj-lt"/>
+                <a:ea typeface="+mj-ea"/>
+                <a:cs typeface="+mj-cs"/>
+              </a:rPr>
+              <a:t>Interferenz</a:t>
+            </a:r>
+            <a:r>
+              <a:rPr lang="en-US" sz="3200" kern="1200" dirty="0">
+                <a:solidFill>
+                  <a:srgbClr val="FFFFFF"/>
+                </a:solidFill>
+                <a:latin typeface="+mj-lt"/>
+                <a:ea typeface="+mj-ea"/>
+                <a:cs typeface="+mj-cs"/>
+              </a:rPr>
+              <a:t> </a:t>
+            </a:r>
+            <a:r>
+              <a:rPr lang="en-US" sz="3200" kern="1200" dirty="0" err="1">
+                <a:solidFill>
+                  <a:srgbClr val="FFFFFF"/>
+                </a:solidFill>
+                <a:latin typeface="+mj-lt"/>
+                <a:ea typeface="+mj-ea"/>
+                <a:cs typeface="+mj-cs"/>
+              </a:rPr>
+              <a:t>Modelle</a:t>
             </a:r>
             <a:endParaRPr lang="de-DE" sz="3100" dirty="0">
               <a:solidFill>
